--- a/projects/01-introducao-tdd/tdd.pptx
+++ b/projects/01-introducao-tdd/tdd.pptx
@@ -5,7 +5,7 @@
     <p:sldMasterId id="2147484025" r:id="rId1"/>
   </p:sldMasterIdLst>
   <p:notesMasterIdLst>
-    <p:notesMasterId r:id="rId26"/>
+    <p:notesMasterId r:id="rId27"/>
   </p:notesMasterIdLst>
   <p:sldIdLst>
     <p:sldId id="266" r:id="rId2"/>
@@ -29,9 +29,10 @@
     <p:sldId id="296" r:id="rId20"/>
     <p:sldId id="297" r:id="rId21"/>
     <p:sldId id="299" r:id="rId22"/>
-    <p:sldId id="301" r:id="rId23"/>
-    <p:sldId id="302" r:id="rId24"/>
-    <p:sldId id="281" r:id="rId25"/>
+    <p:sldId id="303" r:id="rId23"/>
+    <p:sldId id="301" r:id="rId24"/>
+    <p:sldId id="302" r:id="rId25"/>
+    <p:sldId id="281" r:id="rId26"/>
   </p:sldIdLst>
   <p:sldSz cx="12192000" cy="6858000"/>
   <p:notesSz cx="6858000" cy="9144000"/>
@@ -138,3009 +139,6 @@
 </p:presentation>
 </file>
 
-<file path=ppt/diagrams/colors1.xml><?xml version="1.0" encoding="utf-8"?>
-<dgm:colorsDef xmlns:dgm="http://schemas.openxmlformats.org/drawingml/2006/diagram" xmlns:a="http://schemas.openxmlformats.org/drawingml/2006/main" uniqueId="urn:microsoft.com/office/officeart/2005/8/colors/colorful2">
-  <dgm:title val=""/>
-  <dgm:desc val=""/>
-  <dgm:catLst>
-    <dgm:cat type="colorful" pri="10200"/>
-  </dgm:catLst>
-  <dgm:styleLbl name="node0">
-    <dgm:fillClrLst meth="repeat">
-      <a:schemeClr val="accent1"/>
-    </dgm:fillClrLst>
-    <dgm:linClrLst meth="repeat">
-      <a:schemeClr val="lt1"/>
-    </dgm:linClrLst>
-    <dgm:effectClrLst/>
-    <dgm:txLinClrLst/>
-    <dgm:txFillClrLst/>
-    <dgm:txEffectClrLst/>
-  </dgm:styleLbl>
-  <dgm:styleLbl name="node1">
-    <dgm:fillClrLst>
-      <a:schemeClr val="accent2"/>
-      <a:schemeClr val="accent3"/>
-    </dgm:fillClrLst>
-    <dgm:linClrLst meth="repeat">
-      <a:schemeClr val="lt1"/>
-    </dgm:linClrLst>
-    <dgm:effectClrLst/>
-    <dgm:txLinClrLst/>
-    <dgm:txFillClrLst/>
-    <dgm:txEffectClrLst/>
-  </dgm:styleLbl>
-  <dgm:styleLbl name="alignNode1">
-    <dgm:fillClrLst>
-      <a:schemeClr val="accent2"/>
-      <a:schemeClr val="accent3"/>
-    </dgm:fillClrLst>
-    <dgm:linClrLst>
-      <a:schemeClr val="accent2"/>
-      <a:schemeClr val="accent3"/>
-    </dgm:linClrLst>
-    <dgm:effectClrLst/>
-    <dgm:txLinClrLst/>
-    <dgm:txFillClrLst/>
-    <dgm:txEffectClrLst/>
-  </dgm:styleLbl>
-  <dgm:styleLbl name="lnNode1">
-    <dgm:fillClrLst>
-      <a:schemeClr val="accent2"/>
-      <a:schemeClr val="accent3"/>
-    </dgm:fillClrLst>
-    <dgm:linClrLst meth="repeat">
-      <a:schemeClr val="lt1"/>
-    </dgm:linClrLst>
-    <dgm:effectClrLst/>
-    <dgm:txLinClrLst/>
-    <dgm:txFillClrLst/>
-    <dgm:txEffectClrLst/>
-  </dgm:styleLbl>
-  <dgm:styleLbl name="vennNode1">
-    <dgm:fillClrLst>
-      <a:schemeClr val="accent2">
-        <a:alpha val="50000"/>
-      </a:schemeClr>
-      <a:schemeClr val="accent3">
-        <a:alpha val="50000"/>
-      </a:schemeClr>
-    </dgm:fillClrLst>
-    <dgm:linClrLst meth="repeat">
-      <a:schemeClr val="lt1"/>
-    </dgm:linClrLst>
-    <dgm:effectClrLst/>
-    <dgm:txLinClrLst/>
-    <dgm:txFillClrLst/>
-    <dgm:txEffectClrLst/>
-  </dgm:styleLbl>
-  <dgm:styleLbl name="node2">
-    <dgm:fillClrLst>
-      <a:schemeClr val="accent3"/>
-    </dgm:fillClrLst>
-    <dgm:linClrLst meth="repeat">
-      <a:schemeClr val="lt1"/>
-    </dgm:linClrLst>
-    <dgm:effectClrLst/>
-    <dgm:txLinClrLst/>
-    <dgm:txFillClrLst/>
-    <dgm:txEffectClrLst/>
-  </dgm:styleLbl>
-  <dgm:styleLbl name="node3">
-    <dgm:fillClrLst>
-      <a:schemeClr val="accent4"/>
-    </dgm:fillClrLst>
-    <dgm:linClrLst meth="repeat">
-      <a:schemeClr val="lt1"/>
-    </dgm:linClrLst>
-    <dgm:effectClrLst/>
-    <dgm:txLinClrLst/>
-    <dgm:txFillClrLst/>
-    <dgm:txEffectClrLst/>
-  </dgm:styleLbl>
-  <dgm:styleLbl name="node4">
-    <dgm:fillClrLst>
-      <a:schemeClr val="accent5"/>
-    </dgm:fillClrLst>
-    <dgm:linClrLst meth="repeat">
-      <a:schemeClr val="lt1"/>
-    </dgm:linClrLst>
-    <dgm:effectClrLst/>
-    <dgm:txLinClrLst/>
-    <dgm:txFillClrLst/>
-    <dgm:txEffectClrLst/>
-  </dgm:styleLbl>
-  <dgm:styleLbl name="fgImgPlace1">
-    <dgm:fillClrLst>
-      <a:schemeClr val="accent2">
-        <a:tint val="50000"/>
-      </a:schemeClr>
-      <a:schemeClr val="accent3">
-        <a:tint val="50000"/>
-      </a:schemeClr>
-    </dgm:fillClrLst>
-    <dgm:linClrLst meth="repeat">
-      <a:schemeClr val="lt1"/>
-    </dgm:linClrLst>
-    <dgm:effectClrLst/>
-    <dgm:txLinClrLst/>
-    <dgm:txFillClrLst meth="repeat">
-      <a:schemeClr val="lt1"/>
-    </dgm:txFillClrLst>
-    <dgm:txEffectClrLst/>
-  </dgm:styleLbl>
-  <dgm:styleLbl name="alignImgPlace1">
-    <dgm:fillClrLst>
-      <a:schemeClr val="accent2">
-        <a:tint val="50000"/>
-      </a:schemeClr>
-      <a:schemeClr val="accent3">
-        <a:tint val="20000"/>
-      </a:schemeClr>
-    </dgm:fillClrLst>
-    <dgm:linClrLst meth="repeat">
-      <a:schemeClr val="lt1"/>
-    </dgm:linClrLst>
-    <dgm:effectClrLst/>
-    <dgm:txLinClrLst/>
-    <dgm:txFillClrLst meth="repeat">
-      <a:schemeClr val="lt1"/>
-    </dgm:txFillClrLst>
-    <dgm:txEffectClrLst/>
-  </dgm:styleLbl>
-  <dgm:styleLbl name="bgImgPlace1">
-    <dgm:fillClrLst>
-      <a:schemeClr val="accent2">
-        <a:tint val="50000"/>
-      </a:schemeClr>
-      <a:schemeClr val="accent3">
-        <a:tint val="20000"/>
-      </a:schemeClr>
-    </dgm:fillClrLst>
-    <dgm:linClrLst meth="repeat">
-      <a:schemeClr val="lt1"/>
-    </dgm:linClrLst>
-    <dgm:effectClrLst/>
-    <dgm:txLinClrLst/>
-    <dgm:txFillClrLst meth="repeat">
-      <a:schemeClr val="lt1"/>
-    </dgm:txFillClrLst>
-    <dgm:txEffectClrLst/>
-  </dgm:styleLbl>
-  <dgm:styleLbl name="sibTrans2D1">
-    <dgm:fillClrLst>
-      <a:schemeClr val="accent2"/>
-      <a:schemeClr val="accent3"/>
-    </dgm:fillClrLst>
-    <dgm:linClrLst meth="repeat">
-      <a:schemeClr val="lt1"/>
-    </dgm:linClrLst>
-    <dgm:effectClrLst/>
-    <dgm:txLinClrLst/>
-    <dgm:txFillClrLst/>
-    <dgm:txEffectClrLst/>
-  </dgm:styleLbl>
-  <dgm:styleLbl name="fgSibTrans2D1">
-    <dgm:fillClrLst>
-      <a:schemeClr val="accent2"/>
-      <a:schemeClr val="accent3"/>
-    </dgm:fillClrLst>
-    <dgm:linClrLst meth="repeat">
-      <a:schemeClr val="lt1"/>
-    </dgm:linClrLst>
-    <dgm:effectClrLst/>
-    <dgm:txLinClrLst/>
-    <dgm:txFillClrLst meth="repeat">
-      <a:schemeClr val="lt1"/>
-    </dgm:txFillClrLst>
-    <dgm:txEffectClrLst/>
-  </dgm:styleLbl>
-  <dgm:styleLbl name="bgSibTrans2D1">
-    <dgm:fillClrLst>
-      <a:schemeClr val="accent2"/>
-      <a:schemeClr val="accent3"/>
-    </dgm:fillClrLst>
-    <dgm:linClrLst meth="repeat">
-      <a:schemeClr val="lt1"/>
-    </dgm:linClrLst>
-    <dgm:effectClrLst/>
-    <dgm:txLinClrLst/>
-    <dgm:txFillClrLst meth="repeat">
-      <a:schemeClr val="lt1"/>
-    </dgm:txFillClrLst>
-    <dgm:txEffectClrLst/>
-  </dgm:styleLbl>
-  <dgm:styleLbl name="sibTrans1D1">
-    <dgm:fillClrLst/>
-    <dgm:linClrLst>
-      <a:schemeClr val="accent2"/>
-      <a:schemeClr val="accent3"/>
-    </dgm:linClrLst>
-    <dgm:effectClrLst/>
-    <dgm:txLinClrLst/>
-    <dgm:txFillClrLst meth="repeat">
-      <a:schemeClr val="tx1"/>
-    </dgm:txFillClrLst>
-    <dgm:txEffectClrLst/>
-  </dgm:styleLbl>
-  <dgm:styleLbl name="callout">
-    <dgm:fillClrLst meth="repeat">
-      <a:schemeClr val="accent2"/>
-    </dgm:fillClrLst>
-    <dgm:linClrLst meth="repeat">
-      <a:schemeClr val="accent2">
-        <a:tint val="50000"/>
-      </a:schemeClr>
-    </dgm:linClrLst>
-    <dgm:effectClrLst/>
-    <dgm:txLinClrLst/>
-    <dgm:txFillClrLst meth="repeat">
-      <a:schemeClr val="tx1"/>
-    </dgm:txFillClrLst>
-    <dgm:txEffectClrLst/>
-  </dgm:styleLbl>
-  <dgm:styleLbl name="asst0">
-    <dgm:fillClrLst meth="repeat">
-      <a:schemeClr val="accent2"/>
-    </dgm:fillClrLst>
-    <dgm:linClrLst meth="repeat">
-      <a:schemeClr val="lt1">
-        <a:shade val="80000"/>
-      </a:schemeClr>
-    </dgm:linClrLst>
-    <dgm:effectClrLst/>
-    <dgm:txLinClrLst/>
-    <dgm:txFillClrLst/>
-    <dgm:txEffectClrLst/>
-  </dgm:styleLbl>
-  <dgm:styleLbl name="asst1">
-    <dgm:fillClrLst meth="repeat">
-      <a:schemeClr val="accent3"/>
-    </dgm:fillClrLst>
-    <dgm:linClrLst meth="repeat">
-      <a:schemeClr val="lt1">
-        <a:shade val="80000"/>
-      </a:schemeClr>
-    </dgm:linClrLst>
-    <dgm:effectClrLst/>
-    <dgm:txLinClrLst/>
-    <dgm:txFillClrLst/>
-    <dgm:txEffectClrLst/>
-  </dgm:styleLbl>
-  <dgm:styleLbl name="asst2">
-    <dgm:fillClrLst>
-      <a:schemeClr val="accent4"/>
-    </dgm:fillClrLst>
-    <dgm:linClrLst meth="repeat">
-      <a:schemeClr val="lt1"/>
-    </dgm:linClrLst>
-    <dgm:effectClrLst/>
-    <dgm:txLinClrLst/>
-    <dgm:txFillClrLst/>
-    <dgm:txEffectClrLst/>
-  </dgm:styleLbl>
-  <dgm:styleLbl name="asst3">
-    <dgm:fillClrLst>
-      <a:schemeClr val="accent5"/>
-    </dgm:fillClrLst>
-    <dgm:linClrLst meth="repeat">
-      <a:schemeClr val="lt1"/>
-    </dgm:linClrLst>
-    <dgm:effectClrLst/>
-    <dgm:txLinClrLst/>
-    <dgm:txFillClrLst/>
-    <dgm:txEffectClrLst/>
-  </dgm:styleLbl>
-  <dgm:styleLbl name="asst4">
-    <dgm:fillClrLst>
-      <a:schemeClr val="accent6"/>
-    </dgm:fillClrLst>
-    <dgm:linClrLst meth="repeat">
-      <a:schemeClr val="lt1"/>
-    </dgm:linClrLst>
-    <dgm:effectClrLst/>
-    <dgm:txLinClrLst/>
-    <dgm:txFillClrLst/>
-    <dgm:txEffectClrLst/>
-  </dgm:styleLbl>
-  <dgm:styleLbl name="parChTrans2D1">
-    <dgm:fillClrLst meth="repeat">
-      <a:schemeClr val="accent2"/>
-    </dgm:fillClrLst>
-    <dgm:linClrLst meth="repeat">
-      <a:schemeClr val="lt1"/>
-    </dgm:linClrLst>
-    <dgm:effectClrLst/>
-    <dgm:txLinClrLst/>
-    <dgm:txFillClrLst meth="repeat">
-      <a:schemeClr val="lt1"/>
-    </dgm:txFillClrLst>
-    <dgm:txEffectClrLst/>
-  </dgm:styleLbl>
-  <dgm:styleLbl name="parChTrans2D2">
-    <dgm:fillClrLst meth="repeat">
-      <a:schemeClr val="accent3"/>
-    </dgm:fillClrLst>
-    <dgm:linClrLst meth="repeat">
-      <a:schemeClr val="lt1"/>
-    </dgm:linClrLst>
-    <dgm:effectClrLst/>
-    <dgm:txLinClrLst/>
-    <dgm:txFillClrLst/>
-    <dgm:txEffectClrLst/>
-  </dgm:styleLbl>
-  <dgm:styleLbl name="parChTrans2D3">
-    <dgm:fillClrLst meth="repeat">
-      <a:schemeClr val="accent4"/>
-    </dgm:fillClrLst>
-    <dgm:linClrLst meth="repeat">
-      <a:schemeClr val="lt1"/>
-    </dgm:linClrLst>
-    <dgm:effectClrLst/>
-    <dgm:txLinClrLst/>
-    <dgm:txFillClrLst/>
-    <dgm:txEffectClrLst/>
-  </dgm:styleLbl>
-  <dgm:styleLbl name="parChTrans2D4">
-    <dgm:fillClrLst meth="repeat">
-      <a:schemeClr val="accent5"/>
-    </dgm:fillClrLst>
-    <dgm:linClrLst meth="repeat">
-      <a:schemeClr val="lt1"/>
-    </dgm:linClrLst>
-    <dgm:effectClrLst/>
-    <dgm:txLinClrLst/>
-    <dgm:txFillClrLst meth="repeat">
-      <a:schemeClr val="lt1"/>
-    </dgm:txFillClrLst>
-    <dgm:txEffectClrLst/>
-  </dgm:styleLbl>
-  <dgm:styleLbl name="parChTrans1D1">
-    <dgm:fillClrLst meth="repeat">
-      <a:schemeClr val="accent2"/>
-    </dgm:fillClrLst>
-    <dgm:linClrLst meth="repeat">
-      <a:schemeClr val="accent2"/>
-    </dgm:linClrLst>
-    <dgm:effectClrLst/>
-    <dgm:txLinClrLst/>
-    <dgm:txFillClrLst meth="repeat">
-      <a:schemeClr val="tx1"/>
-    </dgm:txFillClrLst>
-    <dgm:txEffectClrLst/>
-  </dgm:styleLbl>
-  <dgm:styleLbl name="parChTrans1D2">
-    <dgm:fillClrLst meth="repeat">
-      <a:schemeClr val="accent2">
-        <a:tint val="90000"/>
-      </a:schemeClr>
-    </dgm:fillClrLst>
-    <dgm:linClrLst meth="repeat">
-      <a:schemeClr val="accent3"/>
-    </dgm:linClrLst>
-    <dgm:effectClrLst/>
-    <dgm:txLinClrLst/>
-    <dgm:txFillClrLst meth="repeat">
-      <a:schemeClr val="tx1"/>
-    </dgm:txFillClrLst>
-    <dgm:txEffectClrLst/>
-  </dgm:styleLbl>
-  <dgm:styleLbl name="parChTrans1D3">
-    <dgm:fillClrLst meth="repeat">
-      <a:schemeClr val="accent2">
-        <a:tint val="70000"/>
-      </a:schemeClr>
-    </dgm:fillClrLst>
-    <dgm:linClrLst meth="repeat">
-      <a:schemeClr val="accent4"/>
-    </dgm:linClrLst>
-    <dgm:effectClrLst/>
-    <dgm:txLinClrLst/>
-    <dgm:txFillClrLst meth="repeat">
-      <a:schemeClr val="tx1"/>
-    </dgm:txFillClrLst>
-    <dgm:txEffectClrLst/>
-  </dgm:styleLbl>
-  <dgm:styleLbl name="parChTrans1D4">
-    <dgm:fillClrLst meth="repeat">
-      <a:schemeClr val="accent2">
-        <a:tint val="50000"/>
-      </a:schemeClr>
-    </dgm:fillClrLst>
-    <dgm:linClrLst meth="repeat">
-      <a:schemeClr val="accent5"/>
-    </dgm:linClrLst>
-    <dgm:effectClrLst/>
-    <dgm:txLinClrLst/>
-    <dgm:txFillClrLst meth="repeat">
-      <a:schemeClr val="tx1"/>
-    </dgm:txFillClrLst>
-    <dgm:txEffectClrLst/>
-  </dgm:styleLbl>
-  <dgm:styleLbl name="fgAcc1">
-    <dgm:fillClrLst meth="repeat">
-      <a:schemeClr val="lt1">
-        <a:alpha val="90000"/>
-      </a:schemeClr>
-    </dgm:fillClrLst>
-    <dgm:linClrLst>
-      <a:schemeClr val="accent2"/>
-      <a:schemeClr val="accent3"/>
-    </dgm:linClrLst>
-    <dgm:effectClrLst/>
-    <dgm:txLinClrLst/>
-    <dgm:txFillClrLst meth="repeat">
-      <a:schemeClr val="dk1"/>
-    </dgm:txFillClrLst>
-    <dgm:txEffectClrLst/>
-  </dgm:styleLbl>
-  <dgm:styleLbl name="conFgAcc1">
-    <dgm:fillClrLst meth="repeat">
-      <a:schemeClr val="lt1">
-        <a:alpha val="90000"/>
-      </a:schemeClr>
-    </dgm:fillClrLst>
-    <dgm:linClrLst>
-      <a:schemeClr val="accent2"/>
-      <a:schemeClr val="accent3"/>
-    </dgm:linClrLst>
-    <dgm:effectClrLst/>
-    <dgm:txLinClrLst/>
-    <dgm:txFillClrLst meth="repeat">
-      <a:schemeClr val="dk1"/>
-    </dgm:txFillClrLst>
-    <dgm:txEffectClrLst/>
-  </dgm:styleLbl>
-  <dgm:styleLbl name="alignAcc1">
-    <dgm:fillClrLst meth="repeat">
-      <a:schemeClr val="lt1">
-        <a:alpha val="90000"/>
-      </a:schemeClr>
-    </dgm:fillClrLst>
-    <dgm:linClrLst>
-      <a:schemeClr val="accent2"/>
-      <a:schemeClr val="accent3"/>
-    </dgm:linClrLst>
-    <dgm:effectClrLst/>
-    <dgm:txLinClrLst/>
-    <dgm:txFillClrLst meth="repeat">
-      <a:schemeClr val="dk1"/>
-    </dgm:txFillClrLst>
-    <dgm:txEffectClrLst/>
-  </dgm:styleLbl>
-  <dgm:styleLbl name="trAlignAcc1">
-    <dgm:fillClrLst meth="repeat">
-      <a:schemeClr val="lt1">
-        <a:alpha val="40000"/>
-      </a:schemeClr>
-    </dgm:fillClrLst>
-    <dgm:linClrLst meth="repeat">
-      <a:schemeClr val="accent2"/>
-    </dgm:linClrLst>
-    <dgm:effectClrLst/>
-    <dgm:txLinClrLst/>
-    <dgm:txFillClrLst meth="repeat">
-      <a:schemeClr val="dk1"/>
-    </dgm:txFillClrLst>
-    <dgm:txEffectClrLst/>
-  </dgm:styleLbl>
-  <dgm:styleLbl name="bgAcc1">
-    <dgm:fillClrLst meth="repeat">
-      <a:schemeClr val="lt1">
-        <a:alpha val="90000"/>
-      </a:schemeClr>
-    </dgm:fillClrLst>
-    <dgm:linClrLst>
-      <a:schemeClr val="accent2"/>
-      <a:schemeClr val="accent3"/>
-    </dgm:linClrLst>
-    <dgm:effectClrLst/>
-    <dgm:txLinClrLst/>
-    <dgm:txFillClrLst meth="repeat">
-      <a:schemeClr val="dk1"/>
-    </dgm:txFillClrLst>
-    <dgm:txEffectClrLst/>
-  </dgm:styleLbl>
-  <dgm:styleLbl name="solidFgAcc1">
-    <dgm:fillClrLst meth="repeat">
-      <a:schemeClr val="lt1"/>
-    </dgm:fillClrLst>
-    <dgm:linClrLst>
-      <a:schemeClr val="accent2"/>
-      <a:schemeClr val="accent3"/>
-    </dgm:linClrLst>
-    <dgm:effectClrLst/>
-    <dgm:txLinClrLst/>
-    <dgm:txFillClrLst meth="repeat">
-      <a:schemeClr val="dk1"/>
-    </dgm:txFillClrLst>
-    <dgm:txEffectClrLst/>
-  </dgm:styleLbl>
-  <dgm:styleLbl name="solidAlignAcc1">
-    <dgm:fillClrLst meth="repeat">
-      <a:schemeClr val="lt1"/>
-    </dgm:fillClrLst>
-    <dgm:linClrLst>
-      <a:schemeClr val="accent2"/>
-      <a:schemeClr val="accent3"/>
-    </dgm:linClrLst>
-    <dgm:effectClrLst/>
-    <dgm:txLinClrLst/>
-    <dgm:txFillClrLst meth="repeat">
-      <a:schemeClr val="dk1"/>
-    </dgm:txFillClrLst>
-    <dgm:txEffectClrLst/>
-  </dgm:styleLbl>
-  <dgm:styleLbl name="solidBgAcc1">
-    <dgm:fillClrLst meth="repeat">
-      <a:schemeClr val="lt1"/>
-    </dgm:fillClrLst>
-    <dgm:linClrLst>
-      <a:schemeClr val="accent2"/>
-      <a:schemeClr val="accent3"/>
-    </dgm:linClrLst>
-    <dgm:effectClrLst/>
-    <dgm:txLinClrLst/>
-    <dgm:txFillClrLst meth="repeat">
-      <a:schemeClr val="dk1"/>
-    </dgm:txFillClrLst>
-    <dgm:txEffectClrLst/>
-  </dgm:styleLbl>
-  <dgm:styleLbl name="fgAccFollowNode1">
-    <dgm:fillClrLst>
-      <a:schemeClr val="accent2">
-        <a:tint val="40000"/>
-        <a:alpha val="90000"/>
-      </a:schemeClr>
-      <a:schemeClr val="accent3">
-        <a:tint val="40000"/>
-        <a:alpha val="90000"/>
-      </a:schemeClr>
-    </dgm:fillClrLst>
-    <dgm:linClrLst>
-      <a:schemeClr val="accent2">
-        <a:tint val="40000"/>
-        <a:alpha val="90000"/>
-      </a:schemeClr>
-      <a:schemeClr val="accent3">
-        <a:tint val="40000"/>
-        <a:alpha val="90000"/>
-      </a:schemeClr>
-    </dgm:linClrLst>
-    <dgm:effectClrLst/>
-    <dgm:txLinClrLst/>
-    <dgm:txFillClrLst meth="repeat">
-      <a:schemeClr val="dk1"/>
-    </dgm:txFillClrLst>
-    <dgm:txEffectClrLst/>
-  </dgm:styleLbl>
-  <dgm:styleLbl name="alignAccFollowNode1">
-    <dgm:fillClrLst>
-      <a:schemeClr val="accent2">
-        <a:tint val="40000"/>
-        <a:alpha val="90000"/>
-      </a:schemeClr>
-      <a:schemeClr val="accent3">
-        <a:tint val="40000"/>
-        <a:alpha val="90000"/>
-      </a:schemeClr>
-    </dgm:fillClrLst>
-    <dgm:linClrLst>
-      <a:schemeClr val="accent2">
-        <a:tint val="40000"/>
-        <a:alpha val="90000"/>
-      </a:schemeClr>
-      <a:schemeClr val="accent3">
-        <a:tint val="40000"/>
-        <a:alpha val="90000"/>
-      </a:schemeClr>
-    </dgm:linClrLst>
-    <dgm:effectClrLst/>
-    <dgm:txLinClrLst/>
-    <dgm:txFillClrLst meth="repeat">
-      <a:schemeClr val="dk1"/>
-    </dgm:txFillClrLst>
-    <dgm:txEffectClrLst/>
-  </dgm:styleLbl>
-  <dgm:styleLbl name="bgAccFollowNode1">
-    <dgm:fillClrLst>
-      <a:schemeClr val="accent2">
-        <a:tint val="40000"/>
-        <a:alpha val="90000"/>
-      </a:schemeClr>
-      <a:schemeClr val="accent3">
-        <a:tint val="40000"/>
-        <a:alpha val="90000"/>
-      </a:schemeClr>
-    </dgm:fillClrLst>
-    <dgm:linClrLst>
-      <a:schemeClr val="accent2">
-        <a:tint val="40000"/>
-        <a:alpha val="90000"/>
-      </a:schemeClr>
-      <a:schemeClr val="accent3">
-        <a:tint val="40000"/>
-        <a:alpha val="90000"/>
-      </a:schemeClr>
-    </dgm:linClrLst>
-    <dgm:effectClrLst/>
-    <dgm:txLinClrLst/>
-    <dgm:txFillClrLst meth="repeat">
-      <a:schemeClr val="dk1"/>
-    </dgm:txFillClrLst>
-    <dgm:txEffectClrLst/>
-  </dgm:styleLbl>
-  <dgm:styleLbl name="fgAcc0">
-    <dgm:fillClrLst meth="repeat">
-      <a:schemeClr val="lt1">
-        <a:alpha val="90000"/>
-      </a:schemeClr>
-    </dgm:fillClrLst>
-    <dgm:linClrLst>
-      <a:schemeClr val="accent1"/>
-    </dgm:linClrLst>
-    <dgm:effectClrLst/>
-    <dgm:txLinClrLst/>
-    <dgm:txFillClrLst meth="repeat">
-      <a:schemeClr val="dk1"/>
-    </dgm:txFillClrLst>
-    <dgm:txEffectClrLst/>
-  </dgm:styleLbl>
-  <dgm:styleLbl name="fgAcc2">
-    <dgm:fillClrLst meth="repeat">
-      <a:schemeClr val="lt1">
-        <a:alpha val="90000"/>
-      </a:schemeClr>
-    </dgm:fillClrLst>
-    <dgm:linClrLst>
-      <a:schemeClr val="accent3"/>
-    </dgm:linClrLst>
-    <dgm:effectClrLst/>
-    <dgm:txLinClrLst/>
-    <dgm:txFillClrLst meth="repeat">
-      <a:schemeClr val="dk1"/>
-    </dgm:txFillClrLst>
-    <dgm:txEffectClrLst/>
-  </dgm:styleLbl>
-  <dgm:styleLbl name="fgAcc3">
-    <dgm:fillClrLst meth="repeat">
-      <a:schemeClr val="lt1">
-        <a:alpha val="90000"/>
-      </a:schemeClr>
-    </dgm:fillClrLst>
-    <dgm:linClrLst>
-      <a:schemeClr val="accent4"/>
-    </dgm:linClrLst>
-    <dgm:effectClrLst/>
-    <dgm:txLinClrLst/>
-    <dgm:txFillClrLst meth="repeat">
-      <a:schemeClr val="dk1"/>
-    </dgm:txFillClrLst>
-    <dgm:txEffectClrLst/>
-  </dgm:styleLbl>
-  <dgm:styleLbl name="fgAcc4">
-    <dgm:fillClrLst meth="repeat">
-      <a:schemeClr val="lt1">
-        <a:alpha val="90000"/>
-      </a:schemeClr>
-    </dgm:fillClrLst>
-    <dgm:linClrLst>
-      <a:schemeClr val="accent5"/>
-    </dgm:linClrLst>
-    <dgm:effectClrLst/>
-    <dgm:txLinClrLst/>
-    <dgm:txFillClrLst meth="repeat">
-      <a:schemeClr val="dk1"/>
-    </dgm:txFillClrLst>
-    <dgm:txEffectClrLst/>
-  </dgm:styleLbl>
-  <dgm:styleLbl name="bgShp">
-    <dgm:fillClrLst meth="repeat">
-      <a:schemeClr val="accent2">
-        <a:tint val="40000"/>
-      </a:schemeClr>
-    </dgm:fillClrLst>
-    <dgm:linClrLst meth="repeat">
-      <a:schemeClr val="dk1"/>
-    </dgm:linClrLst>
-    <dgm:effectClrLst/>
-    <dgm:txLinClrLst/>
-    <dgm:txFillClrLst meth="repeat">
-      <a:schemeClr val="dk1"/>
-    </dgm:txFillClrLst>
-    <dgm:txEffectClrLst/>
-  </dgm:styleLbl>
-  <dgm:styleLbl name="dkBgShp">
-    <dgm:fillClrLst meth="repeat">
-      <a:schemeClr val="accent2">
-        <a:shade val="90000"/>
-      </a:schemeClr>
-    </dgm:fillClrLst>
-    <dgm:linClrLst meth="repeat">
-      <a:schemeClr val="dk1"/>
-    </dgm:linClrLst>
-    <dgm:effectClrLst/>
-    <dgm:txLinClrLst/>
-    <dgm:txFillClrLst meth="repeat">
-      <a:schemeClr val="lt1"/>
-    </dgm:txFillClrLst>
-    <dgm:txEffectClrLst/>
-  </dgm:styleLbl>
-  <dgm:styleLbl name="trBgShp">
-    <dgm:fillClrLst meth="repeat">
-      <a:schemeClr val="accent2">
-        <a:tint val="50000"/>
-        <a:alpha val="40000"/>
-      </a:schemeClr>
-    </dgm:fillClrLst>
-    <dgm:linClrLst meth="repeat">
-      <a:schemeClr val="accent2"/>
-    </dgm:linClrLst>
-    <dgm:effectClrLst/>
-    <dgm:txLinClrLst/>
-    <dgm:txFillClrLst meth="repeat">
-      <a:schemeClr val="lt1"/>
-    </dgm:txFillClrLst>
-    <dgm:txEffectClrLst/>
-  </dgm:styleLbl>
-  <dgm:styleLbl name="fgShp">
-    <dgm:fillClrLst meth="repeat">
-      <a:schemeClr val="accent2">
-        <a:tint val="40000"/>
-      </a:schemeClr>
-    </dgm:fillClrLst>
-    <dgm:linClrLst meth="repeat">
-      <a:schemeClr val="lt1"/>
-    </dgm:linClrLst>
-    <dgm:effectClrLst/>
-    <dgm:txLinClrLst/>
-    <dgm:txFillClrLst meth="repeat">
-      <a:schemeClr val="dk1"/>
-    </dgm:txFillClrLst>
-    <dgm:txEffectClrLst/>
-  </dgm:styleLbl>
-  <dgm:styleLbl name="revTx">
-    <dgm:fillClrLst meth="repeat">
-      <a:schemeClr val="lt1">
-        <a:alpha val="0"/>
-      </a:schemeClr>
-    </dgm:fillClrLst>
-    <dgm:linClrLst meth="repeat">
-      <a:schemeClr val="dk1">
-        <a:alpha val="0"/>
-      </a:schemeClr>
-    </dgm:linClrLst>
-    <dgm:effectClrLst/>
-    <dgm:txLinClrLst/>
-    <dgm:txFillClrLst meth="repeat">
-      <a:schemeClr val="tx1"/>
-    </dgm:txFillClrLst>
-    <dgm:txEffectClrLst/>
-  </dgm:styleLbl>
-</dgm:colorsDef>
-</file>
-
-<file path=ppt/diagrams/data1.xml><?xml version="1.0" encoding="utf-8"?>
-<dgm:dataModel xmlns:dgm="http://schemas.openxmlformats.org/drawingml/2006/diagram" xmlns:a="http://schemas.openxmlformats.org/drawingml/2006/main">
-  <dgm:ptLst>
-    <dgm:pt modelId="{45D60C24-D61C-3B49-932F-C276EA7AF1B8}" type="doc">
-      <dgm:prSet loTypeId="urn:microsoft.com/office/officeart/2005/8/layout/cycle5" loCatId="" qsTypeId="urn:microsoft.com/office/officeart/2005/8/quickstyle/3d4" qsCatId="3D" csTypeId="urn:microsoft.com/office/officeart/2005/8/colors/colorful2" csCatId="colorful" phldr="1"/>
-      <dgm:spPr/>
-      <dgm:t>
-        <a:bodyPr/>
-        <a:lstStyle/>
-        <a:p>
-          <a:endParaRPr lang="en-US"/>
-        </a:p>
-      </dgm:t>
-    </dgm:pt>
-    <dgm:pt modelId="{75C42D76-8B39-BF4A-8EAC-793369B173A3}">
-      <dgm:prSet phldrT="[Text]" custT="1"/>
-      <dgm:spPr>
-        <a:solidFill>
-          <a:srgbClr val="FF0000"/>
-        </a:solidFill>
-      </dgm:spPr>
-      <dgm:t>
-        <a:bodyPr/>
-        <a:lstStyle/>
-        <a:p>
-          <a:r>
-            <a:rPr lang="en-US" sz="1800" b="1">
-              <a:solidFill>
-                <a:schemeClr val="bg1"/>
-              </a:solidFill>
-            </a:rPr>
-            <a:t>1. Red: </a:t>
-          </a:r>
-          <a:r>
-            <a:rPr lang="en-US" sz="1800" b="1" err="1">
-              <a:solidFill>
-                <a:schemeClr val="bg1"/>
-              </a:solidFill>
-            </a:rPr>
-            <a:t>Escrever</a:t>
-          </a:r>
-          <a:r>
-            <a:rPr lang="en-US" sz="1800" b="1">
-              <a:solidFill>
-                <a:schemeClr val="bg1"/>
-              </a:solidFill>
-            </a:rPr>
-            <a:t> um Teste</a:t>
-          </a:r>
-        </a:p>
-      </dgm:t>
-    </dgm:pt>
-    <dgm:pt modelId="{E3CF7BBD-C8DD-EA4E-8E83-12F1FF5F2933}" type="parTrans" cxnId="{53784F0D-F9DD-FD40-8842-4F96C8235F0E}">
-      <dgm:prSet/>
-      <dgm:spPr/>
-      <dgm:t>
-        <a:bodyPr/>
-        <a:lstStyle/>
-        <a:p>
-          <a:endParaRPr lang="en-US"/>
-        </a:p>
-      </dgm:t>
-    </dgm:pt>
-    <dgm:pt modelId="{ACCA09E5-07FD-7D4E-87E6-6AF0AEFC93BC}" type="sibTrans" cxnId="{53784F0D-F9DD-FD40-8842-4F96C8235F0E}">
-      <dgm:prSet/>
-      <dgm:spPr/>
-      <dgm:t>
-        <a:bodyPr/>
-        <a:lstStyle/>
-        <a:p>
-          <a:endParaRPr lang="en-US"/>
-        </a:p>
-      </dgm:t>
-    </dgm:pt>
-    <dgm:pt modelId="{EA499406-DBFA-194B-B2A1-070AB6B7C9DB}">
-      <dgm:prSet phldrT="[Text]" custT="1"/>
-      <dgm:spPr>
-        <a:solidFill>
-          <a:srgbClr val="00B050"/>
-        </a:solidFill>
-      </dgm:spPr>
-      <dgm:t>
-        <a:bodyPr/>
-        <a:lstStyle/>
-        <a:p>
-          <a:r>
-            <a:rPr lang="en-US" sz="1800" b="1">
-              <a:solidFill>
-                <a:schemeClr val="bg1"/>
-              </a:solidFill>
-            </a:rPr>
-            <a:t>2. Green: </a:t>
-          </a:r>
-          <a:r>
-            <a:rPr lang="en-US" sz="1800" b="1" err="1">
-              <a:solidFill>
-                <a:schemeClr val="bg1"/>
-              </a:solidFill>
-            </a:rPr>
-            <a:t>Escrever</a:t>
-          </a:r>
-          <a:r>
-            <a:rPr lang="en-US" sz="1800" b="1">
-              <a:solidFill>
-                <a:schemeClr val="bg1"/>
-              </a:solidFill>
-            </a:rPr>
-            <a:t> o </a:t>
-          </a:r>
-          <a:r>
-            <a:rPr lang="en-US" sz="1800" b="1" err="1">
-              <a:solidFill>
-                <a:schemeClr val="bg1"/>
-              </a:solidFill>
-            </a:rPr>
-            <a:t>mínimo</a:t>
-          </a:r>
-          <a:r>
-            <a:rPr lang="en-US" sz="1800" b="1">
-              <a:solidFill>
-                <a:schemeClr val="bg1"/>
-              </a:solidFill>
-            </a:rPr>
-            <a:t> de </a:t>
-          </a:r>
-          <a:r>
-            <a:rPr lang="en-US" sz="1800" b="1" err="1">
-              <a:solidFill>
-                <a:schemeClr val="bg1"/>
-              </a:solidFill>
-            </a:rPr>
-            <a:t>código</a:t>
-          </a:r>
-          <a:r>
-            <a:rPr lang="en-US" sz="1800" b="1">
-              <a:solidFill>
-                <a:schemeClr val="bg1"/>
-              </a:solidFill>
-            </a:rPr>
-            <a:t> para o teste </a:t>
-          </a:r>
-          <a:r>
-            <a:rPr lang="en-US" sz="1800" b="1" err="1">
-              <a:solidFill>
-                <a:schemeClr val="bg1"/>
-              </a:solidFill>
-            </a:rPr>
-            <a:t>passar</a:t>
-          </a:r>
-          <a:endParaRPr lang="en-US" sz="1800" b="1">
-            <a:solidFill>
-              <a:schemeClr val="bg1"/>
-            </a:solidFill>
-          </a:endParaRPr>
-        </a:p>
-      </dgm:t>
-    </dgm:pt>
-    <dgm:pt modelId="{82F51418-4C8D-E04D-ABAD-EE7798A484C2}" type="parTrans" cxnId="{B5EAAC84-0CC0-A84B-A740-16B4E855F4D5}">
-      <dgm:prSet/>
-      <dgm:spPr/>
-      <dgm:t>
-        <a:bodyPr/>
-        <a:lstStyle/>
-        <a:p>
-          <a:endParaRPr lang="en-US"/>
-        </a:p>
-      </dgm:t>
-    </dgm:pt>
-    <dgm:pt modelId="{13F903DB-8DAB-DF4C-9E38-9F23D23A56A6}" type="sibTrans" cxnId="{B5EAAC84-0CC0-A84B-A740-16B4E855F4D5}">
-      <dgm:prSet/>
-      <dgm:spPr/>
-      <dgm:t>
-        <a:bodyPr/>
-        <a:lstStyle/>
-        <a:p>
-          <a:endParaRPr lang="en-US"/>
-        </a:p>
-      </dgm:t>
-    </dgm:pt>
-    <dgm:pt modelId="{23811D10-7150-FE4C-95C1-F37D3EC9A9D2}">
-      <dgm:prSet phldrT="[Text]" custT="1"/>
-      <dgm:spPr>
-        <a:solidFill>
-          <a:srgbClr val="FFFF00"/>
-        </a:solidFill>
-      </dgm:spPr>
-      <dgm:t>
-        <a:bodyPr/>
-        <a:lstStyle/>
-        <a:p>
-          <a:r>
-            <a:rPr lang="en-US" sz="1800" b="1">
-              <a:solidFill>
-                <a:schemeClr val="bg1"/>
-              </a:solidFill>
-            </a:rPr>
-            <a:t>3. </a:t>
-          </a:r>
-          <a:r>
-            <a:rPr lang="en-US" sz="1800" b="1" err="1">
-              <a:solidFill>
-                <a:schemeClr val="bg1"/>
-              </a:solidFill>
-            </a:rPr>
-            <a:t>Refatorar</a:t>
-          </a:r>
-          <a:r>
-            <a:rPr lang="en-US" sz="1800" b="1">
-              <a:solidFill>
-                <a:schemeClr val="bg1"/>
-              </a:solidFill>
-            </a:rPr>
-            <a:t>: </a:t>
-          </a:r>
-          <a:r>
-            <a:rPr lang="en-US" sz="1800" b="1" err="1">
-              <a:solidFill>
-                <a:schemeClr val="bg1"/>
-              </a:solidFill>
-            </a:rPr>
-            <a:t>melhorar</a:t>
-          </a:r>
-          <a:r>
-            <a:rPr lang="en-US" sz="1800" b="1">
-              <a:solidFill>
-                <a:schemeClr val="bg1"/>
-              </a:solidFill>
-            </a:rPr>
-            <a:t> o </a:t>
-          </a:r>
-          <a:r>
-            <a:rPr lang="en-US" sz="1800" b="1" err="1">
-              <a:solidFill>
-                <a:schemeClr val="bg1"/>
-              </a:solidFill>
-            </a:rPr>
-            <a:t>código</a:t>
-          </a:r>
-          <a:endParaRPr lang="en-US" sz="1800" b="1">
-            <a:solidFill>
-              <a:schemeClr val="bg1"/>
-            </a:solidFill>
-          </a:endParaRPr>
-        </a:p>
-      </dgm:t>
-    </dgm:pt>
-    <dgm:pt modelId="{DC95A393-EE1D-E841-B34F-4779FC48463B}" type="parTrans" cxnId="{3A212FC2-9C0F-9144-A3B5-D2EBFA00846C}">
-      <dgm:prSet/>
-      <dgm:spPr/>
-      <dgm:t>
-        <a:bodyPr/>
-        <a:lstStyle/>
-        <a:p>
-          <a:endParaRPr lang="en-US"/>
-        </a:p>
-      </dgm:t>
-    </dgm:pt>
-    <dgm:pt modelId="{6784603C-33DB-324E-AF22-722010F11AA5}" type="sibTrans" cxnId="{3A212FC2-9C0F-9144-A3B5-D2EBFA00846C}">
-      <dgm:prSet/>
-      <dgm:spPr/>
-      <dgm:t>
-        <a:bodyPr/>
-        <a:lstStyle/>
-        <a:p>
-          <a:endParaRPr lang="en-US"/>
-        </a:p>
-      </dgm:t>
-    </dgm:pt>
-    <dgm:pt modelId="{1940478E-2E90-7A47-BBFB-C33DD3CA2AB2}" type="pres">
-      <dgm:prSet presAssocID="{45D60C24-D61C-3B49-932F-C276EA7AF1B8}" presName="cycle" presStyleCnt="0">
-        <dgm:presLayoutVars>
-          <dgm:dir/>
-          <dgm:resizeHandles val="exact"/>
-        </dgm:presLayoutVars>
-      </dgm:prSet>
-      <dgm:spPr/>
-    </dgm:pt>
-    <dgm:pt modelId="{BC8A2355-D8CA-9040-B233-C75C52A06AC3}" type="pres">
-      <dgm:prSet presAssocID="{75C42D76-8B39-BF4A-8EAC-793369B173A3}" presName="node" presStyleLbl="node1" presStyleIdx="0" presStyleCnt="3" custScaleX="95761" custScaleY="147324">
-        <dgm:presLayoutVars>
-          <dgm:bulletEnabled val="1"/>
-        </dgm:presLayoutVars>
-      </dgm:prSet>
-      <dgm:spPr>
-        <a:prstGeom prst="ellipse">
-          <a:avLst/>
-        </a:prstGeom>
-      </dgm:spPr>
-    </dgm:pt>
-    <dgm:pt modelId="{C66FA58D-429F-4649-962D-8A52FDB76E80}" type="pres">
-      <dgm:prSet presAssocID="{75C42D76-8B39-BF4A-8EAC-793369B173A3}" presName="spNode" presStyleCnt="0"/>
-      <dgm:spPr/>
-    </dgm:pt>
-    <dgm:pt modelId="{CF8968BE-93E6-8240-AA00-0F51BAD0ED00}" type="pres">
-      <dgm:prSet presAssocID="{ACCA09E5-07FD-7D4E-87E6-6AF0AEFC93BC}" presName="sibTrans" presStyleLbl="sibTrans1D1" presStyleIdx="0" presStyleCnt="3"/>
-      <dgm:spPr/>
-    </dgm:pt>
-    <dgm:pt modelId="{5DBB438C-E76D-6048-A8E3-96E715CB21B8}" type="pres">
-      <dgm:prSet presAssocID="{EA499406-DBFA-194B-B2A1-070AB6B7C9DB}" presName="node" presStyleLbl="node1" presStyleIdx="1" presStyleCnt="3" custScaleX="95761" custScaleY="147324">
-        <dgm:presLayoutVars>
-          <dgm:bulletEnabled val="1"/>
-        </dgm:presLayoutVars>
-      </dgm:prSet>
-      <dgm:spPr>
-        <a:prstGeom prst="ellipse">
-          <a:avLst/>
-        </a:prstGeom>
-      </dgm:spPr>
-    </dgm:pt>
-    <dgm:pt modelId="{2A742D1D-B6C4-8E41-AC6F-2DD75BD98A35}" type="pres">
-      <dgm:prSet presAssocID="{EA499406-DBFA-194B-B2A1-070AB6B7C9DB}" presName="spNode" presStyleCnt="0"/>
-      <dgm:spPr/>
-    </dgm:pt>
-    <dgm:pt modelId="{30CAD65C-7139-8048-9FF5-429D5289C62D}" type="pres">
-      <dgm:prSet presAssocID="{13F903DB-8DAB-DF4C-9E38-9F23D23A56A6}" presName="sibTrans" presStyleLbl="sibTrans1D1" presStyleIdx="1" presStyleCnt="3"/>
-      <dgm:spPr/>
-    </dgm:pt>
-    <dgm:pt modelId="{9D4B2CF6-4A3E-BE41-A6D7-DBD31194AA5A}" type="pres">
-      <dgm:prSet presAssocID="{23811D10-7150-FE4C-95C1-F37D3EC9A9D2}" presName="node" presStyleLbl="node1" presStyleIdx="2" presStyleCnt="3" custScaleX="95761" custScaleY="147324">
-        <dgm:presLayoutVars>
-          <dgm:bulletEnabled val="1"/>
-        </dgm:presLayoutVars>
-      </dgm:prSet>
-      <dgm:spPr>
-        <a:prstGeom prst="ellipse">
-          <a:avLst/>
-        </a:prstGeom>
-      </dgm:spPr>
-    </dgm:pt>
-    <dgm:pt modelId="{C4423E90-FF44-8043-8691-6816B0DB0A2A}" type="pres">
-      <dgm:prSet presAssocID="{23811D10-7150-FE4C-95C1-F37D3EC9A9D2}" presName="spNode" presStyleCnt="0"/>
-      <dgm:spPr/>
-    </dgm:pt>
-    <dgm:pt modelId="{ED4CE0EC-26AA-7343-8000-AAC377735A52}" type="pres">
-      <dgm:prSet presAssocID="{6784603C-33DB-324E-AF22-722010F11AA5}" presName="sibTrans" presStyleLbl="sibTrans1D1" presStyleIdx="2" presStyleCnt="3"/>
-      <dgm:spPr/>
-    </dgm:pt>
-  </dgm:ptLst>
-  <dgm:cxnLst>
-    <dgm:cxn modelId="{53784F0D-F9DD-FD40-8842-4F96C8235F0E}" srcId="{45D60C24-D61C-3B49-932F-C276EA7AF1B8}" destId="{75C42D76-8B39-BF4A-8EAC-793369B173A3}" srcOrd="0" destOrd="0" parTransId="{E3CF7BBD-C8DD-EA4E-8E83-12F1FF5F2933}" sibTransId="{ACCA09E5-07FD-7D4E-87E6-6AF0AEFC93BC}"/>
-    <dgm:cxn modelId="{53C05B32-781A-454E-B021-3A18EE57C2C5}" type="presOf" srcId="{75C42D76-8B39-BF4A-8EAC-793369B173A3}" destId="{BC8A2355-D8CA-9040-B233-C75C52A06AC3}" srcOrd="0" destOrd="0" presId="urn:microsoft.com/office/officeart/2005/8/layout/cycle5"/>
-    <dgm:cxn modelId="{6ACB7D39-8A6D-444C-8258-F46DB1738358}" type="presOf" srcId="{EA499406-DBFA-194B-B2A1-070AB6B7C9DB}" destId="{5DBB438C-E76D-6048-A8E3-96E715CB21B8}" srcOrd="0" destOrd="0" presId="urn:microsoft.com/office/officeart/2005/8/layout/cycle5"/>
-    <dgm:cxn modelId="{B56C626B-CDEA-2840-83F9-6E5BBE9EB91A}" type="presOf" srcId="{ACCA09E5-07FD-7D4E-87E6-6AF0AEFC93BC}" destId="{CF8968BE-93E6-8240-AA00-0F51BAD0ED00}" srcOrd="0" destOrd="0" presId="urn:microsoft.com/office/officeart/2005/8/layout/cycle5"/>
-    <dgm:cxn modelId="{12183D82-8BE6-844F-9D34-1800BAEB9457}" type="presOf" srcId="{45D60C24-D61C-3B49-932F-C276EA7AF1B8}" destId="{1940478E-2E90-7A47-BBFB-C33DD3CA2AB2}" srcOrd="0" destOrd="0" presId="urn:microsoft.com/office/officeart/2005/8/layout/cycle5"/>
-    <dgm:cxn modelId="{B5EAAC84-0CC0-A84B-A740-16B4E855F4D5}" srcId="{45D60C24-D61C-3B49-932F-C276EA7AF1B8}" destId="{EA499406-DBFA-194B-B2A1-070AB6B7C9DB}" srcOrd="1" destOrd="0" parTransId="{82F51418-4C8D-E04D-ABAD-EE7798A484C2}" sibTransId="{13F903DB-8DAB-DF4C-9E38-9F23D23A56A6}"/>
-    <dgm:cxn modelId="{809E2FB7-A887-4147-83AE-E09BF262A4C1}" type="presOf" srcId="{23811D10-7150-FE4C-95C1-F37D3EC9A9D2}" destId="{9D4B2CF6-4A3E-BE41-A6D7-DBD31194AA5A}" srcOrd="0" destOrd="0" presId="urn:microsoft.com/office/officeart/2005/8/layout/cycle5"/>
-    <dgm:cxn modelId="{E08C73BE-EBC0-E84A-B29D-C362751739A9}" type="presOf" srcId="{13F903DB-8DAB-DF4C-9E38-9F23D23A56A6}" destId="{30CAD65C-7139-8048-9FF5-429D5289C62D}" srcOrd="0" destOrd="0" presId="urn:microsoft.com/office/officeart/2005/8/layout/cycle5"/>
-    <dgm:cxn modelId="{3A212FC2-9C0F-9144-A3B5-D2EBFA00846C}" srcId="{45D60C24-D61C-3B49-932F-C276EA7AF1B8}" destId="{23811D10-7150-FE4C-95C1-F37D3EC9A9D2}" srcOrd="2" destOrd="0" parTransId="{DC95A393-EE1D-E841-B34F-4779FC48463B}" sibTransId="{6784603C-33DB-324E-AF22-722010F11AA5}"/>
-    <dgm:cxn modelId="{D830A6EF-01A6-F346-97D8-BF60D8DD09A9}" type="presOf" srcId="{6784603C-33DB-324E-AF22-722010F11AA5}" destId="{ED4CE0EC-26AA-7343-8000-AAC377735A52}" srcOrd="0" destOrd="0" presId="urn:microsoft.com/office/officeart/2005/8/layout/cycle5"/>
-    <dgm:cxn modelId="{D9080589-98D2-3A48-A0E9-8AAD30AEC6B7}" type="presParOf" srcId="{1940478E-2E90-7A47-BBFB-C33DD3CA2AB2}" destId="{BC8A2355-D8CA-9040-B233-C75C52A06AC3}" srcOrd="0" destOrd="0" presId="urn:microsoft.com/office/officeart/2005/8/layout/cycle5"/>
-    <dgm:cxn modelId="{C6DDF8EF-8284-784C-9775-0A459799564B}" type="presParOf" srcId="{1940478E-2E90-7A47-BBFB-C33DD3CA2AB2}" destId="{C66FA58D-429F-4649-962D-8A52FDB76E80}" srcOrd="1" destOrd="0" presId="urn:microsoft.com/office/officeart/2005/8/layout/cycle5"/>
-    <dgm:cxn modelId="{2B5E6762-B5E9-CB4B-8E82-2279843CB521}" type="presParOf" srcId="{1940478E-2E90-7A47-BBFB-C33DD3CA2AB2}" destId="{CF8968BE-93E6-8240-AA00-0F51BAD0ED00}" srcOrd="2" destOrd="0" presId="urn:microsoft.com/office/officeart/2005/8/layout/cycle5"/>
-    <dgm:cxn modelId="{4DA53026-C78D-DB48-A895-6FDB9CCA6AE7}" type="presParOf" srcId="{1940478E-2E90-7A47-BBFB-C33DD3CA2AB2}" destId="{5DBB438C-E76D-6048-A8E3-96E715CB21B8}" srcOrd="3" destOrd="0" presId="urn:microsoft.com/office/officeart/2005/8/layout/cycle5"/>
-    <dgm:cxn modelId="{40119C87-9771-B94B-A5EC-9EF9B992C87A}" type="presParOf" srcId="{1940478E-2E90-7A47-BBFB-C33DD3CA2AB2}" destId="{2A742D1D-B6C4-8E41-AC6F-2DD75BD98A35}" srcOrd="4" destOrd="0" presId="urn:microsoft.com/office/officeart/2005/8/layout/cycle5"/>
-    <dgm:cxn modelId="{882E9FE7-D76F-CF4C-9E1A-6315C31E470C}" type="presParOf" srcId="{1940478E-2E90-7A47-BBFB-C33DD3CA2AB2}" destId="{30CAD65C-7139-8048-9FF5-429D5289C62D}" srcOrd="5" destOrd="0" presId="urn:microsoft.com/office/officeart/2005/8/layout/cycle5"/>
-    <dgm:cxn modelId="{F78B6C1E-B0EA-614F-8F87-67D23C304862}" type="presParOf" srcId="{1940478E-2E90-7A47-BBFB-C33DD3CA2AB2}" destId="{9D4B2CF6-4A3E-BE41-A6D7-DBD31194AA5A}" srcOrd="6" destOrd="0" presId="urn:microsoft.com/office/officeart/2005/8/layout/cycle5"/>
-    <dgm:cxn modelId="{A7404816-0FDC-0043-90AD-7F83CF25A0A6}" type="presParOf" srcId="{1940478E-2E90-7A47-BBFB-C33DD3CA2AB2}" destId="{C4423E90-FF44-8043-8691-6816B0DB0A2A}" srcOrd="7" destOrd="0" presId="urn:microsoft.com/office/officeart/2005/8/layout/cycle5"/>
-    <dgm:cxn modelId="{D86E760A-090D-5243-B381-034BC337EA9B}" type="presParOf" srcId="{1940478E-2E90-7A47-BBFB-C33DD3CA2AB2}" destId="{ED4CE0EC-26AA-7343-8000-AAC377735A52}" srcOrd="8" destOrd="0" presId="urn:microsoft.com/office/officeart/2005/8/layout/cycle5"/>
-  </dgm:cxnLst>
-  <dgm:bg/>
-  <dgm:whole/>
-  <dgm:extLst>
-    <a:ext uri="http://schemas.microsoft.com/office/drawing/2008/diagram">
-      <dsp:dataModelExt xmlns:dsp="http://schemas.microsoft.com/office/drawing/2008/diagram" relId="rId6" minVer="http://schemas.openxmlformats.org/drawingml/2006/diagram"/>
-    </a:ext>
-  </dgm:extLst>
-</dgm:dataModel>
-</file>
-
-<file path=ppt/diagrams/drawing1.xml><?xml version="1.0" encoding="utf-8"?>
-<dsp:drawing xmlns:dgm="http://schemas.openxmlformats.org/drawingml/2006/diagram" xmlns:dsp="http://schemas.microsoft.com/office/drawing/2008/diagram" xmlns:a="http://schemas.openxmlformats.org/drawingml/2006/main">
-  <dsp:spTree>
-    <dsp:nvGrpSpPr>
-      <dsp:cNvPr id="0" name=""/>
-      <dsp:cNvGrpSpPr/>
-    </dsp:nvGrpSpPr>
-    <dsp:grpSpPr/>
-    <dsp:sp modelId="{BC8A2355-D8CA-9040-B233-C75C52A06AC3}">
-      <dsp:nvSpPr>
-        <dsp:cNvPr id="0" name=""/>
-        <dsp:cNvSpPr/>
-      </dsp:nvSpPr>
-      <dsp:spPr>
-        <a:xfrm>
-          <a:off x="2621527" y="-171719"/>
-          <a:ext cx="2160003" cy="2159994"/>
-        </a:xfrm>
-        <a:prstGeom prst="ellipse">
-          <a:avLst/>
-        </a:prstGeom>
-        <a:solidFill>
-          <a:srgbClr val="FF0000"/>
-        </a:solidFill>
-        <a:ln>
-          <a:noFill/>
-        </a:ln>
-        <a:effectLst/>
-        <a:scene3d>
-          <a:camera prst="orthographicFront"/>
-          <a:lightRig rig="chilly" dir="t"/>
-        </a:scene3d>
-        <a:sp3d prstMaterial="translucentPowder">
-          <a:bevelT w="127000" h="25400" prst="softRound"/>
-        </a:sp3d>
-      </dsp:spPr>
-      <dsp:style>
-        <a:lnRef idx="0">
-          <a:scrgbClr r="0" g="0" b="0"/>
-        </a:lnRef>
-        <a:fillRef idx="1">
-          <a:scrgbClr r="0" g="0" b="0"/>
-        </a:fillRef>
-        <a:effectRef idx="0">
-          <a:scrgbClr r="0" g="0" b="0"/>
-        </a:effectRef>
-        <a:fontRef idx="minor">
-          <a:schemeClr val="lt1"/>
-        </a:fontRef>
-      </dsp:style>
-      <dsp:txBody>
-        <a:bodyPr spcFirstLastPara="0" vert="horz" wrap="square" lIns="68580" tIns="68580" rIns="68580" bIns="68580" numCol="1" spcCol="1270" anchor="ctr" anchorCtr="0">
-          <a:noAutofit/>
-        </a:bodyPr>
-        <a:lstStyle/>
-        <a:p>
-          <a:pPr marL="0" lvl="0" indent="0" algn="ctr" defTabSz="800100">
-            <a:lnSpc>
-              <a:spcPct val="90000"/>
-            </a:lnSpc>
-            <a:spcBef>
-              <a:spcPct val="0"/>
-            </a:spcBef>
-            <a:spcAft>
-              <a:spcPct val="35000"/>
-            </a:spcAft>
-            <a:buNone/>
-          </a:pPr>
-          <a:r>
-            <a:rPr lang="en-US" sz="1800" b="1" kern="1200">
-              <a:solidFill>
-                <a:schemeClr val="bg1"/>
-              </a:solidFill>
-            </a:rPr>
-            <a:t>1. Red: </a:t>
-          </a:r>
-          <a:r>
-            <a:rPr lang="en-US" sz="1800" b="1" kern="1200" err="1">
-              <a:solidFill>
-                <a:schemeClr val="bg1"/>
-              </a:solidFill>
-            </a:rPr>
-            <a:t>Escrever</a:t>
-          </a:r>
-          <a:r>
-            <a:rPr lang="en-US" sz="1800" b="1" kern="1200">
-              <a:solidFill>
-                <a:schemeClr val="bg1"/>
-              </a:solidFill>
-            </a:rPr>
-            <a:t> um Teste</a:t>
-          </a:r>
-        </a:p>
-      </dsp:txBody>
-      <dsp:txXfrm>
-        <a:off x="2937852" y="144605"/>
-        <a:ext cx="1527353" cy="1527346"/>
-      </dsp:txXfrm>
-    </dsp:sp>
-    <dsp:sp modelId="{CF8968BE-93E6-8240-AA00-0F51BAD0ED00}">
-      <dsp:nvSpPr>
-        <dsp:cNvPr id="0" name=""/>
-        <dsp:cNvSpPr/>
-      </dsp:nvSpPr>
-      <dsp:spPr>
-        <a:xfrm>
-          <a:off x="1746828" y="908277"/>
-          <a:ext cx="3909402" cy="3909402"/>
-        </a:xfrm>
-        <a:custGeom>
-          <a:avLst/>
-          <a:gdLst/>
-          <a:ahLst/>
-          <a:cxnLst/>
-          <a:rect l="0" t="0" r="0" b="0"/>
-          <a:pathLst>
-            <a:path>
-              <a:moveTo>
-                <a:pt x="3308774" y="544969"/>
-              </a:moveTo>
-              <a:arcTo wR="1954701" hR="1954701" stAng="18830779" swAng="1970217"/>
-            </a:path>
-          </a:pathLst>
-        </a:custGeom>
-        <a:noFill/>
-        <a:ln w="9525" cap="flat" cmpd="sng" algn="ctr">
-          <a:solidFill>
-            <a:schemeClr val="accent2">
-              <a:hueOff val="0"/>
-              <a:satOff val="0"/>
-              <a:lumOff val="0"/>
-              <a:alphaOff val="0"/>
-            </a:schemeClr>
-          </a:solidFill>
-          <a:prstDash val="solid"/>
-          <a:tailEnd type="arrow"/>
-        </a:ln>
-        <a:effectLst/>
-        <a:scene3d>
-          <a:camera prst="orthographicFront"/>
-          <a:lightRig rig="chilly" dir="t"/>
-        </a:scene3d>
-        <a:sp3d z="-40000" prstMaterial="matte"/>
-      </dsp:spPr>
-      <dsp:style>
-        <a:lnRef idx="1">
-          <a:scrgbClr r="0" g="0" b="0"/>
-        </a:lnRef>
-        <a:fillRef idx="0">
-          <a:scrgbClr r="0" g="0" b="0"/>
-        </a:fillRef>
-        <a:effectRef idx="0">
-          <a:scrgbClr r="0" g="0" b="0"/>
-        </a:effectRef>
-        <a:fontRef idx="minor"/>
-      </dsp:style>
-    </dsp:sp>
-    <dsp:sp modelId="{5DBB438C-E76D-6048-A8E3-96E715CB21B8}">
-      <dsp:nvSpPr>
-        <dsp:cNvPr id="0" name=""/>
-        <dsp:cNvSpPr/>
-      </dsp:nvSpPr>
-      <dsp:spPr>
-        <a:xfrm>
-          <a:off x="4314348" y="2760332"/>
-          <a:ext cx="2160003" cy="2159994"/>
-        </a:xfrm>
-        <a:prstGeom prst="ellipse">
-          <a:avLst/>
-        </a:prstGeom>
-        <a:solidFill>
-          <a:srgbClr val="00B050"/>
-        </a:solidFill>
-        <a:ln>
-          <a:noFill/>
-        </a:ln>
-        <a:effectLst/>
-        <a:scene3d>
-          <a:camera prst="orthographicFront"/>
-          <a:lightRig rig="chilly" dir="t"/>
-        </a:scene3d>
-        <a:sp3d prstMaterial="translucentPowder">
-          <a:bevelT w="127000" h="25400" prst="softRound"/>
-        </a:sp3d>
-      </dsp:spPr>
-      <dsp:style>
-        <a:lnRef idx="0">
-          <a:scrgbClr r="0" g="0" b="0"/>
-        </a:lnRef>
-        <a:fillRef idx="1">
-          <a:scrgbClr r="0" g="0" b="0"/>
-        </a:fillRef>
-        <a:effectRef idx="0">
-          <a:scrgbClr r="0" g="0" b="0"/>
-        </a:effectRef>
-        <a:fontRef idx="minor">
-          <a:schemeClr val="lt1"/>
-        </a:fontRef>
-      </dsp:style>
-      <dsp:txBody>
-        <a:bodyPr spcFirstLastPara="0" vert="horz" wrap="square" lIns="68580" tIns="68580" rIns="68580" bIns="68580" numCol="1" spcCol="1270" anchor="ctr" anchorCtr="0">
-          <a:noAutofit/>
-        </a:bodyPr>
-        <a:lstStyle/>
-        <a:p>
-          <a:pPr marL="0" lvl="0" indent="0" algn="ctr" defTabSz="800100">
-            <a:lnSpc>
-              <a:spcPct val="90000"/>
-            </a:lnSpc>
-            <a:spcBef>
-              <a:spcPct val="0"/>
-            </a:spcBef>
-            <a:spcAft>
-              <a:spcPct val="35000"/>
-            </a:spcAft>
-            <a:buNone/>
-          </a:pPr>
-          <a:r>
-            <a:rPr lang="en-US" sz="1800" b="1" kern="1200">
-              <a:solidFill>
-                <a:schemeClr val="bg1"/>
-              </a:solidFill>
-            </a:rPr>
-            <a:t>2. Green: </a:t>
-          </a:r>
-          <a:r>
-            <a:rPr lang="en-US" sz="1800" b="1" kern="1200" err="1">
-              <a:solidFill>
-                <a:schemeClr val="bg1"/>
-              </a:solidFill>
-            </a:rPr>
-            <a:t>Escrever</a:t>
-          </a:r>
-          <a:r>
-            <a:rPr lang="en-US" sz="1800" b="1" kern="1200">
-              <a:solidFill>
-                <a:schemeClr val="bg1"/>
-              </a:solidFill>
-            </a:rPr>
-            <a:t> o </a:t>
-          </a:r>
-          <a:r>
-            <a:rPr lang="en-US" sz="1800" b="1" kern="1200" err="1">
-              <a:solidFill>
-                <a:schemeClr val="bg1"/>
-              </a:solidFill>
-            </a:rPr>
-            <a:t>mínimo</a:t>
-          </a:r>
-          <a:r>
-            <a:rPr lang="en-US" sz="1800" b="1" kern="1200">
-              <a:solidFill>
-                <a:schemeClr val="bg1"/>
-              </a:solidFill>
-            </a:rPr>
-            <a:t> de </a:t>
-          </a:r>
-          <a:r>
-            <a:rPr lang="en-US" sz="1800" b="1" kern="1200" err="1">
-              <a:solidFill>
-                <a:schemeClr val="bg1"/>
-              </a:solidFill>
-            </a:rPr>
-            <a:t>código</a:t>
-          </a:r>
-          <a:r>
-            <a:rPr lang="en-US" sz="1800" b="1" kern="1200">
-              <a:solidFill>
-                <a:schemeClr val="bg1"/>
-              </a:solidFill>
-            </a:rPr>
-            <a:t> para o teste </a:t>
-          </a:r>
-          <a:r>
-            <a:rPr lang="en-US" sz="1800" b="1" kern="1200" err="1">
-              <a:solidFill>
-                <a:schemeClr val="bg1"/>
-              </a:solidFill>
-            </a:rPr>
-            <a:t>passar</a:t>
-          </a:r>
-          <a:endParaRPr lang="en-US" sz="1800" b="1" kern="1200">
-            <a:solidFill>
-              <a:schemeClr val="bg1"/>
-            </a:solidFill>
-          </a:endParaRPr>
-        </a:p>
-      </dsp:txBody>
-      <dsp:txXfrm>
-        <a:off x="4630673" y="3076656"/>
-        <a:ext cx="1527353" cy="1527346"/>
-      </dsp:txXfrm>
-    </dsp:sp>
-    <dsp:sp modelId="{30CAD65C-7139-8048-9FF5-429D5289C62D}">
-      <dsp:nvSpPr>
-        <dsp:cNvPr id="0" name=""/>
-        <dsp:cNvSpPr/>
-      </dsp:nvSpPr>
-      <dsp:spPr>
-        <a:xfrm>
-          <a:off x="1746828" y="908277"/>
-          <a:ext cx="3909402" cy="3909402"/>
-        </a:xfrm>
-        <a:custGeom>
-          <a:avLst/>
-          <a:gdLst/>
-          <a:ahLst/>
-          <a:cxnLst/>
-          <a:rect l="0" t="0" r="0" b="0"/>
-          <a:pathLst>
-            <a:path>
-              <a:moveTo>
-                <a:pt x="2330548" y="3872928"/>
-              </a:moveTo>
-              <a:arcTo wR="1954701" hR="1954701" stAng="4734853" swAng="1330294"/>
-            </a:path>
-          </a:pathLst>
-        </a:custGeom>
-        <a:noFill/>
-        <a:ln w="9525" cap="flat" cmpd="sng" algn="ctr">
-          <a:solidFill>
-            <a:schemeClr val="accent2">
-              <a:hueOff val="574745"/>
-              <a:satOff val="-9386"/>
-              <a:lumOff val="588"/>
-              <a:alphaOff val="0"/>
-            </a:schemeClr>
-          </a:solidFill>
-          <a:prstDash val="solid"/>
-          <a:tailEnd type="arrow"/>
-        </a:ln>
-        <a:effectLst/>
-        <a:scene3d>
-          <a:camera prst="orthographicFront"/>
-          <a:lightRig rig="chilly" dir="t"/>
-        </a:scene3d>
-        <a:sp3d z="-40000" prstMaterial="matte"/>
-      </dsp:spPr>
-      <dsp:style>
-        <a:lnRef idx="1">
-          <a:scrgbClr r="0" g="0" b="0"/>
-        </a:lnRef>
-        <a:fillRef idx="0">
-          <a:scrgbClr r="0" g="0" b="0"/>
-        </a:fillRef>
-        <a:effectRef idx="0">
-          <a:scrgbClr r="0" g="0" b="0"/>
-        </a:effectRef>
-        <a:fontRef idx="minor"/>
-      </dsp:style>
-    </dsp:sp>
-    <dsp:sp modelId="{9D4B2CF6-4A3E-BE41-A6D7-DBD31194AA5A}">
-      <dsp:nvSpPr>
-        <dsp:cNvPr id="0" name=""/>
-        <dsp:cNvSpPr/>
-      </dsp:nvSpPr>
-      <dsp:spPr>
-        <a:xfrm>
-          <a:off x="928706" y="2760332"/>
-          <a:ext cx="2160003" cy="2159994"/>
-        </a:xfrm>
-        <a:prstGeom prst="ellipse">
-          <a:avLst/>
-        </a:prstGeom>
-        <a:solidFill>
-          <a:srgbClr val="FFFF00"/>
-        </a:solidFill>
-        <a:ln>
-          <a:noFill/>
-        </a:ln>
-        <a:effectLst/>
-        <a:scene3d>
-          <a:camera prst="orthographicFront"/>
-          <a:lightRig rig="chilly" dir="t"/>
-        </a:scene3d>
-        <a:sp3d prstMaterial="translucentPowder">
-          <a:bevelT w="127000" h="25400" prst="softRound"/>
-        </a:sp3d>
-      </dsp:spPr>
-      <dsp:style>
-        <a:lnRef idx="0">
-          <a:scrgbClr r="0" g="0" b="0"/>
-        </a:lnRef>
-        <a:fillRef idx="1">
-          <a:scrgbClr r="0" g="0" b="0"/>
-        </a:fillRef>
-        <a:effectRef idx="0">
-          <a:scrgbClr r="0" g="0" b="0"/>
-        </a:effectRef>
-        <a:fontRef idx="minor">
-          <a:schemeClr val="lt1"/>
-        </a:fontRef>
-      </dsp:style>
-      <dsp:txBody>
-        <a:bodyPr spcFirstLastPara="0" vert="horz" wrap="square" lIns="68580" tIns="68580" rIns="68580" bIns="68580" numCol="1" spcCol="1270" anchor="ctr" anchorCtr="0">
-          <a:noAutofit/>
-        </a:bodyPr>
-        <a:lstStyle/>
-        <a:p>
-          <a:pPr marL="0" lvl="0" indent="0" algn="ctr" defTabSz="800100">
-            <a:lnSpc>
-              <a:spcPct val="90000"/>
-            </a:lnSpc>
-            <a:spcBef>
-              <a:spcPct val="0"/>
-            </a:spcBef>
-            <a:spcAft>
-              <a:spcPct val="35000"/>
-            </a:spcAft>
-            <a:buNone/>
-          </a:pPr>
-          <a:r>
-            <a:rPr lang="en-US" sz="1800" b="1" kern="1200">
-              <a:solidFill>
-                <a:schemeClr val="bg1"/>
-              </a:solidFill>
-            </a:rPr>
-            <a:t>3. </a:t>
-          </a:r>
-          <a:r>
-            <a:rPr lang="en-US" sz="1800" b="1" kern="1200" err="1">
-              <a:solidFill>
-                <a:schemeClr val="bg1"/>
-              </a:solidFill>
-            </a:rPr>
-            <a:t>Refatorar</a:t>
-          </a:r>
-          <a:r>
-            <a:rPr lang="en-US" sz="1800" b="1" kern="1200">
-              <a:solidFill>
-                <a:schemeClr val="bg1"/>
-              </a:solidFill>
-            </a:rPr>
-            <a:t>: </a:t>
-          </a:r>
-          <a:r>
-            <a:rPr lang="en-US" sz="1800" b="1" kern="1200" err="1">
-              <a:solidFill>
-                <a:schemeClr val="bg1"/>
-              </a:solidFill>
-            </a:rPr>
-            <a:t>melhorar</a:t>
-          </a:r>
-          <a:r>
-            <a:rPr lang="en-US" sz="1800" b="1" kern="1200">
-              <a:solidFill>
-                <a:schemeClr val="bg1"/>
-              </a:solidFill>
-            </a:rPr>
-            <a:t> o </a:t>
-          </a:r>
-          <a:r>
-            <a:rPr lang="en-US" sz="1800" b="1" kern="1200" err="1">
-              <a:solidFill>
-                <a:schemeClr val="bg1"/>
-              </a:solidFill>
-            </a:rPr>
-            <a:t>código</a:t>
-          </a:r>
-          <a:endParaRPr lang="en-US" sz="1800" b="1" kern="1200">
-            <a:solidFill>
-              <a:schemeClr val="bg1"/>
-            </a:solidFill>
-          </a:endParaRPr>
-        </a:p>
-      </dsp:txBody>
-      <dsp:txXfrm>
-        <a:off x="1245031" y="3076656"/>
-        <a:ext cx="1527353" cy="1527346"/>
-      </dsp:txXfrm>
-    </dsp:sp>
-    <dsp:sp modelId="{ED4CE0EC-26AA-7343-8000-AAC377735A52}">
-      <dsp:nvSpPr>
-        <dsp:cNvPr id="0" name=""/>
-        <dsp:cNvSpPr/>
-      </dsp:nvSpPr>
-      <dsp:spPr>
-        <a:xfrm>
-          <a:off x="1746828" y="908277"/>
-          <a:ext cx="3909402" cy="3909402"/>
-        </a:xfrm>
-        <a:custGeom>
-          <a:avLst/>
-          <a:gdLst/>
-          <a:ahLst/>
-          <a:cxnLst/>
-          <a:rect l="0" t="0" r="0" b="0"/>
-          <a:pathLst>
-            <a:path>
-              <a:moveTo>
-                <a:pt x="52558" y="1504467"/>
-              </a:moveTo>
-              <a:arcTo wR="1954701" hR="1954701" stAng="11599004" swAng="1970217"/>
-            </a:path>
-          </a:pathLst>
-        </a:custGeom>
-        <a:noFill/>
-        <a:ln w="9525" cap="flat" cmpd="sng" algn="ctr">
-          <a:solidFill>
-            <a:schemeClr val="accent2">
-              <a:hueOff val="1149490"/>
-              <a:satOff val="-18772"/>
-              <a:lumOff val="1176"/>
-              <a:alphaOff val="0"/>
-            </a:schemeClr>
-          </a:solidFill>
-          <a:prstDash val="solid"/>
-          <a:tailEnd type="arrow"/>
-        </a:ln>
-        <a:effectLst/>
-        <a:scene3d>
-          <a:camera prst="orthographicFront"/>
-          <a:lightRig rig="chilly" dir="t"/>
-        </a:scene3d>
-        <a:sp3d z="-40000" prstMaterial="matte"/>
-      </dsp:spPr>
-      <dsp:style>
-        <a:lnRef idx="1">
-          <a:scrgbClr r="0" g="0" b="0"/>
-        </a:lnRef>
-        <a:fillRef idx="0">
-          <a:scrgbClr r="0" g="0" b="0"/>
-        </a:fillRef>
-        <a:effectRef idx="0">
-          <a:scrgbClr r="0" g="0" b="0"/>
-        </a:effectRef>
-        <a:fontRef idx="minor"/>
-      </dsp:style>
-    </dsp:sp>
-  </dsp:spTree>
-</dsp:drawing>
-</file>
-
-<file path=ppt/diagrams/layout1.xml><?xml version="1.0" encoding="utf-8"?>
-<dgm:layoutDef xmlns:dgm="http://schemas.openxmlformats.org/drawingml/2006/diagram" xmlns:a="http://schemas.openxmlformats.org/drawingml/2006/main" uniqueId="urn:microsoft.com/office/officeart/2005/8/layout/cycle5">
-  <dgm:title val=""/>
-  <dgm:desc val=""/>
-  <dgm:catLst>
-    <dgm:cat type="cycle" pri="3000"/>
-  </dgm:catLst>
-  <dgm:sampData>
-    <dgm:dataModel>
-      <dgm:ptLst>
-        <dgm:pt modelId="0" type="doc"/>
-        <dgm:pt modelId="1">
-          <dgm:prSet phldr="1"/>
-        </dgm:pt>
-        <dgm:pt modelId="2">
-          <dgm:prSet phldr="1"/>
-        </dgm:pt>
-        <dgm:pt modelId="3">
-          <dgm:prSet phldr="1"/>
-        </dgm:pt>
-        <dgm:pt modelId="4">
-          <dgm:prSet phldr="1"/>
-        </dgm:pt>
-        <dgm:pt modelId="5">
-          <dgm:prSet phldr="1"/>
-        </dgm:pt>
-      </dgm:ptLst>
-      <dgm:cxnLst>
-        <dgm:cxn modelId="6" srcId="0" destId="1" srcOrd="0" destOrd="0"/>
-        <dgm:cxn modelId="7" srcId="0" destId="2" srcOrd="1" destOrd="0"/>
-        <dgm:cxn modelId="8" srcId="0" destId="3" srcOrd="2" destOrd="0"/>
-        <dgm:cxn modelId="9" srcId="0" destId="4" srcOrd="3" destOrd="0"/>
-        <dgm:cxn modelId="10" srcId="0" destId="5" srcOrd="4" destOrd="0"/>
-      </dgm:cxnLst>
-      <dgm:bg/>
-      <dgm:whole/>
-    </dgm:dataModel>
-  </dgm:sampData>
-  <dgm:styleData>
-    <dgm:dataModel>
-      <dgm:ptLst>
-        <dgm:pt modelId="0" type="doc"/>
-        <dgm:pt modelId="1"/>
-        <dgm:pt modelId="2"/>
-        <dgm:pt modelId="3"/>
-      </dgm:ptLst>
-      <dgm:cxnLst>
-        <dgm:cxn modelId="4" srcId="0" destId="1" srcOrd="0" destOrd="0"/>
-        <dgm:cxn modelId="5" srcId="0" destId="2" srcOrd="1" destOrd="0"/>
-        <dgm:cxn modelId="6" srcId="0" destId="3" srcOrd="2" destOrd="0"/>
-      </dgm:cxnLst>
-      <dgm:bg/>
-      <dgm:whole/>
-    </dgm:dataModel>
-  </dgm:styleData>
-  <dgm:clrData>
-    <dgm:dataModel>
-      <dgm:ptLst>
-        <dgm:pt modelId="0" type="doc"/>
-        <dgm:pt modelId="1"/>
-        <dgm:pt modelId="2"/>
-        <dgm:pt modelId="3"/>
-        <dgm:pt modelId="4"/>
-        <dgm:pt modelId="5"/>
-        <dgm:pt modelId="6"/>
-      </dgm:ptLst>
-      <dgm:cxnLst>
-        <dgm:cxn modelId="7" srcId="0" destId="1" srcOrd="0" destOrd="0"/>
-        <dgm:cxn modelId="8" srcId="0" destId="2" srcOrd="1" destOrd="0"/>
-        <dgm:cxn modelId="9" srcId="0" destId="3" srcOrd="2" destOrd="0"/>
-        <dgm:cxn modelId="10" srcId="0" destId="4" srcOrd="3" destOrd="0"/>
-        <dgm:cxn modelId="11" srcId="0" destId="5" srcOrd="4" destOrd="0"/>
-        <dgm:cxn modelId="12" srcId="0" destId="6" srcOrd="5" destOrd="0"/>
-      </dgm:cxnLst>
-      <dgm:bg/>
-      <dgm:whole/>
-    </dgm:dataModel>
-  </dgm:clrData>
-  <dgm:layoutNode name="cycle">
-    <dgm:varLst>
-      <dgm:dir/>
-      <dgm:resizeHandles val="exact"/>
-    </dgm:varLst>
-    <dgm:choose name="Name0">
-      <dgm:if name="Name1" func="var" arg="dir" op="equ" val="norm">
-        <dgm:choose name="Name2">
-          <dgm:if name="Name3" axis="ch" ptType="node" func="cnt" op="gt" val="2">
-            <dgm:alg type="cycle">
-              <dgm:param type="stAng" val="0"/>
-              <dgm:param type="spanAng" val="360"/>
-            </dgm:alg>
-          </dgm:if>
-          <dgm:else name="Name4">
-            <dgm:alg type="cycle">
-              <dgm:param type="stAng" val="-90"/>
-              <dgm:param type="spanAng" val="360"/>
-            </dgm:alg>
-          </dgm:else>
-        </dgm:choose>
-      </dgm:if>
-      <dgm:else name="Name5">
-        <dgm:choose name="Name6">
-          <dgm:if name="Name7" axis="ch" ptType="node" func="cnt" op="gt" val="2">
-            <dgm:alg type="cycle">
-              <dgm:param type="stAng" val="0"/>
-              <dgm:param type="spanAng" val="-360"/>
-            </dgm:alg>
-          </dgm:if>
-          <dgm:else name="Name8">
-            <dgm:alg type="cycle">
-              <dgm:param type="stAng" val="90"/>
-              <dgm:param type="spanAng" val="-360"/>
-            </dgm:alg>
-          </dgm:else>
-        </dgm:choose>
-      </dgm:else>
-    </dgm:choose>
-    <dgm:shape xmlns:r="http://schemas.openxmlformats.org/officeDocument/2006/relationships" r:blip="">
-      <dgm:adjLst/>
-    </dgm:shape>
-    <dgm:presOf/>
-    <dgm:choose name="Name9">
-      <dgm:if name="Name10" func="var" arg="dir" op="equ" val="norm">
-        <dgm:constrLst>
-          <dgm:constr type="w" for="ch" forName="node" refType="w"/>
-          <dgm:constr type="w" for="ch" ptType="sibTrans" refType="w" refFor="ch" refForName="node" op="equ" fact="0.3"/>
-          <dgm:constr type="diam" for="ch" ptType="sibTrans" refType="diam" op="equ"/>
-          <dgm:constr type="sibSp" refType="w" refFor="ch" refForName="node" op="equ" fact="0.15"/>
-          <dgm:constr type="w" for="ch" forName="spNode" refType="sibSp" fact="1.6"/>
-          <dgm:constr type="primFontSz" for="ch" forName="node" op="equ" val="65"/>
-        </dgm:constrLst>
-      </dgm:if>
-      <dgm:else name="Name11">
-        <dgm:constrLst>
-          <dgm:constr type="w" for="ch" forName="node" refType="w"/>
-          <dgm:constr type="w" for="ch" ptType="sibTrans" refType="w" refFor="ch" refForName="node" op="equ" fact="0.3"/>
-          <dgm:constr type="diam" for="ch" ptType="sibTrans" refType="diam" fact="-1"/>
-          <dgm:constr type="diam" for="ch" refType="diam" op="equ" fact="-1"/>
-          <dgm:constr type="sibSp" refType="w" refFor="ch" refForName="node" op="equ" fact="0.15"/>
-          <dgm:constr type="w" for="ch" forName="spNode" refType="sibSp" fact="1.6"/>
-          <dgm:constr type="primFontSz" for="ch" forName="node" op="equ" val="65"/>
-        </dgm:constrLst>
-      </dgm:else>
-    </dgm:choose>
-    <dgm:ruleLst/>
-    <dgm:forEach name="Name12" axis="ch" ptType="node">
-      <dgm:layoutNode name="node">
-        <dgm:varLst>
-          <dgm:bulletEnabled val="1"/>
-        </dgm:varLst>
-        <dgm:alg type="tx"/>
-        <dgm:shape xmlns:r="http://schemas.openxmlformats.org/officeDocument/2006/relationships" type="roundRect" r:blip="">
-          <dgm:adjLst/>
-        </dgm:shape>
-        <dgm:presOf axis="desOrSelf" ptType="node"/>
-        <dgm:constrLst>
-          <dgm:constr type="h" refType="w" fact="0.65"/>
-          <dgm:constr type="tMarg" refType="primFontSz" fact="0.3"/>
-          <dgm:constr type="bMarg" refType="primFontSz" fact="0.3"/>
-          <dgm:constr type="lMarg" refType="primFontSz" fact="0.3"/>
-          <dgm:constr type="rMarg" refType="primFontSz" fact="0.3"/>
-        </dgm:constrLst>
-        <dgm:ruleLst>
-          <dgm:rule type="primFontSz" val="5" fact="NaN" max="NaN"/>
-        </dgm:ruleLst>
-      </dgm:layoutNode>
-      <dgm:choose name="Name13">
-        <dgm:if name="Name14" axis="par ch" ptType="doc node" func="cnt" op="gt" val="1">
-          <dgm:layoutNode name="spNode">
-            <dgm:alg type="sp"/>
-            <dgm:shape xmlns:r="http://schemas.openxmlformats.org/officeDocument/2006/relationships" r:blip="">
-              <dgm:adjLst/>
-            </dgm:shape>
-            <dgm:presOf/>
-            <dgm:constrLst>
-              <dgm:constr type="h" refType="w"/>
-            </dgm:constrLst>
-            <dgm:ruleLst/>
-          </dgm:layoutNode>
-          <dgm:forEach name="Name15" axis="followSib" ptType="sibTrans" hideLastTrans="0" cnt="1">
-            <dgm:layoutNode name="sibTrans">
-              <dgm:alg type="conn">
-                <dgm:param type="dim" val="1D"/>
-                <dgm:param type="connRout" val="curve"/>
-                <dgm:param type="begPts" val="radial"/>
-                <dgm:param type="endPts" val="radial"/>
-              </dgm:alg>
-              <dgm:shape xmlns:r="http://schemas.openxmlformats.org/officeDocument/2006/relationships" type="conn" r:blip="">
-                <dgm:adjLst/>
-              </dgm:shape>
-              <dgm:presOf axis="self"/>
-              <dgm:constrLst>
-                <dgm:constr type="h" refType="w" fact="0.65"/>
-                <dgm:constr type="connDist"/>
-                <dgm:constr type="begPad" refType="connDist" fact="0.2"/>
-                <dgm:constr type="endPad" refType="connDist" fact="0.2"/>
-              </dgm:constrLst>
-              <dgm:ruleLst/>
-            </dgm:layoutNode>
-          </dgm:forEach>
-        </dgm:if>
-        <dgm:else name="Name16"/>
-      </dgm:choose>
-    </dgm:forEach>
-  </dgm:layoutNode>
-</dgm:layoutDef>
-</file>
-
-<file path=ppt/diagrams/quickStyle1.xml><?xml version="1.0" encoding="utf-8"?>
-<dgm:styleDef xmlns:dgm="http://schemas.openxmlformats.org/drawingml/2006/diagram" xmlns:a="http://schemas.openxmlformats.org/drawingml/2006/main" uniqueId="urn:microsoft.com/office/officeart/2005/8/quickstyle/3d4">
-  <dgm:title val=""/>
-  <dgm:desc val=""/>
-  <dgm:catLst>
-    <dgm:cat type="3D" pri="11400"/>
-  </dgm:catLst>
-  <dgm:scene3d>
-    <a:camera prst="orthographicFront"/>
-    <a:lightRig rig="threePt" dir="t"/>
-  </dgm:scene3d>
-  <dgm:styleLbl name="node0">
-    <dgm:scene3d>
-      <a:camera prst="orthographicFront"/>
-      <a:lightRig rig="chilly" dir="t"/>
-    </dgm:scene3d>
-    <dgm:sp3d prstMaterial="translucentPowder">
-      <a:bevelT w="127000" h="25400" prst="softRound"/>
-    </dgm:sp3d>
-    <dgm:txPr/>
-    <dgm:style>
-      <a:lnRef idx="0">
-        <a:scrgbClr r="0" g="0" b="0"/>
-      </a:lnRef>
-      <a:fillRef idx="1">
-        <a:scrgbClr r="0" g="0" b="0"/>
-      </a:fillRef>
-      <a:effectRef idx="0">
-        <a:scrgbClr r="0" g="0" b="0"/>
-      </a:effectRef>
-      <a:fontRef idx="minor">
-        <a:schemeClr val="lt1"/>
-      </a:fontRef>
-    </dgm:style>
-  </dgm:styleLbl>
-  <dgm:styleLbl name="lnNode1">
-    <dgm:scene3d>
-      <a:camera prst="orthographicFront"/>
-      <a:lightRig rig="chilly" dir="t"/>
-    </dgm:scene3d>
-    <dgm:sp3d prstMaterial="translucentPowder">
-      <a:bevelT w="127000" h="25400" prst="softRound"/>
-    </dgm:sp3d>
-    <dgm:txPr/>
-    <dgm:style>
-      <a:lnRef idx="0">
-        <a:scrgbClr r="0" g="0" b="0"/>
-      </a:lnRef>
-      <a:fillRef idx="1">
-        <a:scrgbClr r="0" g="0" b="0"/>
-      </a:fillRef>
-      <a:effectRef idx="0">
-        <a:scrgbClr r="0" g="0" b="0"/>
-      </a:effectRef>
-      <a:fontRef idx="minor">
-        <a:schemeClr val="lt1"/>
-      </a:fontRef>
-    </dgm:style>
-  </dgm:styleLbl>
-  <dgm:styleLbl name="vennNode1">
-    <dgm:scene3d>
-      <a:camera prst="orthographicFront"/>
-      <a:lightRig rig="chilly" dir="t"/>
-    </dgm:scene3d>
-    <dgm:sp3d prstMaterial="translucentPowder">
-      <a:bevelT w="127000" h="25400" prst="softRound"/>
-    </dgm:sp3d>
-    <dgm:txPr/>
-    <dgm:style>
-      <a:lnRef idx="0">
-        <a:scrgbClr r="0" g="0" b="0"/>
-      </a:lnRef>
-      <a:fillRef idx="1">
-        <a:scrgbClr r="0" g="0" b="0"/>
-      </a:fillRef>
-      <a:effectRef idx="0">
-        <a:scrgbClr r="0" g="0" b="0"/>
-      </a:effectRef>
-      <a:fontRef idx="minor">
-        <a:schemeClr val="tx1"/>
-      </a:fontRef>
-    </dgm:style>
-  </dgm:styleLbl>
-  <dgm:styleLbl name="alignNode1">
-    <dgm:scene3d>
-      <a:camera prst="orthographicFront"/>
-      <a:lightRig rig="chilly" dir="t"/>
-    </dgm:scene3d>
-    <dgm:sp3d prstMaterial="translucentPowder">
-      <a:bevelT w="127000" h="25400" prst="softRound"/>
-    </dgm:sp3d>
-    <dgm:txPr/>
-    <dgm:style>
-      <a:lnRef idx="1">
-        <a:scrgbClr r="0" g="0" b="0"/>
-      </a:lnRef>
-      <a:fillRef idx="1">
-        <a:scrgbClr r="0" g="0" b="0"/>
-      </a:fillRef>
-      <a:effectRef idx="0">
-        <a:scrgbClr r="0" g="0" b="0"/>
-      </a:effectRef>
-      <a:fontRef idx="minor">
-        <a:schemeClr val="lt1"/>
-      </a:fontRef>
-    </dgm:style>
-  </dgm:styleLbl>
-  <dgm:styleLbl name="node1">
-    <dgm:scene3d>
-      <a:camera prst="orthographicFront"/>
-      <a:lightRig rig="chilly" dir="t"/>
-    </dgm:scene3d>
-    <dgm:sp3d prstMaterial="translucentPowder">
-      <a:bevelT w="127000" h="25400" prst="softRound"/>
-    </dgm:sp3d>
-    <dgm:txPr/>
-    <dgm:style>
-      <a:lnRef idx="0">
-        <a:scrgbClr r="0" g="0" b="0"/>
-      </a:lnRef>
-      <a:fillRef idx="1">
-        <a:scrgbClr r="0" g="0" b="0"/>
-      </a:fillRef>
-      <a:effectRef idx="0">
-        <a:scrgbClr r="0" g="0" b="0"/>
-      </a:effectRef>
-      <a:fontRef idx="minor">
-        <a:schemeClr val="lt1"/>
-      </a:fontRef>
-    </dgm:style>
-  </dgm:styleLbl>
-  <dgm:styleLbl name="node2">
-    <dgm:scene3d>
-      <a:camera prst="orthographicFront"/>
-      <a:lightRig rig="chilly" dir="t"/>
-    </dgm:scene3d>
-    <dgm:sp3d prstMaterial="translucentPowder">
-      <a:bevelT w="127000" h="25400" prst="softRound"/>
-    </dgm:sp3d>
-    <dgm:txPr/>
-    <dgm:style>
-      <a:lnRef idx="0">
-        <a:scrgbClr r="0" g="0" b="0"/>
-      </a:lnRef>
-      <a:fillRef idx="1">
-        <a:scrgbClr r="0" g="0" b="0"/>
-      </a:fillRef>
-      <a:effectRef idx="0">
-        <a:scrgbClr r="0" g="0" b="0"/>
-      </a:effectRef>
-      <a:fontRef idx="minor">
-        <a:schemeClr val="lt1"/>
-      </a:fontRef>
-    </dgm:style>
-  </dgm:styleLbl>
-  <dgm:styleLbl name="node3">
-    <dgm:scene3d>
-      <a:camera prst="orthographicFront"/>
-      <a:lightRig rig="chilly" dir="t"/>
-    </dgm:scene3d>
-    <dgm:sp3d prstMaterial="translucentPowder">
-      <a:bevelT w="127000" h="25400" prst="softRound"/>
-    </dgm:sp3d>
-    <dgm:txPr/>
-    <dgm:style>
-      <a:lnRef idx="0">
-        <a:scrgbClr r="0" g="0" b="0"/>
-      </a:lnRef>
-      <a:fillRef idx="1">
-        <a:scrgbClr r="0" g="0" b="0"/>
-      </a:fillRef>
-      <a:effectRef idx="0">
-        <a:scrgbClr r="0" g="0" b="0"/>
-      </a:effectRef>
-      <a:fontRef idx="minor">
-        <a:schemeClr val="lt1"/>
-      </a:fontRef>
-    </dgm:style>
-  </dgm:styleLbl>
-  <dgm:styleLbl name="node4">
-    <dgm:scene3d>
-      <a:camera prst="orthographicFront"/>
-      <a:lightRig rig="chilly" dir="t"/>
-    </dgm:scene3d>
-    <dgm:sp3d prstMaterial="translucentPowder">
-      <a:bevelT w="127000" h="25400" prst="softRound"/>
-    </dgm:sp3d>
-    <dgm:txPr/>
-    <dgm:style>
-      <a:lnRef idx="0">
-        <a:scrgbClr r="0" g="0" b="0"/>
-      </a:lnRef>
-      <a:fillRef idx="1">
-        <a:scrgbClr r="0" g="0" b="0"/>
-      </a:fillRef>
-      <a:effectRef idx="0">
-        <a:scrgbClr r="0" g="0" b="0"/>
-      </a:effectRef>
-      <a:fontRef idx="minor">
-        <a:schemeClr val="lt1"/>
-      </a:fontRef>
-    </dgm:style>
-  </dgm:styleLbl>
-  <dgm:styleLbl name="fgImgPlace1">
-    <dgm:scene3d>
-      <a:camera prst="orthographicFront"/>
-      <a:lightRig rig="chilly" dir="t"/>
-    </dgm:scene3d>
-    <dgm:sp3d z="12700" extrusionH="12700" prstMaterial="translucentPowder">
-      <a:bevelT w="25400" h="6350" prst="softRound"/>
-      <a:bevelB w="0" h="0" prst="convex"/>
-    </dgm:sp3d>
-    <dgm:txPr/>
-    <dgm:style>
-      <a:lnRef idx="0">
-        <a:scrgbClr r="0" g="0" b="0"/>
-      </a:lnRef>
-      <a:fillRef idx="1">
-        <a:scrgbClr r="0" g="0" b="0"/>
-      </a:fillRef>
-      <a:effectRef idx="0">
-        <a:scrgbClr r="0" g="0" b="0"/>
-      </a:effectRef>
-      <a:fontRef idx="minor"/>
-    </dgm:style>
-  </dgm:styleLbl>
-  <dgm:styleLbl name="alignImgPlace1">
-    <dgm:scene3d>
-      <a:camera prst="orthographicFront"/>
-      <a:lightRig rig="chilly" dir="t"/>
-    </dgm:scene3d>
-    <dgm:sp3d prstMaterial="translucentPowder">
-      <a:bevelT w="127000" h="25400" prst="softRound"/>
-    </dgm:sp3d>
-    <dgm:txPr/>
-    <dgm:style>
-      <a:lnRef idx="0">
-        <a:scrgbClr r="0" g="0" b="0"/>
-      </a:lnRef>
-      <a:fillRef idx="1">
-        <a:scrgbClr r="0" g="0" b="0"/>
-      </a:fillRef>
-      <a:effectRef idx="0">
-        <a:scrgbClr r="0" g="0" b="0"/>
-      </a:effectRef>
-      <a:fontRef idx="minor">
-        <a:schemeClr val="lt1"/>
-      </a:fontRef>
-    </dgm:style>
-  </dgm:styleLbl>
-  <dgm:styleLbl name="bgImgPlace1">
-    <dgm:scene3d>
-      <a:camera prst="orthographicFront"/>
-      <a:lightRig rig="chilly" dir="t"/>
-    </dgm:scene3d>
-    <dgm:sp3d z="-25700" extrusionH="63500" contourW="12700" prstMaterial="matte">
-      <a:contourClr>
-        <a:schemeClr val="lt1"/>
-      </a:contourClr>
-    </dgm:sp3d>
-    <dgm:txPr/>
-    <dgm:style>
-      <a:lnRef idx="0">
-        <a:scrgbClr r="0" g="0" b="0"/>
-      </a:lnRef>
-      <a:fillRef idx="1">
-        <a:scrgbClr r="0" g="0" b="0"/>
-      </a:fillRef>
-      <a:effectRef idx="0">
-        <a:scrgbClr r="0" g="0" b="0"/>
-      </a:effectRef>
-      <a:fontRef idx="minor"/>
-    </dgm:style>
-  </dgm:styleLbl>
-  <dgm:styleLbl name="sibTrans2D1">
-    <dgm:scene3d>
-      <a:camera prst="orthographicFront"/>
-      <a:lightRig rig="chilly" dir="t"/>
-    </dgm:scene3d>
-    <dgm:sp3d z="-70000" extrusionH="1700" prstMaterial="translucentPowder">
-      <a:bevelT w="25400" h="6350" prst="softRound"/>
-      <a:bevelB w="0" h="0" prst="convex"/>
-    </dgm:sp3d>
-    <dgm:txPr/>
-    <dgm:style>
-      <a:lnRef idx="0">
-        <a:scrgbClr r="0" g="0" b="0"/>
-      </a:lnRef>
-      <a:fillRef idx="1">
-        <a:scrgbClr r="0" g="0" b="0"/>
-      </a:fillRef>
-      <a:effectRef idx="0">
-        <a:scrgbClr r="0" g="0" b="0"/>
-      </a:effectRef>
-      <a:fontRef idx="minor">
-        <a:schemeClr val="lt1"/>
-      </a:fontRef>
-    </dgm:style>
-  </dgm:styleLbl>
-  <dgm:styleLbl name="fgSibTrans2D1">
-    <dgm:scene3d>
-      <a:camera prst="orthographicFront"/>
-      <a:lightRig rig="chilly" dir="t"/>
-    </dgm:scene3d>
-    <dgm:sp3d z="12700" extrusionH="1700" prstMaterial="translucentPowder">
-      <a:bevelT w="25400" h="6350" prst="softRound"/>
-      <a:bevelB w="0" h="0" prst="convex"/>
-    </dgm:sp3d>
-    <dgm:txPr/>
-    <dgm:style>
-      <a:lnRef idx="0">
-        <a:scrgbClr r="0" g="0" b="0"/>
-      </a:lnRef>
-      <a:fillRef idx="1">
-        <a:scrgbClr r="0" g="0" b="0"/>
-      </a:fillRef>
-      <a:effectRef idx="0">
-        <a:scrgbClr r="0" g="0" b="0"/>
-      </a:effectRef>
-      <a:fontRef idx="minor"/>
-    </dgm:style>
-  </dgm:styleLbl>
-  <dgm:styleLbl name="bgSibTrans2D1">
-    <dgm:scene3d>
-      <a:camera prst="orthographicFront"/>
-      <a:lightRig rig="chilly" dir="t"/>
-    </dgm:scene3d>
-    <dgm:sp3d z="-25700" extrusionH="1700" prstMaterial="translucentPowder">
-      <a:bevelT w="25400" h="6350" prst="softRound"/>
-      <a:bevelB w="0" h="0" prst="convex"/>
-    </dgm:sp3d>
-    <dgm:txPr/>
-    <dgm:style>
-      <a:lnRef idx="0">
-        <a:scrgbClr r="0" g="0" b="0"/>
-      </a:lnRef>
-      <a:fillRef idx="1">
-        <a:scrgbClr r="0" g="0" b="0"/>
-      </a:fillRef>
-      <a:effectRef idx="0">
-        <a:scrgbClr r="0" g="0" b="0"/>
-      </a:effectRef>
-      <a:fontRef idx="minor"/>
-    </dgm:style>
-  </dgm:styleLbl>
-  <dgm:styleLbl name="sibTrans1D1">
-    <dgm:scene3d>
-      <a:camera prst="orthographicFront"/>
-      <a:lightRig rig="chilly" dir="t"/>
-    </dgm:scene3d>
-    <dgm:sp3d z="-40000" prstMaterial="matte"/>
-    <dgm:txPr/>
-    <dgm:style>
-      <a:lnRef idx="1">
-        <a:scrgbClr r="0" g="0" b="0"/>
-      </a:lnRef>
-      <a:fillRef idx="0">
-        <a:scrgbClr r="0" g="0" b="0"/>
-      </a:fillRef>
-      <a:effectRef idx="0">
-        <a:scrgbClr r="0" g="0" b="0"/>
-      </a:effectRef>
-      <a:fontRef idx="minor"/>
-    </dgm:style>
-  </dgm:styleLbl>
-  <dgm:styleLbl name="callout">
-    <dgm:scene3d>
-      <a:camera prst="orthographicFront"/>
-      <a:lightRig rig="chilly" dir="t"/>
-    </dgm:scene3d>
-    <dgm:sp3d z="127000" prstMaterial="matte"/>
-    <dgm:txPr/>
-    <dgm:style>
-      <a:lnRef idx="2">
-        <a:scrgbClr r="0" g="0" b="0"/>
-      </a:lnRef>
-      <a:fillRef idx="1">
-        <a:scrgbClr r="0" g="0" b="0"/>
-      </a:fillRef>
-      <a:effectRef idx="0">
-        <a:scrgbClr r="0" g="0" b="0"/>
-      </a:effectRef>
-      <a:fontRef idx="minor"/>
-    </dgm:style>
-  </dgm:styleLbl>
-  <dgm:styleLbl name="asst0">
-    <dgm:scene3d>
-      <a:camera prst="orthographicFront"/>
-      <a:lightRig rig="chilly" dir="t"/>
-    </dgm:scene3d>
-    <dgm:sp3d prstMaterial="translucentPowder">
-      <a:bevelT w="127000" h="25400" prst="softRound"/>
-    </dgm:sp3d>
-    <dgm:txPr/>
-    <dgm:style>
-      <a:lnRef idx="0">
-        <a:scrgbClr r="0" g="0" b="0"/>
-      </a:lnRef>
-      <a:fillRef idx="1">
-        <a:scrgbClr r="0" g="0" b="0"/>
-      </a:fillRef>
-      <a:effectRef idx="0">
-        <a:scrgbClr r="0" g="0" b="0"/>
-      </a:effectRef>
-      <a:fontRef idx="minor">
-        <a:schemeClr val="lt1"/>
-      </a:fontRef>
-    </dgm:style>
-  </dgm:styleLbl>
-  <dgm:styleLbl name="asst1">
-    <dgm:scene3d>
-      <a:camera prst="orthographicFront"/>
-      <a:lightRig rig="chilly" dir="t"/>
-    </dgm:scene3d>
-    <dgm:sp3d prstMaterial="translucentPowder">
-      <a:bevelT w="127000" h="25400" prst="softRound"/>
-    </dgm:sp3d>
-    <dgm:txPr/>
-    <dgm:style>
-      <a:lnRef idx="0">
-        <a:scrgbClr r="0" g="0" b="0"/>
-      </a:lnRef>
-      <a:fillRef idx="1">
-        <a:scrgbClr r="0" g="0" b="0"/>
-      </a:fillRef>
-      <a:effectRef idx="0">
-        <a:scrgbClr r="0" g="0" b="0"/>
-      </a:effectRef>
-      <a:fontRef idx="minor">
-        <a:schemeClr val="lt1"/>
-      </a:fontRef>
-    </dgm:style>
-  </dgm:styleLbl>
-  <dgm:styleLbl name="asst2">
-    <dgm:scene3d>
-      <a:camera prst="orthographicFront"/>
-      <a:lightRig rig="chilly" dir="t"/>
-    </dgm:scene3d>
-    <dgm:sp3d prstMaterial="translucentPowder">
-      <a:bevelT w="127000" h="25400" prst="softRound"/>
-    </dgm:sp3d>
-    <dgm:txPr/>
-    <dgm:style>
-      <a:lnRef idx="0">
-        <a:scrgbClr r="0" g="0" b="0"/>
-      </a:lnRef>
-      <a:fillRef idx="1">
-        <a:scrgbClr r="0" g="0" b="0"/>
-      </a:fillRef>
-      <a:effectRef idx="0">
-        <a:scrgbClr r="0" g="0" b="0"/>
-      </a:effectRef>
-      <a:fontRef idx="minor">
-        <a:schemeClr val="lt1"/>
-      </a:fontRef>
-    </dgm:style>
-  </dgm:styleLbl>
-  <dgm:styleLbl name="asst3">
-    <dgm:scene3d>
-      <a:camera prst="orthographicFront"/>
-      <a:lightRig rig="chilly" dir="t"/>
-    </dgm:scene3d>
-    <dgm:sp3d prstMaterial="translucentPowder">
-      <a:bevelT w="127000" h="25400" prst="softRound"/>
-    </dgm:sp3d>
-    <dgm:txPr/>
-    <dgm:style>
-      <a:lnRef idx="0">
-        <a:scrgbClr r="0" g="0" b="0"/>
-      </a:lnRef>
-      <a:fillRef idx="1">
-        <a:scrgbClr r="0" g="0" b="0"/>
-      </a:fillRef>
-      <a:effectRef idx="0">
-        <a:scrgbClr r="0" g="0" b="0"/>
-      </a:effectRef>
-      <a:fontRef idx="minor">
-        <a:schemeClr val="lt1"/>
-      </a:fontRef>
-    </dgm:style>
-  </dgm:styleLbl>
-  <dgm:styleLbl name="parChTrans2D1">
-    <dgm:scene3d>
-      <a:camera prst="orthographicFront"/>
-      <a:lightRig rig="chilly" dir="t"/>
-    </dgm:scene3d>
-    <dgm:sp3d z="1700" extrusionH="1700" prstMaterial="translucentPowder">
-      <a:bevelT w="25400" h="6350" prst="softRound"/>
-      <a:bevelB w="0" h="0" prst="convex"/>
-    </dgm:sp3d>
-    <dgm:txPr/>
-    <dgm:style>
-      <a:lnRef idx="0">
-        <a:scrgbClr r="0" g="0" b="0"/>
-      </a:lnRef>
-      <a:fillRef idx="1">
-        <a:scrgbClr r="0" g="0" b="0"/>
-      </a:fillRef>
-      <a:effectRef idx="0">
-        <a:scrgbClr r="0" g="0" b="0"/>
-      </a:effectRef>
-      <a:fontRef idx="minor"/>
-    </dgm:style>
-  </dgm:styleLbl>
-  <dgm:styleLbl name="parChTrans2D2">
-    <dgm:scene3d>
-      <a:camera prst="orthographicFront"/>
-      <a:lightRig rig="chilly" dir="t"/>
-    </dgm:scene3d>
-    <dgm:sp3d z="1700" extrusionH="1700" prstMaterial="translucentPowder">
-      <a:bevelT w="25400" h="6350" prst="softRound"/>
-      <a:bevelB w="0" h="0" prst="convex"/>
-    </dgm:sp3d>
-    <dgm:txPr/>
-    <dgm:style>
-      <a:lnRef idx="0">
-        <a:scrgbClr r="0" g="0" b="0"/>
-      </a:lnRef>
-      <a:fillRef idx="1">
-        <a:scrgbClr r="0" g="0" b="0"/>
-      </a:fillRef>
-      <a:effectRef idx="0">
-        <a:scrgbClr r="0" g="0" b="0"/>
-      </a:effectRef>
-      <a:fontRef idx="minor"/>
-    </dgm:style>
-  </dgm:styleLbl>
-  <dgm:styleLbl name="parChTrans2D3">
-    <dgm:scene3d>
-      <a:camera prst="orthographicFront"/>
-      <a:lightRig rig="chilly" dir="t"/>
-    </dgm:scene3d>
-    <dgm:sp3d extrusionH="1700" prstMaterial="translucentPowder">
-      <a:bevelT w="25400" h="6350" prst="softRound"/>
-      <a:bevelB w="0" h="0" prst="convex"/>
-    </dgm:sp3d>
-    <dgm:txPr/>
-    <dgm:style>
-      <a:lnRef idx="0">
-        <a:scrgbClr r="0" g="0" b="0"/>
-      </a:lnRef>
-      <a:fillRef idx="1">
-        <a:scrgbClr r="0" g="0" b="0"/>
-      </a:fillRef>
-      <a:effectRef idx="0">
-        <a:scrgbClr r="0" g="0" b="0"/>
-      </a:effectRef>
-      <a:fontRef idx="minor"/>
-    </dgm:style>
-  </dgm:styleLbl>
-  <dgm:styleLbl name="parChTrans2D4">
-    <dgm:scene3d>
-      <a:camera prst="orthographicFront"/>
-      <a:lightRig rig="chilly" dir="t"/>
-    </dgm:scene3d>
-    <dgm:sp3d extrusionH="1700" prstMaterial="translucentPowder">
-      <a:bevelT w="25400" h="6350" prst="softRound"/>
-      <a:bevelB w="0" h="0" prst="convex"/>
-    </dgm:sp3d>
-    <dgm:txPr/>
-    <dgm:style>
-      <a:lnRef idx="0">
-        <a:scrgbClr r="0" g="0" b="0"/>
-      </a:lnRef>
-      <a:fillRef idx="1">
-        <a:scrgbClr r="0" g="0" b="0"/>
-      </a:fillRef>
-      <a:effectRef idx="0">
-        <a:scrgbClr r="0" g="0" b="0"/>
-      </a:effectRef>
-      <a:fontRef idx="minor"/>
-    </dgm:style>
-  </dgm:styleLbl>
-  <dgm:styleLbl name="parChTrans1D1">
-    <dgm:scene3d>
-      <a:camera prst="orthographicFront"/>
-      <a:lightRig rig="chilly" dir="t"/>
-    </dgm:scene3d>
-    <dgm:sp3d z="-40000" prstMaterial="matte"/>
-    <dgm:txPr/>
-    <dgm:style>
-      <a:lnRef idx="2">
-        <a:scrgbClr r="0" g="0" b="0"/>
-      </a:lnRef>
-      <a:fillRef idx="0">
-        <a:scrgbClr r="0" g="0" b="0"/>
-      </a:fillRef>
-      <a:effectRef idx="0">
-        <a:scrgbClr r="0" g="0" b="0"/>
-      </a:effectRef>
-      <a:fontRef idx="minor"/>
-    </dgm:style>
-  </dgm:styleLbl>
-  <dgm:styleLbl name="parChTrans1D2">
-    <dgm:scene3d>
-      <a:camera prst="orthographicFront"/>
-      <a:lightRig rig="threePt" dir="t"/>
-    </dgm:scene3d>
-    <dgm:sp3d z="-40000" prstMaterial="matte"/>
-    <dgm:txPr/>
-    <dgm:style>
-      <a:lnRef idx="2">
-        <a:scrgbClr r="0" g="0" b="0"/>
-      </a:lnRef>
-      <a:fillRef idx="0">
-        <a:scrgbClr r="0" g="0" b="0"/>
-      </a:fillRef>
-      <a:effectRef idx="0">
-        <a:scrgbClr r="0" g="0" b="0"/>
-      </a:effectRef>
-      <a:fontRef idx="minor"/>
-    </dgm:style>
-  </dgm:styleLbl>
-  <dgm:styleLbl name="parChTrans1D3">
-    <dgm:scene3d>
-      <a:camera prst="orthographicFront"/>
-      <a:lightRig rig="chilly" dir="t"/>
-    </dgm:scene3d>
-    <dgm:sp3d z="-40000" prstMaterial="matte"/>
-    <dgm:txPr/>
-    <dgm:style>
-      <a:lnRef idx="2">
-        <a:scrgbClr r="0" g="0" b="0"/>
-      </a:lnRef>
-      <a:fillRef idx="0">
-        <a:scrgbClr r="0" g="0" b="0"/>
-      </a:fillRef>
-      <a:effectRef idx="0">
-        <a:scrgbClr r="0" g="0" b="0"/>
-      </a:effectRef>
-      <a:fontRef idx="minor"/>
-    </dgm:style>
-  </dgm:styleLbl>
-  <dgm:styleLbl name="parChTrans1D4">
-    <dgm:scene3d>
-      <a:camera prst="orthographicFront"/>
-      <a:lightRig rig="chilly" dir="t"/>
-    </dgm:scene3d>
-    <dgm:sp3d z="-40000" prstMaterial="matte"/>
-    <dgm:txPr/>
-    <dgm:style>
-      <a:lnRef idx="2">
-        <a:scrgbClr r="0" g="0" b="0"/>
-      </a:lnRef>
-      <a:fillRef idx="0">
-        <a:scrgbClr r="0" g="0" b="0"/>
-      </a:fillRef>
-      <a:effectRef idx="0">
-        <a:scrgbClr r="0" g="0" b="0"/>
-      </a:effectRef>
-      <a:fontRef idx="minor"/>
-    </dgm:style>
-  </dgm:styleLbl>
-  <dgm:styleLbl name="fgAcc1">
-    <dgm:scene3d>
-      <a:camera prst="orthographicFront"/>
-      <a:lightRig rig="chilly" dir="t"/>
-    </dgm:scene3d>
-    <dgm:sp3d z="12700" extrusionH="1700" prstMaterial="dkEdge">
-      <a:bevelT w="25400" h="6350" prst="softRound"/>
-      <a:bevelB w="0" h="0" prst="convex"/>
-    </dgm:sp3d>
-    <dgm:txPr/>
-    <dgm:style>
-      <a:lnRef idx="1">
-        <a:scrgbClr r="0" g="0" b="0"/>
-      </a:lnRef>
-      <a:fillRef idx="1">
-        <a:scrgbClr r="0" g="0" b="0"/>
-      </a:fillRef>
-      <a:effectRef idx="0">
-        <a:scrgbClr r="0" g="0" b="0"/>
-      </a:effectRef>
-      <a:fontRef idx="minor"/>
-    </dgm:style>
-  </dgm:styleLbl>
-  <dgm:styleLbl name="conFgAcc1">
-    <dgm:scene3d>
-      <a:camera prst="orthographicFront"/>
-      <a:lightRig rig="chilly" dir="t"/>
-    </dgm:scene3d>
-    <dgm:sp3d z="12700" extrusionH="1700" prstMaterial="dkEdge">
-      <a:bevelT w="25400" h="6350" prst="softRound"/>
-      <a:bevelB w="0" h="0" prst="convex"/>
-    </dgm:sp3d>
-    <dgm:txPr/>
-    <dgm:style>
-      <a:lnRef idx="1">
-        <a:scrgbClr r="0" g="0" b="0"/>
-      </a:lnRef>
-      <a:fillRef idx="1">
-        <a:scrgbClr r="0" g="0" b="0"/>
-      </a:fillRef>
-      <a:effectRef idx="0">
-        <a:scrgbClr r="0" g="0" b="0"/>
-      </a:effectRef>
-      <a:fontRef idx="minor"/>
-    </dgm:style>
-  </dgm:styleLbl>
-  <dgm:styleLbl name="alignAcc1">
-    <dgm:scene3d>
-      <a:camera prst="orthographicFront"/>
-      <a:lightRig rig="chilly" dir="t"/>
-    </dgm:scene3d>
-    <dgm:sp3d prstMaterial="dkEdge">
-      <a:bevelT w="25400" h="6350" prst="softRound"/>
-      <a:bevelB w="0" h="0" prst="convex"/>
-    </dgm:sp3d>
-    <dgm:txPr/>
-    <dgm:style>
-      <a:lnRef idx="1">
-        <a:scrgbClr r="0" g="0" b="0"/>
-      </a:lnRef>
-      <a:fillRef idx="1">
-        <a:scrgbClr r="0" g="0" b="0"/>
-      </a:fillRef>
-      <a:effectRef idx="0">
-        <a:scrgbClr r="0" g="0" b="0"/>
-      </a:effectRef>
-      <a:fontRef idx="minor"/>
-    </dgm:style>
-  </dgm:styleLbl>
-  <dgm:styleLbl name="trAlignAcc1">
-    <dgm:scene3d>
-      <a:camera prst="orthographicFront"/>
-      <a:lightRig rig="chilly" dir="t"/>
-    </dgm:scene3d>
-    <dgm:sp3d prstMaterial="dkEdge">
-      <a:bevelT w="127000" h="25400"/>
-    </dgm:sp3d>
-    <dgm:txPr/>
-    <dgm:style>
-      <a:lnRef idx="1">
-        <a:scrgbClr r="0" g="0" b="0"/>
-      </a:lnRef>
-      <a:fillRef idx="1">
-        <a:scrgbClr r="0" g="0" b="0"/>
-      </a:fillRef>
-      <a:effectRef idx="0">
-        <a:scrgbClr r="0" g="0" b="0"/>
-      </a:effectRef>
-      <a:fontRef idx="minor">
-        <a:schemeClr val="lt1"/>
-      </a:fontRef>
-    </dgm:style>
-  </dgm:styleLbl>
-  <dgm:styleLbl name="bgAcc1">
-    <dgm:scene3d>
-      <a:camera prst="orthographicFront"/>
-      <a:lightRig rig="chilly" dir="t"/>
-    </dgm:scene3d>
-    <dgm:sp3d z="-12700" extrusionH="1700" prstMaterial="dkEdge">
-      <a:bevelT w="25400" h="6350" prst="softRound"/>
-      <a:bevelB w="0" h="0" prst="convex"/>
-    </dgm:sp3d>
-    <dgm:txPr/>
-    <dgm:style>
-      <a:lnRef idx="1">
-        <a:scrgbClr r="0" g="0" b="0"/>
-      </a:lnRef>
-      <a:fillRef idx="1">
-        <a:scrgbClr r="0" g="0" b="0"/>
-      </a:fillRef>
-      <a:effectRef idx="0">
-        <a:scrgbClr r="0" g="0" b="0"/>
-      </a:effectRef>
-      <a:fontRef idx="minor"/>
-    </dgm:style>
-  </dgm:styleLbl>
-  <dgm:styleLbl name="solidFgAcc1">
-    <dgm:scene3d>
-      <a:camera prst="orthographicFront"/>
-      <a:lightRig rig="chilly" dir="t"/>
-    </dgm:scene3d>
-    <dgm:sp3d z="12700" extrusionH="1700" prstMaterial="dkEdge">
-      <a:bevelT w="25400" h="6350" prst="softRound"/>
-      <a:bevelB w="0" h="0" prst="convex"/>
-    </dgm:sp3d>
-    <dgm:txPr/>
-    <dgm:style>
-      <a:lnRef idx="1">
-        <a:scrgbClr r="0" g="0" b="0"/>
-      </a:lnRef>
-      <a:fillRef idx="1">
-        <a:scrgbClr r="0" g="0" b="0"/>
-      </a:fillRef>
-      <a:effectRef idx="0">
-        <a:scrgbClr r="0" g="0" b="0"/>
-      </a:effectRef>
-      <a:fontRef idx="minor"/>
-    </dgm:style>
-  </dgm:styleLbl>
-  <dgm:styleLbl name="solidAlignAcc1">
-    <dgm:scene3d>
-      <a:camera prst="orthographicFront"/>
-      <a:lightRig rig="chilly" dir="t"/>
-    </dgm:scene3d>
-    <dgm:sp3d extrusionH="1700" prstMaterial="dkEdge">
-      <a:bevelT w="25400" h="6350" prst="softRound"/>
-      <a:bevelB w="0" h="0" prst="convex"/>
-    </dgm:sp3d>
-    <dgm:txPr/>
-    <dgm:style>
-      <a:lnRef idx="1">
-        <a:scrgbClr r="0" g="0" b="0"/>
-      </a:lnRef>
-      <a:fillRef idx="1">
-        <a:scrgbClr r="0" g="0" b="0"/>
-      </a:fillRef>
-      <a:effectRef idx="0">
-        <a:scrgbClr r="0" g="0" b="0"/>
-      </a:effectRef>
-      <a:fontRef idx="minor"/>
-    </dgm:style>
-  </dgm:styleLbl>
-  <dgm:styleLbl name="solidBgAcc1">
-    <dgm:scene3d>
-      <a:camera prst="orthographicFront"/>
-      <a:lightRig rig="chilly" dir="t"/>
-    </dgm:scene3d>
-    <dgm:sp3d z="-12700" extrusionH="1700" prstMaterial="dkEdge">
-      <a:bevelT w="25400" h="6350" prst="softRound"/>
-      <a:bevelB w="0" h="0" prst="convex"/>
-    </dgm:sp3d>
-    <dgm:txPr/>
-    <dgm:style>
-      <a:lnRef idx="1">
-        <a:scrgbClr r="0" g="0" b="0"/>
-      </a:lnRef>
-      <a:fillRef idx="1">
-        <a:scrgbClr r="0" g="0" b="0"/>
-      </a:fillRef>
-      <a:effectRef idx="0">
-        <a:scrgbClr r="0" g="0" b="0"/>
-      </a:effectRef>
-      <a:fontRef idx="minor"/>
-    </dgm:style>
-  </dgm:styleLbl>
-  <dgm:styleLbl name="fgAccFollowNode1">
-    <dgm:scene3d>
-      <a:camera prst="orthographicFront"/>
-      <a:lightRig rig="chilly" dir="t"/>
-    </dgm:scene3d>
-    <dgm:sp3d z="12700" extrusionH="1700" prstMaterial="dkEdge">
-      <a:bevelT w="25400" h="6350" prst="softRound"/>
-      <a:bevelB w="0" h="0" prst="convex"/>
-    </dgm:sp3d>
-    <dgm:txPr/>
-    <dgm:style>
-      <a:lnRef idx="1">
-        <a:scrgbClr r="0" g="0" b="0"/>
-      </a:lnRef>
-      <a:fillRef idx="1">
-        <a:scrgbClr r="0" g="0" b="0"/>
-      </a:fillRef>
-      <a:effectRef idx="0">
-        <a:scrgbClr r="0" g="0" b="0"/>
-      </a:effectRef>
-      <a:fontRef idx="minor"/>
-    </dgm:style>
-  </dgm:styleLbl>
-  <dgm:styleLbl name="alignAccFollowNode1">
-    <dgm:scene3d>
-      <a:camera prst="orthographicFront"/>
-      <a:lightRig rig="chilly" dir="t"/>
-    </dgm:scene3d>
-    <dgm:sp3d extrusionH="1700" prstMaterial="dkEdge">
-      <a:bevelT w="25400" h="6350" prst="softRound"/>
-      <a:bevelB w="0" h="0" prst="convex"/>
-    </dgm:sp3d>
-    <dgm:txPr/>
-    <dgm:style>
-      <a:lnRef idx="1">
-        <a:scrgbClr r="0" g="0" b="0"/>
-      </a:lnRef>
-      <a:fillRef idx="1">
-        <a:scrgbClr r="0" g="0" b="0"/>
-      </a:fillRef>
-      <a:effectRef idx="0">
-        <a:scrgbClr r="0" g="0" b="0"/>
-      </a:effectRef>
-      <a:fontRef idx="minor"/>
-    </dgm:style>
-  </dgm:styleLbl>
-  <dgm:styleLbl name="bgAccFollowNode1">
-    <dgm:scene3d>
-      <a:camera prst="orthographicFront"/>
-      <a:lightRig rig="chilly" dir="t"/>
-    </dgm:scene3d>
-    <dgm:sp3d z="-12700" extrusionH="1700" prstMaterial="dkEdge">
-      <a:bevelT w="25400" h="6350" prst="softRound"/>
-      <a:bevelB w="0" h="0" prst="convex"/>
-    </dgm:sp3d>
-    <dgm:txPr/>
-    <dgm:style>
-      <a:lnRef idx="1">
-        <a:scrgbClr r="0" g="0" b="0"/>
-      </a:lnRef>
-      <a:fillRef idx="1">
-        <a:scrgbClr r="0" g="0" b="0"/>
-      </a:fillRef>
-      <a:effectRef idx="0">
-        <a:scrgbClr r="0" g="0" b="0"/>
-      </a:effectRef>
-      <a:fontRef idx="minor"/>
-    </dgm:style>
-  </dgm:styleLbl>
-  <dgm:styleLbl name="fgAcc0">
-    <dgm:scene3d>
-      <a:camera prst="orthographicFront"/>
-      <a:lightRig rig="chilly" dir="t"/>
-    </dgm:scene3d>
-    <dgm:sp3d z="12700" extrusionH="1700" prstMaterial="dkEdge">
-      <a:bevelT w="25400" h="6350" prst="softRound"/>
-      <a:bevelB w="0" h="0" prst="convex"/>
-    </dgm:sp3d>
-    <dgm:txPr/>
-    <dgm:style>
-      <a:lnRef idx="1">
-        <a:scrgbClr r="0" g="0" b="0"/>
-      </a:lnRef>
-      <a:fillRef idx="1">
-        <a:scrgbClr r="0" g="0" b="0"/>
-      </a:fillRef>
-      <a:effectRef idx="0">
-        <a:scrgbClr r="0" g="0" b="0"/>
-      </a:effectRef>
-      <a:fontRef idx="minor"/>
-    </dgm:style>
-  </dgm:styleLbl>
-  <dgm:styleLbl name="fgAcc2">
-    <dgm:scene3d>
-      <a:camera prst="orthographicFront"/>
-      <a:lightRig rig="chilly" dir="t"/>
-    </dgm:scene3d>
-    <dgm:sp3d z="12700" extrusionH="1700" prstMaterial="dkEdge">
-      <a:bevelT w="25400" h="6350" prst="softRound"/>
-      <a:bevelB w="0" h="0" prst="convex"/>
-    </dgm:sp3d>
-    <dgm:txPr/>
-    <dgm:style>
-      <a:lnRef idx="1">
-        <a:scrgbClr r="0" g="0" b="0"/>
-      </a:lnRef>
-      <a:fillRef idx="1">
-        <a:scrgbClr r="0" g="0" b="0"/>
-      </a:fillRef>
-      <a:effectRef idx="0">
-        <a:scrgbClr r="0" g="0" b="0"/>
-      </a:effectRef>
-      <a:fontRef idx="minor"/>
-    </dgm:style>
-  </dgm:styleLbl>
-  <dgm:styleLbl name="fgAcc3">
-    <dgm:scene3d>
-      <a:camera prst="orthographicFront"/>
-      <a:lightRig rig="chilly" dir="t"/>
-    </dgm:scene3d>
-    <dgm:sp3d z="12700" extrusionH="1700" prstMaterial="dkEdge">
-      <a:bevelT w="25400" h="6350" prst="softRound"/>
-      <a:bevelB w="0" h="0" prst="convex"/>
-    </dgm:sp3d>
-    <dgm:txPr/>
-    <dgm:style>
-      <a:lnRef idx="1">
-        <a:scrgbClr r="0" g="0" b="0"/>
-      </a:lnRef>
-      <a:fillRef idx="1">
-        <a:scrgbClr r="0" g="0" b="0"/>
-      </a:fillRef>
-      <a:effectRef idx="0">
-        <a:scrgbClr r="0" g="0" b="0"/>
-      </a:effectRef>
-      <a:fontRef idx="minor"/>
-    </dgm:style>
-  </dgm:styleLbl>
-  <dgm:styleLbl name="fgAcc4">
-    <dgm:scene3d>
-      <a:camera prst="orthographicFront"/>
-      <a:lightRig rig="chilly" dir="t"/>
-    </dgm:scene3d>
-    <dgm:sp3d z="12700" extrusionH="1700" prstMaterial="dkEdge">
-      <a:bevelT w="25400" h="6350" prst="softRound"/>
-      <a:bevelB w="0" h="0" prst="convex"/>
-    </dgm:sp3d>
-    <dgm:txPr/>
-    <dgm:style>
-      <a:lnRef idx="1">
-        <a:scrgbClr r="0" g="0" b="0"/>
-      </a:lnRef>
-      <a:fillRef idx="1">
-        <a:scrgbClr r="0" g="0" b="0"/>
-      </a:fillRef>
-      <a:effectRef idx="0">
-        <a:scrgbClr r="0" g="0" b="0"/>
-      </a:effectRef>
-      <a:fontRef idx="minor"/>
-    </dgm:style>
-  </dgm:styleLbl>
-  <dgm:styleLbl name="bgShp">
-    <dgm:scene3d>
-      <a:camera prst="orthographicFront"/>
-      <a:lightRig rig="chilly" dir="t"/>
-    </dgm:scene3d>
-    <dgm:sp3d z="-12700" extrusionH="1700" prstMaterial="translucentPowder">
-      <a:bevelT w="25400" h="6350" prst="softRound"/>
-      <a:bevelB w="0" h="0" prst="convex"/>
-    </dgm:sp3d>
-    <dgm:txPr/>
-    <dgm:style>
-      <a:lnRef idx="0">
-        <a:scrgbClr r="0" g="0" b="0"/>
-      </a:lnRef>
-      <a:fillRef idx="1">
-        <a:scrgbClr r="0" g="0" b="0"/>
-      </a:fillRef>
-      <a:effectRef idx="0">
-        <a:scrgbClr r="0" g="0" b="0"/>
-      </a:effectRef>
-      <a:fontRef idx="minor"/>
-    </dgm:style>
-  </dgm:styleLbl>
-  <dgm:styleLbl name="dkBgShp">
-    <dgm:scene3d>
-      <a:camera prst="orthographicFront"/>
-      <a:lightRig rig="chilly" dir="t"/>
-    </dgm:scene3d>
-    <dgm:sp3d extrusionH="1700" prstMaterial="translucentPowder">
-      <a:bevelT w="25400" h="6350" prst="softRound"/>
-      <a:bevelB w="0" h="0" prst="convex"/>
-    </dgm:sp3d>
-    <dgm:txPr/>
-    <dgm:style>
-      <a:lnRef idx="0">
-        <a:scrgbClr r="0" g="0" b="0"/>
-      </a:lnRef>
-      <a:fillRef idx="1">
-        <a:scrgbClr r="0" g="0" b="0"/>
-      </a:fillRef>
-      <a:effectRef idx="0">
-        <a:scrgbClr r="0" g="0" b="0"/>
-      </a:effectRef>
-      <a:fontRef idx="minor"/>
-    </dgm:style>
-  </dgm:styleLbl>
-  <dgm:styleLbl name="trBgShp">
-    <dgm:scene3d>
-      <a:camera prst="orthographicFront"/>
-      <a:lightRig rig="chilly" dir="t"/>
-    </dgm:scene3d>
-    <dgm:sp3d z="-152400" prstMaterial="matte"/>
-    <dgm:txPr/>
-    <dgm:style>
-      <a:lnRef idx="0">
-        <a:scrgbClr r="0" g="0" b="0"/>
-      </a:lnRef>
-      <a:fillRef idx="1">
-        <a:scrgbClr r="0" g="0" b="0"/>
-      </a:fillRef>
-      <a:effectRef idx="0">
-        <a:scrgbClr r="0" g="0" b="0"/>
-      </a:effectRef>
-      <a:fontRef idx="minor"/>
-    </dgm:style>
-  </dgm:styleLbl>
-  <dgm:styleLbl name="fgShp">
-    <dgm:scene3d>
-      <a:camera prst="orthographicFront"/>
-      <a:lightRig rig="chilly" dir="t"/>
-    </dgm:scene3d>
-    <dgm:sp3d z="12700" extrusionH="1700" prstMaterial="translucentPowder">
-      <a:bevelT w="25400" h="6350" prst="softRound"/>
-      <a:bevelB w="0" h="0" prst="convex"/>
-    </dgm:sp3d>
-    <dgm:txPr/>
-    <dgm:style>
-      <a:lnRef idx="0">
-        <a:scrgbClr r="0" g="0" b="0"/>
-      </a:lnRef>
-      <a:fillRef idx="1">
-        <a:scrgbClr r="0" g="0" b="0"/>
-      </a:fillRef>
-      <a:effectRef idx="0">
-        <a:scrgbClr r="0" g="0" b="0"/>
-      </a:effectRef>
-      <a:fontRef idx="minor"/>
-    </dgm:style>
-  </dgm:styleLbl>
-  <dgm:styleLbl name="revTx">
-    <dgm:scene3d>
-      <a:camera prst="orthographicFront"/>
-      <a:lightRig rig="threePt" dir="t"/>
-    </dgm:scene3d>
-    <dgm:sp3d/>
-    <dgm:txPr/>
-    <dgm:style>
-      <a:lnRef idx="0">
-        <a:scrgbClr r="0" g="0" b="0"/>
-      </a:lnRef>
-      <a:fillRef idx="0">
-        <a:scrgbClr r="0" g="0" b="0"/>
-      </a:fillRef>
-      <a:effectRef idx="0">
-        <a:scrgbClr r="0" g="0" b="0"/>
-      </a:effectRef>
-      <a:fontRef idx="minor"/>
-    </dgm:style>
-  </dgm:styleLbl>
-</dgm:styleDef>
-</file>
-
 <file path=ppt/notesMasters/notesMaster1.xml><?xml version="1.0" encoding="utf-8"?>
 <p:notesMaster xmlns:a="http://schemas.openxmlformats.org/drawingml/2006/main" xmlns:r="http://schemas.openxmlformats.org/officeDocument/2006/relationships" xmlns:p="http://schemas.openxmlformats.org/presentationml/2006/main">
   <p:cSld>
@@ -3223,7 +221,7 @@
           <a:p>
             <a:fld id="{7497B6E1-7C5B-524D-B5EB-5E6695205380}" type="datetimeFigureOut">
               <a:rPr lang="pt-BR" smtClean="0"/>
-              <a:t>21/11/2018</a:t>
+              <a:t>28/11/2018</a:t>
             </a:fld>
             <a:endParaRPr lang="pt-BR"/>
           </a:p>
@@ -3661,7 +659,7 @@
           <a:p>
             <a:fld id="{19E7D63B-43B5-8A4C-BD12-76889BE136BD}" type="datetime1">
               <a:rPr lang="en-US" smtClean="0"/>
-              <a:t>11/21/18</a:t>
+              <a:t>11/28/18</a:t>
             </a:fld>
             <a:endParaRPr lang="en-US"/>
           </a:p>
@@ -3927,7 +925,7 @@
           <a:p>
             <a:fld id="{124E9894-F119-A64C-B7CB-D7CE860A73BE}" type="datetime1">
               <a:rPr lang="en-US" smtClean="0"/>
-              <a:t>11/21/18</a:t>
+              <a:t>11/28/18</a:t>
             </a:fld>
             <a:endParaRPr lang="en-US"/>
           </a:p>
@@ -4159,7 +1157,7 @@
           <a:p>
             <a:fld id="{124E9894-F119-A64C-B7CB-D7CE860A73BE}" type="datetime1">
               <a:rPr lang="en-US" smtClean="0"/>
-              <a:t>11/21/18</a:t>
+              <a:t>11/28/18</a:t>
             </a:fld>
             <a:endParaRPr lang="en-US"/>
           </a:p>
@@ -4470,7 +1468,7 @@
           <a:p>
             <a:fld id="{124E9894-F119-A64C-B7CB-D7CE860A73BE}" type="datetime1">
               <a:rPr lang="en-US" smtClean="0"/>
-              <a:t>11/21/18</a:t>
+              <a:t>11/28/18</a:t>
             </a:fld>
             <a:endParaRPr lang="en-US"/>
           </a:p>
@@ -4944,7 +1942,7 @@
           <a:p>
             <a:fld id="{B4BBB50B-BAA3-9748-978F-08A7877AB7D9}" type="datetime1">
               <a:rPr lang="en-US" smtClean="0"/>
-              <a:t>11/21/18</a:t>
+              <a:t>11/28/18</a:t>
             </a:fld>
             <a:endParaRPr lang="en-US"/>
           </a:p>
@@ -5491,7 +2489,7 @@
           <a:p>
             <a:fld id="{124E9894-F119-A64C-B7CB-D7CE860A73BE}" type="datetime1">
               <a:rPr lang="en-US" smtClean="0"/>
-              <a:t>11/21/18</a:t>
+              <a:t>11/28/18</a:t>
             </a:fld>
             <a:endParaRPr lang="en-US"/>
           </a:p>
@@ -6263,7 +3261,7 @@
           <a:p>
             <a:fld id="{124E9894-F119-A64C-B7CB-D7CE860A73BE}" type="datetime1">
               <a:rPr lang="en-US" smtClean="0"/>
-              <a:t>11/21/18</a:t>
+              <a:t>11/28/18</a:t>
             </a:fld>
             <a:endParaRPr lang="en-US"/>
           </a:p>
@@ -6439,7 +3437,7 @@
           <a:p>
             <a:fld id="{45040DEA-CE02-EF42-8F10-34F709D8505D}" type="datetime1">
               <a:rPr lang="en-US" smtClean="0"/>
-              <a:t>11/21/18</a:t>
+              <a:t>11/28/18</a:t>
             </a:fld>
             <a:endParaRPr lang="en-US"/>
           </a:p>
@@ -6662,7 +3660,7 @@
           <a:p>
             <a:fld id="{A0C1C801-5706-434E-AB65-DDFBCF1F55D2}" type="datetime1">
               <a:rPr lang="en-US" smtClean="0"/>
-              <a:t>11/21/18</a:t>
+              <a:t>11/28/18</a:t>
             </a:fld>
             <a:endParaRPr lang="en-US"/>
           </a:p>
@@ -6842,7 +3840,7 @@
           <a:p>
             <a:fld id="{39AE0FD8-7D7B-EA4F-8AF8-8B97820A0C5D}" type="datetime1">
               <a:rPr lang="en-US" smtClean="0"/>
-              <a:t>11/21/18</a:t>
+              <a:t>11/28/18</a:t>
             </a:fld>
             <a:endParaRPr lang="en-US"/>
           </a:p>
@@ -7131,7 +4129,7 @@
           <a:p>
             <a:fld id="{7FC94D43-3F68-DC43-8EF0-95FB3D51CCCF}" type="datetime1">
               <a:rPr lang="en-US" smtClean="0"/>
-              <a:t>11/21/18</a:t>
+              <a:t>11/28/18</a:t>
             </a:fld>
             <a:endParaRPr lang="en-US"/>
           </a:p>
@@ -7373,7 +4371,7 @@
           <a:p>
             <a:fld id="{BD42CFC2-1CE8-9045-8C9C-0F183F0FB455}" type="datetime1">
               <a:rPr lang="en-US" smtClean="0"/>
-              <a:t>11/21/18</a:t>
+              <a:t>11/28/18</a:t>
             </a:fld>
             <a:endParaRPr lang="en-US"/>
           </a:p>
@@ -7752,7 +4750,7 @@
           <a:p>
             <a:fld id="{F1B5C6E2-D044-C748-9C41-86C9B2F84EB9}" type="datetime1">
               <a:rPr lang="en-US" smtClean="0"/>
-              <a:t>11/21/18</a:t>
+              <a:t>11/28/18</a:t>
             </a:fld>
             <a:endParaRPr lang="en-US"/>
           </a:p>
@@ -7870,7 +4868,7 @@
           <a:p>
             <a:fld id="{359C32BA-C166-AC45-9FCD-8BF0F43629D9}" type="datetime1">
               <a:rPr lang="en-US" smtClean="0"/>
-              <a:t>11/21/18</a:t>
+              <a:t>11/28/18</a:t>
             </a:fld>
             <a:endParaRPr lang="en-US"/>
           </a:p>
@@ -7965,7 +4963,7 @@
           <a:p>
             <a:fld id="{E5D0D591-4B92-A44B-A0EA-798E76AD0368}" type="datetime1">
               <a:rPr lang="en-US" smtClean="0"/>
-              <a:t>11/21/18</a:t>
+              <a:t>11/28/18</a:t>
             </a:fld>
             <a:endParaRPr lang="en-US"/>
           </a:p>
@@ -8214,7 +5212,7 @@
           <a:p>
             <a:fld id="{8201F472-E17F-4B47-A44B-A2249FA27ED2}" type="datetime1">
               <a:rPr lang="en-US" smtClean="0"/>
-              <a:t>11/21/18</a:t>
+              <a:t>11/28/18</a:t>
             </a:fld>
             <a:endParaRPr lang="en-US"/>
           </a:p>
@@ -8470,7 +5468,7 @@
           <a:p>
             <a:fld id="{8BEFB9EE-CDF2-6F49-80F4-278D1604F10C}" type="datetime1">
               <a:rPr lang="en-US" smtClean="0"/>
-              <a:t>11/21/18</a:t>
+              <a:t>11/28/18</a:t>
             </a:fld>
             <a:endParaRPr lang="en-US"/>
           </a:p>
@@ -8713,7 +5711,7 @@
           <a:p>
             <a:fld id="{124E9894-F119-A64C-B7CB-D7CE860A73BE}" type="datetime1">
               <a:rPr lang="en-US" smtClean="0"/>
-              <a:t>11/21/18</a:t>
+              <a:t>11/28/18</a:t>
             </a:fld>
             <a:endParaRPr lang="en-US"/>
           </a:p>
@@ -16154,7 +13152,7 @@
           <a:lstStyle/>
           <a:p>
             <a:r>
-              <a:rPr lang="pt-PT" sz="2800">
+              <a:rPr lang="pt-PT" sz="2800" dirty="0">
                 <a:solidFill>
                   <a:schemeClr val="bg1"/>
                 </a:solidFill>
@@ -16162,7 +13160,7 @@
               <a:t>Em seguida escrevemos o mínimo de código para resolver um </a:t>
             </a:r>
             <a:r>
-              <a:rPr lang="pt-PT" sz="2800" err="1">
+              <a:rPr lang="pt-PT" sz="2800" dirty="0" err="1">
                 <a:solidFill>
                   <a:schemeClr val="bg1"/>
                 </a:solidFill>
@@ -16170,7 +13168,7 @@
               <a:t>sub-problema</a:t>
             </a:r>
             <a:r>
-              <a:rPr lang="pt-PT" sz="2800">
+              <a:rPr lang="pt-PT" sz="2800" dirty="0">
                 <a:solidFill>
                   <a:schemeClr val="bg1"/>
                 </a:solidFill>
@@ -16180,7 +13178,7 @@
           </a:p>
           <a:p>
             <a:r>
-              <a:rPr lang="pt-PT" sz="2800">
+              <a:rPr lang="pt-PT" sz="2800" dirty="0">
                 <a:solidFill>
                   <a:schemeClr val="bg1"/>
                 </a:solidFill>
@@ -16188,7 +13186,7 @@
               <a:t>Tal código deve ser apenas o suficiente para o teste passar (</a:t>
             </a:r>
             <a:r>
-              <a:rPr lang="pt-PT" sz="2800" i="1">
+              <a:rPr lang="pt-PT" sz="2800" i="1" dirty="0">
                 <a:solidFill>
                   <a:srgbClr val="00B050"/>
                 </a:solidFill>
@@ -16196,7 +13194,7 @@
               <a:t>Green</a:t>
             </a:r>
             <a:r>
-              <a:rPr lang="pt-PT" sz="2800">
+              <a:rPr lang="pt-PT" sz="2800" dirty="0">
                 <a:solidFill>
                   <a:schemeClr val="bg1"/>
                 </a:solidFill>
@@ -18159,34 +15157,6 @@
           </a:p>
         </p:txBody>
       </p:sp>
-      <p:graphicFrame>
-        <p:nvGraphicFramePr>
-          <p:cNvPr id="2" name="Diagram 1">
-            <a:extLst>
-              <a:ext uri="{FF2B5EF4-FFF2-40B4-BE49-F238E27FC236}">
-                <a16:creationId xmlns:a16="http://schemas.microsoft.com/office/drawing/2014/main" id="{F6FE98EE-FA3A-F547-823D-49C344C7F962}"/>
-              </a:ext>
-            </a:extLst>
-          </p:cNvPr>
-          <p:cNvGraphicFramePr/>
-          <p:nvPr>
-            <p:extLst>
-              <p:ext uri="{D42A27DB-BD31-4B8C-83A1-F6EECF244321}">
-                <p14:modId xmlns:p14="http://schemas.microsoft.com/office/powerpoint/2010/main" val="1193873010"/>
-              </p:ext>
-            </p:extLst>
-          </p:nvPr>
-        </p:nvGraphicFramePr>
-        <p:xfrm>
-          <a:off x="2731541" y="1738998"/>
-          <a:ext cx="7403059" cy="4916635"/>
-        </p:xfrm>
-        <a:graphic>
-          <a:graphicData uri="http://schemas.openxmlformats.org/drawingml/2006/diagram">
-            <dgm:relIds xmlns:dgm="http://schemas.openxmlformats.org/drawingml/2006/diagram" xmlns:r="http://schemas.openxmlformats.org/officeDocument/2006/relationships" r:dm="rId2" r:lo="rId3" r:qs="rId4" r:cs="rId5"/>
-          </a:graphicData>
-        </a:graphic>
-      </p:graphicFrame>
       <p:sp>
         <p:nvSpPr>
           <p:cNvPr id="14" name="Title 1">
@@ -18239,6 +15209,734 @@
           </a:p>
         </p:txBody>
       </p:sp>
+      <p:sp>
+        <p:nvSpPr>
+          <p:cNvPr id="6" name="Content Placeholder 2">
+            <a:extLst>
+              <a:ext uri="{FF2B5EF4-FFF2-40B4-BE49-F238E27FC236}">
+                <a16:creationId xmlns:a16="http://schemas.microsoft.com/office/drawing/2014/main" id="{BBC6E722-200B-1D49-8F36-A6AF34EE98FC}"/>
+              </a:ext>
+            </a:extLst>
+          </p:cNvPr>
+          <p:cNvSpPr>
+            <a:spLocks noGrp="1"/>
+          </p:cNvSpPr>
+          <p:nvPr>
+            <p:ph idx="1"/>
+          </p:nvPr>
+        </p:nvSpPr>
+        <p:spPr>
+          <a:xfrm>
+            <a:off x="306547" y="1726994"/>
+            <a:ext cx="5564166" cy="4172015"/>
+          </a:xfrm>
+        </p:spPr>
+        <p:txBody>
+          <a:bodyPr>
+            <a:normAutofit/>
+          </a:bodyPr>
+          <a:lstStyle/>
+          <a:p>
+            <a:r>
+              <a:rPr lang="pt-PT" sz="2400" dirty="0">
+                <a:solidFill>
+                  <a:schemeClr val="bg1"/>
+                </a:solidFill>
+              </a:rPr>
+              <a:t>Este é um exemplo de figura padrão utilizada para descrever o ciclo do TDD</a:t>
+            </a:r>
+          </a:p>
+          <a:p>
+            <a:r>
+              <a:rPr lang="pt-PT" sz="2400" dirty="0">
+                <a:solidFill>
+                  <a:schemeClr val="bg1"/>
+                </a:solidFill>
+              </a:rPr>
+              <a:t>No entanto, na prática o ciclo é normalmente um pouco mais longo, como deixado claro em muitos livros de TDD, apesar da simplificação das figuras que usam</a:t>
+            </a:r>
+          </a:p>
+        </p:txBody>
+      </p:sp>
+      <p:grpSp>
+        <p:nvGrpSpPr>
+          <p:cNvPr id="7" name="Group 6">
+            <a:extLst>
+              <a:ext uri="{FF2B5EF4-FFF2-40B4-BE49-F238E27FC236}">
+                <a16:creationId xmlns:a16="http://schemas.microsoft.com/office/drawing/2014/main" id="{7498F3C7-F7E3-5749-AB5B-F93F05522902}"/>
+              </a:ext>
+            </a:extLst>
+          </p:cNvPr>
+          <p:cNvGrpSpPr/>
+          <p:nvPr/>
+        </p:nvGrpSpPr>
+        <p:grpSpPr>
+          <a:xfrm>
+            <a:off x="7030160" y="1269006"/>
+            <a:ext cx="3162468" cy="2159994"/>
+            <a:chOff x="2120295" y="-171719"/>
+            <a:chExt cx="3162468" cy="2159994"/>
+          </a:xfrm>
+          <a:scene3d>
+            <a:camera prst="orthographicFront"/>
+            <a:lightRig rig="chilly" dir="t"/>
+          </a:scene3d>
+        </p:grpSpPr>
+        <p:sp>
+          <p:nvSpPr>
+            <p:cNvPr id="15" name="Oval 14">
+              <a:extLst>
+                <a:ext uri="{FF2B5EF4-FFF2-40B4-BE49-F238E27FC236}">
+                  <a16:creationId xmlns:a16="http://schemas.microsoft.com/office/drawing/2014/main" id="{C05EAC8C-7C5B-AF4B-A998-B675253C9981}"/>
+                </a:ext>
+              </a:extLst>
+            </p:cNvPr>
+            <p:cNvSpPr/>
+            <p:nvPr/>
+          </p:nvSpPr>
+          <p:spPr>
+            <a:xfrm>
+              <a:off x="2120295" y="-171719"/>
+              <a:ext cx="3162468" cy="2159994"/>
+            </a:xfrm>
+            <a:prstGeom prst="ellipse">
+              <a:avLst/>
+            </a:prstGeom>
+            <a:solidFill>
+              <a:srgbClr val="FF0000"/>
+            </a:solidFill>
+            <a:sp3d prstMaterial="translucentPowder">
+              <a:bevelT w="127000" h="25400" prst="softRound"/>
+            </a:sp3d>
+          </p:spPr>
+          <p:style>
+            <a:lnRef idx="0">
+              <a:schemeClr val="lt1">
+                <a:hueOff val="0"/>
+                <a:satOff val="0"/>
+                <a:lumOff val="0"/>
+                <a:alphaOff val="0"/>
+              </a:schemeClr>
+            </a:lnRef>
+            <a:fillRef idx="1">
+              <a:scrgbClr r="0" g="0" b="0"/>
+            </a:fillRef>
+            <a:effectRef idx="0">
+              <a:schemeClr val="accent2">
+                <a:hueOff val="0"/>
+                <a:satOff val="0"/>
+                <a:lumOff val="0"/>
+                <a:alphaOff val="0"/>
+              </a:schemeClr>
+            </a:effectRef>
+            <a:fontRef idx="minor">
+              <a:schemeClr val="lt1"/>
+            </a:fontRef>
+          </p:style>
+        </p:sp>
+        <p:sp>
+          <p:nvSpPr>
+            <p:cNvPr id="16" name="Oval 4">
+              <a:extLst>
+                <a:ext uri="{FF2B5EF4-FFF2-40B4-BE49-F238E27FC236}">
+                  <a16:creationId xmlns:a16="http://schemas.microsoft.com/office/drawing/2014/main" id="{F68110C8-1B12-6041-9FB9-8B68441AEEA9}"/>
+                </a:ext>
+              </a:extLst>
+            </p:cNvPr>
+            <p:cNvSpPr txBox="1"/>
+            <p:nvPr/>
+          </p:nvSpPr>
+          <p:spPr>
+            <a:xfrm>
+              <a:off x="2583428" y="144605"/>
+              <a:ext cx="2236202" cy="1527346"/>
+            </a:xfrm>
+            <a:prstGeom prst="rect">
+              <a:avLst/>
+            </a:prstGeom>
+            <a:sp3d/>
+          </p:spPr>
+          <p:style>
+            <a:lnRef idx="0">
+              <a:scrgbClr r="0" g="0" b="0"/>
+            </a:lnRef>
+            <a:fillRef idx="0">
+              <a:scrgbClr r="0" g="0" b="0"/>
+            </a:fillRef>
+            <a:effectRef idx="0">
+              <a:scrgbClr r="0" g="0" b="0"/>
+            </a:effectRef>
+            <a:fontRef idx="minor">
+              <a:schemeClr val="lt1"/>
+            </a:fontRef>
+          </p:style>
+          <p:txBody>
+            <a:bodyPr spcFirstLastPara="0" vert="horz" wrap="square" lIns="91440" tIns="91440" rIns="91440" bIns="91440" numCol="1" spcCol="1270" anchor="ctr" anchorCtr="0">
+              <a:noAutofit/>
+            </a:bodyPr>
+            <a:lstStyle/>
+            <a:p>
+              <a:pPr marL="0" lvl="0" indent="0" algn="ctr" defTabSz="1066800">
+                <a:lnSpc>
+                  <a:spcPct val="90000"/>
+                </a:lnSpc>
+                <a:spcBef>
+                  <a:spcPct val="0"/>
+                </a:spcBef>
+                <a:spcAft>
+                  <a:spcPct val="35000"/>
+                </a:spcAft>
+                <a:buNone/>
+              </a:pPr>
+              <a:r>
+                <a:rPr lang="en-US" sz="2400" b="1" kern="1200" dirty="0">
+                  <a:solidFill>
+                    <a:schemeClr val="bg1"/>
+                  </a:solidFill>
+                </a:rPr>
+                <a:t>1. Red: </a:t>
+              </a:r>
+              <a:r>
+                <a:rPr lang="en-US" sz="2400" b="1" kern="1200" dirty="0" err="1">
+                  <a:solidFill>
+                    <a:schemeClr val="bg1"/>
+                  </a:solidFill>
+                </a:rPr>
+                <a:t>Escrever</a:t>
+              </a:r>
+              <a:r>
+                <a:rPr lang="en-US" sz="2400" b="1" kern="1200" dirty="0">
+                  <a:solidFill>
+                    <a:schemeClr val="bg1"/>
+                  </a:solidFill>
+                </a:rPr>
+                <a:t> um novo Teste</a:t>
+              </a:r>
+            </a:p>
+          </p:txBody>
+        </p:sp>
+      </p:grpSp>
+      <p:grpSp>
+        <p:nvGrpSpPr>
+          <p:cNvPr id="8" name="Group 7">
+            <a:extLst>
+              <a:ext uri="{FF2B5EF4-FFF2-40B4-BE49-F238E27FC236}">
+                <a16:creationId xmlns:a16="http://schemas.microsoft.com/office/drawing/2014/main" id="{AEDB7ED6-537D-E048-B53A-161078EE1796}"/>
+              </a:ext>
+            </a:extLst>
+          </p:cNvPr>
+          <p:cNvGrpSpPr/>
+          <p:nvPr/>
+        </p:nvGrpSpPr>
+        <p:grpSpPr>
+          <a:xfrm>
+            <a:off x="8722985" y="4174546"/>
+            <a:ext cx="3162468" cy="2159994"/>
+            <a:chOff x="3813120" y="2733821"/>
+            <a:chExt cx="3162468" cy="2159994"/>
+          </a:xfrm>
+          <a:scene3d>
+            <a:camera prst="orthographicFront"/>
+            <a:lightRig rig="chilly" dir="t"/>
+          </a:scene3d>
+        </p:grpSpPr>
+        <p:sp>
+          <p:nvSpPr>
+            <p:cNvPr id="12" name="Oval 11">
+              <a:extLst>
+                <a:ext uri="{FF2B5EF4-FFF2-40B4-BE49-F238E27FC236}">
+                  <a16:creationId xmlns:a16="http://schemas.microsoft.com/office/drawing/2014/main" id="{52DCAE42-D5B7-FE45-9025-A0FD0336A9FC}"/>
+                </a:ext>
+              </a:extLst>
+            </p:cNvPr>
+            <p:cNvSpPr/>
+            <p:nvPr/>
+          </p:nvSpPr>
+          <p:spPr>
+            <a:xfrm>
+              <a:off x="3813120" y="2733821"/>
+              <a:ext cx="3162468" cy="2159994"/>
+            </a:xfrm>
+            <a:prstGeom prst="ellipse">
+              <a:avLst/>
+            </a:prstGeom>
+            <a:solidFill>
+              <a:srgbClr val="00B050"/>
+            </a:solidFill>
+            <a:sp3d prstMaterial="translucentPowder">
+              <a:bevelT w="127000" h="25400" prst="softRound"/>
+            </a:sp3d>
+          </p:spPr>
+          <p:style>
+            <a:lnRef idx="0">
+              <a:schemeClr val="lt1">
+                <a:hueOff val="0"/>
+                <a:satOff val="0"/>
+                <a:lumOff val="0"/>
+                <a:alphaOff val="0"/>
+              </a:schemeClr>
+            </a:lnRef>
+            <a:fillRef idx="1">
+              <a:scrgbClr r="0" g="0" b="0"/>
+            </a:fillRef>
+            <a:effectRef idx="0">
+              <a:schemeClr val="accent2">
+                <a:hueOff val="574745"/>
+                <a:satOff val="-9386"/>
+                <a:lumOff val="588"/>
+                <a:alphaOff val="0"/>
+              </a:schemeClr>
+            </a:effectRef>
+            <a:fontRef idx="minor">
+              <a:schemeClr val="lt1"/>
+            </a:fontRef>
+          </p:style>
+        </p:sp>
+        <p:sp>
+          <p:nvSpPr>
+            <p:cNvPr id="13" name="Oval 6">
+              <a:extLst>
+                <a:ext uri="{FF2B5EF4-FFF2-40B4-BE49-F238E27FC236}">
+                  <a16:creationId xmlns:a16="http://schemas.microsoft.com/office/drawing/2014/main" id="{58C61302-0277-9647-8162-16E9BFF1BE4B}"/>
+                </a:ext>
+              </a:extLst>
+            </p:cNvPr>
+            <p:cNvSpPr txBox="1"/>
+            <p:nvPr/>
+          </p:nvSpPr>
+          <p:spPr>
+            <a:xfrm>
+              <a:off x="4276253" y="3050145"/>
+              <a:ext cx="2236202" cy="1527346"/>
+            </a:xfrm>
+            <a:prstGeom prst="rect">
+              <a:avLst/>
+            </a:prstGeom>
+            <a:sp3d/>
+          </p:spPr>
+          <p:style>
+            <a:lnRef idx="0">
+              <a:scrgbClr r="0" g="0" b="0"/>
+            </a:lnRef>
+            <a:fillRef idx="0">
+              <a:scrgbClr r="0" g="0" b="0"/>
+            </a:fillRef>
+            <a:effectRef idx="0">
+              <a:scrgbClr r="0" g="0" b="0"/>
+            </a:effectRef>
+            <a:fontRef idx="minor">
+              <a:schemeClr val="lt1"/>
+            </a:fontRef>
+          </p:style>
+          <p:txBody>
+            <a:bodyPr spcFirstLastPara="0" vert="horz" wrap="square" lIns="91440" tIns="91440" rIns="91440" bIns="91440" numCol="1" spcCol="1270" anchor="ctr" anchorCtr="0">
+              <a:noAutofit/>
+            </a:bodyPr>
+            <a:lstStyle/>
+            <a:p>
+              <a:pPr marL="0" lvl="0" indent="0" algn="ctr" defTabSz="1066800">
+                <a:lnSpc>
+                  <a:spcPct val="90000"/>
+                </a:lnSpc>
+                <a:spcBef>
+                  <a:spcPct val="0"/>
+                </a:spcBef>
+                <a:spcAft>
+                  <a:spcPct val="35000"/>
+                </a:spcAft>
+                <a:buNone/>
+              </a:pPr>
+              <a:r>
+                <a:rPr lang="en-US" sz="2400" b="1" kern="1200" dirty="0">
+                  <a:solidFill>
+                    <a:schemeClr val="bg1"/>
+                  </a:solidFill>
+                </a:rPr>
+                <a:t>2. Green: </a:t>
+              </a:r>
+              <a:r>
+                <a:rPr lang="en-US" sz="2400" b="1" kern="1200" dirty="0" err="1">
+                  <a:solidFill>
+                    <a:schemeClr val="bg1"/>
+                  </a:solidFill>
+                </a:rPr>
+                <a:t>Escrever</a:t>
+              </a:r>
+              <a:r>
+                <a:rPr lang="en-US" sz="2400" b="1" kern="1200" dirty="0">
+                  <a:solidFill>
+                    <a:schemeClr val="bg1"/>
+                  </a:solidFill>
+                </a:rPr>
+                <a:t> o </a:t>
+              </a:r>
+              <a:r>
+                <a:rPr lang="en-US" sz="2400" b="1" kern="1200" dirty="0" err="1">
+                  <a:solidFill>
+                    <a:schemeClr val="bg1"/>
+                  </a:solidFill>
+                </a:rPr>
+                <a:t>mínimo</a:t>
+              </a:r>
+              <a:r>
+                <a:rPr lang="en-US" sz="2400" b="1" kern="1200" dirty="0">
+                  <a:solidFill>
+                    <a:schemeClr val="bg1"/>
+                  </a:solidFill>
+                </a:rPr>
+                <a:t> de </a:t>
+              </a:r>
+              <a:r>
+                <a:rPr lang="en-US" sz="2400" b="1" kern="1200" dirty="0" err="1">
+                  <a:solidFill>
+                    <a:schemeClr val="bg1"/>
+                  </a:solidFill>
+                </a:rPr>
+                <a:t>código</a:t>
+              </a:r>
+              <a:r>
+                <a:rPr lang="en-US" sz="2400" b="1" kern="1200" dirty="0">
+                  <a:solidFill>
+                    <a:schemeClr val="bg1"/>
+                  </a:solidFill>
+                </a:rPr>
+                <a:t> pro teste </a:t>
+              </a:r>
+              <a:r>
+                <a:rPr lang="en-US" sz="2400" b="1" kern="1200" dirty="0" err="1">
+                  <a:solidFill>
+                    <a:schemeClr val="bg1"/>
+                  </a:solidFill>
+                </a:rPr>
+                <a:t>passar</a:t>
+              </a:r>
+              <a:endParaRPr lang="en-US" sz="2400" b="1" kern="1200" dirty="0">
+                <a:solidFill>
+                  <a:schemeClr val="bg1"/>
+                </a:solidFill>
+              </a:endParaRPr>
+            </a:p>
+          </p:txBody>
+        </p:sp>
+      </p:grpSp>
+      <p:grpSp>
+        <p:nvGrpSpPr>
+          <p:cNvPr id="9" name="Group 8">
+            <a:extLst>
+              <a:ext uri="{FF2B5EF4-FFF2-40B4-BE49-F238E27FC236}">
+                <a16:creationId xmlns:a16="http://schemas.microsoft.com/office/drawing/2014/main" id="{0BF720DF-BEDE-AE41-A82C-730DEDDAD59D}"/>
+              </a:ext>
+            </a:extLst>
+          </p:cNvPr>
+          <p:cNvGrpSpPr/>
+          <p:nvPr/>
+        </p:nvGrpSpPr>
+        <p:grpSpPr>
+          <a:xfrm>
+            <a:off x="5337334" y="4174546"/>
+            <a:ext cx="3162468" cy="2159994"/>
+            <a:chOff x="427469" y="2733821"/>
+            <a:chExt cx="3162468" cy="2159994"/>
+          </a:xfrm>
+          <a:scene3d>
+            <a:camera prst="orthographicFront"/>
+            <a:lightRig rig="chilly" dir="t"/>
+          </a:scene3d>
+        </p:grpSpPr>
+        <p:sp>
+          <p:nvSpPr>
+            <p:cNvPr id="10" name="Oval 9">
+              <a:extLst>
+                <a:ext uri="{FF2B5EF4-FFF2-40B4-BE49-F238E27FC236}">
+                  <a16:creationId xmlns:a16="http://schemas.microsoft.com/office/drawing/2014/main" id="{1D8470AE-3E6F-2B49-A76C-959CBF779E08}"/>
+                </a:ext>
+              </a:extLst>
+            </p:cNvPr>
+            <p:cNvSpPr/>
+            <p:nvPr/>
+          </p:nvSpPr>
+          <p:spPr>
+            <a:xfrm>
+              <a:off x="427469" y="2733821"/>
+              <a:ext cx="3162468" cy="2159994"/>
+            </a:xfrm>
+            <a:prstGeom prst="ellipse">
+              <a:avLst/>
+            </a:prstGeom>
+            <a:solidFill>
+              <a:srgbClr val="FFFF00"/>
+            </a:solidFill>
+            <a:sp3d prstMaterial="translucentPowder">
+              <a:bevelT w="127000" h="25400" prst="softRound"/>
+            </a:sp3d>
+          </p:spPr>
+          <p:style>
+            <a:lnRef idx="0">
+              <a:schemeClr val="lt1">
+                <a:hueOff val="0"/>
+                <a:satOff val="0"/>
+                <a:lumOff val="0"/>
+                <a:alphaOff val="0"/>
+              </a:schemeClr>
+            </a:lnRef>
+            <a:fillRef idx="1">
+              <a:scrgbClr r="0" g="0" b="0"/>
+            </a:fillRef>
+            <a:effectRef idx="0">
+              <a:schemeClr val="accent2">
+                <a:hueOff val="1149490"/>
+                <a:satOff val="-18772"/>
+                <a:lumOff val="1176"/>
+                <a:alphaOff val="0"/>
+              </a:schemeClr>
+            </a:effectRef>
+            <a:fontRef idx="minor">
+              <a:schemeClr val="lt1"/>
+            </a:fontRef>
+          </p:style>
+        </p:sp>
+        <p:sp>
+          <p:nvSpPr>
+            <p:cNvPr id="11" name="Oval 8">
+              <a:extLst>
+                <a:ext uri="{FF2B5EF4-FFF2-40B4-BE49-F238E27FC236}">
+                  <a16:creationId xmlns:a16="http://schemas.microsoft.com/office/drawing/2014/main" id="{56D797DE-1CC4-7744-9469-60D1101550BD}"/>
+                </a:ext>
+              </a:extLst>
+            </p:cNvPr>
+            <p:cNvSpPr txBox="1"/>
+            <p:nvPr/>
+          </p:nvSpPr>
+          <p:spPr>
+            <a:xfrm>
+              <a:off x="890602" y="3050145"/>
+              <a:ext cx="2236202" cy="1527346"/>
+            </a:xfrm>
+            <a:prstGeom prst="rect">
+              <a:avLst/>
+            </a:prstGeom>
+            <a:sp3d/>
+          </p:spPr>
+          <p:style>
+            <a:lnRef idx="0">
+              <a:scrgbClr r="0" g="0" b="0"/>
+            </a:lnRef>
+            <a:fillRef idx="0">
+              <a:scrgbClr r="0" g="0" b="0"/>
+            </a:fillRef>
+            <a:effectRef idx="0">
+              <a:scrgbClr r="0" g="0" b="0"/>
+            </a:effectRef>
+            <a:fontRef idx="minor">
+              <a:schemeClr val="lt1"/>
+            </a:fontRef>
+          </p:style>
+          <p:txBody>
+            <a:bodyPr spcFirstLastPara="0" vert="horz" wrap="square" lIns="91440" tIns="91440" rIns="91440" bIns="91440" numCol="1" spcCol="1270" anchor="ctr" anchorCtr="0">
+              <a:noAutofit/>
+            </a:bodyPr>
+            <a:lstStyle/>
+            <a:p>
+              <a:pPr marL="0" lvl="0" indent="0" algn="ctr" defTabSz="1066800">
+                <a:lnSpc>
+                  <a:spcPct val="90000"/>
+                </a:lnSpc>
+                <a:spcBef>
+                  <a:spcPct val="0"/>
+                </a:spcBef>
+                <a:spcAft>
+                  <a:spcPct val="35000"/>
+                </a:spcAft>
+                <a:buNone/>
+              </a:pPr>
+              <a:r>
+                <a:rPr lang="en-US" sz="2400" b="1" kern="1200">
+                  <a:solidFill>
+                    <a:schemeClr val="bg1"/>
+                  </a:solidFill>
+                </a:rPr>
+                <a:t>3. </a:t>
+              </a:r>
+              <a:r>
+                <a:rPr lang="en-US" sz="2400" b="1" kern="1200" err="1">
+                  <a:solidFill>
+                    <a:schemeClr val="bg1"/>
+                  </a:solidFill>
+                </a:rPr>
+                <a:t>Refatorar</a:t>
+              </a:r>
+              <a:r>
+                <a:rPr lang="en-US" sz="2400" b="1" kern="1200">
+                  <a:solidFill>
+                    <a:schemeClr val="bg1"/>
+                  </a:solidFill>
+                </a:rPr>
+                <a:t>: </a:t>
+              </a:r>
+              <a:r>
+                <a:rPr lang="en-US" sz="2400" b="1" kern="1200" err="1">
+                  <a:solidFill>
+                    <a:schemeClr val="bg1"/>
+                  </a:solidFill>
+                </a:rPr>
+                <a:t>melhorar</a:t>
+              </a:r>
+              <a:r>
+                <a:rPr lang="en-US" sz="2400" b="1" kern="1200">
+                  <a:solidFill>
+                    <a:schemeClr val="bg1"/>
+                  </a:solidFill>
+                </a:rPr>
+                <a:t> o </a:t>
+              </a:r>
+              <a:r>
+                <a:rPr lang="en-US" sz="2400" b="1" kern="1200" err="1">
+                  <a:solidFill>
+                    <a:schemeClr val="bg1"/>
+                  </a:solidFill>
+                </a:rPr>
+                <a:t>código</a:t>
+              </a:r>
+              <a:endParaRPr lang="en-US" sz="2400" b="1" kern="1200">
+                <a:solidFill>
+                  <a:schemeClr val="bg1"/>
+                </a:solidFill>
+              </a:endParaRPr>
+            </a:p>
+          </p:txBody>
+        </p:sp>
+      </p:grpSp>
+      <p:cxnSp>
+        <p:nvCxnSpPr>
+          <p:cNvPr id="17" name="Curved Connector 16">
+            <a:extLst>
+              <a:ext uri="{FF2B5EF4-FFF2-40B4-BE49-F238E27FC236}">
+                <a16:creationId xmlns:a16="http://schemas.microsoft.com/office/drawing/2014/main" id="{04BA9738-EB18-294B-8C1D-29290B5FB142}"/>
+              </a:ext>
+            </a:extLst>
+          </p:cNvPr>
+          <p:cNvCxnSpPr>
+            <a:cxnSpLocks/>
+            <a:stCxn id="10" idx="1"/>
+            <a:endCxn id="15" idx="2"/>
+          </p:cNvCxnSpPr>
+          <p:nvPr/>
+        </p:nvCxnSpPr>
+        <p:spPr>
+          <a:xfrm rot="5400000" flipH="1" flipV="1">
+            <a:off x="5344380" y="2805091"/>
+            <a:ext cx="2141867" cy="1229693"/>
+          </a:xfrm>
+          <a:prstGeom prst="curvedConnector2">
+            <a:avLst/>
+          </a:prstGeom>
+          <a:ln w="63500">
+            <a:tailEnd type="triangle"/>
+          </a:ln>
+        </p:spPr>
+        <p:style>
+          <a:lnRef idx="1">
+            <a:schemeClr val="dk1"/>
+          </a:lnRef>
+          <a:fillRef idx="0">
+            <a:schemeClr val="dk1"/>
+          </a:fillRef>
+          <a:effectRef idx="0">
+            <a:schemeClr val="dk1"/>
+          </a:effectRef>
+          <a:fontRef idx="minor">
+            <a:schemeClr val="tx1"/>
+          </a:fontRef>
+        </p:style>
+      </p:cxnSp>
+      <p:cxnSp>
+        <p:nvCxnSpPr>
+          <p:cNvPr id="19" name="Curved Connector 18">
+            <a:extLst>
+              <a:ext uri="{FF2B5EF4-FFF2-40B4-BE49-F238E27FC236}">
+                <a16:creationId xmlns:a16="http://schemas.microsoft.com/office/drawing/2014/main" id="{E5DBECE2-829B-1A4E-8466-EA90274F546D}"/>
+              </a:ext>
+            </a:extLst>
+          </p:cNvPr>
+          <p:cNvCxnSpPr>
+            <a:cxnSpLocks/>
+            <a:stCxn id="15" idx="6"/>
+            <a:endCxn id="12" idx="7"/>
+          </p:cNvCxnSpPr>
+          <p:nvPr/>
+        </p:nvCxnSpPr>
+        <p:spPr>
+          <a:xfrm>
+            <a:off x="10192628" y="2349003"/>
+            <a:ext cx="1229692" cy="2141867"/>
+          </a:xfrm>
+          <a:prstGeom prst="curvedConnector2">
+            <a:avLst/>
+          </a:prstGeom>
+          <a:ln w="63500">
+            <a:tailEnd type="triangle"/>
+          </a:ln>
+        </p:spPr>
+        <p:style>
+          <a:lnRef idx="1">
+            <a:schemeClr val="dk1"/>
+          </a:lnRef>
+          <a:fillRef idx="0">
+            <a:schemeClr val="dk1"/>
+          </a:fillRef>
+          <a:effectRef idx="0">
+            <a:schemeClr val="dk1"/>
+          </a:effectRef>
+          <a:fontRef idx="minor">
+            <a:schemeClr val="tx1"/>
+          </a:fontRef>
+        </p:style>
+      </p:cxnSp>
+      <p:cxnSp>
+        <p:nvCxnSpPr>
+          <p:cNvPr id="22" name="Curved Connector 21">
+            <a:extLst>
+              <a:ext uri="{FF2B5EF4-FFF2-40B4-BE49-F238E27FC236}">
+                <a16:creationId xmlns:a16="http://schemas.microsoft.com/office/drawing/2014/main" id="{83CC7F02-BF50-5B41-BAD0-CD0917A28F32}"/>
+              </a:ext>
+            </a:extLst>
+          </p:cNvPr>
+          <p:cNvCxnSpPr>
+            <a:cxnSpLocks/>
+            <a:stCxn id="12" idx="4"/>
+            <a:endCxn id="10" idx="4"/>
+          </p:cNvCxnSpPr>
+          <p:nvPr/>
+        </p:nvCxnSpPr>
+        <p:spPr>
+          <a:xfrm rot="5400000">
+            <a:off x="8611394" y="4641715"/>
+            <a:ext cx="12700" cy="3385651"/>
+          </a:xfrm>
+          <a:prstGeom prst="curvedConnector3">
+            <a:avLst>
+              <a:gd name="adj1" fmla="val 3334425"/>
+            </a:avLst>
+          </a:prstGeom>
+          <a:ln w="63500">
+            <a:tailEnd type="triangle"/>
+          </a:ln>
+        </p:spPr>
+        <p:style>
+          <a:lnRef idx="1">
+            <a:schemeClr val="dk1"/>
+          </a:lnRef>
+          <a:fillRef idx="0">
+            <a:schemeClr val="dk1"/>
+          </a:fillRef>
+          <a:effectRef idx="0">
+            <a:schemeClr val="dk1"/>
+          </a:effectRef>
+          <a:fontRef idx="minor">
+            <a:schemeClr val="tx1"/>
+          </a:fontRef>
+        </p:style>
+      </p:cxnSp>
     </p:spTree>
     <p:extLst>
       <p:ext uri="{BB962C8B-B14F-4D97-AF65-F5344CB8AC3E}">
@@ -18261,6 +15959,9 @@
                     <p:cTn id="3" fill="hold">
                       <p:stCondLst>
                         <p:cond delay="indefinite"/>
+                        <p:cond evt="onBegin" delay="0">
+                          <p:tn val="2"/>
+                        </p:cond>
                       </p:stCondLst>
                       <p:childTnLst>
                         <p:par>
@@ -18270,7 +15971,7 @@
                             </p:stCondLst>
                             <p:childTnLst>
                               <p:par>
-                                <p:cTn id="5" presetID="31" presetClass="entr" presetSubtype="0" fill="hold" grpId="1" nodeType="clickEffect">
+                                <p:cTn id="5" presetID="9" presetClass="entr" presetSubtype="0" fill="hold" grpId="0" nodeType="withEffect">
                                   <p:stCondLst>
                                     <p:cond delay="0"/>
                                   </p:stCondLst>
@@ -18283,7 +15984,11 @@
                                           </p:stCondLst>
                                         </p:cTn>
                                         <p:tgtEl>
-                                          <p:spTgt spid="2"/>
+                                          <p:spTgt spid="6">
+                                            <p:txEl>
+                                              <p:pRg st="0" end="0"/>
+                                            </p:txEl>
+                                          </p:spTgt>
                                         </p:tgtEl>
                                         <p:attrNameLst>
                                           <p:attrName>style.visibility</p:attrName>
@@ -18293,80 +15998,76 @@
                                         <p:strVal val="visible"/>
                                       </p:to>
                                     </p:set>
-                                    <p:anim calcmode="lin" valueType="num">
+                                    <p:animEffect transition="in" filter="dissolve">
                                       <p:cBhvr>
-                                        <p:cTn id="7" dur="1000" fill="hold"/>
+                                        <p:cTn id="7" dur="500"/>
                                         <p:tgtEl>
-                                          <p:spTgt spid="2"/>
+                                          <p:spTgt spid="6">
+                                            <p:txEl>
+                                              <p:pRg st="0" end="0"/>
+                                            </p:txEl>
+                                          </p:spTgt>
+                                        </p:tgtEl>
+                                      </p:cBhvr>
+                                    </p:animEffect>
+                                  </p:childTnLst>
+                                </p:cTn>
+                              </p:par>
+                            </p:childTnLst>
+                          </p:cTn>
+                        </p:par>
+                      </p:childTnLst>
+                    </p:cTn>
+                  </p:par>
+                  <p:par>
+                    <p:cTn id="8" fill="hold">
+                      <p:stCondLst>
+                        <p:cond delay="indefinite"/>
+                      </p:stCondLst>
+                      <p:childTnLst>
+                        <p:par>
+                          <p:cTn id="9" fill="hold">
+                            <p:stCondLst>
+                              <p:cond delay="0"/>
+                            </p:stCondLst>
+                            <p:childTnLst>
+                              <p:par>
+                                <p:cTn id="10" presetID="9" presetClass="entr" presetSubtype="0" fill="hold" grpId="0" nodeType="clickEffect">
+                                  <p:stCondLst>
+                                    <p:cond delay="0"/>
+                                  </p:stCondLst>
+                                  <p:childTnLst>
+                                    <p:set>
+                                      <p:cBhvr>
+                                        <p:cTn id="11" dur="1" fill="hold">
+                                          <p:stCondLst>
+                                            <p:cond delay="0"/>
+                                          </p:stCondLst>
+                                        </p:cTn>
+                                        <p:tgtEl>
+                                          <p:spTgt spid="6">
+                                            <p:txEl>
+                                              <p:pRg st="1" end="1"/>
+                                            </p:txEl>
+                                          </p:spTgt>
                                         </p:tgtEl>
                                         <p:attrNameLst>
-                                          <p:attrName>ppt_w</p:attrName>
+                                          <p:attrName>style.visibility</p:attrName>
                                         </p:attrNameLst>
                                       </p:cBhvr>
-                                      <p:tavLst>
-                                        <p:tav tm="0">
-                                          <p:val>
-                                            <p:fltVal val="0"/>
-                                          </p:val>
-                                        </p:tav>
-                                        <p:tav tm="100000">
-                                          <p:val>
-                                            <p:strVal val="#ppt_w"/>
-                                          </p:val>
-                                        </p:tav>
-                                      </p:tavLst>
-                                    </p:anim>
-                                    <p:anim calcmode="lin" valueType="num">
+                                      <p:to>
+                                        <p:strVal val="visible"/>
+                                      </p:to>
+                                    </p:set>
+                                    <p:animEffect transition="in" filter="dissolve">
                                       <p:cBhvr>
-                                        <p:cTn id="8" dur="1000" fill="hold"/>
+                                        <p:cTn id="12" dur="500"/>
                                         <p:tgtEl>
-                                          <p:spTgt spid="2"/>
-                                        </p:tgtEl>
-                                        <p:attrNameLst>
-                                          <p:attrName>ppt_h</p:attrName>
-                                        </p:attrNameLst>
-                                      </p:cBhvr>
-                                      <p:tavLst>
-                                        <p:tav tm="0">
-                                          <p:val>
-                                            <p:fltVal val="0"/>
-                                          </p:val>
-                                        </p:tav>
-                                        <p:tav tm="100000">
-                                          <p:val>
-                                            <p:strVal val="#ppt_h"/>
-                                          </p:val>
-                                        </p:tav>
-                                      </p:tavLst>
-                                    </p:anim>
-                                    <p:anim calcmode="lin" valueType="num">
-                                      <p:cBhvr>
-                                        <p:cTn id="9" dur="1000" fill="hold"/>
-                                        <p:tgtEl>
-                                          <p:spTgt spid="2"/>
-                                        </p:tgtEl>
-                                        <p:attrNameLst>
-                                          <p:attrName>style.rotation</p:attrName>
-                                        </p:attrNameLst>
-                                      </p:cBhvr>
-                                      <p:tavLst>
-                                        <p:tav tm="0">
-                                          <p:val>
-                                            <p:fltVal val="90"/>
-                                          </p:val>
-                                        </p:tav>
-                                        <p:tav tm="100000">
-                                          <p:val>
-                                            <p:fltVal val="0"/>
-                                          </p:val>
-                                        </p:tav>
-                                      </p:tavLst>
-                                    </p:anim>
-                                    <p:animEffect transition="in" filter="fade">
-                                      <p:cBhvr>
-                                        <p:cTn id="10" dur="1000"/>
-                                        <p:tgtEl>
-                                          <p:spTgt spid="2"/>
+                                          <p:spTgt spid="6">
+                                            <p:txEl>
+                                              <p:pRg st="1" end="1"/>
+                                            </p:txEl>
+                                          </p:spTgt>
                                         </p:tgtEl>
                                       </p:cBhvr>
                                     </p:animEffect>
@@ -18401,15 +16102,1671 @@
       </p:par>
     </p:tnLst>
     <p:bldLst>
-      <p:bldGraphic spid="2" grpId="1">
-        <p:bldAsOne/>
-      </p:bldGraphic>
+      <p:bldP spid="6" grpId="0" build="p"/>
     </p:bldLst>
   </p:timing>
 </p:sld>
 </file>
 
 <file path=ppt/slides/slide22.xml><?xml version="1.0" encoding="utf-8"?>
+<p:sld xmlns:a="http://schemas.openxmlformats.org/drawingml/2006/main" xmlns:r="http://schemas.openxmlformats.org/officeDocument/2006/relationships" xmlns:p="http://schemas.openxmlformats.org/presentationml/2006/main" showMasterSp="0">
+  <p:cSld>
+    <p:bg>
+      <p:bgPr>
+        <a:solidFill>
+          <a:schemeClr val="tx1">
+            <a:lumMod val="95000"/>
+          </a:schemeClr>
+        </a:solidFill>
+        <a:effectLst/>
+      </p:bgPr>
+    </p:bg>
+    <p:spTree>
+      <p:nvGrpSpPr>
+        <p:cNvPr id="1" name=""/>
+        <p:cNvGrpSpPr/>
+        <p:nvPr/>
+      </p:nvGrpSpPr>
+      <p:grpSpPr>
+        <a:xfrm>
+          <a:off x="0" y="0"/>
+          <a:ext cx="0" cy="0"/>
+          <a:chOff x="0" y="0"/>
+          <a:chExt cx="0" cy="0"/>
+        </a:xfrm>
+      </p:grpSpPr>
+      <p:sp>
+        <p:nvSpPr>
+          <p:cNvPr id="14" name="Title 1">
+            <a:extLst>
+              <a:ext uri="{FF2B5EF4-FFF2-40B4-BE49-F238E27FC236}">
+                <a16:creationId xmlns:a16="http://schemas.microsoft.com/office/drawing/2014/main" id="{14D58C8F-ECAF-034A-9B37-C3A3912CFCF5}"/>
+              </a:ext>
+            </a:extLst>
+          </p:cNvPr>
+          <p:cNvSpPr>
+            <a:spLocks noGrp="1"/>
+          </p:cNvSpPr>
+          <p:nvPr>
+            <p:ph type="title"/>
+          </p:nvPr>
+        </p:nvSpPr>
+        <p:spPr>
+          <a:xfrm>
+            <a:off x="4115387" y="295429"/>
+            <a:ext cx="5050985" cy="862758"/>
+          </a:xfrm>
+        </p:spPr>
+        <p:txBody>
+          <a:bodyPr>
+            <a:normAutofit/>
+          </a:bodyPr>
+          <a:lstStyle/>
+          <a:p>
+            <a:pPr algn="ctr"/>
+            <a:r>
+              <a:rPr lang="pt-PT" b="1" dirty="0">
+                <a:solidFill>
+                  <a:schemeClr val="bg1"/>
+                </a:solidFill>
+              </a:rPr>
+              <a:t>TDD na prática</a:t>
+            </a:r>
+            <a:endParaRPr lang="pt-BR" b="1" dirty="0">
+              <a:solidFill>
+                <a:schemeClr val="bg1"/>
+              </a:solidFill>
+            </a:endParaRPr>
+          </a:p>
+        </p:txBody>
+      </p:sp>
+      <p:grpSp>
+        <p:nvGrpSpPr>
+          <p:cNvPr id="7" name="Group 6">
+            <a:extLst>
+              <a:ext uri="{FF2B5EF4-FFF2-40B4-BE49-F238E27FC236}">
+                <a16:creationId xmlns:a16="http://schemas.microsoft.com/office/drawing/2014/main" id="{E799BFE7-91B1-1E41-ABC4-F5BC6C61FA6A}"/>
+              </a:ext>
+            </a:extLst>
+          </p:cNvPr>
+          <p:cNvGrpSpPr/>
+          <p:nvPr/>
+        </p:nvGrpSpPr>
+        <p:grpSpPr>
+          <a:xfrm>
+            <a:off x="500135" y="382247"/>
+            <a:ext cx="3162468" cy="2159994"/>
+            <a:chOff x="2120295" y="-171719"/>
+            <a:chExt cx="3162468" cy="2159994"/>
+          </a:xfrm>
+          <a:scene3d>
+            <a:camera prst="orthographicFront"/>
+            <a:lightRig rig="chilly" dir="t"/>
+          </a:scene3d>
+        </p:grpSpPr>
+        <p:sp>
+          <p:nvSpPr>
+            <p:cNvPr id="8" name="Oval 7">
+              <a:extLst>
+                <a:ext uri="{FF2B5EF4-FFF2-40B4-BE49-F238E27FC236}">
+                  <a16:creationId xmlns:a16="http://schemas.microsoft.com/office/drawing/2014/main" id="{FA211D3C-4403-AC42-BD62-7090E80F9DE2}"/>
+                </a:ext>
+              </a:extLst>
+            </p:cNvPr>
+            <p:cNvSpPr/>
+            <p:nvPr/>
+          </p:nvSpPr>
+          <p:spPr>
+            <a:xfrm>
+              <a:off x="2120295" y="-171719"/>
+              <a:ext cx="3162468" cy="2159994"/>
+            </a:xfrm>
+            <a:prstGeom prst="ellipse">
+              <a:avLst/>
+            </a:prstGeom>
+            <a:solidFill>
+              <a:srgbClr val="FF0000"/>
+            </a:solidFill>
+            <a:sp3d prstMaterial="translucentPowder">
+              <a:bevelT w="127000" h="25400" prst="softRound"/>
+            </a:sp3d>
+          </p:spPr>
+          <p:style>
+            <a:lnRef idx="0">
+              <a:schemeClr val="lt1">
+                <a:hueOff val="0"/>
+                <a:satOff val="0"/>
+                <a:lumOff val="0"/>
+                <a:alphaOff val="0"/>
+              </a:schemeClr>
+            </a:lnRef>
+            <a:fillRef idx="1">
+              <a:scrgbClr r="0" g="0" b="0"/>
+            </a:fillRef>
+            <a:effectRef idx="0">
+              <a:schemeClr val="accent2">
+                <a:hueOff val="0"/>
+                <a:satOff val="0"/>
+                <a:lumOff val="0"/>
+                <a:alphaOff val="0"/>
+              </a:schemeClr>
+            </a:effectRef>
+            <a:fontRef idx="minor">
+              <a:schemeClr val="lt1"/>
+            </a:fontRef>
+          </p:style>
+        </p:sp>
+        <p:sp>
+          <p:nvSpPr>
+            <p:cNvPr id="9" name="Oval 4">
+              <a:extLst>
+                <a:ext uri="{FF2B5EF4-FFF2-40B4-BE49-F238E27FC236}">
+                  <a16:creationId xmlns:a16="http://schemas.microsoft.com/office/drawing/2014/main" id="{8B9CE3E4-0D16-4348-9D77-9CCE7A582F8C}"/>
+                </a:ext>
+              </a:extLst>
+            </p:cNvPr>
+            <p:cNvSpPr txBox="1"/>
+            <p:nvPr/>
+          </p:nvSpPr>
+          <p:spPr>
+            <a:xfrm>
+              <a:off x="2583428" y="144605"/>
+              <a:ext cx="2236202" cy="1527346"/>
+            </a:xfrm>
+            <a:prstGeom prst="rect">
+              <a:avLst/>
+            </a:prstGeom>
+            <a:sp3d/>
+          </p:spPr>
+          <p:style>
+            <a:lnRef idx="0">
+              <a:scrgbClr r="0" g="0" b="0"/>
+            </a:lnRef>
+            <a:fillRef idx="0">
+              <a:scrgbClr r="0" g="0" b="0"/>
+            </a:fillRef>
+            <a:effectRef idx="0">
+              <a:scrgbClr r="0" g="0" b="0"/>
+            </a:effectRef>
+            <a:fontRef idx="minor">
+              <a:schemeClr val="lt1"/>
+            </a:fontRef>
+          </p:style>
+          <p:txBody>
+            <a:bodyPr spcFirstLastPara="0" vert="horz" wrap="square" lIns="91440" tIns="91440" rIns="91440" bIns="91440" numCol="1" spcCol="1270" anchor="ctr" anchorCtr="0">
+              <a:noAutofit/>
+            </a:bodyPr>
+            <a:lstStyle/>
+            <a:p>
+              <a:pPr marL="0" lvl="0" indent="0" algn="ctr" defTabSz="1066800">
+                <a:lnSpc>
+                  <a:spcPct val="90000"/>
+                </a:lnSpc>
+                <a:spcBef>
+                  <a:spcPct val="0"/>
+                </a:spcBef>
+                <a:spcAft>
+                  <a:spcPct val="35000"/>
+                </a:spcAft>
+                <a:buNone/>
+              </a:pPr>
+              <a:r>
+                <a:rPr lang="en-US" sz="2400" b="1" kern="1200" dirty="0">
+                  <a:solidFill>
+                    <a:schemeClr val="bg1"/>
+                  </a:solidFill>
+                </a:rPr>
+                <a:t>1. Red: </a:t>
+              </a:r>
+              <a:r>
+                <a:rPr lang="en-US" sz="2400" b="1" kern="1200" dirty="0" err="1">
+                  <a:solidFill>
+                    <a:schemeClr val="bg1"/>
+                  </a:solidFill>
+                </a:rPr>
+                <a:t>Escrever</a:t>
+              </a:r>
+              <a:r>
+                <a:rPr lang="en-US" sz="2400" b="1" kern="1200" dirty="0">
+                  <a:solidFill>
+                    <a:schemeClr val="bg1"/>
+                  </a:solidFill>
+                </a:rPr>
+                <a:t> um novo teste e </a:t>
+              </a:r>
+              <a:r>
+                <a:rPr lang="en-US" sz="2400" b="1" kern="1200" dirty="0" err="1">
+                  <a:solidFill>
+                    <a:schemeClr val="bg1"/>
+                  </a:solidFill>
+                </a:rPr>
+                <a:t>fazê</a:t>
+              </a:r>
+              <a:r>
+                <a:rPr lang="en-US" sz="2400" b="1" kern="1200" dirty="0">
+                  <a:solidFill>
+                    <a:schemeClr val="bg1"/>
+                  </a:solidFill>
+                </a:rPr>
+                <a:t>-lo </a:t>
+              </a:r>
+              <a:r>
+                <a:rPr lang="en-US" sz="2400" b="1" kern="1200" dirty="0" err="1">
+                  <a:solidFill>
+                    <a:schemeClr val="bg1"/>
+                  </a:solidFill>
+                </a:rPr>
+                <a:t>falhar</a:t>
+              </a:r>
+              <a:endParaRPr lang="en-US" sz="2400" b="1" kern="1200" dirty="0">
+                <a:solidFill>
+                  <a:schemeClr val="bg1"/>
+                </a:solidFill>
+              </a:endParaRPr>
+            </a:p>
+          </p:txBody>
+        </p:sp>
+      </p:grpSp>
+      <p:grpSp>
+        <p:nvGrpSpPr>
+          <p:cNvPr id="10" name="Group 9">
+            <a:extLst>
+              <a:ext uri="{FF2B5EF4-FFF2-40B4-BE49-F238E27FC236}">
+                <a16:creationId xmlns:a16="http://schemas.microsoft.com/office/drawing/2014/main" id="{23B489DD-3AD7-D44A-906F-C24728745927}"/>
+              </a:ext>
+            </a:extLst>
+          </p:cNvPr>
+          <p:cNvGrpSpPr/>
+          <p:nvPr/>
+        </p:nvGrpSpPr>
+        <p:grpSpPr>
+          <a:xfrm>
+            <a:off x="8812923" y="4204526"/>
+            <a:ext cx="3162468" cy="2159994"/>
+            <a:chOff x="3813120" y="2733821"/>
+            <a:chExt cx="3162468" cy="2159994"/>
+          </a:xfrm>
+          <a:scene3d>
+            <a:camera prst="orthographicFront"/>
+            <a:lightRig rig="chilly" dir="t"/>
+          </a:scene3d>
+        </p:grpSpPr>
+        <p:sp>
+          <p:nvSpPr>
+            <p:cNvPr id="11" name="Oval 10">
+              <a:extLst>
+                <a:ext uri="{FF2B5EF4-FFF2-40B4-BE49-F238E27FC236}">
+                  <a16:creationId xmlns:a16="http://schemas.microsoft.com/office/drawing/2014/main" id="{8593C0E4-E146-4F4C-8D14-CAF0A346D5C9}"/>
+                </a:ext>
+              </a:extLst>
+            </p:cNvPr>
+            <p:cNvSpPr/>
+            <p:nvPr/>
+          </p:nvSpPr>
+          <p:spPr>
+            <a:xfrm>
+              <a:off x="3813120" y="2733821"/>
+              <a:ext cx="3162468" cy="2159994"/>
+            </a:xfrm>
+            <a:prstGeom prst="ellipse">
+              <a:avLst/>
+            </a:prstGeom>
+            <a:solidFill>
+              <a:srgbClr val="00B050"/>
+            </a:solidFill>
+            <a:sp3d prstMaterial="translucentPowder">
+              <a:bevelT w="127000" h="25400" prst="softRound"/>
+            </a:sp3d>
+          </p:spPr>
+          <p:style>
+            <a:lnRef idx="0">
+              <a:schemeClr val="lt1">
+                <a:hueOff val="0"/>
+                <a:satOff val="0"/>
+                <a:lumOff val="0"/>
+                <a:alphaOff val="0"/>
+              </a:schemeClr>
+            </a:lnRef>
+            <a:fillRef idx="1">
+              <a:scrgbClr r="0" g="0" b="0"/>
+            </a:fillRef>
+            <a:effectRef idx="0">
+              <a:schemeClr val="accent2">
+                <a:hueOff val="574745"/>
+                <a:satOff val="-9386"/>
+                <a:lumOff val="588"/>
+                <a:alphaOff val="0"/>
+              </a:schemeClr>
+            </a:effectRef>
+            <a:fontRef idx="minor">
+              <a:schemeClr val="lt1"/>
+            </a:fontRef>
+          </p:style>
+        </p:sp>
+        <p:sp>
+          <p:nvSpPr>
+            <p:cNvPr id="12" name="Oval 6">
+              <a:extLst>
+                <a:ext uri="{FF2B5EF4-FFF2-40B4-BE49-F238E27FC236}">
+                  <a16:creationId xmlns:a16="http://schemas.microsoft.com/office/drawing/2014/main" id="{F680F34D-2D0B-9041-BFDF-738E20289B9F}"/>
+                </a:ext>
+              </a:extLst>
+            </p:cNvPr>
+            <p:cNvSpPr txBox="1"/>
+            <p:nvPr/>
+          </p:nvSpPr>
+          <p:spPr>
+            <a:xfrm>
+              <a:off x="4276253" y="3050145"/>
+              <a:ext cx="2236202" cy="1527346"/>
+            </a:xfrm>
+            <a:prstGeom prst="rect">
+              <a:avLst/>
+            </a:prstGeom>
+            <a:sp3d/>
+          </p:spPr>
+          <p:style>
+            <a:lnRef idx="0">
+              <a:scrgbClr r="0" g="0" b="0"/>
+            </a:lnRef>
+            <a:fillRef idx="0">
+              <a:scrgbClr r="0" g="0" b="0"/>
+            </a:fillRef>
+            <a:effectRef idx="0">
+              <a:scrgbClr r="0" g="0" b="0"/>
+            </a:effectRef>
+            <a:fontRef idx="minor">
+              <a:schemeClr val="lt1"/>
+            </a:fontRef>
+          </p:style>
+          <p:txBody>
+            <a:bodyPr spcFirstLastPara="0" vert="horz" wrap="square" lIns="91440" tIns="91440" rIns="91440" bIns="91440" numCol="1" spcCol="1270" anchor="ctr" anchorCtr="0">
+              <a:noAutofit/>
+            </a:bodyPr>
+            <a:lstStyle/>
+            <a:p>
+              <a:pPr lvl="0" algn="ctr" defTabSz="1066800">
+                <a:lnSpc>
+                  <a:spcPct val="90000"/>
+                </a:lnSpc>
+                <a:spcBef>
+                  <a:spcPct val="0"/>
+                </a:spcBef>
+                <a:spcAft>
+                  <a:spcPct val="35000"/>
+                </a:spcAft>
+              </a:pPr>
+              <a:r>
+                <a:rPr lang="en-US" sz="2400" b="1" dirty="0">
+                  <a:solidFill>
+                    <a:schemeClr val="bg1"/>
+                  </a:solidFill>
+                </a:rPr>
+                <a:t>3. O teste </a:t>
+              </a:r>
+              <a:r>
+                <a:rPr lang="en-US" sz="2400" b="1" dirty="0" err="1">
+                  <a:solidFill>
+                    <a:schemeClr val="bg1"/>
+                  </a:solidFill>
+                </a:rPr>
+                <a:t>passou</a:t>
+              </a:r>
+              <a:r>
+                <a:rPr lang="en-US" sz="2400" b="1" dirty="0">
+                  <a:solidFill>
+                    <a:schemeClr val="bg1"/>
+                  </a:solidFill>
+                </a:rPr>
+                <a:t>?</a:t>
+              </a:r>
+            </a:p>
+          </p:txBody>
+        </p:sp>
+      </p:grpSp>
+      <p:grpSp>
+        <p:nvGrpSpPr>
+          <p:cNvPr id="13" name="Group 12">
+            <a:extLst>
+              <a:ext uri="{FF2B5EF4-FFF2-40B4-BE49-F238E27FC236}">
+                <a16:creationId xmlns:a16="http://schemas.microsoft.com/office/drawing/2014/main" id="{F2801986-D063-3D4E-8204-537BFD61A66D}"/>
+              </a:ext>
+            </a:extLst>
+          </p:cNvPr>
+          <p:cNvGrpSpPr/>
+          <p:nvPr/>
+        </p:nvGrpSpPr>
+        <p:grpSpPr>
+          <a:xfrm>
+            <a:off x="508338" y="4192673"/>
+            <a:ext cx="3162468" cy="2159994"/>
+            <a:chOff x="427469" y="2733821"/>
+            <a:chExt cx="3162468" cy="2159994"/>
+          </a:xfrm>
+          <a:scene3d>
+            <a:camera prst="orthographicFront"/>
+            <a:lightRig rig="chilly" dir="t"/>
+          </a:scene3d>
+        </p:grpSpPr>
+        <p:sp>
+          <p:nvSpPr>
+            <p:cNvPr id="15" name="Oval 14">
+              <a:extLst>
+                <a:ext uri="{FF2B5EF4-FFF2-40B4-BE49-F238E27FC236}">
+                  <a16:creationId xmlns:a16="http://schemas.microsoft.com/office/drawing/2014/main" id="{58B0EBAD-B070-E843-A75C-460EC915783D}"/>
+                </a:ext>
+              </a:extLst>
+            </p:cNvPr>
+            <p:cNvSpPr/>
+            <p:nvPr/>
+          </p:nvSpPr>
+          <p:spPr>
+            <a:xfrm>
+              <a:off x="427469" y="2733821"/>
+              <a:ext cx="3162468" cy="2159994"/>
+            </a:xfrm>
+            <a:prstGeom prst="ellipse">
+              <a:avLst/>
+            </a:prstGeom>
+            <a:solidFill>
+              <a:srgbClr val="FFFF00"/>
+            </a:solidFill>
+            <a:sp3d prstMaterial="translucentPowder">
+              <a:bevelT w="127000" h="25400" prst="softRound"/>
+            </a:sp3d>
+          </p:spPr>
+          <p:style>
+            <a:lnRef idx="0">
+              <a:schemeClr val="lt1">
+                <a:hueOff val="0"/>
+                <a:satOff val="0"/>
+                <a:lumOff val="0"/>
+                <a:alphaOff val="0"/>
+              </a:schemeClr>
+            </a:lnRef>
+            <a:fillRef idx="1">
+              <a:scrgbClr r="0" g="0" b="0"/>
+            </a:fillRef>
+            <a:effectRef idx="0">
+              <a:schemeClr val="accent2">
+                <a:hueOff val="1149490"/>
+                <a:satOff val="-18772"/>
+                <a:lumOff val="1176"/>
+                <a:alphaOff val="0"/>
+              </a:schemeClr>
+            </a:effectRef>
+            <a:fontRef idx="minor">
+              <a:schemeClr val="lt1"/>
+            </a:fontRef>
+          </p:style>
+        </p:sp>
+        <p:sp>
+          <p:nvSpPr>
+            <p:cNvPr id="16" name="Oval 8">
+              <a:extLst>
+                <a:ext uri="{FF2B5EF4-FFF2-40B4-BE49-F238E27FC236}">
+                  <a16:creationId xmlns:a16="http://schemas.microsoft.com/office/drawing/2014/main" id="{35343A80-60BD-DB4A-BDAD-01EE35D1F572}"/>
+                </a:ext>
+              </a:extLst>
+            </p:cNvPr>
+            <p:cNvSpPr txBox="1"/>
+            <p:nvPr/>
+          </p:nvSpPr>
+          <p:spPr>
+            <a:xfrm>
+              <a:off x="890602" y="3050145"/>
+              <a:ext cx="2236202" cy="1527346"/>
+            </a:xfrm>
+            <a:prstGeom prst="rect">
+              <a:avLst/>
+            </a:prstGeom>
+            <a:sp3d/>
+          </p:spPr>
+          <p:style>
+            <a:lnRef idx="0">
+              <a:scrgbClr r="0" g="0" b="0"/>
+            </a:lnRef>
+            <a:fillRef idx="0">
+              <a:scrgbClr r="0" g="0" b="0"/>
+            </a:fillRef>
+            <a:effectRef idx="0">
+              <a:scrgbClr r="0" g="0" b="0"/>
+            </a:effectRef>
+            <a:fontRef idx="minor">
+              <a:schemeClr val="lt1"/>
+            </a:fontRef>
+          </p:style>
+          <p:txBody>
+            <a:bodyPr spcFirstLastPara="0" vert="horz" wrap="square" lIns="91440" tIns="91440" rIns="91440" bIns="91440" numCol="1" spcCol="1270" anchor="ctr" anchorCtr="0">
+              <a:noAutofit/>
+            </a:bodyPr>
+            <a:lstStyle/>
+            <a:p>
+              <a:pPr marL="0" lvl="0" indent="0" algn="ctr" defTabSz="1066800">
+                <a:lnSpc>
+                  <a:spcPct val="90000"/>
+                </a:lnSpc>
+                <a:spcBef>
+                  <a:spcPct val="0"/>
+                </a:spcBef>
+                <a:spcAft>
+                  <a:spcPct val="35000"/>
+                </a:spcAft>
+                <a:buNone/>
+              </a:pPr>
+              <a:r>
+                <a:rPr lang="en-US" sz="2400" b="1" dirty="0">
+                  <a:solidFill>
+                    <a:schemeClr val="bg1"/>
+                  </a:solidFill>
+                </a:rPr>
+                <a:t>4</a:t>
+              </a:r>
+              <a:r>
+                <a:rPr lang="en-US" sz="2400" b="1" kern="1200" dirty="0">
+                  <a:solidFill>
+                    <a:schemeClr val="bg1"/>
+                  </a:solidFill>
+                </a:rPr>
+                <a:t>. </a:t>
+              </a:r>
+              <a:r>
+                <a:rPr lang="en-US" sz="2400" b="1" kern="1200" dirty="0" err="1">
+                  <a:solidFill>
+                    <a:schemeClr val="bg1"/>
+                  </a:solidFill>
+                </a:rPr>
+                <a:t>Refatorar</a:t>
+              </a:r>
+              <a:r>
+                <a:rPr lang="en-US" sz="2400" b="1" kern="1200" dirty="0">
+                  <a:solidFill>
+                    <a:schemeClr val="bg1"/>
+                  </a:solidFill>
+                </a:rPr>
+                <a:t>: </a:t>
+              </a:r>
+              <a:r>
+                <a:rPr lang="en-US" sz="2400" b="1" kern="1200" dirty="0" err="1">
+                  <a:solidFill>
+                    <a:schemeClr val="bg1"/>
+                  </a:solidFill>
+                </a:rPr>
+                <a:t>melhorar</a:t>
+              </a:r>
+              <a:r>
+                <a:rPr lang="en-US" sz="2400" b="1" kern="1200" dirty="0">
+                  <a:solidFill>
+                    <a:schemeClr val="bg1"/>
+                  </a:solidFill>
+                </a:rPr>
+                <a:t> o </a:t>
+              </a:r>
+              <a:r>
+                <a:rPr lang="en-US" sz="2400" b="1" kern="1200" dirty="0" err="1">
+                  <a:solidFill>
+                    <a:schemeClr val="bg1"/>
+                  </a:solidFill>
+                </a:rPr>
+                <a:t>código</a:t>
+              </a:r>
+              <a:endParaRPr lang="en-US" sz="2400" b="1" kern="1200" dirty="0">
+                <a:solidFill>
+                  <a:schemeClr val="bg1"/>
+                </a:solidFill>
+              </a:endParaRPr>
+            </a:p>
+          </p:txBody>
+        </p:sp>
+      </p:grpSp>
+      <p:cxnSp>
+        <p:nvCxnSpPr>
+          <p:cNvPr id="17" name="Curved Connector 16">
+            <a:extLst>
+              <a:ext uri="{FF2B5EF4-FFF2-40B4-BE49-F238E27FC236}">
+                <a16:creationId xmlns:a16="http://schemas.microsoft.com/office/drawing/2014/main" id="{B88EE1EE-59CF-8346-9918-246CBCA9F71E}"/>
+              </a:ext>
+            </a:extLst>
+          </p:cNvPr>
+          <p:cNvCxnSpPr>
+            <a:cxnSpLocks/>
+            <a:stCxn id="15" idx="6"/>
+            <a:endCxn id="11" idx="2"/>
+          </p:cNvCxnSpPr>
+          <p:nvPr/>
+        </p:nvCxnSpPr>
+        <p:spPr>
+          <a:xfrm>
+            <a:off x="3670806" y="5272670"/>
+            <a:ext cx="5142117" cy="11853"/>
+          </a:xfrm>
+          <a:prstGeom prst="curvedConnector3">
+            <a:avLst>
+              <a:gd name="adj1" fmla="val 50000"/>
+            </a:avLst>
+          </a:prstGeom>
+          <a:ln w="63500">
+            <a:tailEnd type="triangle"/>
+          </a:ln>
+        </p:spPr>
+        <p:style>
+          <a:lnRef idx="1">
+            <a:schemeClr val="dk1"/>
+          </a:lnRef>
+          <a:fillRef idx="0">
+            <a:schemeClr val="dk1"/>
+          </a:fillRef>
+          <a:effectRef idx="0">
+            <a:schemeClr val="dk1"/>
+          </a:effectRef>
+          <a:fontRef idx="minor">
+            <a:schemeClr val="tx1"/>
+          </a:fontRef>
+        </p:style>
+      </p:cxnSp>
+      <p:cxnSp>
+        <p:nvCxnSpPr>
+          <p:cNvPr id="26" name="Curved Connector 25">
+            <a:extLst>
+              <a:ext uri="{FF2B5EF4-FFF2-40B4-BE49-F238E27FC236}">
+                <a16:creationId xmlns:a16="http://schemas.microsoft.com/office/drawing/2014/main" id="{78065D5C-CF1A-214F-9E42-B154C42A59B1}"/>
+              </a:ext>
+            </a:extLst>
+          </p:cNvPr>
+          <p:cNvCxnSpPr>
+            <a:cxnSpLocks/>
+            <a:stCxn id="8" idx="0"/>
+            <a:endCxn id="28" idx="0"/>
+          </p:cNvCxnSpPr>
+          <p:nvPr/>
+        </p:nvCxnSpPr>
+        <p:spPr>
+          <a:xfrm rot="16200000" flipH="1">
+            <a:off x="5840141" y="-3376525"/>
+            <a:ext cx="793682" cy="8311226"/>
+          </a:xfrm>
+          <a:prstGeom prst="bentConnector3">
+            <a:avLst>
+              <a:gd name="adj1" fmla="val -28802"/>
+            </a:avLst>
+          </a:prstGeom>
+          <a:ln w="63500">
+            <a:tailEnd type="triangle"/>
+          </a:ln>
+        </p:spPr>
+        <p:style>
+          <a:lnRef idx="1">
+            <a:schemeClr val="dk1"/>
+          </a:lnRef>
+          <a:fillRef idx="0">
+            <a:schemeClr val="dk1"/>
+          </a:fillRef>
+          <a:effectRef idx="0">
+            <a:schemeClr val="dk1"/>
+          </a:effectRef>
+          <a:fontRef idx="minor">
+            <a:schemeClr val="tx1"/>
+          </a:fontRef>
+        </p:style>
+      </p:cxnSp>
+      <p:cxnSp>
+        <p:nvCxnSpPr>
+          <p:cNvPr id="43" name="Curved Connector 42">
+            <a:extLst>
+              <a:ext uri="{FF2B5EF4-FFF2-40B4-BE49-F238E27FC236}">
+                <a16:creationId xmlns:a16="http://schemas.microsoft.com/office/drawing/2014/main" id="{C2683C30-DD62-AC48-8FB1-FD65BB6F6AE4}"/>
+              </a:ext>
+            </a:extLst>
+          </p:cNvPr>
+          <p:cNvCxnSpPr>
+            <a:cxnSpLocks/>
+            <a:stCxn id="11" idx="3"/>
+            <a:endCxn id="15" idx="5"/>
+          </p:cNvCxnSpPr>
+          <p:nvPr/>
+        </p:nvCxnSpPr>
+        <p:spPr>
+          <a:xfrm rot="5400000" flipH="1">
+            <a:off x="6235938" y="3008079"/>
+            <a:ext cx="11853" cy="6068383"/>
+          </a:xfrm>
+          <a:prstGeom prst="curvedConnector3">
+            <a:avLst>
+              <a:gd name="adj1" fmla="val -4597351"/>
+            </a:avLst>
+          </a:prstGeom>
+          <a:ln w="63500">
+            <a:tailEnd type="triangle"/>
+          </a:ln>
+        </p:spPr>
+        <p:style>
+          <a:lnRef idx="1">
+            <a:schemeClr val="dk1"/>
+          </a:lnRef>
+          <a:fillRef idx="0">
+            <a:schemeClr val="dk1"/>
+          </a:fillRef>
+          <a:effectRef idx="0">
+            <a:schemeClr val="dk1"/>
+          </a:effectRef>
+          <a:fontRef idx="minor">
+            <a:schemeClr val="tx1"/>
+          </a:fontRef>
+        </p:style>
+      </p:cxnSp>
+      <p:sp>
+        <p:nvSpPr>
+          <p:cNvPr id="46" name="TextBox 45">
+            <a:extLst>
+              <a:ext uri="{FF2B5EF4-FFF2-40B4-BE49-F238E27FC236}">
+                <a16:creationId xmlns:a16="http://schemas.microsoft.com/office/drawing/2014/main" id="{5C67C9A7-C6B5-F04F-AD4A-80C1ABDAD5A9}"/>
+              </a:ext>
+            </a:extLst>
+          </p:cNvPr>
+          <p:cNvSpPr txBox="1"/>
+          <p:nvPr/>
+        </p:nvSpPr>
+        <p:spPr>
+          <a:xfrm>
+            <a:off x="4882936" y="6135014"/>
+            <a:ext cx="2518500" cy="369332"/>
+          </a:xfrm>
+          <a:prstGeom prst="rect">
+            <a:avLst/>
+          </a:prstGeom>
+          <a:noFill/>
+        </p:spPr>
+        <p:txBody>
+          <a:bodyPr wrap="square" rtlCol="0">
+            <a:spAutoFit/>
+          </a:bodyPr>
+          <a:lstStyle/>
+          <a:p>
+            <a:pPr algn="ctr"/>
+            <a:r>
+              <a:rPr lang="pt-BR" b="1" dirty="0">
+                <a:solidFill>
+                  <a:schemeClr val="accent6">
+                    <a:lumMod val="75000"/>
+                  </a:schemeClr>
+                </a:solidFill>
+              </a:rPr>
+              <a:t>Sim, teste passou 😁</a:t>
+            </a:r>
+          </a:p>
+        </p:txBody>
+      </p:sp>
+      <p:sp>
+        <p:nvSpPr>
+          <p:cNvPr id="54" name="TextBox 53">
+            <a:extLst>
+              <a:ext uri="{FF2B5EF4-FFF2-40B4-BE49-F238E27FC236}">
+                <a16:creationId xmlns:a16="http://schemas.microsoft.com/office/drawing/2014/main" id="{33898B48-71C2-2D4E-A250-B7A5085EA891}"/>
+              </a:ext>
+            </a:extLst>
+          </p:cNvPr>
+          <p:cNvSpPr txBox="1"/>
+          <p:nvPr/>
+        </p:nvSpPr>
+        <p:spPr>
+          <a:xfrm>
+            <a:off x="3956586" y="4605205"/>
+            <a:ext cx="4179978" cy="646331"/>
+          </a:xfrm>
+          <a:prstGeom prst="rect">
+            <a:avLst/>
+          </a:prstGeom>
+          <a:noFill/>
+        </p:spPr>
+        <p:txBody>
+          <a:bodyPr wrap="square" rtlCol="0">
+            <a:spAutoFit/>
+          </a:bodyPr>
+          <a:lstStyle/>
+          <a:p>
+            <a:pPr algn="ctr"/>
+            <a:r>
+              <a:rPr lang="pt-BR" b="1" dirty="0">
+                <a:solidFill>
+                  <a:schemeClr val="accent6">
+                    <a:lumMod val="75000"/>
+                  </a:schemeClr>
+                </a:solidFill>
+              </a:rPr>
+              <a:t>Rodar o teste pra ver se a </a:t>
+            </a:r>
+            <a:br>
+              <a:rPr lang="pt-BR" b="1" dirty="0">
+                <a:solidFill>
+                  <a:schemeClr val="accent6">
+                    <a:lumMod val="75000"/>
+                  </a:schemeClr>
+                </a:solidFill>
+              </a:rPr>
+            </a:br>
+            <a:r>
+              <a:rPr lang="pt-BR" b="1" dirty="0" err="1">
+                <a:solidFill>
+                  <a:schemeClr val="accent6">
+                    <a:lumMod val="75000"/>
+                  </a:schemeClr>
+                </a:solidFill>
+              </a:rPr>
+              <a:t>refatoração</a:t>
+            </a:r>
+            <a:r>
+              <a:rPr lang="pt-BR" b="1" dirty="0">
+                <a:solidFill>
+                  <a:schemeClr val="accent6">
+                    <a:lumMod val="75000"/>
+                  </a:schemeClr>
+                </a:solidFill>
+              </a:rPr>
+              <a:t> não quebrou algo</a:t>
+            </a:r>
+          </a:p>
+        </p:txBody>
+      </p:sp>
+      <p:cxnSp>
+        <p:nvCxnSpPr>
+          <p:cNvPr id="55" name="Curved Connector 54">
+            <a:extLst>
+              <a:ext uri="{FF2B5EF4-FFF2-40B4-BE49-F238E27FC236}">
+                <a16:creationId xmlns:a16="http://schemas.microsoft.com/office/drawing/2014/main" id="{3F333446-CB0C-624C-9A2C-E991F96EE780}"/>
+              </a:ext>
+            </a:extLst>
+          </p:cNvPr>
+          <p:cNvCxnSpPr>
+            <a:cxnSpLocks/>
+            <a:stCxn id="11" idx="1"/>
+            <a:endCxn id="59" idx="4"/>
+          </p:cNvCxnSpPr>
+          <p:nvPr/>
+        </p:nvCxnSpPr>
+        <p:spPr>
+          <a:xfrm rot="16200000" flipV="1">
+            <a:off x="6912592" y="2157386"/>
+            <a:ext cx="702912" cy="4024016"/>
+          </a:xfrm>
+          <a:prstGeom prst="curvedConnector3">
+            <a:avLst>
+              <a:gd name="adj1" fmla="val 50000"/>
+            </a:avLst>
+          </a:prstGeom>
+          <a:ln w="63500">
+            <a:tailEnd type="triangle"/>
+          </a:ln>
+        </p:spPr>
+        <p:style>
+          <a:lnRef idx="1">
+            <a:schemeClr val="dk1"/>
+          </a:lnRef>
+          <a:fillRef idx="0">
+            <a:schemeClr val="dk1"/>
+          </a:fillRef>
+          <a:effectRef idx="0">
+            <a:schemeClr val="dk1"/>
+          </a:effectRef>
+          <a:fontRef idx="minor">
+            <a:schemeClr val="tx1"/>
+          </a:fontRef>
+        </p:style>
+      </p:cxnSp>
+      <p:grpSp>
+        <p:nvGrpSpPr>
+          <p:cNvPr id="58" name="Group 57">
+            <a:extLst>
+              <a:ext uri="{FF2B5EF4-FFF2-40B4-BE49-F238E27FC236}">
+                <a16:creationId xmlns:a16="http://schemas.microsoft.com/office/drawing/2014/main" id="{7D9D0F31-7CDB-A540-B061-A460F79399CE}"/>
+              </a:ext>
+            </a:extLst>
+          </p:cNvPr>
+          <p:cNvGrpSpPr/>
+          <p:nvPr/>
+        </p:nvGrpSpPr>
+        <p:grpSpPr>
+          <a:xfrm>
+            <a:off x="3670806" y="1657944"/>
+            <a:ext cx="3162468" cy="2159994"/>
+            <a:chOff x="2120295" y="-171719"/>
+            <a:chExt cx="3162468" cy="2159994"/>
+          </a:xfrm>
+          <a:scene3d>
+            <a:camera prst="orthographicFront"/>
+            <a:lightRig rig="chilly" dir="t"/>
+          </a:scene3d>
+        </p:grpSpPr>
+        <p:sp>
+          <p:nvSpPr>
+            <p:cNvPr id="59" name="Oval 58">
+              <a:extLst>
+                <a:ext uri="{FF2B5EF4-FFF2-40B4-BE49-F238E27FC236}">
+                  <a16:creationId xmlns:a16="http://schemas.microsoft.com/office/drawing/2014/main" id="{B5ABE0E8-22CF-C449-B8F6-81DD843AB6C4}"/>
+                </a:ext>
+              </a:extLst>
+            </p:cNvPr>
+            <p:cNvSpPr/>
+            <p:nvPr/>
+          </p:nvSpPr>
+          <p:spPr>
+            <a:xfrm>
+              <a:off x="2120295" y="-171719"/>
+              <a:ext cx="3162468" cy="2159994"/>
+            </a:xfrm>
+            <a:prstGeom prst="ellipse">
+              <a:avLst/>
+            </a:prstGeom>
+            <a:solidFill>
+              <a:srgbClr val="FF0000"/>
+            </a:solidFill>
+            <a:sp3d prstMaterial="translucentPowder">
+              <a:bevelT w="127000" h="25400" prst="softRound"/>
+            </a:sp3d>
+          </p:spPr>
+          <p:style>
+            <a:lnRef idx="0">
+              <a:schemeClr val="lt1">
+                <a:hueOff val="0"/>
+                <a:satOff val="0"/>
+                <a:lumOff val="0"/>
+                <a:alphaOff val="0"/>
+              </a:schemeClr>
+            </a:lnRef>
+            <a:fillRef idx="1">
+              <a:scrgbClr r="0" g="0" b="0"/>
+            </a:fillRef>
+            <a:effectRef idx="0">
+              <a:schemeClr val="accent2">
+                <a:hueOff val="0"/>
+                <a:satOff val="0"/>
+                <a:lumOff val="0"/>
+                <a:alphaOff val="0"/>
+              </a:schemeClr>
+            </a:effectRef>
+            <a:fontRef idx="minor">
+              <a:schemeClr val="lt1"/>
+            </a:fontRef>
+          </p:style>
+        </p:sp>
+        <p:sp>
+          <p:nvSpPr>
+            <p:cNvPr id="60" name="Oval 4">
+              <a:extLst>
+                <a:ext uri="{FF2B5EF4-FFF2-40B4-BE49-F238E27FC236}">
+                  <a16:creationId xmlns:a16="http://schemas.microsoft.com/office/drawing/2014/main" id="{05446017-1E47-2A4F-9C44-5ABB0385A158}"/>
+                </a:ext>
+              </a:extLst>
+            </p:cNvPr>
+            <p:cNvSpPr txBox="1"/>
+            <p:nvPr/>
+          </p:nvSpPr>
+          <p:spPr>
+            <a:xfrm>
+              <a:off x="2583428" y="144605"/>
+              <a:ext cx="2236202" cy="1527346"/>
+            </a:xfrm>
+            <a:prstGeom prst="rect">
+              <a:avLst/>
+            </a:prstGeom>
+            <a:sp3d/>
+          </p:spPr>
+          <p:style>
+            <a:lnRef idx="0">
+              <a:scrgbClr r="0" g="0" b="0"/>
+            </a:lnRef>
+            <a:fillRef idx="0">
+              <a:scrgbClr r="0" g="0" b="0"/>
+            </a:fillRef>
+            <a:effectRef idx="0">
+              <a:scrgbClr r="0" g="0" b="0"/>
+            </a:effectRef>
+            <a:fontRef idx="minor">
+              <a:schemeClr val="lt1"/>
+            </a:fontRef>
+          </p:style>
+          <p:txBody>
+            <a:bodyPr spcFirstLastPara="0" vert="horz" wrap="square" lIns="91440" tIns="91440" rIns="91440" bIns="91440" numCol="1" spcCol="1270" anchor="ctr" anchorCtr="0">
+              <a:noAutofit/>
+            </a:bodyPr>
+            <a:lstStyle/>
+            <a:p>
+              <a:pPr marL="0" lvl="0" indent="0" algn="ctr" defTabSz="1066800">
+                <a:lnSpc>
+                  <a:spcPct val="90000"/>
+                </a:lnSpc>
+                <a:spcBef>
+                  <a:spcPct val="0"/>
+                </a:spcBef>
+                <a:spcAft>
+                  <a:spcPct val="35000"/>
+                </a:spcAft>
+                <a:buNone/>
+              </a:pPr>
+              <a:r>
+                <a:rPr lang="en-US" sz="2400" b="1" kern="1200" dirty="0">
+                  <a:solidFill>
+                    <a:schemeClr val="bg1"/>
+                  </a:solidFill>
+                </a:rPr>
+                <a:t>5. Red: </a:t>
+              </a:r>
+              <a:r>
+                <a:rPr lang="en-US" sz="2400" b="1" kern="1200" dirty="0" err="1">
+                  <a:solidFill>
+                    <a:schemeClr val="bg1"/>
+                  </a:solidFill>
+                </a:rPr>
+                <a:t>Corrigir</a:t>
+              </a:r>
+              <a:r>
+                <a:rPr lang="en-US" sz="2400" b="1" kern="1200" dirty="0">
+                  <a:solidFill>
+                    <a:schemeClr val="bg1"/>
+                  </a:solidFill>
+                </a:rPr>
+                <a:t> o </a:t>
+              </a:r>
+              <a:r>
+                <a:rPr lang="en-US" sz="2400" b="1" kern="1200" dirty="0" err="1">
+                  <a:solidFill>
+                    <a:schemeClr val="bg1"/>
+                  </a:solidFill>
+                </a:rPr>
+                <a:t>código</a:t>
+              </a:r>
+              <a:r>
+                <a:rPr lang="en-US" sz="2400" b="1" kern="1200" dirty="0">
+                  <a:solidFill>
+                    <a:schemeClr val="bg1"/>
+                  </a:solidFill>
+                </a:rPr>
+                <a:t> </a:t>
+              </a:r>
+              <a:r>
+                <a:rPr lang="en-US" sz="2400" b="1" kern="1200" dirty="0" err="1">
+                  <a:solidFill>
+                    <a:schemeClr val="bg1"/>
+                  </a:solidFill>
+                </a:rPr>
+                <a:t>depois</a:t>
+              </a:r>
+              <a:r>
+                <a:rPr lang="en-US" sz="2400" b="1" kern="1200" dirty="0">
+                  <a:solidFill>
+                    <a:schemeClr val="bg1"/>
+                  </a:solidFill>
+                </a:rPr>
+                <a:t> da </a:t>
+              </a:r>
+              <a:r>
+                <a:rPr lang="en-US" sz="2400" b="1" kern="1200" dirty="0" err="1">
+                  <a:solidFill>
+                    <a:schemeClr val="bg1"/>
+                  </a:solidFill>
+                </a:rPr>
+                <a:t>falha</a:t>
+              </a:r>
+              <a:r>
+                <a:rPr lang="en-US" sz="2400" b="1" kern="1200" dirty="0">
+                  <a:solidFill>
+                    <a:schemeClr val="bg1"/>
+                  </a:solidFill>
+                </a:rPr>
+                <a:t> do teste</a:t>
+              </a:r>
+            </a:p>
+          </p:txBody>
+        </p:sp>
+      </p:grpSp>
+      <p:sp>
+        <p:nvSpPr>
+          <p:cNvPr id="84" name="TextBox 83">
+            <a:extLst>
+              <a:ext uri="{FF2B5EF4-FFF2-40B4-BE49-F238E27FC236}">
+                <a16:creationId xmlns:a16="http://schemas.microsoft.com/office/drawing/2014/main" id="{B8946254-9D49-8F4A-BF1B-58D836C1BBC5}"/>
+              </a:ext>
+            </a:extLst>
+          </p:cNvPr>
+          <p:cNvSpPr txBox="1"/>
+          <p:nvPr/>
+        </p:nvSpPr>
+        <p:spPr>
+          <a:xfrm>
+            <a:off x="6125979" y="3557523"/>
+            <a:ext cx="2958059" cy="646331"/>
+          </a:xfrm>
+          <a:prstGeom prst="rect">
+            <a:avLst/>
+          </a:prstGeom>
+          <a:noFill/>
+        </p:spPr>
+        <p:txBody>
+          <a:bodyPr wrap="square" rtlCol="0">
+            <a:spAutoFit/>
+          </a:bodyPr>
+          <a:lstStyle/>
+          <a:p>
+            <a:pPr algn="ctr"/>
+            <a:r>
+              <a:rPr lang="pt-BR" b="1" dirty="0">
+                <a:solidFill>
+                  <a:schemeClr val="accent6">
+                    <a:lumMod val="75000"/>
+                  </a:schemeClr>
+                </a:solidFill>
+              </a:rPr>
+              <a:t>Não, </a:t>
+            </a:r>
+          </a:p>
+          <a:p>
+            <a:pPr algn="ctr"/>
+            <a:r>
+              <a:rPr lang="pt-BR" b="1" dirty="0">
+                <a:solidFill>
+                  <a:schemeClr val="accent6">
+                    <a:lumMod val="75000"/>
+                  </a:schemeClr>
+                </a:solidFill>
+              </a:rPr>
+              <a:t>teste não passou 😢</a:t>
+            </a:r>
+          </a:p>
+        </p:txBody>
+      </p:sp>
+      <p:cxnSp>
+        <p:nvCxnSpPr>
+          <p:cNvPr id="88" name="Curved Connector 87">
+            <a:extLst>
+              <a:ext uri="{FF2B5EF4-FFF2-40B4-BE49-F238E27FC236}">
+                <a16:creationId xmlns:a16="http://schemas.microsoft.com/office/drawing/2014/main" id="{9A240678-ED82-DE4A-B74B-91F1E82FEA00}"/>
+              </a:ext>
+            </a:extLst>
+          </p:cNvPr>
+          <p:cNvCxnSpPr>
+            <a:cxnSpLocks/>
+            <a:stCxn id="59" idx="6"/>
+          </p:cNvCxnSpPr>
+          <p:nvPr/>
+        </p:nvCxnSpPr>
+        <p:spPr>
+          <a:xfrm>
+            <a:off x="6833274" y="2737941"/>
+            <a:ext cx="2781396" cy="1616485"/>
+          </a:xfrm>
+          <a:prstGeom prst="curvedConnector3">
+            <a:avLst>
+              <a:gd name="adj1" fmla="val 99583"/>
+            </a:avLst>
+          </a:prstGeom>
+          <a:ln w="63500">
+            <a:tailEnd type="triangle"/>
+          </a:ln>
+        </p:spPr>
+        <p:style>
+          <a:lnRef idx="1">
+            <a:schemeClr val="dk1"/>
+          </a:lnRef>
+          <a:fillRef idx="0">
+            <a:schemeClr val="dk1"/>
+          </a:fillRef>
+          <a:effectRef idx="0">
+            <a:schemeClr val="dk1"/>
+          </a:effectRef>
+          <a:fontRef idx="minor">
+            <a:schemeClr val="tx1"/>
+          </a:fontRef>
+        </p:style>
+      </p:cxnSp>
+      <p:sp>
+        <p:nvSpPr>
+          <p:cNvPr id="107" name="TextBox 106">
+            <a:extLst>
+              <a:ext uri="{FF2B5EF4-FFF2-40B4-BE49-F238E27FC236}">
+                <a16:creationId xmlns:a16="http://schemas.microsoft.com/office/drawing/2014/main" id="{3C1920BB-34C4-3743-8A8D-CF6AAA182AD9}"/>
+              </a:ext>
+            </a:extLst>
+          </p:cNvPr>
+          <p:cNvSpPr txBox="1"/>
+          <p:nvPr/>
+        </p:nvSpPr>
+        <p:spPr>
+          <a:xfrm>
+            <a:off x="10231049" y="3453265"/>
+            <a:ext cx="1742780" cy="646331"/>
+          </a:xfrm>
+          <a:prstGeom prst="rect">
+            <a:avLst/>
+          </a:prstGeom>
+          <a:noFill/>
+        </p:spPr>
+        <p:txBody>
+          <a:bodyPr wrap="square" rtlCol="0">
+            <a:spAutoFit/>
+          </a:bodyPr>
+          <a:lstStyle/>
+          <a:p>
+            <a:pPr algn="ctr"/>
+            <a:r>
+              <a:rPr lang="pt-BR" b="1" dirty="0">
+                <a:solidFill>
+                  <a:schemeClr val="accent6">
+                    <a:lumMod val="75000"/>
+                  </a:schemeClr>
+                </a:solidFill>
+              </a:rPr>
+              <a:t>Executar o Teste</a:t>
+            </a:r>
+          </a:p>
+        </p:txBody>
+      </p:sp>
+      <p:cxnSp>
+        <p:nvCxnSpPr>
+          <p:cNvPr id="108" name="Curved Connector 107">
+            <a:extLst>
+              <a:ext uri="{FF2B5EF4-FFF2-40B4-BE49-F238E27FC236}">
+                <a16:creationId xmlns:a16="http://schemas.microsoft.com/office/drawing/2014/main" id="{C201FE2E-E4E2-B84D-9FE0-7E579FC7BA40}"/>
+              </a:ext>
+            </a:extLst>
+          </p:cNvPr>
+          <p:cNvCxnSpPr>
+            <a:cxnSpLocks/>
+            <a:stCxn id="15" idx="0"/>
+            <a:endCxn id="8" idx="4"/>
+          </p:cNvCxnSpPr>
+          <p:nvPr/>
+        </p:nvCxnSpPr>
+        <p:spPr>
+          <a:xfrm rot="16200000" flipV="1">
+            <a:off x="1260255" y="3363355"/>
+            <a:ext cx="1650432" cy="8203"/>
+          </a:xfrm>
+          <a:prstGeom prst="curvedConnector3">
+            <a:avLst>
+              <a:gd name="adj1" fmla="val 50000"/>
+            </a:avLst>
+          </a:prstGeom>
+          <a:ln w="63500">
+            <a:tailEnd type="triangle"/>
+          </a:ln>
+        </p:spPr>
+        <p:style>
+          <a:lnRef idx="1">
+            <a:schemeClr val="dk1"/>
+          </a:lnRef>
+          <a:fillRef idx="0">
+            <a:schemeClr val="dk1"/>
+          </a:fillRef>
+          <a:effectRef idx="0">
+            <a:schemeClr val="dk1"/>
+          </a:effectRef>
+          <a:fontRef idx="minor">
+            <a:schemeClr val="tx1"/>
+          </a:fontRef>
+        </p:style>
+      </p:cxnSp>
+      <p:sp>
+        <p:nvSpPr>
+          <p:cNvPr id="116" name="TextBox 115">
+            <a:extLst>
+              <a:ext uri="{FF2B5EF4-FFF2-40B4-BE49-F238E27FC236}">
+                <a16:creationId xmlns:a16="http://schemas.microsoft.com/office/drawing/2014/main" id="{D0B5ABAA-D930-334E-86F6-FBA5806B9234}"/>
+              </a:ext>
+            </a:extLst>
+          </p:cNvPr>
+          <p:cNvSpPr txBox="1"/>
+          <p:nvPr/>
+        </p:nvSpPr>
+        <p:spPr>
+          <a:xfrm>
+            <a:off x="346792" y="2815099"/>
+            <a:ext cx="1742780" cy="923330"/>
+          </a:xfrm>
+          <a:prstGeom prst="rect">
+            <a:avLst/>
+          </a:prstGeom>
+          <a:noFill/>
+        </p:spPr>
+        <p:txBody>
+          <a:bodyPr wrap="square" rtlCol="0">
+            <a:spAutoFit/>
+          </a:bodyPr>
+          <a:lstStyle/>
+          <a:p>
+            <a:pPr algn="ctr"/>
+            <a:r>
+              <a:rPr lang="pt-BR" b="1" dirty="0">
+                <a:solidFill>
+                  <a:schemeClr val="accent6">
+                    <a:lumMod val="75000"/>
+                  </a:schemeClr>
+                </a:solidFill>
+              </a:rPr>
+              <a:t>Se já </a:t>
+            </a:r>
+            <a:r>
+              <a:rPr lang="pt-BR" b="1" dirty="0" err="1">
+                <a:solidFill>
+                  <a:schemeClr val="accent6">
+                    <a:lumMod val="75000"/>
+                  </a:schemeClr>
+                </a:solidFill>
+              </a:rPr>
+              <a:t>refatorou</a:t>
+            </a:r>
+            <a:r>
+              <a:rPr lang="pt-BR" b="1" dirty="0">
+                <a:solidFill>
+                  <a:schemeClr val="accent6">
+                    <a:lumMod val="75000"/>
+                  </a:schemeClr>
+                </a:solidFill>
+              </a:rPr>
+              <a:t> e o teste passou</a:t>
+            </a:r>
+          </a:p>
+        </p:txBody>
+      </p:sp>
+      <p:grpSp>
+        <p:nvGrpSpPr>
+          <p:cNvPr id="27" name="Group 26">
+            <a:extLst>
+              <a:ext uri="{FF2B5EF4-FFF2-40B4-BE49-F238E27FC236}">
+                <a16:creationId xmlns:a16="http://schemas.microsoft.com/office/drawing/2014/main" id="{65D8F88D-94E3-394A-80CA-B0BEBFE88123}"/>
+              </a:ext>
+            </a:extLst>
+          </p:cNvPr>
+          <p:cNvGrpSpPr/>
+          <p:nvPr/>
+        </p:nvGrpSpPr>
+        <p:grpSpPr>
+          <a:xfrm>
+            <a:off x="8811361" y="1175929"/>
+            <a:ext cx="3162468" cy="2159994"/>
+            <a:chOff x="3813120" y="2733821"/>
+            <a:chExt cx="3162468" cy="2159994"/>
+          </a:xfrm>
+          <a:scene3d>
+            <a:camera prst="orthographicFront"/>
+            <a:lightRig rig="chilly" dir="t"/>
+          </a:scene3d>
+        </p:grpSpPr>
+        <p:sp>
+          <p:nvSpPr>
+            <p:cNvPr id="28" name="Oval 27">
+              <a:extLst>
+                <a:ext uri="{FF2B5EF4-FFF2-40B4-BE49-F238E27FC236}">
+                  <a16:creationId xmlns:a16="http://schemas.microsoft.com/office/drawing/2014/main" id="{DFA20D83-4194-3444-A9DC-B8C7BE23FAD5}"/>
+                </a:ext>
+              </a:extLst>
+            </p:cNvPr>
+            <p:cNvSpPr/>
+            <p:nvPr/>
+          </p:nvSpPr>
+          <p:spPr>
+            <a:xfrm>
+              <a:off x="3813120" y="2733821"/>
+              <a:ext cx="3162468" cy="2159994"/>
+            </a:xfrm>
+            <a:prstGeom prst="ellipse">
+              <a:avLst/>
+            </a:prstGeom>
+            <a:solidFill>
+              <a:schemeClr val="tx2"/>
+            </a:solidFill>
+            <a:sp3d prstMaterial="translucentPowder">
+              <a:bevelT w="127000" h="25400" prst="softRound"/>
+            </a:sp3d>
+          </p:spPr>
+          <p:style>
+            <a:lnRef idx="0">
+              <a:schemeClr val="lt1">
+                <a:hueOff val="0"/>
+                <a:satOff val="0"/>
+                <a:lumOff val="0"/>
+                <a:alphaOff val="0"/>
+              </a:schemeClr>
+            </a:lnRef>
+            <a:fillRef idx="1">
+              <a:scrgbClr r="0" g="0" b="0"/>
+            </a:fillRef>
+            <a:effectRef idx="0">
+              <a:schemeClr val="accent2">
+                <a:hueOff val="574745"/>
+                <a:satOff val="-9386"/>
+                <a:lumOff val="588"/>
+                <a:alphaOff val="0"/>
+              </a:schemeClr>
+            </a:effectRef>
+            <a:fontRef idx="minor">
+              <a:schemeClr val="lt1"/>
+            </a:fontRef>
+          </p:style>
+        </p:sp>
+        <p:sp>
+          <p:nvSpPr>
+            <p:cNvPr id="29" name="Oval 6">
+              <a:extLst>
+                <a:ext uri="{FF2B5EF4-FFF2-40B4-BE49-F238E27FC236}">
+                  <a16:creationId xmlns:a16="http://schemas.microsoft.com/office/drawing/2014/main" id="{7E3C0402-4748-6B44-A869-66660773BBF2}"/>
+                </a:ext>
+              </a:extLst>
+            </p:cNvPr>
+            <p:cNvSpPr txBox="1"/>
+            <p:nvPr/>
+          </p:nvSpPr>
+          <p:spPr>
+            <a:xfrm>
+              <a:off x="4276253" y="3050145"/>
+              <a:ext cx="2236202" cy="1527346"/>
+            </a:xfrm>
+            <a:prstGeom prst="rect">
+              <a:avLst/>
+            </a:prstGeom>
+            <a:sp3d/>
+          </p:spPr>
+          <p:style>
+            <a:lnRef idx="0">
+              <a:scrgbClr r="0" g="0" b="0"/>
+            </a:lnRef>
+            <a:fillRef idx="0">
+              <a:scrgbClr r="0" g="0" b="0"/>
+            </a:fillRef>
+            <a:effectRef idx="0">
+              <a:scrgbClr r="0" g="0" b="0"/>
+            </a:effectRef>
+            <a:fontRef idx="minor">
+              <a:schemeClr val="lt1"/>
+            </a:fontRef>
+          </p:style>
+          <p:txBody>
+            <a:bodyPr spcFirstLastPara="0" vert="horz" wrap="square" lIns="91440" tIns="91440" rIns="91440" bIns="91440" numCol="1" spcCol="1270" anchor="ctr" anchorCtr="0">
+              <a:noAutofit/>
+            </a:bodyPr>
+            <a:lstStyle/>
+            <a:p>
+              <a:pPr lvl="0" algn="ctr" defTabSz="1066800">
+                <a:lnSpc>
+                  <a:spcPct val="90000"/>
+                </a:lnSpc>
+                <a:spcBef>
+                  <a:spcPct val="0"/>
+                </a:spcBef>
+                <a:spcAft>
+                  <a:spcPct val="35000"/>
+                </a:spcAft>
+              </a:pPr>
+              <a:r>
+                <a:rPr lang="en-US" sz="2400" b="1" dirty="0">
+                  <a:solidFill>
+                    <a:schemeClr val="bg1"/>
+                  </a:solidFill>
+                </a:rPr>
+                <a:t>2. </a:t>
+              </a:r>
+              <a:r>
+                <a:rPr lang="en-US" sz="2400" b="1" dirty="0" err="1">
+                  <a:solidFill>
+                    <a:schemeClr val="bg1"/>
+                  </a:solidFill>
+                </a:rPr>
+                <a:t>Escrever</a:t>
+              </a:r>
+              <a:r>
+                <a:rPr lang="en-US" sz="2400" b="1" dirty="0">
+                  <a:solidFill>
+                    <a:schemeClr val="bg1"/>
+                  </a:solidFill>
+                </a:rPr>
+                <a:t> o </a:t>
+              </a:r>
+              <a:r>
+                <a:rPr lang="en-US" sz="2400" b="1" dirty="0" err="1">
+                  <a:solidFill>
+                    <a:schemeClr val="bg1"/>
+                  </a:solidFill>
+                </a:rPr>
+                <a:t>mínimo</a:t>
+              </a:r>
+              <a:r>
+                <a:rPr lang="en-US" sz="2400" b="1" dirty="0">
+                  <a:solidFill>
+                    <a:schemeClr val="bg1"/>
+                  </a:solidFill>
+                </a:rPr>
+                <a:t> de </a:t>
+              </a:r>
+              <a:r>
+                <a:rPr lang="en-US" sz="2400" b="1" dirty="0" err="1">
+                  <a:solidFill>
+                    <a:schemeClr val="bg1"/>
+                  </a:solidFill>
+                </a:rPr>
+                <a:t>código</a:t>
+              </a:r>
+              <a:r>
+                <a:rPr lang="en-US" sz="2400" b="1" dirty="0">
+                  <a:solidFill>
+                    <a:schemeClr val="bg1"/>
+                  </a:solidFill>
+                </a:rPr>
+                <a:t> pro teste </a:t>
+              </a:r>
+              <a:r>
+                <a:rPr lang="en-US" sz="2400" b="1" dirty="0" err="1">
+                  <a:solidFill>
+                    <a:schemeClr val="bg1"/>
+                  </a:solidFill>
+                </a:rPr>
+                <a:t>passar</a:t>
+              </a:r>
+              <a:endParaRPr lang="en-US" sz="2400" b="1" dirty="0">
+                <a:solidFill>
+                  <a:schemeClr val="bg1"/>
+                </a:solidFill>
+              </a:endParaRPr>
+            </a:p>
+          </p:txBody>
+        </p:sp>
+      </p:grpSp>
+      <p:cxnSp>
+        <p:nvCxnSpPr>
+          <p:cNvPr id="30" name="Curved Connector 25">
+            <a:extLst>
+              <a:ext uri="{FF2B5EF4-FFF2-40B4-BE49-F238E27FC236}">
+                <a16:creationId xmlns:a16="http://schemas.microsoft.com/office/drawing/2014/main" id="{3B1B0D01-2DB5-D247-9990-0060B076C1A8}"/>
+              </a:ext>
+            </a:extLst>
+          </p:cNvPr>
+          <p:cNvCxnSpPr>
+            <a:cxnSpLocks/>
+            <a:stCxn id="28" idx="4"/>
+            <a:endCxn id="11" idx="0"/>
+          </p:cNvCxnSpPr>
+          <p:nvPr/>
+        </p:nvCxnSpPr>
+        <p:spPr>
+          <a:xfrm>
+            <a:off x="10392595" y="3335923"/>
+            <a:ext cx="1562" cy="868603"/>
+          </a:xfrm>
+          <a:prstGeom prst="straightConnector1">
+            <a:avLst/>
+          </a:prstGeom>
+          <a:ln w="63500">
+            <a:tailEnd type="triangle"/>
+          </a:ln>
+        </p:spPr>
+        <p:style>
+          <a:lnRef idx="1">
+            <a:schemeClr val="dk1"/>
+          </a:lnRef>
+          <a:fillRef idx="0">
+            <a:schemeClr val="dk1"/>
+          </a:fillRef>
+          <a:effectRef idx="0">
+            <a:schemeClr val="dk1"/>
+          </a:effectRef>
+          <a:fontRef idx="minor">
+            <a:schemeClr val="tx1"/>
+          </a:fontRef>
+        </p:style>
+      </p:cxnSp>
+      <p:sp>
+        <p:nvSpPr>
+          <p:cNvPr id="33" name="TextBox 32">
+            <a:extLst>
+              <a:ext uri="{FF2B5EF4-FFF2-40B4-BE49-F238E27FC236}">
+                <a16:creationId xmlns:a16="http://schemas.microsoft.com/office/drawing/2014/main" id="{89B27E8C-900C-774C-876B-224A0BBC9360}"/>
+              </a:ext>
+            </a:extLst>
+          </p:cNvPr>
+          <p:cNvSpPr txBox="1"/>
+          <p:nvPr/>
+        </p:nvSpPr>
+        <p:spPr>
+          <a:xfrm>
+            <a:off x="6909897" y="2153445"/>
+            <a:ext cx="1742780" cy="646331"/>
+          </a:xfrm>
+          <a:prstGeom prst="rect">
+            <a:avLst/>
+          </a:prstGeom>
+          <a:noFill/>
+        </p:spPr>
+        <p:txBody>
+          <a:bodyPr wrap="square" rtlCol="0">
+            <a:spAutoFit/>
+          </a:bodyPr>
+          <a:lstStyle/>
+          <a:p>
+            <a:pPr algn="ctr"/>
+            <a:r>
+              <a:rPr lang="pt-BR" b="1" dirty="0">
+                <a:solidFill>
+                  <a:schemeClr val="accent6">
+                    <a:lumMod val="75000"/>
+                  </a:schemeClr>
+                </a:solidFill>
+              </a:rPr>
+              <a:t>Executar o Teste</a:t>
+            </a:r>
+          </a:p>
+        </p:txBody>
+      </p:sp>
+    </p:spTree>
+    <p:extLst>
+      <p:ext uri="{BB962C8B-B14F-4D97-AF65-F5344CB8AC3E}">
+        <p14:creationId xmlns:p14="http://schemas.microsoft.com/office/powerpoint/2010/main" val="3204116117"/>
+      </p:ext>
+    </p:extLst>
+  </p:cSld>
+  <p:clrMapOvr>
+    <a:masterClrMapping/>
+  </p:clrMapOvr>
+</p:sld>
+</file>
+
+<file path=ppt/slides/slide23.xml><?xml version="1.0" encoding="utf-8"?>
 <p:sld xmlns:a="http://schemas.openxmlformats.org/drawingml/2006/main" xmlns:r="http://schemas.openxmlformats.org/officeDocument/2006/relationships" xmlns:p="http://schemas.openxmlformats.org/presentationml/2006/main">
   <p:cSld>
     <p:bg>
@@ -18463,7 +17820,7 @@
                   <a:schemeClr val="bg1"/>
                 </a:solidFill>
               </a:rPr>
-              <a:t>22</a:t>
+              <a:t>23</a:t>
             </a:fld>
             <a:endParaRPr lang="en-US">
               <a:solidFill>
@@ -18627,7 +17984,7 @@
 </p:sld>
 </file>
 
-<file path=ppt/slides/slide23.xml><?xml version="1.0" encoding="utf-8"?>
+<file path=ppt/slides/slide24.xml><?xml version="1.0" encoding="utf-8"?>
 <p:sld xmlns:a="http://schemas.openxmlformats.org/drawingml/2006/main" xmlns:r="http://schemas.openxmlformats.org/officeDocument/2006/relationships" xmlns:p="http://schemas.openxmlformats.org/presentationml/2006/main">
   <p:cSld>
     <p:bg>
@@ -18890,7 +18247,7 @@
                   <a:schemeClr val="bg1"/>
                 </a:solidFill>
               </a:rPr>
-              <a:t>23</a:t>
+              <a:t>24</a:t>
             </a:fld>
             <a:endParaRPr lang="en-US">
               <a:solidFill>
@@ -19304,7 +18661,7 @@
 </p:sld>
 </file>
 
-<file path=ppt/slides/slide24.xml><?xml version="1.0" encoding="utf-8"?>
+<file path=ppt/slides/slide25.xml><?xml version="1.0" encoding="utf-8"?>
 <p:sld xmlns:a="http://schemas.openxmlformats.org/drawingml/2006/main" xmlns:r="http://schemas.openxmlformats.org/officeDocument/2006/relationships" xmlns:p="http://schemas.openxmlformats.org/presentationml/2006/main">
   <p:cSld>
     <p:bg>
@@ -19705,7 +19062,7 @@
                   <a:schemeClr val="bg1"/>
                 </a:solidFill>
               </a:rPr>
-              <a:t>24</a:t>
+              <a:t>25</a:t>
             </a:fld>
             <a:endParaRPr lang="en-US">
               <a:solidFill>

--- a/projects/01-introducao-tdd/tdd.pptx
+++ b/projects/01-introducao-tdd/tdd.pptx
@@ -2,10 +2,10 @@
 <file path=ppt/presentation.xml><?xml version="1.0" encoding="utf-8"?>
 <p:presentation xmlns:a="http://schemas.openxmlformats.org/drawingml/2006/main" xmlns:r="http://schemas.openxmlformats.org/officeDocument/2006/relationships" xmlns:p="http://schemas.openxmlformats.org/presentationml/2006/main" saveSubsetFonts="1" autoCompressPictures="0">
   <p:sldMasterIdLst>
-    <p:sldMasterId id="2147484025" r:id="rId1"/>
+    <p:sldMasterId id="2147484349" r:id="rId1"/>
   </p:sldMasterIdLst>
   <p:notesMasterIdLst>
-    <p:notesMasterId r:id="rId34"/>
+    <p:notesMasterId r:id="rId35"/>
   </p:notesMasterIdLst>
   <p:sldIdLst>
     <p:sldId id="266" r:id="rId2"/>
@@ -39,7 +39,8 @@
     <p:sldId id="301" r:id="rId30"/>
     <p:sldId id="302" r:id="rId31"/>
     <p:sldId id="310" r:id="rId32"/>
-    <p:sldId id="281" r:id="rId33"/>
+    <p:sldId id="311" r:id="rId33"/>
+    <p:sldId id="281" r:id="rId34"/>
   </p:sldIdLst>
   <p:sldSz cx="12192000" cy="6858000"/>
   <p:notesSz cx="6858000" cy="9144000"/>
@@ -228,7 +229,7 @@
           <a:p>
             <a:fld id="{7497B6E1-7C5B-524D-B5EB-5E6695205380}" type="datetimeFigureOut">
               <a:rPr lang="pt-BR" smtClean="0"/>
-              <a:t>04/12/2018</a:t>
+              <a:t>14/12/2018</a:t>
             </a:fld>
             <a:endParaRPr lang="pt-BR"/>
           </a:p>
@@ -515,7 +516,7 @@
       </p:grpSpPr>
       <p:pic>
         <p:nvPicPr>
-          <p:cNvPr id="7" name="Picture 6" descr="C0-HD-BTM.png"/>
+          <p:cNvPr id="8" name="Picture 7" descr="C3-HD-BTM.png"/>
           <p:cNvPicPr>
             <a:picLocks noChangeAspect="1"/>
           </p:cNvPicPr>
@@ -666,7 +667,7 @@
           <a:p>
             <a:fld id="{19E7D63B-43B5-8A4C-BD12-76889BE136BD}" type="datetime1">
               <a:rPr lang="en-US" smtClean="0"/>
-              <a:t>12/4/18</a:t>
+              <a:t>12/14/18</a:t>
             </a:fld>
             <a:endParaRPr lang="en-US"/>
           </a:p>
@@ -727,7 +728,7 @@
     </p:spTree>
     <p:extLst>
       <p:ext uri="{BB962C8B-B14F-4D97-AF65-F5344CB8AC3E}">
-        <p14:creationId xmlns:p14="http://schemas.microsoft.com/office/powerpoint/2010/main" val="761388282"/>
+        <p14:creationId xmlns:p14="http://schemas.microsoft.com/office/powerpoint/2010/main" val="3613153404"/>
       </p:ext>
     </p:extLst>
   </p:cSld>
@@ -847,6 +848,7 @@
               <a:rPr lang="en-US"/>
               <a:t>Click icon to add picture</a:t>
             </a:r>
+            <a:endParaRPr lang="en-US" dirty="0"/>
           </a:p>
         </p:txBody>
       </p:sp>
@@ -932,7 +934,7 @@
           <a:p>
             <a:fld id="{124E9894-F119-A64C-B7CB-D7CE860A73BE}" type="datetime1">
               <a:rPr lang="en-US" smtClean="0"/>
-              <a:t>12/4/18</a:t>
+              <a:t>12/14/18</a:t>
             </a:fld>
             <a:endParaRPr lang="en-US"/>
           </a:p>
@@ -983,7 +985,7 @@
     </p:spTree>
     <p:extLst>
       <p:ext uri="{BB962C8B-B14F-4D97-AF65-F5344CB8AC3E}">
-        <p14:creationId xmlns:p14="http://schemas.microsoft.com/office/powerpoint/2010/main" val="967177075"/>
+        <p14:creationId xmlns:p14="http://schemas.microsoft.com/office/powerpoint/2010/main" val="832670254"/>
       </p:ext>
     </p:extLst>
   </p:cSld>
@@ -1013,7 +1015,7 @@
       </p:grpSpPr>
       <p:pic>
         <p:nvPicPr>
-          <p:cNvPr id="8" name="Picture 7" descr="C0-HD-BTM.png"/>
+          <p:cNvPr id="9" name="Picture 8" descr="C3-HD-BTM.png"/>
           <p:cNvPicPr>
             <a:picLocks noChangeAspect="1"/>
           </p:cNvPicPr>
@@ -1164,7 +1166,7 @@
           <a:p>
             <a:fld id="{124E9894-F119-A64C-B7CB-D7CE860A73BE}" type="datetime1">
               <a:rPr lang="en-US" smtClean="0"/>
-              <a:t>12/4/18</a:t>
+              <a:t>12/14/18</a:t>
             </a:fld>
             <a:endParaRPr lang="en-US"/>
           </a:p>
@@ -1225,7 +1227,7 @@
     </p:spTree>
     <p:extLst>
       <p:ext uri="{BB962C8B-B14F-4D97-AF65-F5344CB8AC3E}">
-        <p14:creationId xmlns:p14="http://schemas.microsoft.com/office/powerpoint/2010/main" val="2761250519"/>
+        <p14:creationId xmlns:p14="http://schemas.microsoft.com/office/powerpoint/2010/main" val="2851655235"/>
       </p:ext>
     </p:extLst>
   </p:cSld>
@@ -1255,7 +1257,7 @@
       </p:grpSpPr>
       <p:pic>
         <p:nvPicPr>
-          <p:cNvPr id="13" name="Picture 12" descr="C0-HD-BTM.png"/>
+          <p:cNvPr id="11" name="Picture 10" descr="C3-HD-BTM.png"/>
           <p:cNvPicPr>
             <a:picLocks noChangeAspect="1"/>
           </p:cNvPicPr>
@@ -1475,7 +1477,7 @@
           <a:p>
             <a:fld id="{124E9894-F119-A64C-B7CB-D7CE860A73BE}" type="datetime1">
               <a:rPr lang="en-US" smtClean="0"/>
-              <a:t>12/4/18</a:t>
+              <a:t>12/14/18</a:t>
             </a:fld>
             <a:endParaRPr lang="en-US"/>
           </a:p>
@@ -1638,7 +1640,7 @@
           <a:p>
             <a:pPr lvl="0"/>
             <a:r>
-              <a:rPr lang="en-US" sz="8000">
+              <a:rPr lang="en-US" sz="8000" dirty="0">
                 <a:solidFill>
                   <a:schemeClr val="tx1"/>
                 </a:solidFill>
@@ -1754,7 +1756,7 @@
           <a:p>
             <a:pPr lvl="0" algn="r"/>
             <a:r>
-              <a:rPr lang="en-US" sz="8000">
+              <a:rPr lang="en-US" sz="8000" dirty="0">
                 <a:solidFill>
                   <a:schemeClr val="tx1"/>
                 </a:solidFill>
@@ -1768,7 +1770,7 @@
     </p:spTree>
     <p:extLst>
       <p:ext uri="{BB962C8B-B14F-4D97-AF65-F5344CB8AC3E}">
-        <p14:creationId xmlns:p14="http://schemas.microsoft.com/office/powerpoint/2010/main" val="3608814195"/>
+        <p14:creationId xmlns:p14="http://schemas.microsoft.com/office/powerpoint/2010/main" val="3290784681"/>
       </p:ext>
     </p:extLst>
   </p:cSld>
@@ -1798,7 +1800,7 @@
       </p:grpSpPr>
       <p:pic>
         <p:nvPicPr>
-          <p:cNvPr id="9" name="Picture 8" descr="C0-HD-BTM.png"/>
+          <p:cNvPr id="8" name="Picture 7" descr="C3-HD-BTM.png"/>
           <p:cNvPicPr>
             <a:picLocks noChangeAspect="1"/>
           </p:cNvPicPr>
@@ -1949,7 +1951,7 @@
           <a:p>
             <a:fld id="{B4BBB50B-BAA3-9748-978F-08A7877AB7D9}" type="datetime1">
               <a:rPr lang="en-US" smtClean="0"/>
-              <a:t>12/4/18</a:t>
+              <a:t>12/14/18</a:t>
             </a:fld>
             <a:endParaRPr lang="en-US"/>
           </a:p>
@@ -2010,7 +2012,7 @@
     </p:spTree>
     <p:extLst>
       <p:ext uri="{BB962C8B-B14F-4D97-AF65-F5344CB8AC3E}">
-        <p14:creationId xmlns:p14="http://schemas.microsoft.com/office/powerpoint/2010/main" val="443076297"/>
+        <p14:creationId xmlns:p14="http://schemas.microsoft.com/office/powerpoint/2010/main" val="4215734733"/>
       </p:ext>
     </p:extLst>
   </p:cSld>
@@ -2496,7 +2498,7 @@
           <a:p>
             <a:fld id="{124E9894-F119-A64C-B7CB-D7CE860A73BE}" type="datetime1">
               <a:rPr lang="en-US" smtClean="0"/>
-              <a:t>12/4/18</a:t>
+              <a:t>12/14/18</a:t>
             </a:fld>
             <a:endParaRPr lang="en-US"/>
           </a:p>
@@ -2547,7 +2549,7 @@
     </p:spTree>
     <p:extLst>
       <p:ext uri="{BB962C8B-B14F-4D97-AF65-F5344CB8AC3E}">
-        <p14:creationId xmlns:p14="http://schemas.microsoft.com/office/powerpoint/2010/main" val="3565465553"/>
+        <p14:creationId xmlns:p14="http://schemas.microsoft.com/office/powerpoint/2010/main" val="1563521796"/>
       </p:ext>
     </p:extLst>
   </p:cSld>
@@ -2749,6 +2751,7 @@
               <a:rPr lang="en-US"/>
               <a:t>Click icon to add picture</a:t>
             </a:r>
+            <a:endParaRPr lang="en-US" dirty="0"/>
           </a:p>
         </p:txBody>
       </p:sp>
@@ -2965,6 +2968,7 @@
               <a:rPr lang="en-US"/>
               <a:t>Click icon to add picture</a:t>
             </a:r>
+            <a:endParaRPr lang="en-US" dirty="0"/>
           </a:p>
         </p:txBody>
       </p:sp>
@@ -3181,6 +3185,7 @@
               <a:rPr lang="en-US"/>
               <a:t>Click icon to add picture</a:t>
             </a:r>
+            <a:endParaRPr lang="en-US" dirty="0"/>
           </a:p>
         </p:txBody>
       </p:sp>
@@ -3268,7 +3273,7 @@
           <a:p>
             <a:fld id="{124E9894-F119-A64C-B7CB-D7CE860A73BE}" type="datetime1">
               <a:rPr lang="en-US" smtClean="0"/>
-              <a:t>12/4/18</a:t>
+              <a:t>12/14/18</a:t>
             </a:fld>
             <a:endParaRPr lang="en-US"/>
           </a:p>
@@ -3319,7 +3324,7 @@
     </p:spTree>
     <p:extLst>
       <p:ext uri="{BB962C8B-B14F-4D97-AF65-F5344CB8AC3E}">
-        <p14:creationId xmlns:p14="http://schemas.microsoft.com/office/powerpoint/2010/main" val="3666991860"/>
+        <p14:creationId xmlns:p14="http://schemas.microsoft.com/office/powerpoint/2010/main" val="1639238714"/>
       </p:ext>
     </p:extLst>
   </p:cSld>
@@ -3444,7 +3449,7 @@
           <a:p>
             <a:fld id="{45040DEA-CE02-EF42-8F10-34F709D8505D}" type="datetime1">
               <a:rPr lang="en-US" smtClean="0"/>
-              <a:t>12/4/18</a:t>
+              <a:t>12/14/18</a:t>
             </a:fld>
             <a:endParaRPr lang="en-US"/>
           </a:p>
@@ -3495,7 +3500,7 @@
     </p:spTree>
     <p:extLst>
       <p:ext uri="{BB962C8B-B14F-4D97-AF65-F5344CB8AC3E}">
-        <p14:creationId xmlns:p14="http://schemas.microsoft.com/office/powerpoint/2010/main" val="3578060365"/>
+        <p14:creationId xmlns:p14="http://schemas.microsoft.com/office/powerpoint/2010/main" val="3976468160"/>
       </p:ext>
     </p:extLst>
   </p:cSld>
@@ -3524,7 +3529,7 @@
       </p:grpSpPr>
       <p:pic>
         <p:nvPicPr>
-          <p:cNvPr id="8" name="Picture 7" descr="C0-HD-BTM.png"/>
+          <p:cNvPr id="9" name="Picture 8" descr="C3-HD-BTM.png"/>
           <p:cNvPicPr>
             <a:picLocks noChangeAspect="1"/>
           </p:cNvPicPr>
@@ -3667,7 +3672,7 @@
           <a:p>
             <a:fld id="{A0C1C801-5706-434E-AB65-DDFBCF1F55D2}" type="datetime1">
               <a:rPr lang="en-US" smtClean="0"/>
-              <a:t>12/4/18</a:t>
+              <a:t>12/14/18</a:t>
             </a:fld>
             <a:endParaRPr lang="en-US"/>
           </a:p>
@@ -3728,7 +3733,7 @@
     </p:spTree>
     <p:extLst>
       <p:ext uri="{BB962C8B-B14F-4D97-AF65-F5344CB8AC3E}">
-        <p14:creationId xmlns:p14="http://schemas.microsoft.com/office/powerpoint/2010/main" val="1566538867"/>
+        <p14:creationId xmlns:p14="http://schemas.microsoft.com/office/powerpoint/2010/main" val="2323920300"/>
       </p:ext>
     </p:extLst>
   </p:cSld>
@@ -3847,7 +3852,7 @@
           <a:p>
             <a:fld id="{39AE0FD8-7D7B-EA4F-8AF8-8B97820A0C5D}" type="datetime1">
               <a:rPr lang="en-US" smtClean="0"/>
-              <a:t>12/4/18</a:t>
+              <a:t>12/14/18</a:t>
             </a:fld>
             <a:endParaRPr lang="en-US"/>
           </a:p>
@@ -3898,7 +3903,7 @@
     </p:spTree>
     <p:extLst>
       <p:ext uri="{BB962C8B-B14F-4D97-AF65-F5344CB8AC3E}">
-        <p14:creationId xmlns:p14="http://schemas.microsoft.com/office/powerpoint/2010/main" val="3751797350"/>
+        <p14:creationId xmlns:p14="http://schemas.microsoft.com/office/powerpoint/2010/main" val="1054409438"/>
       </p:ext>
     </p:extLst>
   </p:cSld>
@@ -3927,7 +3932,7 @@
       </p:grpSpPr>
       <p:pic>
         <p:nvPicPr>
-          <p:cNvPr id="9" name="Picture 8" descr="C0-HD-BTM.png"/>
+          <p:cNvPr id="8" name="Picture 7" descr="C3-HD-BTM.png"/>
           <p:cNvPicPr>
             <a:picLocks noChangeAspect="1"/>
           </p:cNvPicPr>
@@ -4136,7 +4141,7 @@
           <a:p>
             <a:fld id="{7FC94D43-3F68-DC43-8EF0-95FB3D51CCCF}" type="datetime1">
               <a:rPr lang="en-US" smtClean="0"/>
-              <a:t>12/4/18</a:t>
+              <a:t>12/14/18</a:t>
             </a:fld>
             <a:endParaRPr lang="en-US"/>
           </a:p>
@@ -4197,7 +4202,7 @@
     </p:spTree>
     <p:extLst>
       <p:ext uri="{BB962C8B-B14F-4D97-AF65-F5344CB8AC3E}">
-        <p14:creationId xmlns:p14="http://schemas.microsoft.com/office/powerpoint/2010/main" val="2027005503"/>
+        <p14:creationId xmlns:p14="http://schemas.microsoft.com/office/powerpoint/2010/main" val="2053836500"/>
       </p:ext>
     </p:extLst>
   </p:cSld>
@@ -4378,7 +4383,7 @@
           <a:p>
             <a:fld id="{BD42CFC2-1CE8-9045-8C9C-0F183F0FB455}" type="datetime1">
               <a:rPr lang="en-US" smtClean="0"/>
-              <a:t>12/4/18</a:t>
+              <a:t>12/14/18</a:t>
             </a:fld>
             <a:endParaRPr lang="en-US"/>
           </a:p>
@@ -4429,7 +4434,7 @@
     </p:spTree>
     <p:extLst>
       <p:ext uri="{BB962C8B-B14F-4D97-AF65-F5344CB8AC3E}">
-        <p14:creationId xmlns:p14="http://schemas.microsoft.com/office/powerpoint/2010/main" val="64857318"/>
+        <p14:creationId xmlns:p14="http://schemas.microsoft.com/office/powerpoint/2010/main" val="1545572332"/>
       </p:ext>
     </p:extLst>
   </p:cSld>
@@ -4757,7 +4762,7 @@
           <a:p>
             <a:fld id="{F1B5C6E2-D044-C748-9C41-86C9B2F84EB9}" type="datetime1">
               <a:rPr lang="en-US" smtClean="0"/>
-              <a:t>12/4/18</a:t>
+              <a:t>12/14/18</a:t>
             </a:fld>
             <a:endParaRPr lang="en-US"/>
           </a:p>
@@ -4808,7 +4813,7 @@
     </p:spTree>
     <p:extLst>
       <p:ext uri="{BB962C8B-B14F-4D97-AF65-F5344CB8AC3E}">
-        <p14:creationId xmlns:p14="http://schemas.microsoft.com/office/powerpoint/2010/main" val="519768390"/>
+        <p14:creationId xmlns:p14="http://schemas.microsoft.com/office/powerpoint/2010/main" val="1772274042"/>
       </p:ext>
     </p:extLst>
   </p:cSld>
@@ -4875,7 +4880,7 @@
           <a:p>
             <a:fld id="{359C32BA-C166-AC45-9FCD-8BF0F43629D9}" type="datetime1">
               <a:rPr lang="en-US" smtClean="0"/>
-              <a:t>12/4/18</a:t>
+              <a:t>12/14/18</a:t>
             </a:fld>
             <a:endParaRPr lang="en-US"/>
           </a:p>
@@ -4926,7 +4931,7 @@
     </p:spTree>
     <p:extLst>
       <p:ext uri="{BB962C8B-B14F-4D97-AF65-F5344CB8AC3E}">
-        <p14:creationId xmlns:p14="http://schemas.microsoft.com/office/powerpoint/2010/main" val="1351357189"/>
+        <p14:creationId xmlns:p14="http://schemas.microsoft.com/office/powerpoint/2010/main" val="3273245073"/>
       </p:ext>
     </p:extLst>
   </p:cSld>
@@ -4970,7 +4975,7 @@
           <a:p>
             <a:fld id="{E5D0D591-4B92-A44B-A0EA-798E76AD0368}" type="datetime1">
               <a:rPr lang="en-US" smtClean="0"/>
-              <a:t>12/4/18</a:t>
+              <a:t>12/14/18</a:t>
             </a:fld>
             <a:endParaRPr lang="en-US"/>
           </a:p>
@@ -5021,7 +5026,7 @@
     </p:spTree>
     <p:extLst>
       <p:ext uri="{BB962C8B-B14F-4D97-AF65-F5344CB8AC3E}">
-        <p14:creationId xmlns:p14="http://schemas.microsoft.com/office/powerpoint/2010/main" val="3290374351"/>
+        <p14:creationId xmlns:p14="http://schemas.microsoft.com/office/powerpoint/2010/main" val="4107804434"/>
       </p:ext>
     </p:extLst>
   </p:cSld>
@@ -5219,7 +5224,7 @@
           <a:p>
             <a:fld id="{8201F472-E17F-4B47-A44B-A2249FA27ED2}" type="datetime1">
               <a:rPr lang="en-US" smtClean="0"/>
-              <a:t>12/4/18</a:t>
+              <a:t>12/14/18</a:t>
             </a:fld>
             <a:endParaRPr lang="en-US"/>
           </a:p>
@@ -5270,7 +5275,7 @@
     </p:spTree>
     <p:extLst>
       <p:ext uri="{BB962C8B-B14F-4D97-AF65-F5344CB8AC3E}">
-        <p14:creationId xmlns:p14="http://schemas.microsoft.com/office/powerpoint/2010/main" val="2157404864"/>
+        <p14:creationId xmlns:p14="http://schemas.microsoft.com/office/powerpoint/2010/main" val="197765994"/>
       </p:ext>
     </p:extLst>
   </p:cSld>
@@ -5390,6 +5395,7 @@
               <a:rPr lang="en-US"/>
               <a:t>Click icon to add picture</a:t>
             </a:r>
+            <a:endParaRPr lang="en-US" dirty="0"/>
           </a:p>
         </p:txBody>
       </p:sp>
@@ -5475,7 +5481,7 @@
           <a:p>
             <a:fld id="{8BEFB9EE-CDF2-6F49-80F4-278D1604F10C}" type="datetime1">
               <a:rPr lang="en-US" smtClean="0"/>
-              <a:t>12/4/18</a:t>
+              <a:t>12/14/18</a:t>
             </a:fld>
             <a:endParaRPr lang="en-US"/>
           </a:p>
@@ -5526,7 +5532,7 @@
     </p:spTree>
     <p:extLst>
       <p:ext uri="{BB962C8B-B14F-4D97-AF65-F5344CB8AC3E}">
-        <p14:creationId xmlns:p14="http://schemas.microsoft.com/office/powerpoint/2010/main" val="3122562198"/>
+        <p14:creationId xmlns:p14="http://schemas.microsoft.com/office/powerpoint/2010/main" val="680260667"/>
       </p:ext>
     </p:extLst>
   </p:cSld>
@@ -5560,7 +5566,7 @@
       </p:grpSpPr>
       <p:pic>
         <p:nvPicPr>
-          <p:cNvPr id="7" name="Picture 6" descr="C0-HD-TOP.png"/>
+          <p:cNvPr id="8" name="Picture 7" descr="C3-HD-TOP.png"/>
           <p:cNvPicPr>
             <a:picLocks noChangeAspect="1"/>
           </p:cNvPicPr>
@@ -5718,7 +5724,7 @@
           <a:p>
             <a:fld id="{124E9894-F119-A64C-B7CB-D7CE860A73BE}" type="datetime1">
               <a:rPr lang="en-US" smtClean="0"/>
-              <a:t>12/4/18</a:t>
+              <a:t>12/14/18</a:t>
             </a:fld>
             <a:endParaRPr lang="en-US"/>
           </a:p>
@@ -5805,29 +5811,29 @@
     </p:spTree>
     <p:extLst>
       <p:ext uri="{BB962C8B-B14F-4D97-AF65-F5344CB8AC3E}">
-        <p14:creationId xmlns:p14="http://schemas.microsoft.com/office/powerpoint/2010/main" val="3213777620"/>
+        <p14:creationId xmlns:p14="http://schemas.microsoft.com/office/powerpoint/2010/main" val="1447744124"/>
       </p:ext>
     </p:extLst>
   </p:cSld>
-  <p:clrMap bg1="dk1" tx1="lt1" bg2="dk2" tx2="lt2" accent1="accent1" accent2="accent2" accent3="accent3" accent4="accent4" accent5="accent5" accent6="accent6" hlink="hlink" folHlink="folHlink"/>
+  <p:clrMap bg1="lt1" tx1="dk1" bg2="lt2" tx2="dk2" accent1="accent1" accent2="accent2" accent3="accent3" accent4="accent4" accent5="accent5" accent6="accent6" hlink="hlink" folHlink="folHlink"/>
   <p:sldLayoutIdLst>
-    <p:sldLayoutId id="2147484026" r:id="rId1"/>
-    <p:sldLayoutId id="2147484027" r:id="rId2"/>
-    <p:sldLayoutId id="2147484028" r:id="rId3"/>
-    <p:sldLayoutId id="2147484029" r:id="rId4"/>
-    <p:sldLayoutId id="2147484030" r:id="rId5"/>
-    <p:sldLayoutId id="2147484031" r:id="rId6"/>
-    <p:sldLayoutId id="2147484032" r:id="rId7"/>
-    <p:sldLayoutId id="2147484033" r:id="rId8"/>
-    <p:sldLayoutId id="2147484034" r:id="rId9"/>
-    <p:sldLayoutId id="2147484035" r:id="rId10"/>
-    <p:sldLayoutId id="2147484036" r:id="rId11"/>
-    <p:sldLayoutId id="2147484037" r:id="rId12"/>
-    <p:sldLayoutId id="2147484038" r:id="rId13"/>
-    <p:sldLayoutId id="2147484039" r:id="rId14"/>
-    <p:sldLayoutId id="2147484040" r:id="rId15"/>
-    <p:sldLayoutId id="2147484041" r:id="rId16"/>
-    <p:sldLayoutId id="2147484042" r:id="rId17"/>
+    <p:sldLayoutId id="2147484350" r:id="rId1"/>
+    <p:sldLayoutId id="2147484351" r:id="rId2"/>
+    <p:sldLayoutId id="2147484352" r:id="rId3"/>
+    <p:sldLayoutId id="2147484353" r:id="rId4"/>
+    <p:sldLayoutId id="2147484354" r:id="rId5"/>
+    <p:sldLayoutId id="2147484355" r:id="rId6"/>
+    <p:sldLayoutId id="2147484356" r:id="rId7"/>
+    <p:sldLayoutId id="2147484357" r:id="rId8"/>
+    <p:sldLayoutId id="2147484358" r:id="rId9"/>
+    <p:sldLayoutId id="2147484359" r:id="rId10"/>
+    <p:sldLayoutId id="2147484360" r:id="rId11"/>
+    <p:sldLayoutId id="2147484361" r:id="rId12"/>
+    <p:sldLayoutId id="2147484362" r:id="rId13"/>
+    <p:sldLayoutId id="2147484363" r:id="rId14"/>
+    <p:sldLayoutId id="2147484364" r:id="rId15"/>
+    <p:sldLayoutId id="2147484365" r:id="rId16"/>
+    <p:sldLayoutId id="2147484366" r:id="rId17"/>
   </p:sldLayoutIdLst>
   <p:hf hdr="0" ftr="0" dt="0"/>
   <p:txStyles>
@@ -6143,15 +6149,10 @@
             <a:spLocks noGrp="1"/>
           </p:cNvSpPr>
           <p:nvPr>
-            <p:ph type="ctrTitle"/>
+            <p:ph type="title"/>
           </p:nvPr>
         </p:nvSpPr>
-        <p:spPr>
-          <a:xfrm>
-            <a:off x="2589213" y="490330"/>
-            <a:ext cx="8915399" cy="4287051"/>
-          </a:xfrm>
-        </p:spPr>
+        <p:spPr/>
         <p:txBody>
           <a:bodyPr>
             <a:normAutofit/>
@@ -6191,15 +6192,10 @@
             <a:spLocks noGrp="1"/>
           </p:cNvSpPr>
           <p:nvPr>
-            <p:ph type="subTitle" idx="1"/>
+            <p:ph type="body" idx="1"/>
           </p:nvPr>
         </p:nvSpPr>
-        <p:spPr>
-          <a:xfrm>
-            <a:off x="2589213" y="4777379"/>
-            <a:ext cx="8915399" cy="947560"/>
-          </a:xfrm>
-        </p:spPr>
+        <p:spPr/>
         <p:txBody>
           <a:bodyPr>
             <a:normAutofit/>
@@ -6208,13 +6204,6 @@
           <a:p>
             <a:r>
               <a:rPr lang="pt-BR" b="1" dirty="0">
-                <a:effectLst>
-                  <a:outerShdw blurRad="304800" dist="38100" dir="2700000" algn="tl" rotWithShape="0">
-                    <a:prstClr val="black">
-                      <a:alpha val="40000"/>
-                    </a:prstClr>
-                  </a:outerShdw>
-                </a:effectLst>
                 <a:hlinkClick r:id="rId2">
                   <a:extLst>
                     <a:ext uri="{A12FA001-AC4F-418D-AE19-62706E023703}">
@@ -6226,29 +6215,13 @@
               <a:t>Prof. Me. Manoel Campos</a:t>
             </a:r>
             <a:r>
-              <a:rPr lang="pt-BR" b="1" dirty="0">
-                <a:effectLst>
-                  <a:outerShdw blurRad="304800" dist="38100" dir="2700000" algn="tl" rotWithShape="0">
-                    <a:prstClr val="black">
-                      <a:alpha val="40000"/>
-                    </a:prstClr>
-                  </a:outerShdw>
-                </a:effectLst>
-              </a:rPr>
+              <a:rPr lang="pt-BR" b="1" dirty="0"/>
               <a:t> / Prof. Me. Mauro Henrique</a:t>
             </a:r>
           </a:p>
           <a:p>
             <a:r>
-              <a:rPr lang="pt-BR" b="1" dirty="0">
-                <a:effectLst>
-                  <a:outerShdw blurRad="304800" dist="38100" dir="2700000" algn="tl" rotWithShape="0">
-                    <a:prstClr val="black">
-                      <a:alpha val="40000"/>
-                    </a:prstClr>
-                  </a:outerShdw>
-                </a:effectLst>
-              </a:rPr>
+              <a:rPr lang="pt-BR" b="1" dirty="0"/>
               <a:t>Instituto Federal de Educação do Tocantins (IFTO, Campus Palmas)</a:t>
             </a:r>
           </a:p>
@@ -6299,16 +6272,6 @@
 <file path=ppt/slides/slide10.xml><?xml version="1.0" encoding="utf-8"?>
 <p:sld xmlns:a="http://schemas.openxmlformats.org/drawingml/2006/main" xmlns:r="http://schemas.openxmlformats.org/officeDocument/2006/relationships" xmlns:p="http://schemas.openxmlformats.org/presentationml/2006/main">
   <p:cSld>
-    <p:bg>
-      <p:bgPr>
-        <a:solidFill>
-          <a:schemeClr val="tx1">
-            <a:lumMod val="95000"/>
-          </a:schemeClr>
-        </a:solidFill>
-        <a:effectLst/>
-      </p:bgPr>
-    </p:bg>
     <p:spTree>
       <p:nvGrpSpPr>
         <p:cNvPr id="1" name=""/>
@@ -6353,50 +6316,26 @@
           <a:p>
             <a:pPr algn="ctr"/>
             <a:r>
-              <a:rPr lang="pt-BR" b="1">
-                <a:solidFill>
-                  <a:schemeClr val="bg1"/>
-                </a:solidFill>
-              </a:rPr>
+              <a:rPr lang="pt-BR" b="1"/>
               <a:t>o que </a:t>
             </a:r>
             <a:r>
-              <a:rPr lang="pt-BR" b="1" i="1" err="1">
-                <a:solidFill>
-                  <a:schemeClr val="bg1"/>
-                </a:solidFill>
-              </a:rPr>
+              <a:rPr lang="pt-BR" b="1" i="1" err="1"/>
               <a:t>tdd</a:t>
             </a:r>
             <a:r>
-              <a:rPr lang="pt-BR" b="1">
-                <a:solidFill>
-                  <a:schemeClr val="bg1"/>
-                </a:solidFill>
-              </a:rPr>
+              <a:rPr lang="pt-BR" b="1"/>
               <a:t> tem a ver com </a:t>
             </a:r>
             <a:r>
-              <a:rPr lang="pt-BR" b="1" i="1">
-                <a:solidFill>
-                  <a:schemeClr val="bg1"/>
-                </a:solidFill>
-              </a:rPr>
+              <a:rPr lang="pt-BR" b="1" i="1"/>
               <a:t>OOP</a:t>
             </a:r>
             <a:r>
-              <a:rPr lang="pt-BR" b="1">
-                <a:solidFill>
-                  <a:schemeClr val="bg1"/>
-                </a:solidFill>
-              </a:rPr>
+              <a:rPr lang="pt-BR" b="1"/>
               <a:t> e etc.?</a:t>
             </a:r>
-            <a:endParaRPr lang="pt-BR">
-              <a:solidFill>
-                <a:schemeClr val="bg1"/>
-              </a:solidFill>
-            </a:endParaRPr>
+            <a:endParaRPr lang="pt-BR"/>
           </a:p>
         </p:txBody>
       </p:sp>
@@ -6429,256 +6368,133 @@
           <a:lstStyle/>
           <a:p>
             <a:r>
+              <a:rPr lang="pt-PT" sz="3200" dirty="0"/>
+              <a:t>TDD (</a:t>
+            </a:r>
+            <a:r>
+              <a:rPr lang="pt-PT" sz="3200" b="1" dirty="0" err="1"/>
+              <a:t>T</a:t>
+            </a:r>
+            <a:r>
+              <a:rPr lang="pt-PT" sz="3200" dirty="0" err="1"/>
+              <a:t>est</a:t>
+            </a:r>
+            <a:r>
+              <a:rPr lang="pt-PT" sz="3200" dirty="0"/>
+              <a:t> </a:t>
+            </a:r>
+            <a:r>
+              <a:rPr lang="pt-PT" sz="3200" b="1" dirty="0" err="1"/>
+              <a:t>D</a:t>
+            </a:r>
+            <a:r>
+              <a:rPr lang="pt-PT" sz="3200" dirty="0" err="1"/>
+              <a:t>riven</a:t>
+            </a:r>
+            <a:r>
+              <a:rPr lang="pt-PT" sz="3200" dirty="0"/>
+              <a:t> </a:t>
+            </a:r>
+            <a:r>
+              <a:rPr lang="pt-PT" sz="3200" b="1" dirty="0" err="1"/>
+              <a:t>D</a:t>
+            </a:r>
+            <a:r>
+              <a:rPr lang="pt-PT" sz="3200" dirty="0" err="1"/>
+              <a:t>evelopment</a:t>
+            </a:r>
+            <a:r>
+              <a:rPr lang="pt-PT" sz="3200" dirty="0"/>
+              <a:t>) é Desenvolvimento </a:t>
+            </a:r>
+            <a:r>
+              <a:rPr lang="pt-PT" sz="3200" b="1" dirty="0"/>
+              <a:t>Guiado</a:t>
+            </a:r>
+            <a:r>
+              <a:rPr lang="pt-PT" sz="3200" dirty="0"/>
+              <a:t> por Testes</a:t>
+            </a:r>
+          </a:p>
+          <a:p>
+            <a:r>
+              <a:rPr lang="pt-PT" sz="3200" dirty="0"/>
+              <a:t>OOP (</a:t>
+            </a:r>
+            <a:r>
+              <a:rPr lang="pt-PT" sz="3200" b="1" dirty="0" err="1"/>
+              <a:t>O</a:t>
+            </a:r>
+            <a:r>
+              <a:rPr lang="pt-PT" sz="3200" dirty="0" err="1"/>
+              <a:t>bject</a:t>
+            </a:r>
+            <a:r>
+              <a:rPr lang="pt-PT" sz="3200" dirty="0"/>
+              <a:t> </a:t>
+            </a:r>
+            <a:r>
+              <a:rPr lang="pt-PT" sz="3200" b="1" dirty="0" err="1"/>
+              <a:t>O</a:t>
+            </a:r>
+            <a:r>
+              <a:rPr lang="pt-PT" sz="3200" dirty="0" err="1"/>
+              <a:t>riented</a:t>
+            </a:r>
+            <a:r>
+              <a:rPr lang="pt-PT" sz="3200" dirty="0"/>
+              <a:t> </a:t>
+            </a:r>
+            <a:r>
+              <a:rPr lang="pt-PT" sz="3200" b="1" dirty="0" err="1"/>
+              <a:t>P</a:t>
+            </a:r>
+            <a:r>
+              <a:rPr lang="pt-PT" sz="3200" dirty="0" err="1"/>
+              <a:t>rogramming</a:t>
+            </a:r>
+            <a:r>
+              <a:rPr lang="pt-PT" sz="3200" dirty="0"/>
+              <a:t>) é Programação </a:t>
+            </a:r>
+            <a:r>
+              <a:rPr lang="pt-PT" sz="3200" b="1" dirty="0"/>
+              <a:t>Orientada</a:t>
+            </a:r>
+            <a:r>
+              <a:rPr lang="pt-PT" sz="3200" dirty="0"/>
+              <a:t> a Objetos</a:t>
+            </a:r>
+          </a:p>
+          <a:p>
+            <a:r>
+              <a:rPr lang="pt-PT" sz="3200" dirty="0"/>
+              <a:t>A resposta é: NADA! 😆</a:t>
+            </a:r>
+          </a:p>
+          <a:p>
+            <a:r>
+              <a:rPr lang="pt-PT" sz="3200" dirty="0"/>
+              <a:t>Como assim 🤔?! </a:t>
+            </a:r>
+            <a:r>
+              <a:rPr lang="pt-PT" sz="3200" b="1" dirty="0"/>
+              <a:t>Guiado</a:t>
+            </a:r>
+            <a:r>
+              <a:rPr lang="pt-PT" sz="3200" dirty="0"/>
+              <a:t> é sinônimo de </a:t>
+            </a:r>
+            <a:r>
+              <a:rPr lang="pt-PT" sz="3200" b="1" dirty="0"/>
+              <a:t>Orientado 🤓</a:t>
+            </a:r>
+            <a:r>
+              <a:rPr lang="pt-PT" sz="3200" dirty="0"/>
+              <a:t>! (</a:t>
+            </a:r>
+            <a:r>
               <a:rPr lang="pt-PT" sz="3200" dirty="0">
-                <a:solidFill>
-                  <a:schemeClr val="bg1"/>
-                </a:solidFill>
-              </a:rPr>
-              <a:t>TDD (</a:t>
-            </a:r>
-            <a:r>
-              <a:rPr lang="pt-PT" sz="3200" b="1" dirty="0" err="1">
-                <a:solidFill>
-                  <a:schemeClr val="bg1"/>
-                </a:solidFill>
-              </a:rPr>
-              <a:t>T</a:t>
-            </a:r>
-            <a:r>
-              <a:rPr lang="pt-PT" sz="3200" dirty="0" err="1">
-                <a:solidFill>
-                  <a:schemeClr val="bg1"/>
-                </a:solidFill>
-              </a:rPr>
-              <a:t>est</a:t>
-            </a:r>
-            <a:r>
-              <a:rPr lang="pt-PT" sz="3200" dirty="0">
-                <a:solidFill>
-                  <a:schemeClr val="bg1"/>
-                </a:solidFill>
-              </a:rPr>
-              <a:t> </a:t>
-            </a:r>
-            <a:r>
-              <a:rPr lang="pt-PT" sz="3200" b="1" dirty="0" err="1">
-                <a:solidFill>
-                  <a:schemeClr val="bg1"/>
-                </a:solidFill>
-              </a:rPr>
-              <a:t>D</a:t>
-            </a:r>
-            <a:r>
-              <a:rPr lang="pt-PT" sz="3200" dirty="0" err="1">
-                <a:solidFill>
-                  <a:schemeClr val="bg1"/>
-                </a:solidFill>
-              </a:rPr>
-              <a:t>riven</a:t>
-            </a:r>
-            <a:r>
-              <a:rPr lang="pt-PT" sz="3200" dirty="0">
-                <a:solidFill>
-                  <a:schemeClr val="bg1"/>
-                </a:solidFill>
-              </a:rPr>
-              <a:t> </a:t>
-            </a:r>
-            <a:r>
-              <a:rPr lang="pt-PT" sz="3200" b="1" dirty="0" err="1">
-                <a:solidFill>
-                  <a:schemeClr val="bg1"/>
-                </a:solidFill>
-              </a:rPr>
-              <a:t>D</a:t>
-            </a:r>
-            <a:r>
-              <a:rPr lang="pt-PT" sz="3200" dirty="0" err="1">
-                <a:solidFill>
-                  <a:schemeClr val="bg1"/>
-                </a:solidFill>
-              </a:rPr>
-              <a:t>evelopment</a:t>
-            </a:r>
-            <a:r>
-              <a:rPr lang="pt-PT" sz="3200" dirty="0">
-                <a:solidFill>
-                  <a:schemeClr val="bg1"/>
-                </a:solidFill>
-              </a:rPr>
-              <a:t>) é Desenvolvimento </a:t>
-            </a:r>
-            <a:r>
-              <a:rPr lang="pt-PT" sz="3200" b="1" dirty="0">
-                <a:solidFill>
-                  <a:schemeClr val="bg1"/>
-                </a:solidFill>
-              </a:rPr>
-              <a:t>Guiado</a:t>
-            </a:r>
-            <a:r>
-              <a:rPr lang="pt-PT" sz="3200" dirty="0">
-                <a:solidFill>
-                  <a:schemeClr val="bg1"/>
-                </a:solidFill>
-              </a:rPr>
-              <a:t> por Testes</a:t>
-            </a:r>
-          </a:p>
-          <a:p>
-            <a:r>
-              <a:rPr lang="pt-PT" sz="3200" dirty="0">
-                <a:solidFill>
-                  <a:schemeClr val="bg1"/>
-                </a:solidFill>
-              </a:rPr>
-              <a:t>OOP (</a:t>
-            </a:r>
-            <a:r>
-              <a:rPr lang="pt-PT" sz="3200" b="1" dirty="0" err="1">
-                <a:solidFill>
-                  <a:schemeClr val="bg1"/>
-                </a:solidFill>
-              </a:rPr>
-              <a:t>O</a:t>
-            </a:r>
-            <a:r>
-              <a:rPr lang="pt-PT" sz="3200" dirty="0" err="1">
-                <a:solidFill>
-                  <a:schemeClr val="bg1"/>
-                </a:solidFill>
-              </a:rPr>
-              <a:t>bject</a:t>
-            </a:r>
-            <a:r>
-              <a:rPr lang="pt-PT" sz="3200" dirty="0">
-                <a:solidFill>
-                  <a:schemeClr val="bg1"/>
-                </a:solidFill>
-              </a:rPr>
-              <a:t> </a:t>
-            </a:r>
-            <a:r>
-              <a:rPr lang="pt-PT" sz="3200" b="1" dirty="0" err="1">
-                <a:solidFill>
-                  <a:schemeClr val="bg1"/>
-                </a:solidFill>
-              </a:rPr>
-              <a:t>O</a:t>
-            </a:r>
-            <a:r>
-              <a:rPr lang="pt-PT" sz="3200" dirty="0" err="1">
-                <a:solidFill>
-                  <a:schemeClr val="bg1"/>
-                </a:solidFill>
-              </a:rPr>
-              <a:t>riented</a:t>
-            </a:r>
-            <a:r>
-              <a:rPr lang="pt-PT" sz="3200" dirty="0">
-                <a:solidFill>
-                  <a:schemeClr val="bg1"/>
-                </a:solidFill>
-              </a:rPr>
-              <a:t> </a:t>
-            </a:r>
-            <a:r>
-              <a:rPr lang="pt-PT" sz="3200" b="1" dirty="0" err="1">
-                <a:solidFill>
-                  <a:schemeClr val="bg1"/>
-                </a:solidFill>
-              </a:rPr>
-              <a:t>P</a:t>
-            </a:r>
-            <a:r>
-              <a:rPr lang="pt-PT" sz="3200" dirty="0" err="1">
-                <a:solidFill>
-                  <a:schemeClr val="bg1"/>
-                </a:solidFill>
-              </a:rPr>
-              <a:t>rogramming</a:t>
-            </a:r>
-            <a:r>
-              <a:rPr lang="pt-PT" sz="3200" dirty="0">
-                <a:solidFill>
-                  <a:schemeClr val="bg1"/>
-                </a:solidFill>
-              </a:rPr>
-              <a:t>) é Programação </a:t>
-            </a:r>
-            <a:r>
-              <a:rPr lang="pt-PT" sz="3200" b="1" dirty="0">
-                <a:solidFill>
-                  <a:schemeClr val="bg1"/>
-                </a:solidFill>
-              </a:rPr>
-              <a:t>Orientada</a:t>
-            </a:r>
-            <a:r>
-              <a:rPr lang="pt-PT" sz="3200" dirty="0">
-                <a:solidFill>
-                  <a:schemeClr val="bg1"/>
-                </a:solidFill>
-              </a:rPr>
-              <a:t> a Objetos</a:t>
-            </a:r>
-          </a:p>
-          <a:p>
-            <a:r>
-              <a:rPr lang="pt-PT" sz="3200" dirty="0">
-                <a:solidFill>
-                  <a:schemeClr val="bg1"/>
-                </a:solidFill>
-              </a:rPr>
-              <a:t>A resposta é: NADA! 😆</a:t>
-            </a:r>
-          </a:p>
-          <a:p>
-            <a:r>
-              <a:rPr lang="pt-PT" sz="3200" dirty="0">
-                <a:solidFill>
-                  <a:schemeClr val="bg1"/>
-                </a:solidFill>
-              </a:rPr>
-              <a:t>Como assim 🤔?! </a:t>
-            </a:r>
-            <a:r>
-              <a:rPr lang="pt-PT" sz="3200" b="1" dirty="0">
-                <a:solidFill>
-                  <a:schemeClr val="bg1"/>
-                </a:solidFill>
-              </a:rPr>
-              <a:t>Guiado</a:t>
-            </a:r>
-            <a:r>
-              <a:rPr lang="pt-PT" sz="3200" dirty="0">
-                <a:solidFill>
-                  <a:schemeClr val="bg1"/>
-                </a:solidFill>
-              </a:rPr>
-              <a:t> é sinônimo de </a:t>
-            </a:r>
-            <a:r>
-              <a:rPr lang="pt-PT" sz="3200" b="1" dirty="0">
-                <a:solidFill>
-                  <a:schemeClr val="bg1"/>
-                </a:solidFill>
-              </a:rPr>
-              <a:t>Orientado 🤓</a:t>
-            </a:r>
-            <a:r>
-              <a:rPr lang="pt-PT" sz="3200" dirty="0">
-                <a:solidFill>
-                  <a:schemeClr val="bg1"/>
-                </a:solidFill>
-              </a:rPr>
-              <a:t>! (</a:t>
-            </a:r>
-            <a:r>
-              <a:rPr lang="pt-PT" sz="3200" dirty="0">
-                <a:solidFill>
-                  <a:schemeClr val="bg1"/>
-                </a:solidFill>
                 <a:hlinkClick r:id="rId2">
                   <a:extLst>
                     <a:ext uri="{A12FA001-AC4F-418D-AE19-62706E023703}">
@@ -6690,11 +6506,7 @@
               <a:t>dicio.com.br</a:t>
             </a:r>
             <a:r>
-              <a:rPr lang="pt-PT" sz="3200" dirty="0">
-                <a:solidFill>
-                  <a:schemeClr val="bg1"/>
-                </a:solidFill>
-              </a:rPr>
+              <a:rPr lang="pt-PT" sz="3200" dirty="0"/>
               <a:t>)</a:t>
             </a:r>
           </a:p>
@@ -6722,10 +6534,18 @@
           <a:lstStyle/>
           <a:p>
             <a:fld id="{2183B7EE-0FBE-B749-875F-ED24F5ECD71F}" type="slidenum">
-              <a:rPr lang="en-US" smtClean="0"/>
+              <a:rPr lang="en-US" smtClean="0">
+                <a:solidFill>
+                  <a:schemeClr val="tx1"/>
+                </a:solidFill>
+              </a:rPr>
               <a:t>10</a:t>
             </a:fld>
-            <a:endParaRPr lang="en-US"/>
+            <a:endParaRPr lang="en-US">
+              <a:solidFill>
+                <a:schemeClr val="tx1"/>
+              </a:solidFill>
+            </a:endParaRPr>
           </a:p>
         </p:txBody>
       </p:sp>
@@ -7152,16 +6972,6 @@
 <file path=ppt/slides/slide11.xml><?xml version="1.0" encoding="utf-8"?>
 <p:sld xmlns:a="http://schemas.openxmlformats.org/drawingml/2006/main" xmlns:r="http://schemas.openxmlformats.org/officeDocument/2006/relationships" xmlns:p="http://schemas.openxmlformats.org/presentationml/2006/main">
   <p:cSld>
-    <p:bg>
-      <p:bgPr>
-        <a:solidFill>
-          <a:schemeClr val="tx1">
-            <a:lumMod val="95000"/>
-          </a:schemeClr>
-        </a:solidFill>
-        <a:effectLst/>
-      </p:bgPr>
-    </p:bg>
     <p:spTree>
       <p:nvGrpSpPr>
         <p:cNvPr id="1" name=""/>
@@ -7258,43 +7068,27 @@
             <a:p>
               <a:pPr algn="ctr"/>
               <a:r>
-                <a:rPr lang="pt-BR" sz="2000" b="1">
-                  <a:solidFill>
-                    <a:schemeClr val="bg1"/>
-                  </a:solidFill>
-                </a:rPr>
+                <a:rPr lang="pt-BR" sz="2000" b="1"/>
                 <a:t>Pra mim ainda é</a:t>
               </a:r>
             </a:p>
             <a:p>
               <a:pPr algn="ctr"/>
               <a:r>
-                <a:rPr lang="pt-BR" sz="2000" b="1">
-                  <a:solidFill>
-                    <a:schemeClr val="bg1"/>
-                  </a:solidFill>
-                </a:rPr>
+                <a:rPr lang="pt-BR" sz="2000" b="1"/>
                 <a:t>a mesma coisa...</a:t>
               </a:r>
             </a:p>
             <a:p>
               <a:pPr algn="ctr"/>
               <a:r>
-                <a:rPr lang="pt-PT" sz="2000">
-                  <a:solidFill>
-                    <a:schemeClr val="bg1"/>
-                  </a:solidFill>
-                </a:rPr>
+                <a:rPr lang="pt-PT" sz="2000"/>
                 <a:t>Desenvolvimento = Programação</a:t>
               </a:r>
             </a:p>
             <a:p>
               <a:pPr algn="ctr"/>
-              <a:endParaRPr lang="pt-BR" sz="2000" b="1">
-                <a:solidFill>
-                  <a:schemeClr val="bg1"/>
-                </a:solidFill>
-              </a:endParaRPr>
+              <a:endParaRPr lang="pt-BR" sz="2000" b="1"/>
             </a:p>
           </p:txBody>
         </p:sp>
@@ -7313,7 +7107,7 @@
           <p:spPr>
             <a:xfrm>
               <a:off x="2413809" y="6557603"/>
-              <a:ext cx="2063385" cy="246221"/>
+              <a:ext cx="2158830" cy="259655"/>
             </a:xfrm>
             <a:prstGeom prst="rect">
               <a:avLst/>
@@ -7327,42 +7121,22 @@
             <a:lstStyle/>
             <a:p>
               <a:r>
-                <a:rPr lang="pt-BR" sz="1000">
-                  <a:solidFill>
-                    <a:schemeClr val="bg1"/>
-                  </a:solidFill>
-                </a:rPr>
+                <a:rPr lang="pt-BR" sz="1000"/>
                 <a:t>Imagem: </a:t>
               </a:r>
               <a:r>
-                <a:rPr lang="pt-BR" sz="1000" err="1">
-                  <a:solidFill>
-                    <a:schemeClr val="bg1"/>
-                  </a:solidFill>
-                </a:rPr>
+                <a:rPr lang="pt-BR" sz="1000" err="1"/>
                 <a:t>https</a:t>
               </a:r>
               <a:r>
-                <a:rPr lang="pt-BR" sz="1000">
-                  <a:solidFill>
-                    <a:schemeClr val="bg1"/>
-                  </a:solidFill>
-                </a:rPr>
+                <a:rPr lang="pt-BR" sz="1000"/>
                 <a:t>://</a:t>
               </a:r>
               <a:r>
-                <a:rPr lang="pt-BR" sz="1000" err="1">
-                  <a:solidFill>
-                    <a:schemeClr val="bg1"/>
-                  </a:solidFill>
-                </a:rPr>
+                <a:rPr lang="pt-BR" sz="1000" err="1"/>
                 <a:t>pixabay.com</a:t>
               </a:r>
-              <a:endParaRPr lang="pt-BR" sz="1000">
-                <a:solidFill>
-                  <a:schemeClr val="bg1"/>
-                </a:solidFill>
-              </a:endParaRPr>
+              <a:endParaRPr lang="pt-BR" sz="1000"/>
             </a:p>
           </p:txBody>
         </p:sp>
@@ -7397,50 +7171,26 @@
           <a:p>
             <a:pPr algn="ctr"/>
             <a:r>
-              <a:rPr lang="pt-BR" b="1">
-                <a:solidFill>
-                  <a:schemeClr val="bg1"/>
-                </a:solidFill>
-              </a:rPr>
+              <a:rPr lang="pt-BR" b="1" dirty="0"/>
               <a:t>o que </a:t>
             </a:r>
             <a:r>
-              <a:rPr lang="pt-BR" b="1" i="1" err="1">
-                <a:solidFill>
-                  <a:schemeClr val="bg1"/>
-                </a:solidFill>
-              </a:rPr>
+              <a:rPr lang="pt-BR" b="1" i="1" dirty="0" err="1"/>
               <a:t>tdd</a:t>
             </a:r>
             <a:r>
-              <a:rPr lang="pt-BR" b="1">
-                <a:solidFill>
-                  <a:schemeClr val="bg1"/>
-                </a:solidFill>
-              </a:rPr>
+              <a:rPr lang="pt-BR" b="1" dirty="0"/>
               <a:t> tem a ver com </a:t>
             </a:r>
             <a:r>
-              <a:rPr lang="pt-BR" b="1" i="1">
-                <a:solidFill>
-                  <a:schemeClr val="bg1"/>
-                </a:solidFill>
-              </a:rPr>
+              <a:rPr lang="pt-BR" b="1" i="1" dirty="0"/>
               <a:t>OOP</a:t>
             </a:r>
             <a:r>
-              <a:rPr lang="pt-BR" b="1">
-                <a:solidFill>
-                  <a:schemeClr val="bg1"/>
-                </a:solidFill>
-              </a:rPr>
+              <a:rPr lang="pt-BR" b="1" dirty="0"/>
               <a:t> e etc.?</a:t>
             </a:r>
-            <a:endParaRPr lang="pt-BR">
-              <a:solidFill>
-                <a:schemeClr val="bg1"/>
-              </a:solidFill>
-            </a:endParaRPr>
+            <a:endParaRPr lang="pt-BR" dirty="0"/>
           </a:p>
         </p:txBody>
       </p:sp>
@@ -7473,41 +7223,25 @@
           <a:lstStyle/>
           <a:p>
             <a:r>
-              <a:rPr lang="pt-PT" sz="3200" dirty="0">
-                <a:solidFill>
-                  <a:schemeClr val="bg1"/>
-                </a:solidFill>
-              </a:rPr>
+              <a:rPr lang="pt-PT" sz="3200" dirty="0"/>
               <a:t>TDD é um processo de desenvolvimento. </a:t>
             </a:r>
           </a:p>
           <a:p>
             <a:r>
-              <a:rPr lang="pt-PT" sz="3200" dirty="0">
-                <a:solidFill>
-                  <a:schemeClr val="bg1"/>
-                </a:solidFill>
-              </a:rPr>
+              <a:rPr lang="pt-PT" sz="3200" dirty="0"/>
               <a:t>OOP é um paradigma de programação.</a:t>
             </a:r>
           </a:p>
           <a:p>
             <a:r>
-              <a:rPr lang="pt-PT" sz="3200" dirty="0">
-                <a:solidFill>
-                  <a:schemeClr val="bg1"/>
-                </a:solidFill>
-              </a:rPr>
+              <a:rPr lang="pt-PT" sz="3200" dirty="0"/>
               <a:t>É confuso, eu sei. 😕</a:t>
             </a:r>
           </a:p>
           <a:p>
             <a:r>
-              <a:rPr lang="pt-PT" sz="3200" dirty="0">
-                <a:solidFill>
-                  <a:schemeClr val="bg1"/>
-                </a:solidFill>
-              </a:rPr>
+              <a:rPr lang="pt-PT" sz="3200" dirty="0"/>
               <a:t>Podemos usar um processo de software com qualquer paradigma que desejarmos.</a:t>
             </a:r>
           </a:p>
@@ -7537,14 +7271,14 @@
             <a:fld id="{2183B7EE-0FBE-B749-875F-ED24F5ECD71F}" type="slidenum">
               <a:rPr lang="en-US" smtClean="0">
                 <a:solidFill>
-                  <a:schemeClr val="bg1"/>
+                  <a:schemeClr val="tx1"/>
                 </a:solidFill>
               </a:rPr>
               <a:t>11</a:t>
             </a:fld>
             <a:endParaRPr lang="en-US">
               <a:solidFill>
-                <a:schemeClr val="bg1"/>
+                <a:schemeClr val="tx1"/>
               </a:solidFill>
             </a:endParaRPr>
           </a:p>
@@ -8064,16 +7798,6 @@
 <file path=ppt/slides/slide12.xml><?xml version="1.0" encoding="utf-8"?>
 <p:sld xmlns:a="http://schemas.openxmlformats.org/drawingml/2006/main" xmlns:r="http://schemas.openxmlformats.org/officeDocument/2006/relationships" xmlns:p="http://schemas.openxmlformats.org/presentationml/2006/main">
   <p:cSld>
-    <p:bg>
-      <p:bgPr>
-        <a:solidFill>
-          <a:schemeClr val="tx1">
-            <a:lumMod val="95000"/>
-          </a:schemeClr>
-        </a:solidFill>
-        <a:effectLst/>
-      </p:bgPr>
-    </p:bg>
     <p:spTree>
       <p:nvGrpSpPr>
         <p:cNvPr id="1" name=""/>
@@ -8118,50 +7842,26 @@
           <a:p>
             <a:pPr algn="ctr"/>
             <a:r>
-              <a:rPr lang="pt-BR" b="1">
-                <a:solidFill>
-                  <a:schemeClr val="bg1"/>
-                </a:solidFill>
-              </a:rPr>
+              <a:rPr lang="pt-BR" b="1" dirty="0"/>
               <a:t>o que </a:t>
             </a:r>
             <a:r>
-              <a:rPr lang="pt-BR" b="1" i="1" err="1">
-                <a:solidFill>
-                  <a:schemeClr val="bg1"/>
-                </a:solidFill>
-              </a:rPr>
+              <a:rPr lang="pt-BR" b="1" i="1" dirty="0" err="1"/>
               <a:t>tdd</a:t>
             </a:r>
             <a:r>
-              <a:rPr lang="pt-BR" b="1">
-                <a:solidFill>
-                  <a:schemeClr val="bg1"/>
-                </a:solidFill>
-              </a:rPr>
+              <a:rPr lang="pt-BR" b="1" dirty="0"/>
               <a:t> tem a ver com </a:t>
             </a:r>
             <a:r>
-              <a:rPr lang="pt-BR" b="1" i="1">
-                <a:solidFill>
-                  <a:schemeClr val="bg1"/>
-                </a:solidFill>
-              </a:rPr>
+              <a:rPr lang="pt-BR" b="1" i="1" dirty="0"/>
               <a:t>OOP</a:t>
             </a:r>
             <a:r>
-              <a:rPr lang="pt-BR" b="1">
-                <a:solidFill>
-                  <a:schemeClr val="bg1"/>
-                </a:solidFill>
-              </a:rPr>
+              <a:rPr lang="pt-BR" b="1" dirty="0"/>
               <a:t> e etc.?</a:t>
             </a:r>
-            <a:endParaRPr lang="pt-BR">
-              <a:solidFill>
-                <a:schemeClr val="bg1"/>
-              </a:solidFill>
-            </a:endParaRPr>
+            <a:endParaRPr lang="pt-BR" dirty="0"/>
           </a:p>
         </p:txBody>
       </p:sp>
@@ -8194,69 +7894,37 @@
           <a:lstStyle/>
           <a:p>
             <a:r>
-              <a:rPr lang="pt-PT" sz="3200" dirty="0">
-                <a:solidFill>
-                  <a:schemeClr val="bg1"/>
-                </a:solidFill>
-              </a:rPr>
+              <a:rPr lang="pt-PT" sz="3200" dirty="0"/>
               <a:t>Exemplos de paradigmas são programação estruturada, programação orientada a objetos, programação funcional, etc.</a:t>
             </a:r>
           </a:p>
           <a:p>
             <a:r>
-              <a:rPr lang="pt-PT" sz="3200" dirty="0">
-                <a:solidFill>
-                  <a:schemeClr val="bg1"/>
-                </a:solidFill>
-              </a:rPr>
+              <a:rPr lang="pt-PT" sz="3200" dirty="0"/>
               <a:t>Com qualquer um destes paradigmas podemos usar processos como Desenvolvimento Guiado por Testes ou Desenvolvimento Guiado por Comportamento (</a:t>
             </a:r>
             <a:r>
-              <a:rPr lang="pt-PT" sz="3200" i="1" dirty="0" err="1">
-                <a:solidFill>
-                  <a:schemeClr val="bg1"/>
-                </a:solidFill>
-              </a:rPr>
+              <a:rPr lang="pt-PT" sz="3200" i="1" dirty="0" err="1"/>
               <a:t>Behaviour</a:t>
             </a:r>
             <a:r>
-              <a:rPr lang="pt-PT" sz="3200" i="1" dirty="0">
-                <a:solidFill>
-                  <a:schemeClr val="bg1"/>
-                </a:solidFill>
-              </a:rPr>
+              <a:rPr lang="pt-PT" sz="3200" i="1" dirty="0"/>
               <a:t> </a:t>
             </a:r>
             <a:r>
-              <a:rPr lang="pt-PT" sz="3200" i="1" dirty="0" err="1">
-                <a:solidFill>
-                  <a:schemeClr val="bg1"/>
-                </a:solidFill>
-              </a:rPr>
+              <a:rPr lang="pt-PT" sz="3200" i="1" dirty="0" err="1"/>
               <a:t>Driven</a:t>
             </a:r>
             <a:r>
-              <a:rPr lang="pt-PT" sz="3200" i="1" dirty="0">
-                <a:solidFill>
-                  <a:schemeClr val="bg1"/>
-                </a:solidFill>
-              </a:rPr>
+              <a:rPr lang="pt-PT" sz="3200" i="1" dirty="0"/>
               <a:t> </a:t>
             </a:r>
             <a:r>
-              <a:rPr lang="pt-PT" sz="3200" i="1" dirty="0" err="1">
-                <a:solidFill>
-                  <a:schemeClr val="bg1"/>
-                </a:solidFill>
-              </a:rPr>
+              <a:rPr lang="pt-PT" sz="3200" i="1" dirty="0" err="1"/>
               <a:t>Development</a:t>
             </a:r>
             <a:r>
-              <a:rPr lang="pt-PT" sz="3200" dirty="0">
-                <a:solidFill>
-                  <a:schemeClr val="bg1"/>
-                </a:solidFill>
-              </a:rPr>
+              <a:rPr lang="pt-PT" sz="3200" dirty="0"/>
               <a:t>, BDD)</a:t>
             </a:r>
           </a:p>
@@ -8286,14 +7954,14 @@
             <a:fld id="{2183B7EE-0FBE-B749-875F-ED24F5ECD71F}" type="slidenum">
               <a:rPr lang="en-US" smtClean="0">
                 <a:solidFill>
-                  <a:schemeClr val="bg1"/>
+                  <a:schemeClr val="tx1"/>
                 </a:solidFill>
               </a:rPr>
               <a:t>12</a:t>
             </a:fld>
             <a:endParaRPr lang="en-US">
               <a:solidFill>
-                <a:schemeClr val="bg1"/>
+                <a:schemeClr val="tx1"/>
               </a:solidFill>
             </a:endParaRPr>
           </a:p>
@@ -8517,16 +8185,6 @@
 <file path=ppt/slides/slide13.xml><?xml version="1.0" encoding="utf-8"?>
 <p:sld xmlns:a="http://schemas.openxmlformats.org/drawingml/2006/main" xmlns:r="http://schemas.openxmlformats.org/officeDocument/2006/relationships" xmlns:p="http://schemas.openxmlformats.org/presentationml/2006/main">
   <p:cSld>
-    <p:bg>
-      <p:bgPr>
-        <a:solidFill>
-          <a:schemeClr val="tx1">
-            <a:lumMod val="95000"/>
-          </a:schemeClr>
-        </a:solidFill>
-        <a:effectLst/>
-      </p:bgPr>
-    </p:bg>
     <p:spTree>
       <p:nvGrpSpPr>
         <p:cNvPr id="1" name=""/>
@@ -8571,34 +8229,18 @@
           <a:p>
             <a:pPr algn="ctr"/>
             <a:r>
-              <a:rPr lang="pt-BR" b="1">
-                <a:solidFill>
-                  <a:schemeClr val="bg1"/>
-                </a:solidFill>
-              </a:rPr>
+              <a:rPr lang="pt-BR" b="1"/>
               <a:t>Porque aplicar </a:t>
             </a:r>
             <a:r>
-              <a:rPr lang="pt-BR" b="1" err="1">
-                <a:solidFill>
-                  <a:schemeClr val="bg1"/>
-                </a:solidFill>
-              </a:rPr>
+              <a:rPr lang="pt-BR" b="1" err="1"/>
               <a:t>tdd</a:t>
             </a:r>
             <a:r>
-              <a:rPr lang="pt-BR" b="1">
-                <a:solidFill>
-                  <a:schemeClr val="bg1"/>
-                </a:solidFill>
-              </a:rPr>
+              <a:rPr lang="pt-BR" b="1"/>
               <a:t>?</a:t>
             </a:r>
-            <a:endParaRPr lang="pt-BR">
-              <a:solidFill>
-                <a:schemeClr val="bg1"/>
-              </a:solidFill>
-            </a:endParaRPr>
+            <a:endParaRPr lang="pt-BR"/>
           </a:p>
         </p:txBody>
       </p:sp>
@@ -8631,21 +8273,13 @@
           <a:lstStyle/>
           <a:p>
             <a:r>
-              <a:rPr lang="pt-PT" sz="3200" dirty="0">
-                <a:solidFill>
-                  <a:schemeClr val="bg1"/>
-                </a:solidFill>
-              </a:rPr>
+              <a:rPr lang="pt-PT" sz="3200" dirty="0"/>
               <a:t>Escrever código nem sempre é fácil! 😢</a:t>
             </a:r>
           </a:p>
           <a:p>
             <a:r>
-              <a:rPr lang="pt-PT" sz="3200" dirty="0">
-                <a:solidFill>
-                  <a:schemeClr val="bg1"/>
-                </a:solidFill>
-              </a:rPr>
+              <a:rPr lang="pt-PT" sz="3200" dirty="0"/>
               <a:t>Antes de responder vamos analisar como intuitivamente testamos nossos softwares</a:t>
             </a:r>
           </a:p>
@@ -8675,14 +8309,14 @@
             <a:fld id="{2183B7EE-0FBE-B749-875F-ED24F5ECD71F}" type="slidenum">
               <a:rPr lang="en-US" smtClean="0">
                 <a:solidFill>
-                  <a:schemeClr val="bg1"/>
+                  <a:schemeClr val="tx1"/>
                 </a:solidFill>
               </a:rPr>
               <a:t>13</a:t>
             </a:fld>
             <a:endParaRPr lang="en-US">
               <a:solidFill>
-                <a:schemeClr val="bg1"/>
+                <a:schemeClr val="tx1"/>
               </a:solidFill>
             </a:endParaRPr>
           </a:p>
@@ -8901,13 +8535,13 @@
 </file>
 
 <file path=ppt/slides/slide14.xml><?xml version="1.0" encoding="utf-8"?>
-<p:sld xmlns:a="http://schemas.openxmlformats.org/drawingml/2006/main" xmlns:r="http://schemas.openxmlformats.org/officeDocument/2006/relationships" xmlns:p="http://schemas.openxmlformats.org/presentationml/2006/main">
+<p:sld xmlns:a="http://schemas.openxmlformats.org/drawingml/2006/main" xmlns:r="http://schemas.openxmlformats.org/officeDocument/2006/relationships" xmlns:p="http://schemas.openxmlformats.org/presentationml/2006/main" showMasterSp="0">
   <p:cSld>
     <p:bg>
       <p:bgPr>
         <a:blipFill dpi="0" rotWithShape="1">
           <a:blip r:embed="rId2">
-            <a:alphaModFix amt="45000"/>
+            <a:alphaModFix amt="74000"/>
             <a:lum/>
           </a:blip>
           <a:srcRect/>
@@ -8950,7 +8584,7 @@
         </p:nvSpPr>
         <p:spPr>
           <a:xfrm>
-            <a:off x="1851619" y="549661"/>
+            <a:off x="819906" y="118540"/>
             <a:ext cx="10290410" cy="1509490"/>
           </a:xfrm>
         </p:spPr>
@@ -8960,33 +8594,62 @@
           </a:bodyPr>
           <a:lstStyle/>
           <a:p>
-            <a:r>
-              <a:rPr lang="pt-BR" b="1">
+            <a:pPr algn="ctr"/>
+            <a:r>
+              <a:rPr lang="pt-BR" b="1" dirty="0">
                 <a:solidFill>
                   <a:schemeClr val="bg1"/>
                 </a:solidFill>
+                <a:effectLst>
+                  <a:outerShdw blurRad="50800" dist="50800" dir="5400000" algn="ctr" rotWithShape="0">
+                    <a:schemeClr val="bg1">
+                      <a:lumMod val="50000"/>
+                    </a:schemeClr>
+                  </a:outerShdw>
+                </a:effectLst>
               </a:rPr>
               <a:t>Como aprendemos sobre testes </a:t>
             </a:r>
             <a:br>
-              <a:rPr lang="pt-BR" b="1">
+              <a:rPr lang="pt-BR" b="1" dirty="0">
                 <a:solidFill>
                   <a:schemeClr val="bg1"/>
                 </a:solidFill>
+                <a:effectLst>
+                  <a:outerShdw blurRad="50800" dist="50800" dir="5400000" algn="ctr" rotWithShape="0">
+                    <a:schemeClr val="bg1">
+                      <a:lumMod val="50000"/>
+                    </a:schemeClr>
+                  </a:outerShdw>
+                </a:effectLst>
               </a:rPr>
             </a:br>
             <a:r>
-              <a:rPr lang="pt-BR" b="1">
+              <a:rPr lang="pt-BR" b="1" dirty="0">
                 <a:solidFill>
                   <a:schemeClr val="bg1"/>
                 </a:solidFill>
+                <a:effectLst>
+                  <a:outerShdw blurRad="50800" dist="50800" dir="5400000" algn="ctr" rotWithShape="0">
+                    <a:schemeClr val="bg1">
+                      <a:lumMod val="50000"/>
+                    </a:schemeClr>
+                  </a:outerShdw>
+                </a:effectLst>
               </a:rPr>
               <a:t>em introdução à programação</a:t>
             </a:r>
-            <a:endParaRPr lang="pt-BR">
+            <a:endParaRPr lang="pt-BR" dirty="0">
               <a:solidFill>
                 <a:schemeClr val="bg1"/>
               </a:solidFill>
+              <a:effectLst>
+                <a:outerShdw blurRad="50800" dist="50800" dir="5400000" algn="ctr" rotWithShape="0">
+                  <a:schemeClr val="bg1">
+                    <a:lumMod val="50000"/>
+                  </a:schemeClr>
+                </a:outerShdw>
+              </a:effectLst>
             </a:endParaRPr>
           </a:p>
         </p:txBody>
@@ -9020,15 +8683,13 @@
           <a:lstStyle/>
           <a:p>
             <a:r>
-              <a:rPr lang="pt-PT" sz="3200" dirty="0">
+              <a:rPr lang="pt-PT" sz="3200" b="1" dirty="0">
                 <a:solidFill>
                   <a:schemeClr val="bg1"/>
                 </a:solidFill>
                 <a:effectLst>
                   <a:outerShdw dist="38100" dir="2700000" algn="tl" rotWithShape="0">
-                    <a:schemeClr val="tx1">
-                      <a:alpha val="40000"/>
-                    </a:schemeClr>
+                    <a:schemeClr val="tx1"/>
                   </a:outerShdw>
                 </a:effectLst>
               </a:rPr>
@@ -9037,15 +8698,13 @@
           </a:p>
           <a:p>
             <a:r>
-              <a:rPr lang="pt-PT" sz="3200" dirty="0">
+              <a:rPr lang="pt-PT" sz="3200" b="1" dirty="0">
                 <a:solidFill>
                   <a:schemeClr val="bg1"/>
                 </a:solidFill>
                 <a:effectLst>
                   <a:outerShdw dist="38100" dir="2700000" algn="tl" rotWithShape="0">
-                    <a:schemeClr val="tx1">
-                      <a:alpha val="40000"/>
-                    </a:schemeClr>
+                    <a:schemeClr val="tx1"/>
                   </a:outerShdw>
                 </a:effectLst>
               </a:rPr>
@@ -9054,57 +8713,18 @@
           </a:p>
           <a:p>
             <a:r>
-              <a:rPr lang="pt-PT" sz="3200" dirty="0">
+              <a:rPr lang="pt-PT" sz="3200" b="1" dirty="0">
                 <a:solidFill>
                   <a:schemeClr val="bg1"/>
                 </a:solidFill>
                 <a:effectLst>
                   <a:outerShdw dist="38100" dir="2700000" algn="tl" rotWithShape="0">
-                    <a:schemeClr val="tx1">
-                      <a:alpha val="40000"/>
-                    </a:schemeClr>
+                    <a:schemeClr val="tx1"/>
                   </a:outerShdw>
                 </a:effectLst>
               </a:rPr>
               <a:t>Porém, à medida que o software é incrementado, novas alterações podem quebrar o código previamente testado: ele pode deixar de fazer o que era esperado</a:t>
             </a:r>
-          </a:p>
-        </p:txBody>
-      </p:sp>
-      <p:sp>
-        <p:nvSpPr>
-          <p:cNvPr id="4" name="Slide Number Placeholder 3">
-            <a:extLst>
-              <a:ext uri="{FF2B5EF4-FFF2-40B4-BE49-F238E27FC236}">
-                <a16:creationId xmlns:a16="http://schemas.microsoft.com/office/drawing/2014/main" id="{2EA509C2-078C-DE4C-BE59-C32AF18E82D6}"/>
-              </a:ext>
-            </a:extLst>
-          </p:cNvPr>
-          <p:cNvSpPr>
-            <a:spLocks noGrp="1"/>
-          </p:cNvSpPr>
-          <p:nvPr>
-            <p:ph type="sldNum" sz="quarter" idx="12"/>
-          </p:nvPr>
-        </p:nvSpPr>
-        <p:spPr/>
-        <p:txBody>
-          <a:bodyPr/>
-          <a:lstStyle/>
-          <a:p>
-            <a:fld id="{2183B7EE-0FBE-B749-875F-ED24F5ECD71F}" type="slidenum">
-              <a:rPr lang="en-US" smtClean="0">
-                <a:solidFill>
-                  <a:schemeClr val="bg1"/>
-                </a:solidFill>
-              </a:rPr>
-              <a:t>14</a:t>
-            </a:fld>
-            <a:endParaRPr lang="en-US">
-              <a:solidFill>
-                <a:schemeClr val="bg1"/>
-              </a:solidFill>
-            </a:endParaRPr>
           </a:p>
         </p:txBody>
       </p:sp>
@@ -9137,123 +8757,63 @@
           <a:lstStyle/>
           <a:p>
             <a:r>
-              <a:rPr lang="pt-BR" sz="1000">
-                <a:solidFill>
-                  <a:schemeClr val="bg1"/>
-                </a:solidFill>
-              </a:rPr>
+              <a:rPr lang="pt-BR" sz="1000"/>
               <a:t>Imagem: </a:t>
             </a:r>
             <a:r>
-              <a:rPr lang="pt-BR" sz="1000" err="1">
-                <a:solidFill>
-                  <a:schemeClr val="bg1"/>
-                </a:solidFill>
-              </a:rPr>
+              <a:rPr lang="pt-BR" sz="1000" err="1"/>
               <a:t>https</a:t>
             </a:r>
             <a:r>
-              <a:rPr lang="pt-BR" sz="1000">
-                <a:solidFill>
-                  <a:schemeClr val="bg1"/>
-                </a:solidFill>
-              </a:rPr>
+              <a:rPr lang="pt-BR" sz="1000"/>
               <a:t>://</a:t>
             </a:r>
             <a:r>
-              <a:rPr lang="pt-BR" sz="1000" err="1">
-                <a:solidFill>
-                  <a:schemeClr val="bg1"/>
-                </a:solidFill>
-              </a:rPr>
+              <a:rPr lang="pt-BR" sz="1000" err="1"/>
               <a:t>www.independent.com</a:t>
             </a:r>
             <a:r>
-              <a:rPr lang="pt-BR" sz="1000">
-                <a:solidFill>
-                  <a:schemeClr val="bg1"/>
-                </a:solidFill>
-              </a:rPr>
+              <a:rPr lang="pt-BR" sz="1000"/>
               <a:t>/</a:t>
             </a:r>
             <a:r>
-              <a:rPr lang="pt-BR" sz="1000" err="1">
-                <a:solidFill>
-                  <a:schemeClr val="bg1"/>
-                </a:solidFill>
-              </a:rPr>
+              <a:rPr lang="pt-BR" sz="1000" err="1"/>
               <a:t>news</a:t>
             </a:r>
             <a:r>
-              <a:rPr lang="pt-BR" sz="1000">
-                <a:solidFill>
-                  <a:schemeClr val="bg1"/>
-                </a:solidFill>
-              </a:rPr>
+              <a:rPr lang="pt-BR" sz="1000"/>
               <a:t>/2018/</a:t>
             </a:r>
             <a:r>
-              <a:rPr lang="pt-BR" sz="1000" err="1">
-                <a:solidFill>
-                  <a:schemeClr val="bg1"/>
-                </a:solidFill>
-              </a:rPr>
+              <a:rPr lang="pt-BR" sz="1000" err="1"/>
               <a:t>aug</a:t>
             </a:r>
             <a:r>
-              <a:rPr lang="pt-BR" sz="1000">
-                <a:solidFill>
-                  <a:schemeClr val="bg1"/>
-                </a:solidFill>
-              </a:rPr>
+              <a:rPr lang="pt-BR" sz="1000"/>
               <a:t>/07/</a:t>
             </a:r>
             <a:r>
-              <a:rPr lang="pt-BR" sz="1000" err="1">
-                <a:solidFill>
-                  <a:schemeClr val="bg1"/>
-                </a:solidFill>
-              </a:rPr>
+              <a:rPr lang="pt-BR" sz="1000" err="1"/>
               <a:t>sb</a:t>
             </a:r>
             <a:r>
-              <a:rPr lang="pt-BR" sz="1000">
-                <a:solidFill>
-                  <a:schemeClr val="bg1"/>
-                </a:solidFill>
-              </a:rPr>
+              <a:rPr lang="pt-BR" sz="1000"/>
               <a:t>-</a:t>
             </a:r>
             <a:r>
-              <a:rPr lang="pt-BR" sz="1000" err="1">
-                <a:solidFill>
-                  <a:schemeClr val="bg1"/>
-                </a:solidFill>
-              </a:rPr>
+              <a:rPr lang="pt-BR" sz="1000" err="1"/>
               <a:t>library</a:t>
             </a:r>
             <a:r>
-              <a:rPr lang="pt-BR" sz="1000">
-                <a:solidFill>
-                  <a:schemeClr val="bg1"/>
-                </a:solidFill>
-              </a:rPr>
+              <a:rPr lang="pt-BR" sz="1000"/>
               <a:t>-</a:t>
             </a:r>
             <a:r>
-              <a:rPr lang="pt-BR" sz="1000" err="1">
-                <a:solidFill>
-                  <a:schemeClr val="bg1"/>
-                </a:solidFill>
-              </a:rPr>
+              <a:rPr lang="pt-BR" sz="1000" err="1"/>
               <a:t>writing</a:t>
             </a:r>
             <a:r>
-              <a:rPr lang="pt-BR" sz="1000">
-                <a:solidFill>
-                  <a:schemeClr val="bg1"/>
-                </a:solidFill>
-              </a:rPr>
+              <a:rPr lang="pt-BR" sz="1000"/>
               <a:t>-workshops/</a:t>
             </a:r>
           </a:p>
@@ -9576,13 +9136,13 @@
 </file>
 
 <file path=ppt/slides/slide15.xml><?xml version="1.0" encoding="utf-8"?>
-<p:sld xmlns:a="http://schemas.openxmlformats.org/drawingml/2006/main" xmlns:r="http://schemas.openxmlformats.org/officeDocument/2006/relationships" xmlns:p="http://schemas.openxmlformats.org/presentationml/2006/main">
+<p:sld xmlns:a="http://schemas.openxmlformats.org/drawingml/2006/main" xmlns:r="http://schemas.openxmlformats.org/officeDocument/2006/relationships" xmlns:p="http://schemas.openxmlformats.org/presentationml/2006/main" showMasterSp="0">
   <p:cSld>
     <p:bg>
       <p:bgPr>
         <a:blipFill dpi="0" rotWithShape="1">
           <a:blip r:embed="rId2">
-            <a:alphaModFix amt="45000"/>
+            <a:alphaModFix amt="74000"/>
             <a:lum/>
           </a:blip>
           <a:srcRect/>
@@ -9607,65 +9167,6 @@
           <a:chExt cx="0" cy="0"/>
         </a:xfrm>
       </p:grpSpPr>
-      <p:sp>
-        <p:nvSpPr>
-          <p:cNvPr id="2" name="Title 1">
-            <a:extLst>
-              <a:ext uri="{FF2B5EF4-FFF2-40B4-BE49-F238E27FC236}">
-                <a16:creationId xmlns:a16="http://schemas.microsoft.com/office/drawing/2014/main" id="{58204B45-BA2F-544A-ADBD-2B584480C63E}"/>
-              </a:ext>
-            </a:extLst>
-          </p:cNvPr>
-          <p:cNvSpPr>
-            <a:spLocks noGrp="1"/>
-          </p:cNvSpPr>
-          <p:nvPr>
-            <p:ph type="title"/>
-          </p:nvPr>
-        </p:nvSpPr>
-        <p:spPr>
-          <a:xfrm>
-            <a:off x="1851619" y="549661"/>
-            <a:ext cx="10290410" cy="1509490"/>
-          </a:xfrm>
-        </p:spPr>
-        <p:txBody>
-          <a:bodyPr>
-            <a:normAutofit/>
-          </a:bodyPr>
-          <a:lstStyle/>
-          <a:p>
-            <a:r>
-              <a:rPr lang="pt-BR" b="1">
-                <a:solidFill>
-                  <a:schemeClr val="bg1"/>
-                </a:solidFill>
-              </a:rPr>
-              <a:t>Como aprendemos sobre testes </a:t>
-            </a:r>
-            <a:br>
-              <a:rPr lang="pt-BR" b="1">
-                <a:solidFill>
-                  <a:schemeClr val="bg1"/>
-                </a:solidFill>
-              </a:rPr>
-            </a:br>
-            <a:r>
-              <a:rPr lang="pt-BR" b="1">
-                <a:solidFill>
-                  <a:schemeClr val="bg1"/>
-                </a:solidFill>
-              </a:rPr>
-              <a:t>em introdução à programação</a:t>
-            </a:r>
-            <a:endParaRPr lang="pt-BR">
-              <a:solidFill>
-                <a:schemeClr val="bg1"/>
-              </a:solidFill>
-            </a:endParaRPr>
-          </a:p>
-        </p:txBody>
-      </p:sp>
       <p:sp>
         <p:nvSpPr>
           <p:cNvPr id="3" name="Content Placeholder 2">
@@ -9695,15 +9196,13 @@
           <a:lstStyle/>
           <a:p>
             <a:r>
-              <a:rPr lang="pt-PT" sz="3200" dirty="0">
+              <a:rPr lang="pt-PT" sz="3200" b="1" dirty="0">
                 <a:solidFill>
                   <a:schemeClr val="bg1"/>
                 </a:solidFill>
                 <a:effectLst>
-                  <a:outerShdw dist="38100" dir="2700000" algn="tl" rotWithShape="0">
-                    <a:schemeClr val="tx1">
-                      <a:alpha val="40000"/>
-                    </a:schemeClr>
+                  <a:outerShdw blurRad="50800" dist="38100" dir="2700000" algn="tl" rotWithShape="0">
+                    <a:prstClr val="black"/>
                   </a:outerShdw>
                 </a:effectLst>
               </a:rPr>
@@ -9712,57 +9211,18 @@
           </a:p>
           <a:p>
             <a:r>
-              <a:rPr lang="pt-PT" sz="3200" dirty="0">
+              <a:rPr lang="pt-PT" sz="3200" b="1" dirty="0">
                 <a:solidFill>
                   <a:schemeClr val="bg1"/>
                 </a:solidFill>
                 <a:effectLst>
-                  <a:outerShdw dist="38100" dir="2700000" algn="tl" rotWithShape="0">
-                    <a:schemeClr val="tx1">
-                      <a:alpha val="40000"/>
-                    </a:schemeClr>
+                  <a:outerShdw blurRad="50800" dist="38100" dir="2700000" algn="tl" rotWithShape="0">
+                    <a:prstClr val="black"/>
                   </a:outerShdw>
                 </a:effectLst>
               </a:rPr>
               <a:t>Ele pode esquecer de verificar novamente as funcionalidades anteriores e o software ser entregue com erros ao cliente</a:t>
             </a:r>
-          </a:p>
-        </p:txBody>
-      </p:sp>
-      <p:sp>
-        <p:nvSpPr>
-          <p:cNvPr id="4" name="Slide Number Placeholder 3">
-            <a:extLst>
-              <a:ext uri="{FF2B5EF4-FFF2-40B4-BE49-F238E27FC236}">
-                <a16:creationId xmlns:a16="http://schemas.microsoft.com/office/drawing/2014/main" id="{2EA509C2-078C-DE4C-BE59-C32AF18E82D6}"/>
-              </a:ext>
-            </a:extLst>
-          </p:cNvPr>
-          <p:cNvSpPr>
-            <a:spLocks noGrp="1"/>
-          </p:cNvSpPr>
-          <p:nvPr>
-            <p:ph type="sldNum" sz="quarter" idx="12"/>
-          </p:nvPr>
-        </p:nvSpPr>
-        <p:spPr/>
-        <p:txBody>
-          <a:bodyPr/>
-          <a:lstStyle/>
-          <a:p>
-            <a:fld id="{2183B7EE-0FBE-B749-875F-ED24F5ECD71F}" type="slidenum">
-              <a:rPr lang="en-US" smtClean="0">
-                <a:solidFill>
-                  <a:schemeClr val="bg1"/>
-                </a:solidFill>
-              </a:rPr>
-              <a:t>15</a:t>
-            </a:fld>
-            <a:endParaRPr lang="en-US">
-              <a:solidFill>
-                <a:schemeClr val="bg1"/>
-              </a:solidFill>
-            </a:endParaRPr>
           </a:p>
         </p:txBody>
       </p:sp>
@@ -9795,125 +9255,153 @@
           <a:lstStyle/>
           <a:p>
             <a:r>
-              <a:rPr lang="pt-BR" sz="1000">
+              <a:rPr lang="pt-BR" sz="1000"/>
+              <a:t>Imagem: </a:t>
+            </a:r>
+            <a:r>
+              <a:rPr lang="pt-BR" sz="1000" err="1"/>
+              <a:t>https</a:t>
+            </a:r>
+            <a:r>
+              <a:rPr lang="pt-BR" sz="1000"/>
+              <a:t>://</a:t>
+            </a:r>
+            <a:r>
+              <a:rPr lang="pt-BR" sz="1000" err="1"/>
+              <a:t>www.independent.com</a:t>
+            </a:r>
+            <a:r>
+              <a:rPr lang="pt-BR" sz="1000"/>
+              <a:t>/</a:t>
+            </a:r>
+            <a:r>
+              <a:rPr lang="pt-BR" sz="1000" err="1"/>
+              <a:t>news</a:t>
+            </a:r>
+            <a:r>
+              <a:rPr lang="pt-BR" sz="1000"/>
+              <a:t>/2018/</a:t>
+            </a:r>
+            <a:r>
+              <a:rPr lang="pt-BR" sz="1000" err="1"/>
+              <a:t>aug</a:t>
+            </a:r>
+            <a:r>
+              <a:rPr lang="pt-BR" sz="1000"/>
+              <a:t>/07/</a:t>
+            </a:r>
+            <a:r>
+              <a:rPr lang="pt-BR" sz="1000" err="1"/>
+              <a:t>sb</a:t>
+            </a:r>
+            <a:r>
+              <a:rPr lang="pt-BR" sz="1000"/>
+              <a:t>-</a:t>
+            </a:r>
+            <a:r>
+              <a:rPr lang="pt-BR" sz="1000" err="1"/>
+              <a:t>library</a:t>
+            </a:r>
+            <a:r>
+              <a:rPr lang="pt-BR" sz="1000"/>
+              <a:t>-</a:t>
+            </a:r>
+            <a:r>
+              <a:rPr lang="pt-BR" sz="1000" err="1"/>
+              <a:t>writing</a:t>
+            </a:r>
+            <a:r>
+              <a:rPr lang="pt-BR" sz="1000"/>
+              <a:t>-workshops/</a:t>
+            </a:r>
+          </a:p>
+        </p:txBody>
+      </p:sp>
+      <p:sp>
+        <p:nvSpPr>
+          <p:cNvPr id="8" name="Title 1">
+            <a:extLst>
+              <a:ext uri="{FF2B5EF4-FFF2-40B4-BE49-F238E27FC236}">
+                <a16:creationId xmlns:a16="http://schemas.microsoft.com/office/drawing/2014/main" id="{9DB8ACCF-59E2-4B42-8171-EDFB27B7D897}"/>
+              </a:ext>
+            </a:extLst>
+          </p:cNvPr>
+          <p:cNvSpPr>
+            <a:spLocks noGrp="1"/>
+          </p:cNvSpPr>
+          <p:nvPr>
+            <p:ph type="title"/>
+          </p:nvPr>
+        </p:nvSpPr>
+        <p:spPr>
+          <a:xfrm>
+            <a:off x="819906" y="118540"/>
+            <a:ext cx="10290410" cy="1509490"/>
+          </a:xfrm>
+        </p:spPr>
+        <p:txBody>
+          <a:bodyPr>
+            <a:normAutofit/>
+          </a:bodyPr>
+          <a:lstStyle/>
+          <a:p>
+            <a:pPr algn="ctr"/>
+            <a:r>
+              <a:rPr lang="pt-BR" b="1" dirty="0">
                 <a:solidFill>
                   <a:schemeClr val="bg1"/>
                 </a:solidFill>
+                <a:effectLst>
+                  <a:outerShdw blurRad="50800" dist="50800" dir="5400000" algn="ctr" rotWithShape="0">
+                    <a:schemeClr val="bg1">
+                      <a:lumMod val="50000"/>
+                    </a:schemeClr>
+                  </a:outerShdw>
+                </a:effectLst>
               </a:rPr>
-              <a:t>Imagem: </a:t>
-            </a:r>
-            <a:r>
-              <a:rPr lang="pt-BR" sz="1000" err="1">
+              <a:t>Como aprendemos sobre testes </a:t>
+            </a:r>
+            <a:br>
+              <a:rPr lang="pt-BR" b="1" dirty="0">
                 <a:solidFill>
                   <a:schemeClr val="bg1"/>
                 </a:solidFill>
+                <a:effectLst>
+                  <a:outerShdw blurRad="50800" dist="50800" dir="5400000" algn="ctr" rotWithShape="0">
+                    <a:schemeClr val="bg1">
+                      <a:lumMod val="50000"/>
+                    </a:schemeClr>
+                  </a:outerShdw>
+                </a:effectLst>
               </a:rPr>
-              <a:t>https</a:t>
-            </a:r>
-            <a:r>
-              <a:rPr lang="pt-BR" sz="1000">
+            </a:br>
+            <a:r>
+              <a:rPr lang="pt-BR" b="1" dirty="0">
                 <a:solidFill>
                   <a:schemeClr val="bg1"/>
                 </a:solidFill>
+                <a:effectLst>
+                  <a:outerShdw blurRad="50800" dist="50800" dir="5400000" algn="ctr" rotWithShape="0">
+                    <a:schemeClr val="bg1">
+                      <a:lumMod val="50000"/>
+                    </a:schemeClr>
+                  </a:outerShdw>
+                </a:effectLst>
               </a:rPr>
-              <a:t>://</a:t>
-            </a:r>
-            <a:r>
-              <a:rPr lang="pt-BR" sz="1000" err="1">
-                <a:solidFill>
-                  <a:schemeClr val="bg1"/>
-                </a:solidFill>
-              </a:rPr>
-              <a:t>www.independent.com</a:t>
-            </a:r>
-            <a:r>
-              <a:rPr lang="pt-BR" sz="1000">
-                <a:solidFill>
-                  <a:schemeClr val="bg1"/>
-                </a:solidFill>
-              </a:rPr>
-              <a:t>/</a:t>
-            </a:r>
-            <a:r>
-              <a:rPr lang="pt-BR" sz="1000" err="1">
-                <a:solidFill>
-                  <a:schemeClr val="bg1"/>
-                </a:solidFill>
-              </a:rPr>
-              <a:t>news</a:t>
-            </a:r>
-            <a:r>
-              <a:rPr lang="pt-BR" sz="1000">
-                <a:solidFill>
-                  <a:schemeClr val="bg1"/>
-                </a:solidFill>
-              </a:rPr>
-              <a:t>/2018/</a:t>
-            </a:r>
-            <a:r>
-              <a:rPr lang="pt-BR" sz="1000" err="1">
-                <a:solidFill>
-                  <a:schemeClr val="bg1"/>
-                </a:solidFill>
-              </a:rPr>
-              <a:t>aug</a:t>
-            </a:r>
-            <a:r>
-              <a:rPr lang="pt-BR" sz="1000">
-                <a:solidFill>
-                  <a:schemeClr val="bg1"/>
-                </a:solidFill>
-              </a:rPr>
-              <a:t>/07/</a:t>
-            </a:r>
-            <a:r>
-              <a:rPr lang="pt-BR" sz="1000" err="1">
-                <a:solidFill>
-                  <a:schemeClr val="bg1"/>
-                </a:solidFill>
-              </a:rPr>
-              <a:t>sb</a:t>
-            </a:r>
-            <a:r>
-              <a:rPr lang="pt-BR" sz="1000">
-                <a:solidFill>
-                  <a:schemeClr val="bg1"/>
-                </a:solidFill>
-              </a:rPr>
-              <a:t>-</a:t>
-            </a:r>
-            <a:r>
-              <a:rPr lang="pt-BR" sz="1000" err="1">
-                <a:solidFill>
-                  <a:schemeClr val="bg1"/>
-                </a:solidFill>
-              </a:rPr>
-              <a:t>library</a:t>
-            </a:r>
-            <a:r>
-              <a:rPr lang="pt-BR" sz="1000">
-                <a:solidFill>
-                  <a:schemeClr val="bg1"/>
-                </a:solidFill>
-              </a:rPr>
-              <a:t>-</a:t>
-            </a:r>
-            <a:r>
-              <a:rPr lang="pt-BR" sz="1000" err="1">
-                <a:solidFill>
-                  <a:schemeClr val="bg1"/>
-                </a:solidFill>
-              </a:rPr>
-              <a:t>writing</a:t>
-            </a:r>
-            <a:r>
-              <a:rPr lang="pt-BR" sz="1000">
-                <a:solidFill>
-                  <a:schemeClr val="bg1"/>
-                </a:solidFill>
-              </a:rPr>
-              <a:t>-workshops/</a:t>
-            </a:r>
+              <a:t>em introdução à programação</a:t>
+            </a:r>
+            <a:endParaRPr lang="pt-BR" dirty="0">
+              <a:solidFill>
+                <a:schemeClr val="bg1"/>
+              </a:solidFill>
+              <a:effectLst>
+                <a:outerShdw blurRad="50800" dist="50800" dir="5400000" algn="ctr" rotWithShape="0">
+                  <a:schemeClr val="bg1">
+                    <a:lumMod val="50000"/>
+                  </a:schemeClr>
+                </a:outerShdw>
+              </a:effectLst>
+            </a:endParaRPr>
           </a:p>
         </p:txBody>
       </p:sp>
@@ -10135,16 +9623,6 @@
 <file path=ppt/slides/slide16.xml><?xml version="1.0" encoding="utf-8"?>
 <p:sld xmlns:a="http://schemas.openxmlformats.org/drawingml/2006/main" xmlns:r="http://schemas.openxmlformats.org/officeDocument/2006/relationships" xmlns:p="http://schemas.openxmlformats.org/presentationml/2006/main">
   <p:cSld>
-    <p:bg>
-      <p:bgPr>
-        <a:solidFill>
-          <a:schemeClr val="tx1">
-            <a:lumMod val="95000"/>
-          </a:schemeClr>
-        </a:solidFill>
-        <a:effectLst/>
-      </p:bgPr>
-    </p:bg>
     <p:spTree>
       <p:nvGrpSpPr>
         <p:cNvPr id="1" name=""/>
@@ -10159,6 +9637,49 @@
           <a:chExt cx="0" cy="0"/>
         </a:xfrm>
       </p:grpSpPr>
+      <p:sp>
+        <p:nvSpPr>
+          <p:cNvPr id="8" name="Title 1">
+            <a:extLst>
+              <a:ext uri="{FF2B5EF4-FFF2-40B4-BE49-F238E27FC236}">
+                <a16:creationId xmlns:a16="http://schemas.microsoft.com/office/drawing/2014/main" id="{3C0690EC-3FFA-654C-839D-B13AC2E9C1ED}"/>
+              </a:ext>
+            </a:extLst>
+          </p:cNvPr>
+          <p:cNvSpPr>
+            <a:spLocks noGrp="1"/>
+          </p:cNvSpPr>
+          <p:nvPr>
+            <p:ph type="title"/>
+          </p:nvPr>
+        </p:nvSpPr>
+        <p:spPr>
+          <a:xfrm>
+            <a:off x="1851619" y="549661"/>
+            <a:ext cx="10290410" cy="1509490"/>
+          </a:xfrm>
+        </p:spPr>
+        <p:txBody>
+          <a:bodyPr>
+            <a:normAutofit/>
+          </a:bodyPr>
+          <a:lstStyle/>
+          <a:p>
+            <a:r>
+              <a:rPr lang="pt-BR" b="1"/>
+              <a:t>Como aprendemos sobre testes </a:t>
+            </a:r>
+            <a:br>
+              <a:rPr lang="pt-BR" b="1"/>
+            </a:br>
+            <a:r>
+              <a:rPr lang="pt-BR" b="1"/>
+              <a:t>em introdução à programação</a:t>
+            </a:r>
+            <a:endParaRPr lang="pt-BR"/>
+          </a:p>
+        </p:txBody>
+      </p:sp>
       <p:sp>
         <p:nvSpPr>
           <p:cNvPr id="3" name="Content Placeholder 2">
@@ -10188,31 +9709,19 @@
           <a:lstStyle/>
           <a:p>
             <a:r>
-              <a:rPr lang="pt-PT" sz="3200" dirty="0">
-                <a:solidFill>
-                  <a:schemeClr val="bg1"/>
-                </a:solidFill>
-              </a:rPr>
+              <a:rPr lang="pt-PT" sz="3200" dirty="0"/>
               <a:t>Esse processo manual é extremamente limitado</a:t>
             </a:r>
           </a:p>
           <a:p>
             <a:r>
-              <a:rPr lang="pt-PT" sz="3200" dirty="0">
-                <a:solidFill>
-                  <a:schemeClr val="bg1"/>
-                </a:solidFill>
-              </a:rPr>
+              <a:rPr lang="pt-PT" sz="3200" dirty="0"/>
               <a:t>É falho</a:t>
             </a:r>
           </a:p>
           <a:p>
             <a:r>
-              <a:rPr lang="pt-PT" sz="3200" dirty="0">
-                <a:solidFill>
-                  <a:schemeClr val="bg1"/>
-                </a:solidFill>
-              </a:rPr>
+              <a:rPr lang="pt-PT" sz="3200" dirty="0"/>
               <a:t>Tende a ser negligenciado</a:t>
             </a:r>
           </a:p>
@@ -10242,73 +9751,14 @@
             <a:fld id="{2183B7EE-0FBE-B749-875F-ED24F5ECD71F}" type="slidenum">
               <a:rPr lang="en-US" smtClean="0">
                 <a:solidFill>
-                  <a:schemeClr val="bg1"/>
+                  <a:schemeClr val="tx1"/>
                 </a:solidFill>
               </a:rPr>
               <a:t>16</a:t>
             </a:fld>
             <a:endParaRPr lang="en-US">
               <a:solidFill>
-                <a:schemeClr val="bg1"/>
-              </a:solidFill>
-            </a:endParaRPr>
-          </a:p>
-        </p:txBody>
-      </p:sp>
-      <p:sp>
-        <p:nvSpPr>
-          <p:cNvPr id="8" name="Title 1">
-            <a:extLst>
-              <a:ext uri="{FF2B5EF4-FFF2-40B4-BE49-F238E27FC236}">
-                <a16:creationId xmlns:a16="http://schemas.microsoft.com/office/drawing/2014/main" id="{3C0690EC-3FFA-654C-839D-B13AC2E9C1ED}"/>
-              </a:ext>
-            </a:extLst>
-          </p:cNvPr>
-          <p:cNvSpPr>
-            <a:spLocks noGrp="1"/>
-          </p:cNvSpPr>
-          <p:nvPr>
-            <p:ph type="title"/>
-          </p:nvPr>
-        </p:nvSpPr>
-        <p:spPr>
-          <a:xfrm>
-            <a:off x="1851619" y="549661"/>
-            <a:ext cx="10290410" cy="1509490"/>
-          </a:xfrm>
-        </p:spPr>
-        <p:txBody>
-          <a:bodyPr>
-            <a:normAutofit/>
-          </a:bodyPr>
-          <a:lstStyle/>
-          <a:p>
-            <a:r>
-              <a:rPr lang="pt-BR" b="1">
-                <a:solidFill>
-                  <a:schemeClr val="bg1"/>
-                </a:solidFill>
-              </a:rPr>
-              <a:t>Como aprendemos sobre testes </a:t>
-            </a:r>
-            <a:br>
-              <a:rPr lang="pt-BR" b="1">
-                <a:solidFill>
-                  <a:schemeClr val="bg1"/>
-                </a:solidFill>
-              </a:rPr>
-            </a:br>
-            <a:r>
-              <a:rPr lang="pt-BR" b="1">
-                <a:solidFill>
-                  <a:schemeClr val="bg1"/>
-                </a:solidFill>
-              </a:rPr>
-              <a:t>em introdução à programação</a:t>
-            </a:r>
-            <a:endParaRPr lang="pt-BR">
-              <a:solidFill>
-                <a:schemeClr val="bg1"/>
+                <a:schemeClr val="tx1"/>
               </a:solidFill>
             </a:endParaRPr>
           </a:p>
@@ -10633,16 +10083,6 @@
 <file path=ppt/slides/slide17.xml><?xml version="1.0" encoding="utf-8"?>
 <p:sld xmlns:a="http://schemas.openxmlformats.org/drawingml/2006/main" xmlns:r="http://schemas.openxmlformats.org/officeDocument/2006/relationships" xmlns:p="http://schemas.openxmlformats.org/presentationml/2006/main">
   <p:cSld>
-    <p:bg>
-      <p:bgPr>
-        <a:solidFill>
-          <a:schemeClr val="tx1">
-            <a:lumMod val="95000"/>
-          </a:schemeClr>
-        </a:solidFill>
-        <a:effectLst/>
-      </p:bgPr>
-    </p:bg>
     <p:spTree>
       <p:nvGrpSpPr>
         <p:cNvPr id="1" name=""/>
@@ -10657,6 +10097,49 @@
           <a:chExt cx="0" cy="0"/>
         </a:xfrm>
       </p:grpSpPr>
+      <p:sp>
+        <p:nvSpPr>
+          <p:cNvPr id="8" name="Title 1">
+            <a:extLst>
+              <a:ext uri="{FF2B5EF4-FFF2-40B4-BE49-F238E27FC236}">
+                <a16:creationId xmlns:a16="http://schemas.microsoft.com/office/drawing/2014/main" id="{3C0690EC-3FFA-654C-839D-B13AC2E9C1ED}"/>
+              </a:ext>
+            </a:extLst>
+          </p:cNvPr>
+          <p:cNvSpPr>
+            <a:spLocks noGrp="1"/>
+          </p:cNvSpPr>
+          <p:nvPr>
+            <p:ph type="title"/>
+          </p:nvPr>
+        </p:nvSpPr>
+        <p:spPr>
+          <a:xfrm>
+            <a:off x="1851619" y="549661"/>
+            <a:ext cx="10290410" cy="1509490"/>
+          </a:xfrm>
+        </p:spPr>
+        <p:txBody>
+          <a:bodyPr>
+            <a:normAutofit/>
+          </a:bodyPr>
+          <a:lstStyle/>
+          <a:p>
+            <a:r>
+              <a:rPr lang="pt-BR" b="1"/>
+              <a:t>Como aprendemos sobre testes </a:t>
+            </a:r>
+            <a:br>
+              <a:rPr lang="pt-BR" b="1"/>
+            </a:br>
+            <a:r>
+              <a:rPr lang="pt-BR" b="1"/>
+              <a:t>em introdução à programação</a:t>
+            </a:r>
+            <a:endParaRPr lang="pt-BR"/>
+          </a:p>
+        </p:txBody>
+      </p:sp>
       <p:sp>
         <p:nvSpPr>
           <p:cNvPr id="3" name="Content Placeholder 2">
@@ -10686,40 +10169,24 @@
           <a:lstStyle/>
           <a:p>
             <a:r>
-              <a:rPr lang="pt-PT" sz="2800" dirty="0">
-                <a:solidFill>
-                  <a:schemeClr val="bg1"/>
-                </a:solidFill>
-              </a:rPr>
+              <a:rPr lang="pt-PT" sz="2800" dirty="0"/>
               <a:t>Com o tempo, os desenvolvedores não saberão mais que testes manuais precisam fazer</a:t>
             </a:r>
           </a:p>
           <a:p>
             <a:r>
-              <a:rPr lang="pt-PT" sz="2800" dirty="0">
-                <a:solidFill>
-                  <a:schemeClr val="bg1"/>
-                </a:solidFill>
-              </a:rPr>
+              <a:rPr lang="pt-PT" sz="2800" dirty="0"/>
               <a:t>Podem não lembrar quais valores passar e quais resultados esperar</a:t>
             </a:r>
           </a:p>
           <a:p>
             <a:r>
-              <a:rPr lang="pt-PT" sz="2800" dirty="0">
-                <a:solidFill>
-                  <a:schemeClr val="bg1"/>
-                </a:solidFill>
-              </a:rPr>
+              <a:rPr lang="pt-PT" sz="2800" dirty="0"/>
               <a:t>Novos integrantes na equipe vão ter dificuldades em entender qual o resultado esperado de um determinado código (como um método) apenas analisando o código em si</a:t>
             </a:r>
           </a:p>
           <a:p>
-            <a:endParaRPr lang="pt-PT" sz="2800" dirty="0">
-              <a:solidFill>
-                <a:schemeClr val="bg1"/>
-              </a:solidFill>
-            </a:endParaRPr>
+            <a:endParaRPr lang="pt-PT" sz="2800" dirty="0"/>
           </a:p>
         </p:txBody>
       </p:sp>
@@ -10747,73 +10214,14 @@
             <a:fld id="{2183B7EE-0FBE-B749-875F-ED24F5ECD71F}" type="slidenum">
               <a:rPr lang="en-US" smtClean="0">
                 <a:solidFill>
-                  <a:schemeClr val="bg1"/>
+                  <a:schemeClr val="tx1"/>
                 </a:solidFill>
               </a:rPr>
               <a:t>17</a:t>
             </a:fld>
             <a:endParaRPr lang="en-US">
               <a:solidFill>
-                <a:schemeClr val="bg1"/>
-              </a:solidFill>
-            </a:endParaRPr>
-          </a:p>
-        </p:txBody>
-      </p:sp>
-      <p:sp>
-        <p:nvSpPr>
-          <p:cNvPr id="8" name="Title 1">
-            <a:extLst>
-              <a:ext uri="{FF2B5EF4-FFF2-40B4-BE49-F238E27FC236}">
-                <a16:creationId xmlns:a16="http://schemas.microsoft.com/office/drawing/2014/main" id="{3C0690EC-3FFA-654C-839D-B13AC2E9C1ED}"/>
-              </a:ext>
-            </a:extLst>
-          </p:cNvPr>
-          <p:cNvSpPr>
-            <a:spLocks noGrp="1"/>
-          </p:cNvSpPr>
-          <p:nvPr>
-            <p:ph type="title"/>
-          </p:nvPr>
-        </p:nvSpPr>
-        <p:spPr>
-          <a:xfrm>
-            <a:off x="1851619" y="549661"/>
-            <a:ext cx="10290410" cy="1509490"/>
-          </a:xfrm>
-        </p:spPr>
-        <p:txBody>
-          <a:bodyPr>
-            <a:normAutofit/>
-          </a:bodyPr>
-          <a:lstStyle/>
-          <a:p>
-            <a:r>
-              <a:rPr lang="pt-BR" b="1">
-                <a:solidFill>
-                  <a:schemeClr val="bg1"/>
-                </a:solidFill>
-              </a:rPr>
-              <a:t>Como aprendemos sobre testes </a:t>
-            </a:r>
-            <a:br>
-              <a:rPr lang="pt-BR" b="1">
-                <a:solidFill>
-                  <a:schemeClr val="bg1"/>
-                </a:solidFill>
-              </a:rPr>
-            </a:br>
-            <a:r>
-              <a:rPr lang="pt-BR" b="1">
-                <a:solidFill>
-                  <a:schemeClr val="bg1"/>
-                </a:solidFill>
-              </a:rPr>
-              <a:t>em introdução à programação</a:t>
-            </a:r>
-            <a:endParaRPr lang="pt-BR">
-              <a:solidFill>
-                <a:schemeClr val="bg1"/>
+                <a:schemeClr val="tx1"/>
               </a:solidFill>
             </a:endParaRPr>
           </a:p>
@@ -11141,16 +10549,6 @@
 <file path=ppt/slides/slide18.xml><?xml version="1.0" encoding="utf-8"?>
 <p:sld xmlns:a="http://schemas.openxmlformats.org/drawingml/2006/main" xmlns:r="http://schemas.openxmlformats.org/officeDocument/2006/relationships" xmlns:p="http://schemas.openxmlformats.org/presentationml/2006/main">
   <p:cSld>
-    <p:bg>
-      <p:bgPr>
-        <a:solidFill>
-          <a:schemeClr val="tx1">
-            <a:lumMod val="95000"/>
-          </a:schemeClr>
-        </a:solidFill>
-        <a:effectLst/>
-      </p:bgPr>
-    </p:bg>
     <p:spTree>
       <p:nvGrpSpPr>
         <p:cNvPr id="1" name=""/>
@@ -11165,6 +10563,49 @@
           <a:chExt cx="0" cy="0"/>
         </a:xfrm>
       </p:grpSpPr>
+      <p:sp>
+        <p:nvSpPr>
+          <p:cNvPr id="8" name="Title 1">
+            <a:extLst>
+              <a:ext uri="{FF2B5EF4-FFF2-40B4-BE49-F238E27FC236}">
+                <a16:creationId xmlns:a16="http://schemas.microsoft.com/office/drawing/2014/main" id="{3C0690EC-3FFA-654C-839D-B13AC2E9C1ED}"/>
+              </a:ext>
+            </a:extLst>
+          </p:cNvPr>
+          <p:cNvSpPr>
+            <a:spLocks noGrp="1"/>
+          </p:cNvSpPr>
+          <p:nvPr>
+            <p:ph type="title"/>
+          </p:nvPr>
+        </p:nvSpPr>
+        <p:spPr>
+          <a:xfrm>
+            <a:off x="1851619" y="549661"/>
+            <a:ext cx="10290410" cy="1509490"/>
+          </a:xfrm>
+        </p:spPr>
+        <p:txBody>
+          <a:bodyPr>
+            <a:normAutofit/>
+          </a:bodyPr>
+          <a:lstStyle/>
+          <a:p>
+            <a:r>
+              <a:rPr lang="pt-BR" b="1"/>
+              <a:t>Como aprendemos sobre testes </a:t>
+            </a:r>
+            <a:br>
+              <a:rPr lang="pt-BR" b="1"/>
+            </a:br>
+            <a:r>
+              <a:rPr lang="pt-BR" b="1"/>
+              <a:t>em introdução à programação</a:t>
+            </a:r>
+            <a:endParaRPr lang="pt-BR"/>
+          </a:p>
+        </p:txBody>
+      </p:sp>
       <p:sp>
         <p:nvSpPr>
           <p:cNvPr id="3" name="Content Placeholder 2">
@@ -11194,74 +10635,42 @@
           <a:lstStyle/>
           <a:p>
             <a:r>
-              <a:rPr lang="pt-PT" sz="3200" dirty="0">
-                <a:solidFill>
-                  <a:schemeClr val="bg1"/>
-                </a:solidFill>
-              </a:rPr>
+              <a:rPr lang="pt-PT" sz="3200" dirty="0"/>
               <a:t>Você nunca sabe quando resolveu um problema de fato: o problema pode sempre reaparecer quando alterações são feitas</a:t>
             </a:r>
           </a:p>
           <a:p>
             <a:r>
-              <a:rPr lang="pt-PT" sz="3200" dirty="0">
-                <a:solidFill>
-                  <a:schemeClr val="bg1"/>
-                </a:solidFill>
-              </a:rPr>
+              <a:rPr lang="pt-PT" sz="3200" dirty="0"/>
               <a:t>Isto é chamado de Regressão de Software, que leva ao apodrecimento do código</a:t>
             </a:r>
           </a:p>
           <a:p>
             <a:r>
-              <a:rPr lang="pt-PT" sz="3200" dirty="0">
-                <a:solidFill>
-                  <a:schemeClr val="bg1"/>
-                </a:solidFill>
-              </a:rPr>
+              <a:rPr lang="pt-PT" sz="3200" dirty="0"/>
               <a:t>Isso inevitavelmente põe em cheque a competência e profissionalismo dos desenvolvedores perante o cliente.</a:t>
             </a:r>
           </a:p>
           <a:p>
             <a:r>
-              <a:rPr lang="pt-PT" sz="3200" dirty="0">
-                <a:solidFill>
-                  <a:schemeClr val="bg1"/>
-                </a:solidFill>
-              </a:rPr>
+              <a:rPr lang="pt-PT" sz="3200" dirty="0"/>
               <a:t>Se seu software é um </a:t>
             </a:r>
             <a:r>
-              <a:rPr lang="pt-PT" sz="3200" i="1" dirty="0" err="1">
-                <a:solidFill>
-                  <a:schemeClr val="bg1"/>
-                </a:solidFill>
-              </a:rPr>
+              <a:rPr lang="pt-PT" sz="3200" i="1" dirty="0" err="1"/>
               <a:t>app</a:t>
             </a:r>
             <a:r>
-              <a:rPr lang="pt-PT" sz="3200" i="1" dirty="0">
-                <a:solidFill>
-                  <a:schemeClr val="bg1"/>
-                </a:solidFill>
-              </a:rPr>
+              <a:rPr lang="pt-PT" sz="3200" i="1" dirty="0"/>
               <a:t> mobile</a:t>
             </a:r>
             <a:r>
-              <a:rPr lang="pt-PT" sz="3200" dirty="0">
-                <a:solidFill>
-                  <a:schemeClr val="bg1"/>
-                </a:solidFill>
-              </a:rPr>
+              <a:rPr lang="pt-PT" sz="3200" dirty="0"/>
               <a:t>, você sabe o que vai rolar nos comentários na loja de aplicativos 😒</a:t>
             </a:r>
           </a:p>
           <a:p>
-            <a:endParaRPr lang="pt-PT" sz="3200" dirty="0">
-              <a:solidFill>
-                <a:schemeClr val="bg1"/>
-              </a:solidFill>
-            </a:endParaRPr>
+            <a:endParaRPr lang="pt-PT" sz="3200" dirty="0"/>
           </a:p>
         </p:txBody>
       </p:sp>
@@ -11289,73 +10698,14 @@
             <a:fld id="{2183B7EE-0FBE-B749-875F-ED24F5ECD71F}" type="slidenum">
               <a:rPr lang="en-US" smtClean="0">
                 <a:solidFill>
-                  <a:schemeClr val="bg1"/>
+                  <a:schemeClr val="tx1"/>
                 </a:solidFill>
               </a:rPr>
               <a:t>18</a:t>
             </a:fld>
             <a:endParaRPr lang="en-US">
               <a:solidFill>
-                <a:schemeClr val="bg1"/>
-              </a:solidFill>
-            </a:endParaRPr>
-          </a:p>
-        </p:txBody>
-      </p:sp>
-      <p:sp>
-        <p:nvSpPr>
-          <p:cNvPr id="8" name="Title 1">
-            <a:extLst>
-              <a:ext uri="{FF2B5EF4-FFF2-40B4-BE49-F238E27FC236}">
-                <a16:creationId xmlns:a16="http://schemas.microsoft.com/office/drawing/2014/main" id="{3C0690EC-3FFA-654C-839D-B13AC2E9C1ED}"/>
-              </a:ext>
-            </a:extLst>
-          </p:cNvPr>
-          <p:cNvSpPr>
-            <a:spLocks noGrp="1"/>
-          </p:cNvSpPr>
-          <p:nvPr>
-            <p:ph type="title"/>
-          </p:nvPr>
-        </p:nvSpPr>
-        <p:spPr>
-          <a:xfrm>
-            <a:off x="1851619" y="549661"/>
-            <a:ext cx="10290410" cy="1509490"/>
-          </a:xfrm>
-        </p:spPr>
-        <p:txBody>
-          <a:bodyPr>
-            <a:normAutofit/>
-          </a:bodyPr>
-          <a:lstStyle/>
-          <a:p>
-            <a:r>
-              <a:rPr lang="pt-BR" b="1">
-                <a:solidFill>
-                  <a:schemeClr val="bg1"/>
-                </a:solidFill>
-              </a:rPr>
-              <a:t>Como aprendemos sobre testes </a:t>
-            </a:r>
-            <a:br>
-              <a:rPr lang="pt-BR" b="1">
-                <a:solidFill>
-                  <a:schemeClr val="bg1"/>
-                </a:solidFill>
-              </a:rPr>
-            </a:br>
-            <a:r>
-              <a:rPr lang="pt-BR" b="1">
-                <a:solidFill>
-                  <a:schemeClr val="bg1"/>
-                </a:solidFill>
-              </a:rPr>
-              <a:t>em introdução à programação</a:t>
-            </a:r>
-            <a:endParaRPr lang="pt-BR">
-              <a:solidFill>
-                <a:schemeClr val="bg1"/>
+                <a:schemeClr val="tx1"/>
               </a:solidFill>
             </a:endParaRPr>
           </a:p>
@@ -11782,13 +11132,13 @@
 </file>
 
 <file path=ppt/slides/slide19.xml><?xml version="1.0" encoding="utf-8"?>
-<p:sld xmlns:a="http://schemas.openxmlformats.org/drawingml/2006/main" xmlns:r="http://schemas.openxmlformats.org/officeDocument/2006/relationships" xmlns:p="http://schemas.openxmlformats.org/presentationml/2006/main">
+<p:sld xmlns:a="http://schemas.openxmlformats.org/drawingml/2006/main" xmlns:r="http://schemas.openxmlformats.org/officeDocument/2006/relationships" xmlns:p="http://schemas.openxmlformats.org/presentationml/2006/main" showMasterSp="0">
   <p:cSld>
     <p:bg>
       <p:bgPr>
         <a:blipFill dpi="0" rotWithShape="1">
           <a:blip r:embed="rId2">
-            <a:alphaModFix amt="37000"/>
+            <a:alphaModFix amt="74000"/>
             <a:lum/>
           </a:blip>
           <a:srcRect/>
@@ -11843,51 +11193,59 @@
           <a:p>
             <a:pPr algn="ctr"/>
             <a:r>
-              <a:rPr lang="pt-BR" b="1">
+              <a:rPr lang="pt-BR" b="1" dirty="0">
                 <a:solidFill>
                   <a:schemeClr val="bg1"/>
                 </a:solidFill>
                 <a:effectLst>
-                  <a:outerShdw blurRad="50800" dist="50800" dir="5400000" algn="ctr" rotWithShape="0">
-                    <a:schemeClr val="tx1"/>
+                  <a:outerShdw blurRad="50800" dist="38100" dir="2700000" algn="tl" rotWithShape="0">
+                    <a:schemeClr val="bg1">
+                      <a:lumMod val="50000"/>
+                    </a:schemeClr>
                   </a:outerShdw>
                 </a:effectLst>
               </a:rPr>
               <a:t>Enfim, Porque aplicar </a:t>
             </a:r>
             <a:r>
-              <a:rPr lang="pt-BR" b="1" err="1">
+              <a:rPr lang="pt-BR" b="1" dirty="0" err="1">
                 <a:solidFill>
                   <a:schemeClr val="bg1"/>
                 </a:solidFill>
                 <a:effectLst>
-                  <a:outerShdw blurRad="50800" dist="50800" dir="5400000" algn="ctr" rotWithShape="0">
-                    <a:schemeClr val="tx1"/>
+                  <a:outerShdw blurRad="50800" dist="38100" dir="2700000" algn="tl" rotWithShape="0">
+                    <a:schemeClr val="bg1">
+                      <a:lumMod val="50000"/>
+                    </a:schemeClr>
                   </a:outerShdw>
                 </a:effectLst>
               </a:rPr>
               <a:t>tdd</a:t>
             </a:r>
             <a:r>
-              <a:rPr lang="pt-BR" b="1">
+              <a:rPr lang="pt-BR" b="1" dirty="0">
                 <a:solidFill>
                   <a:schemeClr val="bg1"/>
                 </a:solidFill>
                 <a:effectLst>
-                  <a:outerShdw blurRad="50800" dist="50800" dir="5400000" algn="ctr" rotWithShape="0">
-                    <a:schemeClr val="tx1"/>
+                  <a:outerShdw blurRad="50800" dist="38100" dir="2700000" algn="tl" rotWithShape="0">
+                    <a:schemeClr val="bg1">
+                      <a:lumMod val="50000"/>
+                    </a:schemeClr>
                   </a:outerShdw>
                 </a:effectLst>
               </a:rPr>
               <a:t>?</a:t>
             </a:r>
-            <a:endParaRPr lang="pt-BR">
+            <a:endParaRPr lang="pt-BR" dirty="0">
               <a:solidFill>
                 <a:schemeClr val="bg1"/>
               </a:solidFill>
               <a:effectLst>
-                <a:outerShdw blurRad="50800" dist="50800" dir="5400000" algn="ctr" rotWithShape="0">
-                  <a:schemeClr val="tx1"/>
+                <a:outerShdw blurRad="50800" dist="38100" dir="2700000" algn="tl" rotWithShape="0">
+                  <a:schemeClr val="bg1">
+                    <a:lumMod val="50000"/>
+                  </a:schemeClr>
                 </a:outerShdw>
               </a:effectLst>
             </a:endParaRPr>
@@ -11923,59 +11281,29 @@
           <a:lstStyle/>
           <a:p>
             <a:r>
-              <a:rPr lang="pt-PT" sz="3200" dirty="0">
-                <a:solidFill>
-                  <a:schemeClr val="bg1"/>
-                </a:solidFill>
-                <a:effectLst>
-                  <a:outerShdw blurRad="50800" dist="38100" algn="l" rotWithShape="0">
-                    <a:schemeClr val="bg1">
-                      <a:alpha val="40000"/>
-                    </a:schemeClr>
-                  </a:outerShdw>
-                </a:effectLst>
-              </a:rPr>
-              <a:t>Se há testes sólidos, estes nos dão </a:t>
-            </a:r>
-            <a:r>
               <a:rPr lang="pt-PT" sz="3200" b="1" dirty="0">
                 <a:solidFill>
                   <a:schemeClr val="bg1"/>
                 </a:solidFill>
                 <a:effectLst>
-                  <a:outerShdw blurRad="50800" dist="38100" algn="l" rotWithShape="0">
+                  <a:outerShdw blurRad="50800" dist="38100" dir="2700000" algn="tl" rotWithShape="0">
                     <a:schemeClr val="bg1">
-                      <a:alpha val="40000"/>
+                      <a:lumMod val="50000"/>
                     </a:schemeClr>
                   </a:outerShdw>
                 </a:effectLst>
               </a:rPr>
-              <a:t>paz de espírito</a:t>
-            </a:r>
-            <a:r>
-              <a:rPr lang="pt-PT" sz="3200" dirty="0">
+              <a:t>Se há testes sólidos, estes nos dão paz de espírito para alterar o código, principalmente pra </a:t>
+            </a:r>
+            <a:r>
+              <a:rPr lang="pt-PT" sz="3200" b="1" dirty="0" err="1">
                 <a:solidFill>
                   <a:schemeClr val="bg1"/>
                 </a:solidFill>
                 <a:effectLst>
-                  <a:outerShdw blurRad="50800" dist="38100" algn="l" rotWithShape="0">
+                  <a:outerShdw blurRad="50800" dist="38100" dir="2700000" algn="tl" rotWithShape="0">
                     <a:schemeClr val="bg1">
-                      <a:alpha val="40000"/>
-                    </a:schemeClr>
-                  </a:outerShdw>
-                </a:effectLst>
-              </a:rPr>
-              <a:t> para alterar o código, principalmente pra </a:t>
-            </a:r>
-            <a:r>
-              <a:rPr lang="pt-PT" sz="3200" dirty="0" err="1">
-                <a:solidFill>
-                  <a:schemeClr val="bg1"/>
-                </a:solidFill>
-                <a:effectLst>
-                  <a:outerShdw blurRad="50800" dist="38100" algn="l" rotWithShape="0">
-                    <a:schemeClr val="bg1">
-                      <a:alpha val="40000"/>
+                      <a:lumMod val="50000"/>
                     </a:schemeClr>
                   </a:outerShdw>
                 </a:effectLst>
@@ -11983,14 +11311,14 @@
               <a:t>refatorar</a:t>
             </a:r>
             <a:r>
-              <a:rPr lang="pt-PT" sz="3200" dirty="0">
+              <a:rPr lang="pt-PT" sz="3200" b="1" dirty="0">
                 <a:solidFill>
                   <a:schemeClr val="bg1"/>
                 </a:solidFill>
                 <a:effectLst>
-                  <a:outerShdw blurRad="50800" dist="38100" algn="l" rotWithShape="0">
+                  <a:outerShdw blurRad="50800" dist="38100" dir="2700000" algn="tl" rotWithShape="0">
                     <a:schemeClr val="bg1">
-                      <a:alpha val="40000"/>
+                      <a:lumMod val="50000"/>
                     </a:schemeClr>
                   </a:outerShdw>
                 </a:effectLst>
@@ -12000,14 +11328,14 @@
           </a:p>
           <a:p>
             <a:r>
-              <a:rPr lang="pt-PT" sz="3200" dirty="0">
+              <a:rPr lang="pt-PT" sz="3200" b="1" dirty="0">
                 <a:solidFill>
                   <a:schemeClr val="bg1"/>
                 </a:solidFill>
                 <a:effectLst>
-                  <a:outerShdw blurRad="50800" dist="38100" algn="l" rotWithShape="0">
+                  <a:outerShdw blurRad="50800" dist="38100" dir="2700000" algn="tl" rotWithShape="0">
                     <a:schemeClr val="bg1">
-                      <a:alpha val="40000"/>
+                      <a:lumMod val="50000"/>
                     </a:schemeClr>
                   </a:outerShdw>
                 </a:effectLst>
@@ -12017,14 +11345,14 @@
           </a:p>
           <a:p>
             <a:r>
-              <a:rPr lang="pt-PT" sz="3200" dirty="0">
+              <a:rPr lang="pt-PT" sz="3200" b="1" dirty="0">
                 <a:solidFill>
                   <a:schemeClr val="bg1"/>
                 </a:solidFill>
                 <a:effectLst>
-                  <a:outerShdw blurRad="50800" dist="38100" algn="l" rotWithShape="0">
+                  <a:outerShdw blurRad="50800" dist="38100" dir="2700000" algn="tl" rotWithShape="0">
                     <a:schemeClr val="bg1">
-                      <a:alpha val="40000"/>
+                      <a:lumMod val="50000"/>
                     </a:schemeClr>
                   </a:outerShdw>
                 </a:effectLst>
@@ -12034,14 +11362,14 @@
           </a:p>
           <a:p>
             <a:r>
-              <a:rPr lang="pt-PT" sz="3200" dirty="0">
+              <a:rPr lang="pt-PT" sz="3200" b="1" dirty="0">
                 <a:solidFill>
                   <a:schemeClr val="bg1"/>
                 </a:solidFill>
                 <a:effectLst>
-                  <a:outerShdw blurRad="50800" dist="38100" algn="l" rotWithShape="0">
+                  <a:outerShdw blurRad="50800" dist="38100" dir="2700000" algn="tl" rotWithShape="0">
                     <a:schemeClr val="bg1">
-                      <a:alpha val="40000"/>
+                      <a:lumMod val="50000"/>
                     </a:schemeClr>
                   </a:outerShdw>
                 </a:effectLst>
@@ -12051,14 +11379,14 @@
           </a:p>
           <a:p>
             <a:r>
-              <a:rPr lang="pt-PT" sz="3200" dirty="0">
+              <a:rPr lang="pt-PT" sz="3200" b="1" dirty="0">
                 <a:solidFill>
                   <a:schemeClr val="bg1"/>
                 </a:solidFill>
                 <a:effectLst>
-                  <a:outerShdw blurRad="50800" dist="38100" algn="l" rotWithShape="0">
+                  <a:outerShdw blurRad="50800" dist="38100" dir="2700000" algn="tl" rotWithShape="0">
                     <a:schemeClr val="bg1">
-                      <a:alpha val="40000"/>
+                      <a:lumMod val="50000"/>
                     </a:schemeClr>
                   </a:outerShdw>
                 </a:effectLst>
@@ -12070,14 +11398,14 @@
             <a:pPr marL="0" indent="0">
               <a:buNone/>
             </a:pPr>
-            <a:endParaRPr lang="pt-PT" sz="3200" dirty="0">
+            <a:endParaRPr lang="pt-PT" sz="3200" b="1" dirty="0">
               <a:solidFill>
                 <a:schemeClr val="bg1"/>
               </a:solidFill>
               <a:effectLst>
-                <a:outerShdw blurRad="50800" dist="38100" algn="l" rotWithShape="0">
+                <a:outerShdw blurRad="50800" dist="38100" dir="2700000" algn="tl" rotWithShape="0">
                   <a:schemeClr val="bg1">
-                    <a:alpha val="40000"/>
+                    <a:lumMod val="50000"/>
                   </a:schemeClr>
                 </a:outerShdw>
               </a:effectLst>
@@ -12111,6 +11439,13 @@
                 <a:solidFill>
                   <a:schemeClr val="bg1"/>
                 </a:solidFill>
+                <a:effectLst>
+                  <a:outerShdw blurRad="50800" dist="38100" dir="2700000" algn="tl" rotWithShape="0">
+                    <a:schemeClr val="bg1">
+                      <a:lumMod val="50000"/>
+                    </a:schemeClr>
+                  </a:outerShdw>
+                </a:effectLst>
               </a:rPr>
               <a:t>19</a:t>
             </a:fld>
@@ -12118,6 +11453,13 @@
               <a:solidFill>
                 <a:schemeClr val="bg1"/>
               </a:solidFill>
+              <a:effectLst>
+                <a:outerShdw blurRad="50800" dist="38100" dir="2700000" algn="tl" rotWithShape="0">
+                  <a:schemeClr val="bg1">
+                    <a:lumMod val="50000"/>
+                  </a:schemeClr>
+                </a:outerShdw>
+              </a:effectLst>
             </a:endParaRPr>
           </a:p>
         </p:txBody>
@@ -12136,7 +11478,7 @@
         </p:nvSpPr>
         <p:spPr>
           <a:xfrm>
-            <a:off x="4180251" y="6519319"/>
+            <a:off x="7867831" y="6566090"/>
             <a:ext cx="3831498" cy="246221"/>
           </a:xfrm>
           <a:prstGeom prst="rect">
@@ -12151,58 +11493,89 @@
           <a:lstStyle/>
           <a:p>
             <a:r>
-              <a:rPr lang="pt-BR" sz="1000">
-                <a:solidFill>
-                  <a:schemeClr val="bg1"/>
-                </a:solidFill>
+              <a:rPr lang="pt-BR" sz="1000" dirty="0">
+                <a:effectLst>
+                  <a:outerShdw blurRad="50800" dist="38100" dir="2700000" algn="tl" rotWithShape="0">
+                    <a:schemeClr val="bg1">
+                      <a:lumMod val="50000"/>
+                    </a:schemeClr>
+                  </a:outerShdw>
+                </a:effectLst>
               </a:rPr>
               <a:t>Imagem: </a:t>
             </a:r>
             <a:r>
-              <a:rPr lang="pt-BR" sz="1000" err="1">
-                <a:solidFill>
-                  <a:schemeClr val="bg1"/>
-                </a:solidFill>
+              <a:rPr lang="pt-BR" sz="1000" dirty="0" err="1">
+                <a:effectLst>
+                  <a:outerShdw blurRad="50800" dist="38100" dir="2700000" algn="tl" rotWithShape="0">
+                    <a:schemeClr val="bg1">
+                      <a:lumMod val="50000"/>
+                    </a:schemeClr>
+                  </a:outerShdw>
+                </a:effectLst>
               </a:rPr>
               <a:t>http</a:t>
             </a:r>
             <a:r>
-              <a:rPr lang="pt-BR" sz="1000">
-                <a:solidFill>
-                  <a:schemeClr val="bg1"/>
-                </a:solidFill>
+              <a:rPr lang="pt-BR" sz="1000" dirty="0">
+                <a:effectLst>
+                  <a:outerShdw blurRad="50800" dist="38100" dir="2700000" algn="tl" rotWithShape="0">
+                    <a:schemeClr val="bg1">
+                      <a:lumMod val="50000"/>
+                    </a:schemeClr>
+                  </a:outerShdw>
+                </a:effectLst>
               </a:rPr>
               <a:t>://</a:t>
             </a:r>
             <a:r>
-              <a:rPr lang="pt-BR" sz="1000" err="1">
-                <a:solidFill>
-                  <a:schemeClr val="bg1"/>
-                </a:solidFill>
+              <a:rPr lang="pt-BR" sz="1000" dirty="0" err="1">
+                <a:effectLst>
+                  <a:outerShdw blurRad="50800" dist="38100" dir="2700000" algn="tl" rotWithShape="0">
+                    <a:schemeClr val="bg1">
+                      <a:lumMod val="50000"/>
+                    </a:schemeClr>
+                  </a:outerShdw>
+                </a:effectLst>
               </a:rPr>
               <a:t>tonysblog.info</a:t>
             </a:r>
             <a:r>
-              <a:rPr lang="pt-BR" sz="1000">
-                <a:solidFill>
-                  <a:schemeClr val="bg1"/>
-                </a:solidFill>
+              <a:rPr lang="pt-BR" sz="1000" dirty="0">
+                <a:effectLst>
+                  <a:outerShdw blurRad="50800" dist="38100" dir="2700000" algn="tl" rotWithShape="0">
+                    <a:schemeClr val="bg1">
+                      <a:lumMod val="50000"/>
+                    </a:schemeClr>
+                  </a:outerShdw>
+                </a:effectLst>
               </a:rPr>
               <a:t>/</a:t>
             </a:r>
             <a:r>
-              <a:rPr lang="pt-BR" sz="1000" err="1">
-                <a:solidFill>
-                  <a:schemeClr val="bg1"/>
-                </a:solidFill>
+              <a:rPr lang="pt-BR" sz="1000" dirty="0" err="1">
+                <a:effectLst>
+                  <a:outerShdw blurRad="50800" dist="38100" dir="2700000" algn="tl" rotWithShape="0">
+                    <a:schemeClr val="bg1">
+                      <a:lumMod val="50000"/>
+                    </a:schemeClr>
+                  </a:outerShdw>
+                </a:effectLst>
               </a:rPr>
               <a:t>photorwr-relief-emotion.asp</a:t>
             </a:r>
-            <a:endParaRPr lang="pt-BR" sz="1000">
-              <a:solidFill>
-                <a:schemeClr val="bg1"/>
-              </a:solidFill>
-            </a:endParaRPr>
+            <a:r>
+              <a:rPr lang="pt-BR" sz="1000" dirty="0">
+                <a:effectLst>
+                  <a:outerShdw blurRad="50800" dist="38100" dir="2700000" algn="tl" rotWithShape="0">
+                    <a:schemeClr val="bg1">
+                      <a:lumMod val="50000"/>
+                    </a:schemeClr>
+                  </a:outerShdw>
+                </a:effectLst>
+              </a:rPr>
+              <a:t> </a:t>
+            </a:r>
           </a:p>
         </p:txBody>
       </p:sp>
@@ -13177,13 +12550,13 @@
 </file>
 
 <file path=ppt/slides/slide20.xml><?xml version="1.0" encoding="utf-8"?>
-<p:sld xmlns:a="http://schemas.openxmlformats.org/drawingml/2006/main" xmlns:r="http://schemas.openxmlformats.org/officeDocument/2006/relationships" xmlns:p="http://schemas.openxmlformats.org/presentationml/2006/main">
+<p:sld xmlns:a="http://schemas.openxmlformats.org/drawingml/2006/main" xmlns:r="http://schemas.openxmlformats.org/officeDocument/2006/relationships" xmlns:p="http://schemas.openxmlformats.org/presentationml/2006/main" showMasterSp="0">
   <p:cSld>
     <p:bg>
       <p:bgPr>
         <a:blipFill dpi="0" rotWithShape="1">
           <a:blip r:embed="rId2">
-            <a:alphaModFix amt="48000"/>
+            <a:alphaModFix amt="74000"/>
             <a:lum/>
           </a:blip>
           <a:srcRect/>
@@ -13238,33 +12611,61 @@
           <a:p>
             <a:pPr algn="ctr"/>
             <a:r>
-              <a:rPr lang="pt-BR" b="1">
+              <a:rPr lang="pt-BR" b="1" dirty="0">
                 <a:solidFill>
                   <a:schemeClr val="bg1"/>
                 </a:solidFill>
+                <a:effectLst>
+                  <a:outerShdw blurRad="50800" dist="38100" dir="2700000" algn="tl" rotWithShape="0">
+                    <a:schemeClr val="bg1">
+                      <a:lumMod val="50000"/>
+                    </a:schemeClr>
+                  </a:outerShdw>
+                </a:effectLst>
               </a:rPr>
               <a:t>Enfim, Porque aplicar </a:t>
             </a:r>
             <a:r>
-              <a:rPr lang="pt-BR" b="1" err="1">
+              <a:rPr lang="pt-BR" b="1" dirty="0" err="1">
                 <a:solidFill>
                   <a:schemeClr val="bg1"/>
                 </a:solidFill>
+                <a:effectLst>
+                  <a:outerShdw blurRad="50800" dist="38100" dir="2700000" algn="tl" rotWithShape="0">
+                    <a:schemeClr val="bg1">
+                      <a:lumMod val="50000"/>
+                    </a:schemeClr>
+                  </a:outerShdw>
+                </a:effectLst>
               </a:rPr>
               <a:t>tdd</a:t>
             </a:r>
             <a:r>
-              <a:rPr lang="pt-BR" b="1">
+              <a:rPr lang="pt-BR" b="1" dirty="0">
                 <a:solidFill>
                   <a:schemeClr val="bg1"/>
                 </a:solidFill>
+                <a:effectLst>
+                  <a:outerShdw blurRad="50800" dist="38100" dir="2700000" algn="tl" rotWithShape="0">
+                    <a:schemeClr val="bg1">
+                      <a:lumMod val="50000"/>
+                    </a:schemeClr>
+                  </a:outerShdw>
+                </a:effectLst>
               </a:rPr>
               <a:t>?</a:t>
             </a:r>
-            <a:endParaRPr lang="pt-BR">
+            <a:endParaRPr lang="pt-BR" dirty="0">
               <a:solidFill>
                 <a:schemeClr val="bg1"/>
               </a:solidFill>
+              <a:effectLst>
+                <a:outerShdw blurRad="50800" dist="38100" dir="2700000" algn="tl" rotWithShape="0">
+                  <a:schemeClr val="bg1">
+                    <a:lumMod val="50000"/>
+                  </a:schemeClr>
+                </a:outerShdw>
+              </a:effectLst>
             </a:endParaRPr>
           </a:p>
         </p:txBody>
@@ -13298,29 +12699,29 @@
           <a:lstStyle/>
           <a:p>
             <a:r>
-              <a:rPr lang="pt-PT" sz="3200" dirty="0">
+              <a:rPr lang="pt-PT" sz="3200" b="1" dirty="0">
                 <a:solidFill>
                   <a:schemeClr val="bg1"/>
                 </a:solidFill>
                 <a:effectLst>
-                  <a:outerShdw dist="38100" dir="2700000" algn="tl" rotWithShape="0">
-                    <a:schemeClr val="tx1">
-                      <a:alpha val="40000"/>
+                  <a:outerShdw blurRad="50800" dist="38100" dir="2700000" algn="tl" rotWithShape="0">
+                    <a:schemeClr val="bg1">
+                      <a:lumMod val="50000"/>
                     </a:schemeClr>
                   </a:outerShdw>
                 </a:effectLst>
               </a:rPr>
-              <a:t>Permite o desenvolvimento de algoritmos de forma incremental, em pequenos passos (chamados de </a:t>
-            </a:r>
-            <a:r>
-              <a:rPr lang="pt-PT" sz="3200" i="1" dirty="0">
+              <a:t>Permite o desenvolvimento de algoritmos de forma incremental, em pequenos passos (</a:t>
+            </a:r>
+            <a:r>
+              <a:rPr lang="pt-PT" sz="3200" b="1" i="1" dirty="0">
                 <a:solidFill>
                   <a:schemeClr val="bg1"/>
                 </a:solidFill>
                 <a:effectLst>
-                  <a:outerShdw dist="38100" dir="2700000" algn="tl" rotWithShape="0">
-                    <a:schemeClr val="tx1">
-                      <a:alpha val="40000"/>
+                  <a:outerShdw blurRad="50800" dist="38100" dir="2700000" algn="tl" rotWithShape="0">
+                    <a:schemeClr val="bg1">
+                      <a:lumMod val="50000"/>
                     </a:schemeClr>
                   </a:outerShdw>
                 </a:effectLst>
@@ -13328,14 +12729,14 @@
               <a:t>baby steps</a:t>
             </a:r>
             <a:r>
-              <a:rPr lang="pt-PT" sz="3200" dirty="0">
+              <a:rPr lang="pt-PT" sz="3200" b="1" dirty="0">
                 <a:solidFill>
                   <a:schemeClr val="bg1"/>
                 </a:solidFill>
                 <a:effectLst>
-                  <a:outerShdw dist="38100" dir="2700000" algn="tl" rotWithShape="0">
-                    <a:schemeClr val="tx1">
-                      <a:alpha val="40000"/>
+                  <a:outerShdw blurRad="50800" dist="38100" dir="2700000" algn="tl" rotWithShape="0">
+                    <a:schemeClr val="bg1">
+                      <a:lumMod val="50000"/>
                     </a:schemeClr>
                   </a:outerShdw>
                 </a:effectLst>
@@ -13345,14 +12746,14 @@
           </a:p>
           <a:p>
             <a:r>
-              <a:rPr lang="pt-PT" sz="3200" dirty="0">
+              <a:rPr lang="pt-PT" sz="3200" b="1" dirty="0">
                 <a:solidFill>
                   <a:schemeClr val="bg1"/>
                 </a:solidFill>
                 <a:effectLst>
-                  <a:outerShdw dist="38100" dir="2700000" algn="tl" rotWithShape="0">
-                    <a:schemeClr val="tx1">
-                      <a:alpha val="40000"/>
+                  <a:outerShdw blurRad="50800" dist="38100" dir="2700000" algn="tl" rotWithShape="0">
+                    <a:schemeClr val="bg1">
+                      <a:lumMod val="50000"/>
                     </a:schemeClr>
                   </a:outerShdw>
                 </a:effectLst>
@@ -13386,14 +12787,14 @@
             <a:fld id="{2183B7EE-0FBE-B749-875F-ED24F5ECD71F}" type="slidenum">
               <a:rPr lang="en-US" smtClean="0">
                 <a:solidFill>
-                  <a:schemeClr val="bg1"/>
+                  <a:schemeClr val="tx1"/>
                 </a:solidFill>
               </a:rPr>
               <a:t>20</a:t>
             </a:fld>
             <a:endParaRPr lang="en-US">
               <a:solidFill>
-                <a:schemeClr val="bg1"/>
+                <a:schemeClr val="tx1"/>
               </a:solidFill>
             </a:endParaRPr>
           </a:p>
@@ -13428,43 +12829,23 @@
           <a:lstStyle/>
           <a:p>
             <a:r>
-              <a:rPr lang="pt-BR" sz="1000">
-                <a:solidFill>
-                  <a:schemeClr val="bg1"/>
-                </a:solidFill>
-              </a:rPr>
+              <a:rPr lang="pt-BR" sz="1000"/>
               <a:t>Imagem: </a:t>
             </a:r>
             <a:r>
-              <a:rPr lang="pt-BR" sz="1000" err="1">
-                <a:solidFill>
-                  <a:schemeClr val="bg1"/>
-                </a:solidFill>
-              </a:rPr>
+              <a:rPr lang="pt-BR" sz="1000" err="1"/>
               <a:t>https</a:t>
             </a:r>
             <a:r>
-              <a:rPr lang="pt-BR" sz="1000">
-                <a:solidFill>
-                  <a:schemeClr val="bg1"/>
-                </a:solidFill>
-              </a:rPr>
+              <a:rPr lang="pt-BR" sz="1000"/>
               <a:t>://</a:t>
             </a:r>
             <a:r>
-              <a:rPr lang="pt-BR" sz="1000" err="1">
-                <a:solidFill>
-                  <a:schemeClr val="bg1"/>
-                </a:solidFill>
-              </a:rPr>
+              <a:rPr lang="pt-BR" sz="1000" err="1"/>
               <a:t>theascent.pub</a:t>
             </a:r>
             <a:r>
-              <a:rPr lang="pt-BR" sz="1000">
-                <a:solidFill>
-                  <a:schemeClr val="bg1"/>
-                </a:solidFill>
-              </a:rPr>
+              <a:rPr lang="pt-BR" sz="1000"/>
               <a:t>/how-i-started-using-baby-steps-to-bring-about-positive-change-in-my-life-1759b530d6a4</a:t>
             </a:r>
           </a:p>
@@ -13683,13 +13064,13 @@
 </file>
 
 <file path=ppt/slides/slide21.xml><?xml version="1.0" encoding="utf-8"?>
-<p:sld xmlns:a="http://schemas.openxmlformats.org/drawingml/2006/main" xmlns:r="http://schemas.openxmlformats.org/officeDocument/2006/relationships" xmlns:p="http://schemas.openxmlformats.org/presentationml/2006/main">
+<p:sld xmlns:a="http://schemas.openxmlformats.org/drawingml/2006/main" xmlns:r="http://schemas.openxmlformats.org/officeDocument/2006/relationships" xmlns:p="http://schemas.openxmlformats.org/presentationml/2006/main" showMasterSp="0">
   <p:cSld>
     <p:bg>
       <p:bgPr>
         <a:blipFill dpi="0" rotWithShape="1">
           <a:blip r:embed="rId2">
-            <a:alphaModFix amt="48000"/>
+            <a:alphaModFix amt="74000"/>
             <a:lum/>
           </a:blip>
           <a:srcRect/>
@@ -13744,33 +13125,61 @@
           <a:p>
             <a:pPr algn="ctr"/>
             <a:r>
-              <a:rPr lang="pt-BR" b="1">
+              <a:rPr lang="pt-BR" b="1" dirty="0">
                 <a:solidFill>
                   <a:schemeClr val="bg1"/>
                 </a:solidFill>
+                <a:effectLst>
+                  <a:outerShdw blurRad="50800" dist="38100" dir="2700000" algn="tl" rotWithShape="0">
+                    <a:schemeClr val="bg1">
+                      <a:lumMod val="50000"/>
+                    </a:schemeClr>
+                  </a:outerShdw>
+                </a:effectLst>
               </a:rPr>
               <a:t>Enfim, Porque aplicar </a:t>
             </a:r>
             <a:r>
-              <a:rPr lang="pt-BR" b="1" err="1">
+              <a:rPr lang="pt-BR" b="1" dirty="0" err="1">
                 <a:solidFill>
                   <a:schemeClr val="bg1"/>
                 </a:solidFill>
+                <a:effectLst>
+                  <a:outerShdw blurRad="50800" dist="38100" dir="2700000" algn="tl" rotWithShape="0">
+                    <a:schemeClr val="bg1">
+                      <a:lumMod val="50000"/>
+                    </a:schemeClr>
+                  </a:outerShdw>
+                </a:effectLst>
               </a:rPr>
               <a:t>tdd</a:t>
             </a:r>
             <a:r>
-              <a:rPr lang="pt-BR" b="1">
+              <a:rPr lang="pt-BR" b="1" dirty="0">
                 <a:solidFill>
                   <a:schemeClr val="bg1"/>
                 </a:solidFill>
+                <a:effectLst>
+                  <a:outerShdw blurRad="50800" dist="38100" dir="2700000" algn="tl" rotWithShape="0">
+                    <a:schemeClr val="bg1">
+                      <a:lumMod val="50000"/>
+                    </a:schemeClr>
+                  </a:outerShdw>
+                </a:effectLst>
               </a:rPr>
               <a:t>?</a:t>
             </a:r>
-            <a:endParaRPr lang="pt-BR">
+            <a:endParaRPr lang="pt-BR" dirty="0">
               <a:solidFill>
                 <a:schemeClr val="bg1"/>
               </a:solidFill>
+              <a:effectLst>
+                <a:outerShdw blurRad="50800" dist="38100" dir="2700000" algn="tl" rotWithShape="0">
+                  <a:schemeClr val="bg1">
+                    <a:lumMod val="50000"/>
+                  </a:schemeClr>
+                </a:outerShdw>
+              </a:effectLst>
             </a:endParaRPr>
           </a:p>
         </p:txBody>
@@ -13809,9 +13218,9 @@
                   <a:schemeClr val="bg1"/>
                 </a:solidFill>
                 <a:effectLst>
-                  <a:outerShdw dist="38100" dir="2700000" algn="tl" rotWithShape="0">
-                    <a:schemeClr val="tx1">
-                      <a:alpha val="40000"/>
+                  <a:outerShdw blurRad="50800" dist="38100" dir="2700000" algn="tl" rotWithShape="0">
+                    <a:schemeClr val="bg1">
+                      <a:lumMod val="50000"/>
                     </a:schemeClr>
                   </a:outerShdw>
                 </a:effectLst>
@@ -13824,9 +13233,9 @@
                   <a:schemeClr val="bg1"/>
                 </a:solidFill>
                 <a:effectLst>
-                  <a:outerShdw dist="38100" dir="2700000" algn="tl" rotWithShape="0">
-                    <a:schemeClr val="tx1">
-                      <a:alpha val="40000"/>
+                  <a:outerShdw blurRad="50800" dist="38100" dir="2700000" algn="tl" rotWithShape="0">
+                    <a:schemeClr val="bg1">
+                      <a:lumMod val="50000"/>
                     </a:schemeClr>
                   </a:outerShdw>
                 </a:effectLst>
@@ -13839,9 +13248,9 @@
                   <a:schemeClr val="bg1"/>
                 </a:solidFill>
                 <a:effectLst>
-                  <a:outerShdw dist="38100" dir="2700000" algn="tl" rotWithShape="0">
-                    <a:schemeClr val="tx1">
-                      <a:alpha val="40000"/>
+                  <a:outerShdw blurRad="50800" dist="38100" dir="2700000" algn="tl" rotWithShape="0">
+                    <a:schemeClr val="bg1">
+                      <a:lumMod val="50000"/>
                     </a:schemeClr>
                   </a:outerShdw>
                 </a:effectLst>
@@ -13854,9 +13263,9 @@
                   <a:schemeClr val="bg1"/>
                 </a:solidFill>
                 <a:effectLst>
-                  <a:outerShdw dist="38100" dir="2700000" algn="tl" rotWithShape="0">
-                    <a:schemeClr val="tx1">
-                      <a:alpha val="40000"/>
+                  <a:outerShdw blurRad="50800" dist="38100" dir="2700000" algn="tl" rotWithShape="0">
+                    <a:schemeClr val="bg1">
+                      <a:lumMod val="50000"/>
                     </a:schemeClr>
                   </a:outerShdw>
                 </a:effectLst>
@@ -13869,9 +13278,9 @@
                   <a:schemeClr val="bg1"/>
                 </a:solidFill>
                 <a:effectLst>
-                  <a:outerShdw dist="38100" dir="2700000" algn="tl" rotWithShape="0">
-                    <a:schemeClr val="tx1">
-                      <a:alpha val="40000"/>
+                  <a:outerShdw blurRad="50800" dist="38100" dir="2700000" algn="tl" rotWithShape="0">
+                    <a:schemeClr val="bg1">
+                      <a:lumMod val="50000"/>
                     </a:schemeClr>
                   </a:outerShdw>
                 </a:effectLst>
@@ -13886,9 +13295,9 @@
                   <a:schemeClr val="bg1"/>
                 </a:solidFill>
                 <a:effectLst>
-                  <a:outerShdw dist="38100" dir="2700000" algn="tl" rotWithShape="0">
-                    <a:schemeClr val="tx1">
-                      <a:alpha val="40000"/>
+                  <a:outerShdw blurRad="50800" dist="38100" dir="2700000" algn="tl" rotWithShape="0">
+                    <a:schemeClr val="bg1">
+                      <a:lumMod val="50000"/>
                     </a:schemeClr>
                   </a:outerShdw>
                 </a:effectLst>
@@ -13901,9 +13310,9 @@
                   <a:schemeClr val="bg1"/>
                 </a:solidFill>
                 <a:effectLst>
-                  <a:outerShdw dist="38100" dir="2700000" algn="tl" rotWithShape="0">
-                    <a:schemeClr val="tx1">
-                      <a:alpha val="40000"/>
+                  <a:outerShdw blurRad="50800" dist="38100" dir="2700000" algn="tl" rotWithShape="0">
+                    <a:schemeClr val="bg1">
+                      <a:lumMod val="50000"/>
                     </a:schemeClr>
                   </a:outerShdw>
                 </a:effectLst>
@@ -13923,9 +13332,9 @@
                   <a:schemeClr val="bg1"/>
                 </a:solidFill>
                 <a:effectLst>
-                  <a:outerShdw dist="38100" dir="2700000" algn="tl" rotWithShape="0">
-                    <a:schemeClr val="tx1">
-                      <a:alpha val="40000"/>
+                  <a:outerShdw blurRad="50800" dist="38100" dir="2700000" algn="tl" rotWithShape="0">
+                    <a:schemeClr val="bg1">
+                      <a:lumMod val="50000"/>
                     </a:schemeClr>
                   </a:outerShdw>
                 </a:effectLst>
@@ -13945,9 +13354,9 @@
                   <a:schemeClr val="bg1"/>
                 </a:solidFill>
                 <a:effectLst>
-                  <a:outerShdw dist="38100" dir="2700000" algn="tl" rotWithShape="0">
-                    <a:schemeClr val="tx1">
-                      <a:alpha val="40000"/>
+                  <a:outerShdw blurRad="50800" dist="38100" dir="2700000" algn="tl" rotWithShape="0">
+                    <a:schemeClr val="bg1">
+                      <a:lumMod val="50000"/>
                     </a:schemeClr>
                   </a:outerShdw>
                 </a:effectLst>
@@ -13966,9 +13375,9 @@
                 <a:schemeClr val="bg1"/>
               </a:solidFill>
               <a:effectLst>
-                <a:outerShdw dist="38100" dir="2700000" algn="tl" rotWithShape="0">
-                  <a:schemeClr val="tx1">
-                    <a:alpha val="40000"/>
+                <a:outerShdw blurRad="50800" dist="38100" dir="2700000" algn="tl" rotWithShape="0">
+                  <a:schemeClr val="bg1">
+                    <a:lumMod val="50000"/>
                   </a:schemeClr>
                 </a:outerShdw>
               </a:effectLst>
@@ -13981,9 +13390,9 @@
                   <a:schemeClr val="bg1"/>
                 </a:solidFill>
                 <a:effectLst>
-                  <a:outerShdw dist="38100" dir="2700000" algn="tl" rotWithShape="0">
-                    <a:schemeClr val="tx1">
-                      <a:alpha val="40000"/>
+                  <a:outerShdw blurRad="50800" dist="38100" dir="2700000" algn="tl" rotWithShape="0">
+                    <a:schemeClr val="bg1">
+                      <a:lumMod val="50000"/>
                     </a:schemeClr>
                   </a:outerShdw>
                 </a:effectLst>
@@ -13996,9 +13405,9 @@
                   <a:schemeClr val="bg1"/>
                 </a:solidFill>
                 <a:effectLst>
-                  <a:outerShdw dist="38100" dir="2700000" algn="tl" rotWithShape="0">
-                    <a:schemeClr val="tx1">
-                      <a:alpha val="40000"/>
+                  <a:outerShdw blurRad="50800" dist="38100" dir="2700000" algn="tl" rotWithShape="0">
+                    <a:schemeClr val="bg1">
+                      <a:lumMod val="50000"/>
                     </a:schemeClr>
                   </a:outerShdw>
                 </a:effectLst>
@@ -14011,9 +13420,9 @@
                   <a:schemeClr val="bg1"/>
                 </a:solidFill>
                 <a:effectLst>
-                  <a:outerShdw dist="38100" dir="2700000" algn="tl" rotWithShape="0">
-                    <a:schemeClr val="tx1">
-                      <a:alpha val="40000"/>
+                  <a:outerShdw blurRad="50800" dist="38100" dir="2700000" algn="tl" rotWithShape="0">
+                    <a:schemeClr val="bg1">
+                      <a:lumMod val="50000"/>
                     </a:schemeClr>
                   </a:outerShdw>
                 </a:effectLst>
@@ -14047,14 +13456,14 @@
             <a:fld id="{2183B7EE-0FBE-B749-875F-ED24F5ECD71F}" type="slidenum">
               <a:rPr lang="en-US" smtClean="0">
                 <a:solidFill>
-                  <a:schemeClr val="bg1"/>
+                  <a:schemeClr val="tx1"/>
                 </a:solidFill>
               </a:rPr>
               <a:t>21</a:t>
             </a:fld>
             <a:endParaRPr lang="en-US">
               <a:solidFill>
-                <a:schemeClr val="bg1"/>
+                <a:schemeClr val="tx1"/>
               </a:solidFill>
             </a:endParaRPr>
           </a:p>
@@ -14089,43 +13498,23 @@
           <a:lstStyle/>
           <a:p>
             <a:r>
-              <a:rPr lang="pt-BR" sz="1000">
-                <a:solidFill>
-                  <a:schemeClr val="bg1"/>
-                </a:solidFill>
-              </a:rPr>
+              <a:rPr lang="pt-BR" sz="1000"/>
               <a:t>Imagem: </a:t>
             </a:r>
             <a:r>
-              <a:rPr lang="pt-BR" sz="1000" err="1">
-                <a:solidFill>
-                  <a:schemeClr val="bg1"/>
-                </a:solidFill>
-              </a:rPr>
+              <a:rPr lang="pt-BR" sz="1000" err="1"/>
               <a:t>https</a:t>
             </a:r>
             <a:r>
-              <a:rPr lang="pt-BR" sz="1000">
-                <a:solidFill>
-                  <a:schemeClr val="bg1"/>
-                </a:solidFill>
-              </a:rPr>
+              <a:rPr lang="pt-BR" sz="1000"/>
               <a:t>://</a:t>
             </a:r>
             <a:r>
-              <a:rPr lang="pt-BR" sz="1000" err="1">
-                <a:solidFill>
-                  <a:schemeClr val="bg1"/>
-                </a:solidFill>
-              </a:rPr>
+              <a:rPr lang="pt-BR" sz="1000" err="1"/>
               <a:t>theascent.pub</a:t>
             </a:r>
             <a:r>
-              <a:rPr lang="pt-BR" sz="1000">
-                <a:solidFill>
-                  <a:schemeClr val="bg1"/>
-                </a:solidFill>
-              </a:rPr>
+              <a:rPr lang="pt-BR" sz="1000"/>
               <a:t>/how-i-started-using-baby-steps-to-bring-about-positive-change-in-my-life-1759b530d6a4</a:t>
             </a:r>
           </a:p>
@@ -14453,16 +13842,6 @@
 <file path=ppt/slides/slide22.xml><?xml version="1.0" encoding="utf-8"?>
 <p:sld xmlns:a="http://schemas.openxmlformats.org/drawingml/2006/main" xmlns:r="http://schemas.openxmlformats.org/officeDocument/2006/relationships" xmlns:p="http://schemas.openxmlformats.org/presentationml/2006/main">
   <p:cSld>
-    <p:bg>
-      <p:bgPr>
-        <a:solidFill>
-          <a:schemeClr val="tx1">
-            <a:lumMod val="95000"/>
-          </a:schemeClr>
-        </a:solidFill>
-        <a:effectLst/>
-      </p:bgPr>
-    </p:bg>
     <p:spTree>
       <p:nvGrpSpPr>
         <p:cNvPr id="1" name=""/>
@@ -14507,54 +13886,18 @@
           <a:p>
             <a:pPr algn="ctr"/>
             <a:r>
-              <a:rPr lang="pt-BR" b="1" dirty="0">
-                <a:solidFill>
-                  <a:schemeClr val="bg1"/>
-                </a:solidFill>
-                <a:effectLst>
-                  <a:outerShdw blurRad="50800" dist="50800" dir="5400000" algn="ctr" rotWithShape="0">
-                    <a:schemeClr val="tx1"/>
-                  </a:outerShdw>
-                </a:effectLst>
-              </a:rPr>
+              <a:rPr lang="pt-BR" b="1" dirty="0"/>
               <a:t>Enfim, Porque aplicar </a:t>
             </a:r>
             <a:r>
-              <a:rPr lang="pt-BR" b="1" dirty="0" err="1">
-                <a:solidFill>
-                  <a:schemeClr val="bg1"/>
-                </a:solidFill>
-                <a:effectLst>
-                  <a:outerShdw blurRad="50800" dist="50800" dir="5400000" algn="ctr" rotWithShape="0">
-                    <a:schemeClr val="tx1"/>
-                  </a:outerShdw>
-                </a:effectLst>
-              </a:rPr>
+              <a:rPr lang="pt-BR" b="1" dirty="0" err="1"/>
               <a:t>tdd</a:t>
             </a:r>
             <a:r>
-              <a:rPr lang="pt-BR" b="1" dirty="0">
-                <a:solidFill>
-                  <a:schemeClr val="bg1"/>
-                </a:solidFill>
-                <a:effectLst>
-                  <a:outerShdw blurRad="50800" dist="50800" dir="5400000" algn="ctr" rotWithShape="0">
-                    <a:schemeClr val="tx1"/>
-                  </a:outerShdw>
-                </a:effectLst>
-              </a:rPr>
+              <a:rPr lang="pt-BR" b="1" dirty="0"/>
               <a:t>?</a:t>
             </a:r>
-            <a:endParaRPr lang="pt-BR" dirty="0">
-              <a:solidFill>
-                <a:schemeClr val="bg1"/>
-              </a:solidFill>
-              <a:effectLst>
-                <a:outerShdw blurRad="50800" dist="50800" dir="5400000" algn="ctr" rotWithShape="0">
-                  <a:schemeClr val="tx1"/>
-                </a:outerShdw>
-              </a:effectLst>
-            </a:endParaRPr>
+            <a:endParaRPr lang="pt-BR" dirty="0"/>
           </a:p>
         </p:txBody>
       </p:sp>
@@ -14588,9 +13931,6 @@
           <a:p>
             <a:r>
               <a:rPr lang="pt-PT" sz="3200" dirty="0">
-                <a:solidFill>
-                  <a:schemeClr val="bg1"/>
-                </a:solidFill>
                 <a:effectLst>
                   <a:outerShdw blurRad="50800" dist="38100" algn="l" rotWithShape="0">
                     <a:schemeClr val="bg1">
@@ -14603,9 +13943,6 @@
             </a:r>
             <a:r>
               <a:rPr lang="pt-PT" sz="3200" i="1" dirty="0" err="1">
-                <a:solidFill>
-                  <a:schemeClr val="bg1"/>
-                </a:solidFill>
                 <a:effectLst>
                   <a:outerShdw blurRad="50800" dist="38100" algn="l" rotWithShape="0">
                     <a:schemeClr val="bg1">
@@ -14618,9 +13955,6 @@
             </a:r>
             <a:r>
               <a:rPr lang="pt-PT" sz="3200" i="1" dirty="0">
-                <a:solidFill>
-                  <a:schemeClr val="bg1"/>
-                </a:solidFill>
                 <a:effectLst>
                   <a:outerShdw blurRad="50800" dist="38100" algn="l" rotWithShape="0">
                     <a:schemeClr val="bg1">
@@ -14633,9 +13967,6 @@
             </a:r>
             <a:r>
               <a:rPr lang="pt-PT" sz="3200" i="1" dirty="0" err="1">
-                <a:solidFill>
-                  <a:schemeClr val="bg1"/>
-                </a:solidFill>
                 <a:effectLst>
                   <a:outerShdw blurRad="50800" dist="38100" algn="l" rotWithShape="0">
                     <a:schemeClr val="bg1">
@@ -14648,9 +13979,6 @@
             </a:r>
             <a:r>
               <a:rPr lang="pt-PT" sz="3200" i="1" dirty="0">
-                <a:solidFill>
-                  <a:schemeClr val="bg1"/>
-                </a:solidFill>
                 <a:effectLst>
                   <a:outerShdw blurRad="50800" dist="38100" algn="l" rotWithShape="0">
                     <a:schemeClr val="bg1">
@@ -14663,9 +13991,6 @@
             </a:r>
             <a:r>
               <a:rPr lang="pt-PT" sz="3200" i="1" dirty="0" err="1">
-                <a:solidFill>
-                  <a:schemeClr val="bg1"/>
-                </a:solidFill>
                 <a:effectLst>
                   <a:outerShdw blurRad="50800" dist="38100" algn="l" rotWithShape="0">
                     <a:schemeClr val="bg1">
@@ -14678,9 +14003,6 @@
             </a:r>
             <a:r>
               <a:rPr lang="pt-PT" sz="3200" i="1" dirty="0">
-                <a:solidFill>
-                  <a:schemeClr val="bg1"/>
-                </a:solidFill>
                 <a:effectLst>
                   <a:outerShdw blurRad="50800" dist="38100" algn="l" rotWithShape="0">
                     <a:schemeClr val="bg1">
@@ -14693,9 +14015,6 @@
             </a:r>
             <a:r>
               <a:rPr lang="pt-PT" sz="3200" i="1" dirty="0" err="1">
-                <a:solidFill>
-                  <a:schemeClr val="bg1"/>
-                </a:solidFill>
                 <a:effectLst>
                   <a:outerShdw blurRad="50800" dist="38100" algn="l" rotWithShape="0">
                     <a:schemeClr val="bg1">
@@ -14708,9 +14027,6 @@
             </a:r>
             <a:r>
               <a:rPr lang="pt-PT" sz="3200" i="1" dirty="0">
-                <a:solidFill>
-                  <a:schemeClr val="bg1"/>
-                </a:solidFill>
                 <a:effectLst>
                   <a:outerShdw blurRad="50800" dist="38100" algn="l" rotWithShape="0">
                     <a:schemeClr val="bg1">
@@ -14723,9 +14039,6 @@
             </a:r>
             <a:r>
               <a:rPr lang="pt-PT" sz="3200" i="1" dirty="0" err="1">
-                <a:solidFill>
-                  <a:schemeClr val="bg1"/>
-                </a:solidFill>
                 <a:effectLst>
                   <a:outerShdw blurRad="50800" dist="38100" algn="l" rotWithShape="0">
                     <a:schemeClr val="bg1">
@@ -14738,9 +14051,6 @@
             </a:r>
             <a:r>
               <a:rPr lang="pt-PT" sz="3200" dirty="0">
-                <a:solidFill>
-                  <a:schemeClr val="bg1"/>
-                </a:solidFill>
                 <a:effectLst>
                   <a:outerShdw blurRad="50800" dist="38100" algn="l" rotWithShape="0">
                     <a:schemeClr val="bg1">
@@ -14753,9 +14063,6 @@
             </a:r>
             <a:r>
               <a:rPr lang="pt-PT" sz="3200" b="1" dirty="0">
-                <a:solidFill>
-                  <a:schemeClr val="bg1"/>
-                </a:solidFill>
                 <a:effectLst>
                   <a:outerShdw blurRad="50800" dist="38100" algn="l" rotWithShape="0">
                     <a:schemeClr val="bg1">
@@ -14768,9 +14075,6 @@
             </a:r>
             <a:r>
               <a:rPr lang="pt-PT" sz="3200" dirty="0">
-                <a:solidFill>
-                  <a:schemeClr val="bg1"/>
-                </a:solidFill>
                 <a:effectLst>
                   <a:outerShdw blurRad="50800" dist="38100" algn="l" rotWithShape="0">
                     <a:schemeClr val="bg1">
@@ -14808,14 +14112,14 @@
             <a:fld id="{2183B7EE-0FBE-B749-875F-ED24F5ECD71F}" type="slidenum">
               <a:rPr lang="en-US" smtClean="0">
                 <a:solidFill>
-                  <a:schemeClr val="bg1"/>
+                  <a:schemeClr val="tx1"/>
                 </a:solidFill>
               </a:rPr>
               <a:t>22</a:t>
             </a:fld>
             <a:endParaRPr lang="en-US">
               <a:solidFill>
-                <a:schemeClr val="bg1"/>
+                <a:schemeClr val="tx1"/>
               </a:solidFill>
             </a:endParaRPr>
           </a:p>
@@ -14851,145 +14155,73 @@
           <a:p>
             <a:pPr algn="ctr"/>
             <a:r>
-              <a:rPr lang="pt-BR" sz="1000" dirty="0">
-                <a:solidFill>
-                  <a:schemeClr val="bg1"/>
-                </a:solidFill>
-              </a:rPr>
+              <a:rPr lang="pt-BR" sz="1000" dirty="0"/>
               <a:t>Imagens: </a:t>
             </a:r>
             <a:br>
-              <a:rPr lang="pt-BR" sz="1000" dirty="0">
-                <a:solidFill>
-                  <a:schemeClr val="bg1"/>
-                </a:solidFill>
-              </a:rPr>
+              <a:rPr lang="pt-BR" sz="1000" dirty="0"/>
             </a:br>
             <a:r>
-              <a:rPr lang="pt-BR" sz="1000" dirty="0" err="1">
-                <a:solidFill>
-                  <a:schemeClr val="bg1"/>
-                </a:solidFill>
-              </a:rPr>
+              <a:rPr lang="pt-BR" sz="1000" dirty="0" err="1"/>
               <a:t>http</a:t>
             </a:r>
             <a:r>
-              <a:rPr lang="pt-BR" sz="1000" dirty="0">
-                <a:solidFill>
-                  <a:schemeClr val="bg1"/>
-                </a:solidFill>
-              </a:rPr>
+              <a:rPr lang="pt-BR" sz="1000" dirty="0"/>
               <a:t>://</a:t>
             </a:r>
             <a:r>
-              <a:rPr lang="pt-BR" sz="1000" dirty="0" err="1">
-                <a:solidFill>
-                  <a:schemeClr val="bg1"/>
-                </a:solidFill>
-              </a:rPr>
+              <a:rPr lang="pt-BR" sz="1000" dirty="0" err="1"/>
               <a:t>theartofopinion.blogspot.com</a:t>
             </a:r>
             <a:r>
-              <a:rPr lang="pt-BR" sz="1000" dirty="0">
-                <a:solidFill>
-                  <a:schemeClr val="bg1"/>
-                </a:solidFill>
-              </a:rPr>
+              <a:rPr lang="pt-BR" sz="1000" dirty="0"/>
               <a:t>/2006/11/</a:t>
             </a:r>
             <a:r>
-              <a:rPr lang="pt-BR" sz="1000" dirty="0" err="1">
-                <a:solidFill>
-                  <a:schemeClr val="bg1"/>
-                </a:solidFill>
-              </a:rPr>
+              <a:rPr lang="pt-BR" sz="1000" dirty="0" err="1"/>
               <a:t>iraq</a:t>
             </a:r>
             <a:r>
-              <a:rPr lang="pt-BR" sz="1000" dirty="0">
-                <a:solidFill>
-                  <a:schemeClr val="bg1"/>
-                </a:solidFill>
-              </a:rPr>
+              <a:rPr lang="pt-BR" sz="1000" dirty="0"/>
               <a:t>-usa-</a:t>
             </a:r>
             <a:r>
-              <a:rPr lang="pt-BR" sz="1000" dirty="0" err="1">
-                <a:solidFill>
-                  <a:schemeClr val="bg1"/>
-                </a:solidFill>
-              </a:rPr>
+              <a:rPr lang="pt-BR" sz="1000" dirty="0" err="1"/>
               <a:t>you</a:t>
             </a:r>
             <a:r>
-              <a:rPr lang="pt-BR" sz="1000" dirty="0">
-                <a:solidFill>
-                  <a:schemeClr val="bg1"/>
-                </a:solidFill>
-              </a:rPr>
+              <a:rPr lang="pt-BR" sz="1000" dirty="0"/>
               <a:t>-break-it-</a:t>
             </a:r>
             <a:r>
-              <a:rPr lang="pt-BR" sz="1000" dirty="0" err="1">
-                <a:solidFill>
-                  <a:schemeClr val="bg1"/>
-                </a:solidFill>
-              </a:rPr>
+              <a:rPr lang="pt-BR" sz="1000" dirty="0" err="1"/>
               <a:t>you</a:t>
             </a:r>
             <a:r>
-              <a:rPr lang="pt-BR" sz="1000" dirty="0">
-                <a:solidFill>
-                  <a:schemeClr val="bg1"/>
-                </a:solidFill>
-              </a:rPr>
+              <a:rPr lang="pt-BR" sz="1000" dirty="0"/>
               <a:t>-</a:t>
             </a:r>
             <a:r>
-              <a:rPr lang="pt-BR" sz="1000" dirty="0" err="1">
-                <a:solidFill>
-                  <a:schemeClr val="bg1"/>
-                </a:solidFill>
-              </a:rPr>
+              <a:rPr lang="pt-BR" sz="1000" dirty="0" err="1"/>
               <a:t>own-it.html</a:t>
             </a:r>
             <a:br>
-              <a:rPr lang="pt-BR" sz="1000" dirty="0">
-                <a:solidFill>
-                  <a:schemeClr val="bg1"/>
-                </a:solidFill>
-              </a:rPr>
+              <a:rPr lang="pt-BR" sz="1000" dirty="0"/>
             </a:br>
             <a:r>
-              <a:rPr lang="pt-BR" sz="1000" dirty="0" err="1">
-                <a:solidFill>
-                  <a:schemeClr val="bg1"/>
-                </a:solidFill>
-              </a:rPr>
+              <a:rPr lang="pt-BR" sz="1000" dirty="0" err="1"/>
               <a:t>http</a:t>
             </a:r>
             <a:r>
-              <a:rPr lang="pt-BR" sz="1000" dirty="0">
-                <a:solidFill>
-                  <a:schemeClr val="bg1"/>
-                </a:solidFill>
-              </a:rPr>
+              <a:rPr lang="pt-BR" sz="1000" dirty="0"/>
               <a:t>://</a:t>
             </a:r>
             <a:r>
-              <a:rPr lang="pt-BR" sz="1000" dirty="0" err="1">
-                <a:solidFill>
-                  <a:schemeClr val="bg1"/>
-                </a:solidFill>
-              </a:rPr>
+              <a:rPr lang="pt-BR" sz="1000" dirty="0" err="1"/>
               <a:t>blogs.correiobraziliense.com.br</a:t>
             </a:r>
             <a:r>
-              <a:rPr lang="pt-BR" sz="1000" dirty="0">
-                <a:solidFill>
-                  <a:schemeClr val="bg1"/>
-                </a:solidFill>
-              </a:rPr>
+              <a:rPr lang="pt-BR" sz="1000" dirty="0"/>
               <a:t>/consumidor/quebrei-uma-mercadoria-em-uma-loja-preciso-pagar/</a:t>
             </a:r>
           </a:p>
@@ -15235,16 +14467,6 @@
 <file path=ppt/slides/slide23.xml><?xml version="1.0" encoding="utf-8"?>
 <p:sld xmlns:a="http://schemas.openxmlformats.org/drawingml/2006/main" xmlns:r="http://schemas.openxmlformats.org/officeDocument/2006/relationships" xmlns:p="http://schemas.openxmlformats.org/presentationml/2006/main">
   <p:cSld>
-    <p:bg>
-      <p:bgPr>
-        <a:solidFill>
-          <a:schemeClr val="tx1">
-            <a:lumMod val="95000"/>
-          </a:schemeClr>
-        </a:solidFill>
-        <a:effectLst/>
-      </p:bgPr>
-    </p:bg>
     <p:spTree>
       <p:nvGrpSpPr>
         <p:cNvPr id="1" name=""/>
@@ -15289,34 +14511,18 @@
           <a:p>
             <a:pPr algn="ctr"/>
             <a:r>
-              <a:rPr lang="pt-BR" b="1">
-                <a:solidFill>
-                  <a:schemeClr val="bg1"/>
-                </a:solidFill>
-              </a:rPr>
+              <a:rPr lang="pt-BR" b="1" dirty="0"/>
               <a:t>como Aplicar </a:t>
             </a:r>
             <a:r>
-              <a:rPr lang="pt-BR" b="1" err="1">
-                <a:solidFill>
-                  <a:schemeClr val="bg1"/>
-                </a:solidFill>
-              </a:rPr>
+              <a:rPr lang="pt-BR" b="1" dirty="0" err="1"/>
               <a:t>tdd</a:t>
             </a:r>
             <a:r>
-              <a:rPr lang="pt-BR" b="1">
-                <a:solidFill>
-                  <a:schemeClr val="bg1"/>
-                </a:solidFill>
-              </a:rPr>
+              <a:rPr lang="pt-BR" b="1" dirty="0"/>
               <a:t>?</a:t>
             </a:r>
-            <a:endParaRPr lang="pt-BR" cap="none">
-              <a:solidFill>
-                <a:schemeClr val="bg1"/>
-              </a:solidFill>
-            </a:endParaRPr>
+            <a:endParaRPr lang="pt-BR" cap="none" dirty="0"/>
           </a:p>
         </p:txBody>
       </p:sp>
@@ -15349,187 +14555,47 @@
           <a:lstStyle/>
           <a:p>
             <a:r>
-              <a:rPr lang="pt-PT" sz="3200" dirty="0">
-                <a:solidFill>
-                  <a:schemeClr val="bg1"/>
-                </a:solidFill>
-                <a:effectLst>
-                  <a:outerShdw blurRad="63500" dist="63500" dir="2700000" algn="tl" rotWithShape="0">
-                    <a:schemeClr val="tx1">
-                      <a:lumMod val="50000"/>
-                      <a:alpha val="98000"/>
-                    </a:schemeClr>
-                  </a:outerShdw>
-                </a:effectLst>
-              </a:rPr>
+              <a:rPr lang="pt-PT" sz="3200" dirty="0"/>
               <a:t>Escrevemos o teste antes de qualquer código!</a:t>
             </a:r>
           </a:p>
           <a:p>
             <a:r>
-              <a:rPr lang="pt-PT" sz="3200" dirty="0">
-                <a:solidFill>
-                  <a:schemeClr val="bg1"/>
-                </a:solidFill>
-                <a:effectLst>
-                  <a:outerShdw blurRad="63500" dist="63500" dir="2700000" algn="tl" rotWithShape="0">
-                    <a:schemeClr val="tx1">
-                      <a:lumMod val="50000"/>
-                      <a:alpha val="98000"/>
-                    </a:schemeClr>
-                  </a:outerShdw>
-                </a:effectLst>
-              </a:rPr>
+              <a:rPr lang="pt-PT" sz="3200" dirty="0"/>
               <a:t>Como assim???? 🤔</a:t>
             </a:r>
           </a:p>
           <a:p>
             <a:r>
-              <a:rPr lang="pt-PT" sz="3200" dirty="0">
-                <a:solidFill>
-                  <a:schemeClr val="bg1"/>
-                </a:solidFill>
-                <a:effectLst>
-                  <a:outerShdw blurRad="63500" dist="63500" dir="2700000" algn="tl" rotWithShape="0">
-                    <a:schemeClr val="tx1">
-                      <a:lumMod val="50000"/>
-                      <a:alpha val="98000"/>
-                    </a:schemeClr>
-                  </a:outerShdw>
-                </a:effectLst>
-              </a:rPr>
+              <a:rPr lang="pt-PT" sz="3200" dirty="0"/>
               <a:t>É isso mesmo que disse!</a:t>
             </a:r>
           </a:p>
           <a:p>
             <a:r>
-              <a:rPr lang="pt-PT" sz="3200" dirty="0">
-                <a:solidFill>
-                  <a:schemeClr val="bg1"/>
-                </a:solidFill>
-                <a:effectLst>
-                  <a:outerShdw blurRad="63500" dist="63500" dir="2700000" algn="tl" rotWithShape="0">
-                    <a:schemeClr val="tx1">
-                      <a:lumMod val="50000"/>
-                      <a:alpha val="98000"/>
-                    </a:schemeClr>
-                  </a:outerShdw>
-                </a:effectLst>
-              </a:rPr>
+              <a:rPr lang="pt-PT" sz="3200" dirty="0"/>
               <a:t>Escrevendo o teste antes do código, temos que pensar em quais são os valores de entrada e qual o resultado esperado</a:t>
             </a:r>
           </a:p>
           <a:p>
             <a:r>
-              <a:rPr lang="pt-PT" sz="3200" dirty="0">
-                <a:solidFill>
-                  <a:schemeClr val="bg1"/>
-                </a:solidFill>
-                <a:effectLst>
-                  <a:outerShdw blurRad="63500" dist="63500" dir="2700000" algn="tl" rotWithShape="0">
-                    <a:schemeClr val="tx1">
-                      <a:lumMod val="50000"/>
-                      <a:alpha val="98000"/>
-                    </a:schemeClr>
-                  </a:outerShdw>
-                </a:effectLst>
-              </a:rPr>
+              <a:rPr lang="pt-PT" sz="3200" dirty="0"/>
               <a:t>TDD é aplicado em um ciclo denominado </a:t>
             </a:r>
             <a:r>
-              <a:rPr lang="pt-PT" sz="3200" i="1" dirty="0" err="1">
-                <a:solidFill>
-                  <a:srgbClr val="FF0000"/>
-                </a:solidFill>
-                <a:effectLst>
-                  <a:outerShdw blurRad="63500" dist="63500" dir="2700000" algn="tl" rotWithShape="0">
-                    <a:schemeClr val="tx1">
-                      <a:lumMod val="50000"/>
-                      <a:alpha val="98000"/>
-                    </a:schemeClr>
-                  </a:outerShdw>
-                </a:effectLst>
-              </a:rPr>
+              <a:rPr lang="pt-PT" sz="3200" i="1" dirty="0" err="1"/>
               <a:t>Red</a:t>
             </a:r>
             <a:r>
-              <a:rPr lang="pt-PT" sz="3200" i="1" dirty="0">
-                <a:solidFill>
-                  <a:schemeClr val="bg1"/>
-                </a:solidFill>
-                <a:effectLst>
-                  <a:outerShdw blurRad="63500" dist="63500" dir="2700000" algn="tl" rotWithShape="0">
-                    <a:schemeClr val="tx1">
-                      <a:lumMod val="50000"/>
-                      <a:alpha val="98000"/>
-                    </a:schemeClr>
-                  </a:outerShdw>
-                </a:effectLst>
-              </a:rPr>
-              <a:t>-</a:t>
-            </a:r>
-            <a:r>
-              <a:rPr lang="pt-PT" sz="3200" i="1" dirty="0">
-                <a:solidFill>
-                  <a:srgbClr val="00B050"/>
-                </a:solidFill>
-                <a:effectLst>
-                  <a:outerShdw blurRad="63500" dist="63500" dir="2700000" algn="tl" rotWithShape="0">
-                    <a:schemeClr val="tx1">
-                      <a:lumMod val="50000"/>
-                      <a:alpha val="98000"/>
-                    </a:schemeClr>
-                  </a:outerShdw>
-                </a:effectLst>
-              </a:rPr>
-              <a:t>Green</a:t>
-            </a:r>
-            <a:r>
-              <a:rPr lang="pt-PT" sz="3200" i="1" dirty="0">
-                <a:solidFill>
-                  <a:schemeClr val="bg1"/>
-                </a:solidFill>
-                <a:effectLst>
-                  <a:outerShdw blurRad="63500" dist="63500" dir="2700000" algn="tl" rotWithShape="0">
-                    <a:schemeClr val="tx1">
-                      <a:lumMod val="50000"/>
-                      <a:alpha val="98000"/>
-                    </a:schemeClr>
-                  </a:outerShdw>
-                </a:effectLst>
-              </a:rPr>
-              <a:t>-</a:t>
-            </a:r>
-            <a:r>
-              <a:rPr lang="pt-PT" sz="3200" i="1" dirty="0" err="1">
-                <a:solidFill>
-                  <a:srgbClr val="FFFF00"/>
-                </a:solidFill>
-                <a:effectLst>
-                  <a:outerShdw blurRad="63500" dist="63500" dir="2700000" algn="tl" rotWithShape="0">
-                    <a:schemeClr val="tx1">
-                      <a:lumMod val="50000"/>
-                      <a:alpha val="98000"/>
-                    </a:schemeClr>
-                  </a:outerShdw>
-                </a:effectLst>
-              </a:rPr>
+              <a:rPr lang="pt-PT" sz="3200" i="1" dirty="0"/>
+              <a:t>-Green-</a:t>
+            </a:r>
+            <a:r>
+              <a:rPr lang="pt-PT" sz="3200" i="1" dirty="0" err="1"/>
               <a:t>Refactor</a:t>
             </a:r>
             <a:r>
-              <a:rPr lang="pt-PT" sz="3200" dirty="0">
-                <a:solidFill>
-                  <a:schemeClr val="bg1"/>
-                </a:solidFill>
-                <a:effectLst>
-                  <a:outerShdw blurRad="63500" dist="63500" dir="2700000" algn="tl" rotWithShape="0">
-                    <a:schemeClr val="tx1">
-                      <a:lumMod val="50000"/>
-                      <a:alpha val="98000"/>
-                    </a:schemeClr>
-                  </a:outerShdw>
-                </a:effectLst>
-              </a:rPr>
+              <a:rPr lang="pt-PT" sz="3200" dirty="0"/>
               <a:t>, que define 3 etapas no processo de desenvolvimento</a:t>
             </a:r>
           </a:p>
@@ -15559,14 +14625,14 @@
             <a:fld id="{2183B7EE-0FBE-B749-875F-ED24F5ECD71F}" type="slidenum">
               <a:rPr lang="en-US" smtClean="0">
                 <a:solidFill>
-                  <a:schemeClr val="bg1"/>
+                  <a:schemeClr val="tx1"/>
                 </a:solidFill>
               </a:rPr>
               <a:t>23</a:t>
             </a:fld>
             <a:endParaRPr lang="en-US">
               <a:solidFill>
-                <a:schemeClr val="bg1"/>
+                <a:schemeClr val="tx1"/>
               </a:solidFill>
             </a:endParaRPr>
           </a:p>
@@ -16099,16 +15165,6 @@
 <file path=ppt/slides/slide24.xml><?xml version="1.0" encoding="utf-8"?>
 <p:sld xmlns:a="http://schemas.openxmlformats.org/drawingml/2006/main" xmlns:r="http://schemas.openxmlformats.org/officeDocument/2006/relationships" xmlns:p="http://schemas.openxmlformats.org/presentationml/2006/main">
   <p:cSld>
-    <p:bg>
-      <p:bgPr>
-        <a:solidFill>
-          <a:schemeClr val="tx1">
-            <a:lumMod val="95000"/>
-          </a:schemeClr>
-        </a:solidFill>
-        <a:effectLst/>
-      </p:bgPr>
-    </p:bg>
     <p:spTree>
       <p:nvGrpSpPr>
         <p:cNvPr id="1" name=""/>
@@ -16153,38 +15209,22 @@
           <a:p>
             <a:pPr algn="ctr"/>
             <a:r>
-              <a:rPr lang="pt-BR" b="1">
-                <a:solidFill>
-                  <a:schemeClr val="bg1"/>
-                </a:solidFill>
-              </a:rPr>
+              <a:rPr lang="pt-BR" b="1" dirty="0"/>
               <a:t>como Aplicar </a:t>
             </a:r>
             <a:r>
-              <a:rPr lang="pt-BR" b="1" err="1">
-                <a:solidFill>
-                  <a:schemeClr val="bg1"/>
-                </a:solidFill>
-              </a:rPr>
+              <a:rPr lang="pt-BR" b="1" dirty="0" err="1"/>
               <a:t>tdd</a:t>
             </a:r>
             <a:r>
-              <a:rPr lang="pt-BR" b="1">
-                <a:solidFill>
-                  <a:schemeClr val="bg1"/>
-                </a:solidFill>
-              </a:rPr>
+              <a:rPr lang="pt-BR" b="1" dirty="0"/>
               <a:t>?</a:t>
             </a:r>
             <a:br>
-              <a:rPr lang="pt-BR" b="1">
-                <a:solidFill>
-                  <a:schemeClr val="bg1"/>
-                </a:solidFill>
-              </a:rPr>
+              <a:rPr lang="pt-BR" b="1" dirty="0"/>
             </a:br>
             <a:r>
-              <a:rPr lang="pt-PT" cap="none">
+              <a:rPr lang="pt-PT" cap="none" dirty="0">
                 <a:solidFill>
                   <a:srgbClr val="FF0000"/>
                 </a:solidFill>
@@ -16192,14 +15232,14 @@
               <a:t>Etapa 1: </a:t>
             </a:r>
             <a:r>
-              <a:rPr lang="pt-PT" cap="none" err="1">
+              <a:rPr lang="pt-PT" cap="none" dirty="0" err="1">
                 <a:solidFill>
                   <a:srgbClr val="FF0000"/>
                 </a:solidFill>
               </a:rPr>
               <a:t>Red</a:t>
             </a:r>
-            <a:endParaRPr lang="pt-BR" cap="none">
+            <a:endParaRPr lang="pt-BR" cap="none" dirty="0">
               <a:solidFill>
                 <a:srgbClr val="FF0000"/>
               </a:solidFill>
@@ -16236,57 +15276,33 @@
           <a:lstStyle/>
           <a:p>
             <a:r>
-              <a:rPr lang="pt-PT" sz="3200" dirty="0">
-                <a:solidFill>
-                  <a:schemeClr val="bg1"/>
-                </a:solidFill>
-              </a:rPr>
+              <a:rPr lang="pt-PT" sz="3200" dirty="0"/>
               <a:t>Escrevemos o teste antes de qualquer código!</a:t>
             </a:r>
           </a:p>
           <a:p>
             <a:r>
-              <a:rPr lang="pt-PT" sz="3200" dirty="0">
-                <a:solidFill>
-                  <a:schemeClr val="bg1"/>
-                </a:solidFill>
-              </a:rPr>
+              <a:rPr lang="pt-PT" sz="3200" dirty="0"/>
               <a:t>Mas porque???? 🤔</a:t>
             </a:r>
           </a:p>
           <a:p>
             <a:r>
-              <a:rPr lang="pt-PT" sz="3200" dirty="0">
-                <a:solidFill>
-                  <a:schemeClr val="bg1"/>
-                </a:solidFill>
-              </a:rPr>
+              <a:rPr lang="pt-PT" sz="3200" dirty="0"/>
               <a:t>Escrevendo o teste antes do código, temos que pensar em quais são os valores de entrada e qual o resultado esperado</a:t>
             </a:r>
           </a:p>
           <a:p>
             <a:r>
-              <a:rPr lang="pt-PT" sz="3200" dirty="0">
-                <a:solidFill>
-                  <a:schemeClr val="bg1"/>
-                </a:solidFill>
-              </a:rPr>
+              <a:rPr lang="pt-PT" sz="3200" dirty="0"/>
               <a:t>Assim, primeiro escrevemos o teste e fazemos ele falhar (</a:t>
             </a:r>
             <a:r>
-              <a:rPr lang="pt-PT" sz="3200" i="1" dirty="0" err="1">
-                <a:solidFill>
-                  <a:srgbClr val="FF0000"/>
-                </a:solidFill>
-              </a:rPr>
+              <a:rPr lang="pt-PT" sz="3200" i="1" dirty="0" err="1"/>
               <a:t>Red</a:t>
             </a:r>
             <a:r>
-              <a:rPr lang="pt-PT" sz="3200" dirty="0">
-                <a:solidFill>
-                  <a:schemeClr val="bg1"/>
-                </a:solidFill>
-              </a:rPr>
+              <a:rPr lang="pt-PT" sz="3200" dirty="0"/>
               <a:t>)</a:t>
             </a:r>
           </a:p>
@@ -16316,14 +15332,14 @@
             <a:fld id="{2183B7EE-0FBE-B749-875F-ED24F5ECD71F}" type="slidenum">
               <a:rPr lang="en-US" smtClean="0">
                 <a:solidFill>
-                  <a:schemeClr val="bg1"/>
+                  <a:schemeClr val="tx1"/>
                 </a:solidFill>
               </a:rPr>
               <a:t>24</a:t>
             </a:fld>
             <a:endParaRPr lang="en-US">
               <a:solidFill>
-                <a:schemeClr val="bg1"/>
+                <a:schemeClr val="tx1"/>
               </a:solidFill>
             </a:endParaRPr>
           </a:p>
@@ -16413,7 +15429,11 @@
           <a:lstStyle/>
           <a:p>
             <a:pPr algn="ctr"/>
-            <a:endParaRPr lang="pt-BR"/>
+            <a:endParaRPr lang="pt-BR">
+              <a:solidFill>
+                <a:schemeClr val="tx1"/>
+              </a:solidFill>
+            </a:endParaRPr>
           </a:p>
         </p:txBody>
       </p:sp>
@@ -16471,7 +15491,11 @@
           <a:lstStyle/>
           <a:p>
             <a:pPr algn="ctr"/>
-            <a:endParaRPr lang="pt-BR"/>
+            <a:endParaRPr lang="pt-BR">
+              <a:solidFill>
+                <a:schemeClr val="tx1"/>
+              </a:solidFill>
+            </a:endParaRPr>
           </a:p>
         </p:txBody>
       </p:sp>
@@ -16529,7 +15553,11 @@
           <a:lstStyle/>
           <a:p>
             <a:pPr algn="ctr"/>
-            <a:endParaRPr lang="pt-BR"/>
+            <a:endParaRPr lang="pt-BR">
+              <a:solidFill>
+                <a:schemeClr val="tx1"/>
+              </a:solidFill>
+            </a:endParaRPr>
           </a:p>
         </p:txBody>
       </p:sp>
@@ -17445,16 +16473,6 @@
 <file path=ppt/slides/slide25.xml><?xml version="1.0" encoding="utf-8"?>
 <p:sld xmlns:a="http://schemas.openxmlformats.org/drawingml/2006/main" xmlns:r="http://schemas.openxmlformats.org/officeDocument/2006/relationships" xmlns:p="http://schemas.openxmlformats.org/presentationml/2006/main">
   <p:cSld>
-    <p:bg>
-      <p:bgPr>
-        <a:solidFill>
-          <a:schemeClr val="tx1">
-            <a:lumMod val="95000"/>
-          </a:schemeClr>
-        </a:solidFill>
-        <a:effectLst/>
-      </p:bgPr>
-    </p:bg>
     <p:spTree>
       <p:nvGrpSpPr>
         <p:cNvPr id="1" name=""/>
@@ -17469,6 +16487,66 @@
           <a:chExt cx="0" cy="0"/>
         </a:xfrm>
       </p:grpSpPr>
+      <p:sp>
+        <p:nvSpPr>
+          <p:cNvPr id="12" name="Title 1">
+            <a:extLst>
+              <a:ext uri="{FF2B5EF4-FFF2-40B4-BE49-F238E27FC236}">
+                <a16:creationId xmlns:a16="http://schemas.microsoft.com/office/drawing/2014/main" id="{A9B593D1-1F70-2347-80A6-520C61091435}"/>
+              </a:ext>
+            </a:extLst>
+          </p:cNvPr>
+          <p:cNvSpPr>
+            <a:spLocks noGrp="1"/>
+          </p:cNvSpPr>
+          <p:nvPr>
+            <p:ph type="title"/>
+          </p:nvPr>
+        </p:nvSpPr>
+        <p:spPr>
+          <a:xfrm>
+            <a:off x="1761681" y="441386"/>
+            <a:ext cx="10290410" cy="1509490"/>
+          </a:xfrm>
+        </p:spPr>
+        <p:txBody>
+          <a:bodyPr>
+            <a:normAutofit/>
+          </a:bodyPr>
+          <a:lstStyle/>
+          <a:p>
+            <a:pPr algn="ctr"/>
+            <a:r>
+              <a:rPr lang="pt-BR" b="1" dirty="0"/>
+              <a:t>como Aplicar </a:t>
+            </a:r>
+            <a:r>
+              <a:rPr lang="pt-BR" b="1" dirty="0" err="1"/>
+              <a:t>tdd</a:t>
+            </a:r>
+            <a:r>
+              <a:rPr lang="pt-BR" b="1" dirty="0"/>
+              <a:t>?</a:t>
+            </a:r>
+            <a:br>
+              <a:rPr lang="pt-BR" b="1" dirty="0"/>
+            </a:br>
+            <a:r>
+              <a:rPr lang="pt-PT" cap="none" dirty="0">
+                <a:solidFill>
+                  <a:srgbClr val="00B050"/>
+                </a:solidFill>
+              </a:rPr>
+              <a:t>Etapa 2: Green</a:t>
+            </a:r>
+            <a:endParaRPr lang="pt-BR" cap="none" dirty="0">
+              <a:solidFill>
+                <a:srgbClr val="00B050"/>
+              </a:solidFill>
+            </a:endParaRPr>
+          </a:p>
+        </p:txBody>
+      </p:sp>
       <p:sp>
         <p:nvSpPr>
           <p:cNvPr id="3" name="Content Placeholder 2">
@@ -17498,53 +16576,29 @@
           <a:lstStyle/>
           <a:p>
             <a:r>
-              <a:rPr lang="pt-PT" sz="3200" dirty="0">
-                <a:solidFill>
-                  <a:schemeClr val="bg1"/>
-                </a:solidFill>
-              </a:rPr>
+              <a:rPr lang="pt-PT" sz="3200" dirty="0"/>
               <a:t>Em seguida escrevemos o mínimo de código para resolver um </a:t>
             </a:r>
             <a:r>
-              <a:rPr lang="pt-PT" sz="3200" dirty="0" err="1">
-                <a:solidFill>
-                  <a:schemeClr val="bg1"/>
-                </a:solidFill>
-              </a:rPr>
+              <a:rPr lang="pt-PT" sz="3200" dirty="0" err="1"/>
               <a:t>sub-problema</a:t>
             </a:r>
             <a:r>
-              <a:rPr lang="pt-PT" sz="3200" dirty="0">
-                <a:solidFill>
-                  <a:schemeClr val="bg1"/>
-                </a:solidFill>
-              </a:rPr>
+              <a:rPr lang="pt-PT" sz="3200" dirty="0"/>
               <a:t>, uma parte da solução</a:t>
             </a:r>
           </a:p>
           <a:p>
             <a:r>
-              <a:rPr lang="pt-PT" sz="3200" dirty="0">
-                <a:solidFill>
-                  <a:schemeClr val="bg1"/>
-                </a:solidFill>
-              </a:rPr>
+              <a:rPr lang="pt-PT" sz="3200" dirty="0"/>
               <a:t>Tal código deve ser apenas o suficiente para o teste passar (</a:t>
             </a:r>
             <a:r>
-              <a:rPr lang="pt-PT" sz="3200" i="1" dirty="0">
-                <a:solidFill>
-                  <a:srgbClr val="00B050"/>
-                </a:solidFill>
-              </a:rPr>
+              <a:rPr lang="pt-PT" sz="3200" i="1" dirty="0"/>
               <a:t>Green</a:t>
             </a:r>
             <a:r>
-              <a:rPr lang="pt-PT" sz="3200" dirty="0">
-                <a:solidFill>
-                  <a:schemeClr val="bg1"/>
-                </a:solidFill>
-              </a:rPr>
+              <a:rPr lang="pt-PT" sz="3200" dirty="0"/>
               <a:t>)</a:t>
             </a:r>
           </a:p>
@@ -17574,14 +16628,14 @@
             <a:fld id="{2183B7EE-0FBE-B749-875F-ED24F5ECD71F}" type="slidenum">
               <a:rPr lang="en-US" smtClean="0">
                 <a:solidFill>
-                  <a:schemeClr val="bg1"/>
+                  <a:schemeClr val="tx1"/>
                 </a:solidFill>
               </a:rPr>
               <a:t>25</a:t>
             </a:fld>
             <a:endParaRPr lang="en-US">
               <a:solidFill>
-                <a:schemeClr val="bg1"/>
+                <a:schemeClr val="tx1"/>
               </a:solidFill>
             </a:endParaRPr>
           </a:p>
@@ -17671,7 +16725,11 @@
           <a:lstStyle/>
           <a:p>
             <a:pPr algn="ctr"/>
-            <a:endParaRPr lang="pt-BR"/>
+            <a:endParaRPr lang="pt-BR">
+              <a:solidFill>
+                <a:schemeClr val="tx1"/>
+              </a:solidFill>
+            </a:endParaRPr>
           </a:p>
         </p:txBody>
       </p:sp>
@@ -17729,7 +16787,11 @@
           <a:lstStyle/>
           <a:p>
             <a:pPr algn="ctr"/>
-            <a:endParaRPr lang="pt-BR"/>
+            <a:endParaRPr lang="pt-BR">
+              <a:solidFill>
+                <a:schemeClr val="tx1"/>
+              </a:solidFill>
+            </a:endParaRPr>
           </a:p>
         </p:txBody>
       </p:sp>
@@ -17787,81 +16849,9 @@
           <a:lstStyle/>
           <a:p>
             <a:pPr algn="ctr"/>
-            <a:endParaRPr lang="pt-BR"/>
-          </a:p>
-        </p:txBody>
-      </p:sp>
-      <p:sp>
-        <p:nvSpPr>
-          <p:cNvPr id="12" name="Title 1">
-            <a:extLst>
-              <a:ext uri="{FF2B5EF4-FFF2-40B4-BE49-F238E27FC236}">
-                <a16:creationId xmlns:a16="http://schemas.microsoft.com/office/drawing/2014/main" id="{A9B593D1-1F70-2347-80A6-520C61091435}"/>
-              </a:ext>
-            </a:extLst>
-          </p:cNvPr>
-          <p:cNvSpPr>
-            <a:spLocks noGrp="1"/>
-          </p:cNvSpPr>
-          <p:nvPr>
-            <p:ph type="title"/>
-          </p:nvPr>
-        </p:nvSpPr>
-        <p:spPr>
-          <a:xfrm>
-            <a:off x="1761681" y="441386"/>
-            <a:ext cx="10290410" cy="1509490"/>
-          </a:xfrm>
-        </p:spPr>
-        <p:txBody>
-          <a:bodyPr>
-            <a:normAutofit/>
-          </a:bodyPr>
-          <a:lstStyle/>
-          <a:p>
-            <a:pPr algn="ctr"/>
-            <a:r>
-              <a:rPr lang="pt-BR" b="1">
-                <a:solidFill>
-                  <a:schemeClr val="bg1"/>
-                </a:solidFill>
-              </a:rPr>
-              <a:t>como Aplicar </a:t>
-            </a:r>
-            <a:r>
-              <a:rPr lang="pt-BR" b="1" err="1">
-                <a:solidFill>
-                  <a:schemeClr val="bg1"/>
-                </a:solidFill>
-              </a:rPr>
-              <a:t>tdd</a:t>
-            </a:r>
-            <a:r>
-              <a:rPr lang="pt-BR" b="1">
-                <a:solidFill>
-                  <a:schemeClr val="bg1"/>
-                </a:solidFill>
-              </a:rPr>
-              <a:t>?</a:t>
-            </a:r>
-            <a:br>
-              <a:rPr lang="pt-BR" b="1">
-                <a:solidFill>
-                  <a:schemeClr val="bg1"/>
-                </a:solidFill>
-              </a:rPr>
-            </a:br>
-            <a:r>
-              <a:rPr lang="pt-PT" cap="none">
-                <a:solidFill>
-                  <a:srgbClr val="00B050"/>
-                </a:solidFill>
-              </a:rPr>
-              <a:t>Etapa 2: Green</a:t>
-            </a:r>
-            <a:endParaRPr lang="pt-BR" cap="none">
+            <a:endParaRPr lang="pt-BR">
               <a:solidFill>
-                <a:srgbClr val="00B050"/>
+                <a:schemeClr val="tx1"/>
               </a:solidFill>
             </a:endParaRPr>
           </a:p>
@@ -18172,16 +17162,6 @@
 <file path=ppt/slides/slide26.xml><?xml version="1.0" encoding="utf-8"?>
 <p:sld xmlns:a="http://schemas.openxmlformats.org/drawingml/2006/main" xmlns:r="http://schemas.openxmlformats.org/officeDocument/2006/relationships" xmlns:p="http://schemas.openxmlformats.org/presentationml/2006/main">
   <p:cSld>
-    <p:bg>
-      <p:bgPr>
-        <a:solidFill>
-          <a:schemeClr val="tx1">
-            <a:lumMod val="95000"/>
-          </a:schemeClr>
-        </a:solidFill>
-        <a:effectLst/>
-      </p:bgPr>
-    </p:bg>
     <p:spTree>
       <p:nvGrpSpPr>
         <p:cNvPr id="1" name=""/>
@@ -18196,6 +17176,111 @@
           <a:chExt cx="0" cy="0"/>
         </a:xfrm>
       </p:grpSpPr>
+      <p:sp>
+        <p:nvSpPr>
+          <p:cNvPr id="12" name="Title 1">
+            <a:extLst>
+              <a:ext uri="{FF2B5EF4-FFF2-40B4-BE49-F238E27FC236}">
+                <a16:creationId xmlns:a16="http://schemas.microsoft.com/office/drawing/2014/main" id="{A9B593D1-1F70-2347-80A6-520C61091435}"/>
+              </a:ext>
+            </a:extLst>
+          </p:cNvPr>
+          <p:cNvSpPr>
+            <a:spLocks noGrp="1"/>
+          </p:cNvSpPr>
+          <p:nvPr>
+            <p:ph type="title"/>
+          </p:nvPr>
+        </p:nvSpPr>
+        <p:spPr>
+          <a:xfrm>
+            <a:off x="1761681" y="441386"/>
+            <a:ext cx="10290410" cy="1509490"/>
+          </a:xfrm>
+        </p:spPr>
+        <p:txBody>
+          <a:bodyPr>
+            <a:normAutofit/>
+          </a:bodyPr>
+          <a:lstStyle/>
+          <a:p>
+            <a:pPr algn="ctr"/>
+            <a:r>
+              <a:rPr lang="pt-BR" b="1">
+                <a:solidFill>
+                  <a:schemeClr val="bg1"/>
+                </a:solidFill>
+              </a:rPr>
+              <a:t>como Aplicar </a:t>
+            </a:r>
+            <a:r>
+              <a:rPr lang="pt-BR" b="1" err="1">
+                <a:solidFill>
+                  <a:schemeClr val="bg1"/>
+                </a:solidFill>
+              </a:rPr>
+              <a:t>tdd</a:t>
+            </a:r>
+            <a:r>
+              <a:rPr lang="pt-BR" b="1">
+                <a:solidFill>
+                  <a:schemeClr val="bg1"/>
+                </a:solidFill>
+              </a:rPr>
+              <a:t>?</a:t>
+            </a:r>
+            <a:br>
+              <a:rPr lang="pt-BR" b="1">
+                <a:solidFill>
+                  <a:schemeClr val="bg1"/>
+                </a:solidFill>
+              </a:rPr>
+            </a:br>
+            <a:r>
+              <a:rPr lang="pt-PT" cap="none">
+                <a:solidFill>
+                  <a:srgbClr val="FFFF00"/>
+                </a:solidFill>
+                <a:effectLst>
+                  <a:outerShdw blurRad="50800" dist="50800" dir="5400000" algn="ctr" rotWithShape="0">
+                    <a:schemeClr val="tx1">
+                      <a:lumMod val="50000"/>
+                    </a:schemeClr>
+                  </a:outerShdw>
+                </a:effectLst>
+              </a:rPr>
+              <a:t>Etapa 3: </a:t>
+            </a:r>
+            <a:r>
+              <a:rPr lang="pt-PT" i="1" cap="none" err="1">
+                <a:solidFill>
+                  <a:srgbClr val="FFFF00"/>
+                </a:solidFill>
+                <a:effectLst>
+                  <a:outerShdw blurRad="50800" dist="50800" dir="5400000" algn="ctr" rotWithShape="0">
+                    <a:schemeClr val="tx1">
+                      <a:lumMod val="50000"/>
+                    </a:schemeClr>
+                  </a:outerShdw>
+                </a:effectLst>
+              </a:rPr>
+              <a:t>Refactor</a:t>
+            </a:r>
+            <a:endParaRPr lang="pt-BR" i="1" cap="none">
+              <a:solidFill>
+                <a:srgbClr val="FFFF00"/>
+              </a:solidFill>
+              <a:effectLst>
+                <a:outerShdw blurRad="50800" dist="50800" dir="5400000" algn="ctr" rotWithShape="0">
+                  <a:schemeClr val="tx1">
+                    <a:lumMod val="50000"/>
+                  </a:schemeClr>
+                </a:outerShdw>
+              </a:effectLst>
+            </a:endParaRPr>
+          </a:p>
+        </p:txBody>
+      </p:sp>
       <p:sp>
         <p:nvSpPr>
           <p:cNvPr id="3" name="Content Placeholder 2">
@@ -18225,174 +17310,53 @@
           <a:lstStyle/>
           <a:p>
             <a:r>
-              <a:rPr lang="pt-PT" sz="2800" dirty="0">
-                <a:solidFill>
-                  <a:schemeClr val="bg1"/>
-                </a:solidFill>
-                <a:effectLst>
-                  <a:outerShdw blurRad="50800" dist="50800" dir="5400000" algn="ctr" rotWithShape="0">
-                    <a:schemeClr val="tx1">
-                      <a:lumMod val="50000"/>
-                    </a:schemeClr>
-                  </a:outerShdw>
-                </a:effectLst>
-              </a:rPr>
+              <a:rPr lang="pt-PT" sz="2800" dirty="0"/>
               <a:t>Depois que o teste passar, </a:t>
             </a:r>
             <a:r>
-              <a:rPr lang="pt-PT" sz="2800" dirty="0" err="1">
-                <a:solidFill>
-                  <a:schemeClr val="bg1"/>
-                </a:solidFill>
-                <a:effectLst>
-                  <a:outerShdw blurRad="50800" dist="50800" dir="5400000" algn="ctr" rotWithShape="0">
-                    <a:schemeClr val="tx1">
-                      <a:lumMod val="50000"/>
-                    </a:schemeClr>
-                  </a:outerShdw>
-                </a:effectLst>
-              </a:rPr>
+              <a:rPr lang="pt-PT" sz="2800" dirty="0" err="1"/>
               <a:t>refatoramos</a:t>
             </a:r>
             <a:r>
-              <a:rPr lang="pt-PT" sz="2800" dirty="0">
-                <a:solidFill>
-                  <a:schemeClr val="bg1"/>
-                </a:solidFill>
-                <a:effectLst>
-                  <a:outerShdw blurRad="50800" dist="50800" dir="5400000" algn="ctr" rotWithShape="0">
-                    <a:schemeClr val="tx1">
-                      <a:lumMod val="50000"/>
-                    </a:schemeClr>
-                  </a:outerShdw>
-                </a:effectLst>
-              </a:rPr>
+              <a:rPr lang="pt-PT" sz="2800" dirty="0"/>
               <a:t> o código (</a:t>
             </a:r>
             <a:r>
-              <a:rPr lang="pt-PT" sz="2800" i="1" dirty="0" err="1">
-                <a:solidFill>
-                  <a:srgbClr val="FFFF00"/>
-                </a:solidFill>
-                <a:effectLst>
-                  <a:outerShdw blurRad="50800" dist="50800" dir="5400000" algn="ctr" rotWithShape="0">
-                    <a:schemeClr val="tx1">
-                      <a:lumMod val="50000"/>
-                    </a:schemeClr>
-                  </a:outerShdw>
-                </a:effectLst>
-              </a:rPr>
+              <a:rPr lang="pt-PT" sz="2800" i="1" dirty="0" err="1"/>
               <a:t>Refactor</a:t>
             </a:r>
             <a:r>
-              <a:rPr lang="pt-PT" sz="2800" dirty="0">
-                <a:solidFill>
-                  <a:schemeClr val="bg1"/>
-                </a:solidFill>
-                <a:effectLst>
-                  <a:outerShdw blurRad="50800" dist="50800" dir="5400000" algn="ctr" rotWithShape="0">
-                    <a:schemeClr val="tx1">
-                      <a:lumMod val="50000"/>
-                    </a:schemeClr>
-                  </a:outerShdw>
-                </a:effectLst>
-              </a:rPr>
+              <a:rPr lang="pt-PT" sz="2800" dirty="0"/>
               <a:t>).</a:t>
             </a:r>
           </a:p>
           <a:p>
             <a:r>
-              <a:rPr lang="pt-PT" sz="2800" dirty="0" err="1">
-                <a:solidFill>
-                  <a:schemeClr val="bg1"/>
-                </a:solidFill>
-                <a:effectLst>
-                  <a:outerShdw blurRad="50800" dist="50800" dir="5400000" algn="ctr" rotWithShape="0">
-                    <a:schemeClr val="tx1">
-                      <a:lumMod val="50000"/>
-                    </a:schemeClr>
-                  </a:outerShdw>
-                </a:effectLst>
-              </a:rPr>
+              <a:rPr lang="pt-PT" sz="2800" dirty="0" err="1"/>
               <a:t>Refatorar</a:t>
             </a:r>
             <a:r>
-              <a:rPr lang="pt-PT" sz="2800" dirty="0">
-                <a:solidFill>
-                  <a:schemeClr val="bg1"/>
-                </a:solidFill>
-                <a:effectLst>
-                  <a:outerShdw blurRad="50800" dist="50800" dir="5400000" algn="ctr" rotWithShape="0">
-                    <a:schemeClr val="tx1">
-                      <a:lumMod val="50000"/>
-                    </a:schemeClr>
-                  </a:outerShdw>
-                </a:effectLst>
-              </a:rPr>
+              <a:rPr lang="pt-PT" sz="2800" dirty="0"/>
               <a:t> é o processo de alterar o código com o intuito de torná-lo mais claro, mais organizado, reduzir duplicação</a:t>
             </a:r>
           </a:p>
           <a:p>
             <a:r>
-              <a:rPr lang="pt-PT" sz="2800" dirty="0">
-                <a:solidFill>
-                  <a:schemeClr val="bg1"/>
-                </a:solidFill>
-                <a:effectLst>
-                  <a:outerShdw blurRad="50800" dist="50800" dir="5400000" algn="ctr" rotWithShape="0">
-                    <a:schemeClr val="tx1">
-                      <a:lumMod val="50000"/>
-                    </a:schemeClr>
-                  </a:outerShdw>
-                </a:effectLst>
-              </a:rPr>
+              <a:rPr lang="pt-PT" sz="2800" dirty="0"/>
               <a:t>Visa apenas melhorar a qualidade do código, não corrigir bugs ou implementar novas funcionalidades.</a:t>
             </a:r>
           </a:p>
           <a:p>
             <a:r>
-              <a:rPr lang="pt-PT" sz="2800" dirty="0">
-                <a:solidFill>
-                  <a:schemeClr val="bg1"/>
-                </a:solidFill>
-                <a:effectLst>
-                  <a:outerShdw blurRad="50800" dist="50800" dir="5400000" algn="ctr" rotWithShape="0">
-                    <a:schemeClr val="tx1">
-                      <a:lumMod val="50000"/>
-                    </a:schemeClr>
-                  </a:outerShdw>
-                </a:effectLst>
-              </a:rPr>
+              <a:rPr lang="pt-PT" sz="2800" dirty="0"/>
               <a:t>Depois dessas 3 etapas concluídas, você reinicia o clico para implementar o próximo </a:t>
             </a:r>
             <a:r>
-              <a:rPr lang="pt-PT" sz="2800" dirty="0" err="1">
-                <a:solidFill>
-                  <a:schemeClr val="bg1"/>
-                </a:solidFill>
-                <a:effectLst>
-                  <a:outerShdw blurRad="50800" dist="50800" dir="5400000" algn="ctr" rotWithShape="0">
-                    <a:schemeClr val="tx1">
-                      <a:lumMod val="50000"/>
-                    </a:schemeClr>
-                  </a:outerShdw>
-                </a:effectLst>
-              </a:rPr>
+              <a:rPr lang="pt-PT" sz="2800" dirty="0" err="1"/>
               <a:t>sub-problema</a:t>
             </a:r>
             <a:r>
-              <a:rPr lang="pt-PT" sz="2800" dirty="0">
-                <a:solidFill>
-                  <a:schemeClr val="bg1"/>
-                </a:solidFill>
-                <a:effectLst>
-                  <a:outerShdw blurRad="50800" dist="50800" dir="5400000" algn="ctr" rotWithShape="0">
-                    <a:schemeClr val="tx1">
-                      <a:lumMod val="50000"/>
-                    </a:schemeClr>
-                  </a:outerShdw>
-                </a:effectLst>
-              </a:rPr>
+              <a:rPr lang="pt-PT" sz="2800" dirty="0"/>
               <a:t>.</a:t>
             </a:r>
           </a:p>
@@ -18427,7 +17391,7 @@
               </a:rPr>
               <a:t>26</a:t>
             </a:fld>
-            <a:endParaRPr lang="en-US">
+            <a:endParaRPr lang="en-US" dirty="0">
               <a:solidFill>
                 <a:schemeClr val="bg1"/>
               </a:solidFill>
@@ -18639,111 +17603,6 @@
           </a:p>
         </p:txBody>
       </p:sp>
-      <p:sp>
-        <p:nvSpPr>
-          <p:cNvPr id="12" name="Title 1">
-            <a:extLst>
-              <a:ext uri="{FF2B5EF4-FFF2-40B4-BE49-F238E27FC236}">
-                <a16:creationId xmlns:a16="http://schemas.microsoft.com/office/drawing/2014/main" id="{A9B593D1-1F70-2347-80A6-520C61091435}"/>
-              </a:ext>
-            </a:extLst>
-          </p:cNvPr>
-          <p:cNvSpPr>
-            <a:spLocks noGrp="1"/>
-          </p:cNvSpPr>
-          <p:nvPr>
-            <p:ph type="title"/>
-          </p:nvPr>
-        </p:nvSpPr>
-        <p:spPr>
-          <a:xfrm>
-            <a:off x="1761681" y="441386"/>
-            <a:ext cx="10290410" cy="1509490"/>
-          </a:xfrm>
-        </p:spPr>
-        <p:txBody>
-          <a:bodyPr>
-            <a:normAutofit/>
-          </a:bodyPr>
-          <a:lstStyle/>
-          <a:p>
-            <a:pPr algn="ctr"/>
-            <a:r>
-              <a:rPr lang="pt-BR" b="1">
-                <a:solidFill>
-                  <a:schemeClr val="bg1"/>
-                </a:solidFill>
-              </a:rPr>
-              <a:t>como Aplicar </a:t>
-            </a:r>
-            <a:r>
-              <a:rPr lang="pt-BR" b="1" err="1">
-                <a:solidFill>
-                  <a:schemeClr val="bg1"/>
-                </a:solidFill>
-              </a:rPr>
-              <a:t>tdd</a:t>
-            </a:r>
-            <a:r>
-              <a:rPr lang="pt-BR" b="1">
-                <a:solidFill>
-                  <a:schemeClr val="bg1"/>
-                </a:solidFill>
-              </a:rPr>
-              <a:t>?</a:t>
-            </a:r>
-            <a:br>
-              <a:rPr lang="pt-BR" b="1">
-                <a:solidFill>
-                  <a:schemeClr val="bg1"/>
-                </a:solidFill>
-              </a:rPr>
-            </a:br>
-            <a:r>
-              <a:rPr lang="pt-PT" cap="none">
-                <a:solidFill>
-                  <a:srgbClr val="FFFF00"/>
-                </a:solidFill>
-                <a:effectLst>
-                  <a:outerShdw blurRad="50800" dist="50800" dir="5400000" algn="ctr" rotWithShape="0">
-                    <a:schemeClr val="tx1">
-                      <a:lumMod val="50000"/>
-                    </a:schemeClr>
-                  </a:outerShdw>
-                </a:effectLst>
-              </a:rPr>
-              <a:t>Etapa 3: </a:t>
-            </a:r>
-            <a:r>
-              <a:rPr lang="pt-PT" i="1" cap="none" err="1">
-                <a:solidFill>
-                  <a:srgbClr val="FFFF00"/>
-                </a:solidFill>
-                <a:effectLst>
-                  <a:outerShdw blurRad="50800" dist="50800" dir="5400000" algn="ctr" rotWithShape="0">
-                    <a:schemeClr val="tx1">
-                      <a:lumMod val="50000"/>
-                    </a:schemeClr>
-                  </a:outerShdw>
-                </a:effectLst>
-              </a:rPr>
-              <a:t>Refactor</a:t>
-            </a:r>
-            <a:endParaRPr lang="pt-BR" i="1" cap="none">
-              <a:solidFill>
-                <a:srgbClr val="FFFF00"/>
-              </a:solidFill>
-              <a:effectLst>
-                <a:outerShdw blurRad="50800" dist="50800" dir="5400000" algn="ctr" rotWithShape="0">
-                  <a:schemeClr val="tx1">
-                    <a:lumMod val="50000"/>
-                  </a:schemeClr>
-                </a:outerShdw>
-              </a:effectLst>
-            </a:endParaRPr>
-          </a:p>
-        </p:txBody>
-      </p:sp>
     </p:spTree>
     <p:extLst>
       <p:ext uri="{BB962C8B-B14F-4D97-AF65-F5344CB8AC3E}">
@@ -19257,16 +18116,6 @@
 <file path=ppt/slides/slide27.xml><?xml version="1.0" encoding="utf-8"?>
 <p:sld xmlns:a="http://schemas.openxmlformats.org/drawingml/2006/main" xmlns:r="http://schemas.openxmlformats.org/officeDocument/2006/relationships" xmlns:p="http://schemas.openxmlformats.org/presentationml/2006/main">
   <p:cSld>
-    <p:bg>
-      <p:bgPr>
-        <a:solidFill>
-          <a:schemeClr val="tx1">
-            <a:lumMod val="95000"/>
-          </a:schemeClr>
-        </a:solidFill>
-        <a:effectLst/>
-      </p:bgPr>
-    </p:bg>
     <p:spTree>
       <p:nvGrpSpPr>
         <p:cNvPr id="1" name=""/>
@@ -19281,43 +18130,6 @@
           <a:chExt cx="0" cy="0"/>
         </a:xfrm>
       </p:grpSpPr>
-      <p:sp>
-        <p:nvSpPr>
-          <p:cNvPr id="4" name="Slide Number Placeholder 3">
-            <a:extLst>
-              <a:ext uri="{FF2B5EF4-FFF2-40B4-BE49-F238E27FC236}">
-                <a16:creationId xmlns:a16="http://schemas.microsoft.com/office/drawing/2014/main" id="{2EA509C2-078C-DE4C-BE59-C32AF18E82D6}"/>
-              </a:ext>
-            </a:extLst>
-          </p:cNvPr>
-          <p:cNvSpPr>
-            <a:spLocks noGrp="1"/>
-          </p:cNvSpPr>
-          <p:nvPr>
-            <p:ph type="sldNum" sz="quarter" idx="12"/>
-          </p:nvPr>
-        </p:nvSpPr>
-        <p:spPr/>
-        <p:txBody>
-          <a:bodyPr/>
-          <a:lstStyle/>
-          <a:p>
-            <a:fld id="{2183B7EE-0FBE-B749-875F-ED24F5ECD71F}" type="slidenum">
-              <a:rPr lang="en-US" smtClean="0">
-                <a:solidFill>
-                  <a:schemeClr val="bg1"/>
-                </a:solidFill>
-              </a:rPr>
-              <a:t>27</a:t>
-            </a:fld>
-            <a:endParaRPr lang="en-US">
-              <a:solidFill>
-                <a:schemeClr val="bg1"/>
-              </a:solidFill>
-            </a:endParaRPr>
-          </a:p>
-        </p:txBody>
-      </p:sp>
       <p:sp>
         <p:nvSpPr>
           <p:cNvPr id="14" name="Title 1">
@@ -19347,26 +18159,14 @@
           <a:lstStyle/>
           <a:p>
             <a:r>
-              <a:rPr lang="pt-PT" b="1">
-                <a:solidFill>
-                  <a:schemeClr val="bg1"/>
-                </a:solidFill>
-              </a:rPr>
+              <a:rPr lang="pt-PT" b="1"/>
               <a:t>Visão geral do </a:t>
             </a:r>
             <a:r>
-              <a:rPr lang="pt-PT" b="1" err="1">
-                <a:solidFill>
-                  <a:schemeClr val="bg1"/>
-                </a:solidFill>
-              </a:rPr>
+              <a:rPr lang="pt-PT" b="1" err="1"/>
               <a:t>tdd</a:t>
             </a:r>
-            <a:endParaRPr lang="pt-BR" b="1">
-              <a:solidFill>
-                <a:schemeClr val="bg1"/>
-              </a:solidFill>
-            </a:endParaRPr>
+            <a:endParaRPr lang="pt-BR" b="1"/>
           </a:p>
         </p:txBody>
       </p:sp>
@@ -19399,23 +18199,52 @@
           <a:lstStyle/>
           <a:p>
             <a:r>
-              <a:rPr lang="pt-PT" sz="2800" dirty="0">
+              <a:rPr lang="pt-PT" sz="2800" dirty="0"/>
+              <a:t>Este é um exemplo de figura padrão utilizada para descrever o ciclo do TDD</a:t>
+            </a:r>
+          </a:p>
+          <a:p>
+            <a:r>
+              <a:rPr lang="pt-PT" sz="2800" dirty="0"/>
+              <a:t>No entanto, na prática o ciclo é normalmente um pouco mais longo, como deixado claro em muitos livros de TDD, apesar da simplificação das figuras que usam</a:t>
+            </a:r>
+          </a:p>
+        </p:txBody>
+      </p:sp>
+      <p:sp>
+        <p:nvSpPr>
+          <p:cNvPr id="4" name="Slide Number Placeholder 3">
+            <a:extLst>
+              <a:ext uri="{FF2B5EF4-FFF2-40B4-BE49-F238E27FC236}">
+                <a16:creationId xmlns:a16="http://schemas.microsoft.com/office/drawing/2014/main" id="{2EA509C2-078C-DE4C-BE59-C32AF18E82D6}"/>
+              </a:ext>
+            </a:extLst>
+          </p:cNvPr>
+          <p:cNvSpPr>
+            <a:spLocks noGrp="1"/>
+          </p:cNvSpPr>
+          <p:nvPr>
+            <p:ph type="sldNum" sz="quarter" idx="12"/>
+          </p:nvPr>
+        </p:nvSpPr>
+        <p:spPr/>
+        <p:txBody>
+          <a:bodyPr/>
+          <a:lstStyle/>
+          <a:p>
+            <a:fld id="{2183B7EE-0FBE-B749-875F-ED24F5ECD71F}" type="slidenum">
+              <a:rPr lang="en-US" smtClean="0">
                 <a:solidFill>
-                  <a:schemeClr val="bg1"/>
+                  <a:schemeClr val="tx1"/>
                 </a:solidFill>
               </a:rPr>
-              <a:t>Este é um exemplo de figura padrão utilizada para descrever o ciclo do TDD</a:t>
-            </a:r>
-          </a:p>
-          <a:p>
-            <a:r>
-              <a:rPr lang="pt-PT" sz="2800" dirty="0">
-                <a:solidFill>
-                  <a:schemeClr val="bg1"/>
-                </a:solidFill>
-              </a:rPr>
-              <a:t>No entanto, na prática o ciclo é normalmente um pouco mais longo, como deixado claro em muitos livros de TDD, apesar da simplificação das figuras que usam</a:t>
-            </a:r>
+              <a:t>27</a:t>
+            </a:fld>
+            <a:endParaRPr lang="en-US">
+              <a:solidFill>
+                <a:schemeClr val="tx1"/>
+              </a:solidFill>
+            </a:endParaRPr>
           </a:p>
         </p:txBody>
       </p:sp>
@@ -19572,7 +18401,7 @@
                 <a:r>
                   <a:rPr lang="en-US" sz="2400" b="1" kern="1200" dirty="0">
                     <a:solidFill>
-                      <a:schemeClr val="bg1"/>
+                      <a:schemeClr val="tx1"/>
                     </a:solidFill>
                   </a:rPr>
                   <a:t>1. Red: </a:t>
@@ -19580,7 +18409,7 @@
                 <a:r>
                   <a:rPr lang="en-US" sz="2400" b="1" kern="1200" dirty="0" err="1">
                     <a:solidFill>
-                      <a:schemeClr val="bg1"/>
+                      <a:schemeClr val="tx1"/>
                     </a:solidFill>
                   </a:rPr>
                   <a:t>Escrever</a:t>
@@ -19588,7 +18417,7 @@
                 <a:r>
                   <a:rPr lang="en-US" sz="2400" b="1" kern="1200" dirty="0">
                     <a:solidFill>
-                      <a:schemeClr val="bg1"/>
+                      <a:schemeClr val="tx1"/>
                     </a:solidFill>
                   </a:rPr>
                   <a:t> um novo Teste</a:t>
@@ -19730,7 +18559,7 @@
                 <a:r>
                   <a:rPr lang="en-US" sz="2400" b="1" kern="1200" dirty="0">
                     <a:solidFill>
-                      <a:schemeClr val="bg1"/>
+                      <a:schemeClr val="tx1"/>
                     </a:solidFill>
                   </a:rPr>
                   <a:t>2. Green: </a:t>
@@ -19738,7 +18567,7 @@
                 <a:r>
                   <a:rPr lang="en-US" sz="2400" b="1" kern="1200" dirty="0" err="1">
                     <a:solidFill>
-                      <a:schemeClr val="bg1"/>
+                      <a:schemeClr val="tx1"/>
                     </a:solidFill>
                   </a:rPr>
                   <a:t>Escrever</a:t>
@@ -19746,7 +18575,7 @@
                 <a:r>
                   <a:rPr lang="en-US" sz="2400" b="1" kern="1200" dirty="0">
                     <a:solidFill>
-                      <a:schemeClr val="bg1"/>
+                      <a:schemeClr val="tx1"/>
                     </a:solidFill>
                   </a:rPr>
                   <a:t> o </a:t>
@@ -19754,7 +18583,7 @@
                 <a:r>
                   <a:rPr lang="en-US" sz="2400" b="1" kern="1200" dirty="0" err="1">
                     <a:solidFill>
-                      <a:schemeClr val="bg1"/>
+                      <a:schemeClr val="tx1"/>
                     </a:solidFill>
                   </a:rPr>
                   <a:t>mínimo</a:t>
@@ -19762,7 +18591,7 @@
                 <a:r>
                   <a:rPr lang="en-US" sz="2400" b="1" kern="1200" dirty="0">
                     <a:solidFill>
-                      <a:schemeClr val="bg1"/>
+                      <a:schemeClr val="tx1"/>
                     </a:solidFill>
                   </a:rPr>
                   <a:t> de </a:t>
@@ -19770,7 +18599,7 @@
                 <a:r>
                   <a:rPr lang="en-US" sz="2400" b="1" kern="1200" dirty="0" err="1">
                     <a:solidFill>
-                      <a:schemeClr val="bg1"/>
+                      <a:schemeClr val="tx1"/>
                     </a:solidFill>
                   </a:rPr>
                   <a:t>código</a:t>
@@ -19778,7 +18607,7 @@
                 <a:r>
                   <a:rPr lang="en-US" sz="2400" b="1" kern="1200" dirty="0">
                     <a:solidFill>
-                      <a:schemeClr val="bg1"/>
+                      <a:schemeClr val="tx1"/>
                     </a:solidFill>
                   </a:rPr>
                   <a:t> pro teste </a:t>
@@ -19786,14 +18615,14 @@
                 <a:r>
                   <a:rPr lang="en-US" sz="2400" b="1" kern="1200" dirty="0" err="1">
                     <a:solidFill>
-                      <a:schemeClr val="bg1"/>
+                      <a:schemeClr val="tx1"/>
                     </a:solidFill>
                   </a:rPr>
                   <a:t>passar</a:t>
                 </a:r>
                 <a:endParaRPr lang="en-US" sz="2400" b="1" kern="1200" dirty="0">
                   <a:solidFill>
-                    <a:schemeClr val="bg1"/>
+                    <a:schemeClr val="tx1"/>
                   </a:solidFill>
                 </a:endParaRPr>
               </a:p>
@@ -19933,7 +18762,7 @@
                 <a:r>
                   <a:rPr lang="en-US" sz="2400" b="1" kern="1200">
                     <a:solidFill>
-                      <a:schemeClr val="bg1"/>
+                      <a:schemeClr val="tx1"/>
                     </a:solidFill>
                   </a:rPr>
                   <a:t>3. </a:t>
@@ -19941,7 +18770,7 @@
                 <a:r>
                   <a:rPr lang="en-US" sz="2400" b="1" kern="1200" err="1">
                     <a:solidFill>
-                      <a:schemeClr val="bg1"/>
+                      <a:schemeClr val="tx1"/>
                     </a:solidFill>
                   </a:rPr>
                   <a:t>Refatorar</a:t>
@@ -19949,7 +18778,7 @@
                 <a:r>
                   <a:rPr lang="en-US" sz="2400" b="1" kern="1200">
                     <a:solidFill>
-                      <a:schemeClr val="bg1"/>
+                      <a:schemeClr val="tx1"/>
                     </a:solidFill>
                   </a:rPr>
                   <a:t>: </a:t>
@@ -19957,7 +18786,7 @@
                 <a:r>
                   <a:rPr lang="en-US" sz="2400" b="1" kern="1200" err="1">
                     <a:solidFill>
-                      <a:schemeClr val="bg1"/>
+                      <a:schemeClr val="tx1"/>
                     </a:solidFill>
                   </a:rPr>
                   <a:t>melhorar</a:t>
@@ -19965,7 +18794,7 @@
                 <a:r>
                   <a:rPr lang="en-US" sz="2400" b="1" kern="1200">
                     <a:solidFill>
-                      <a:schemeClr val="bg1"/>
+                      <a:schemeClr val="tx1"/>
                     </a:solidFill>
                   </a:rPr>
                   <a:t> o </a:t>
@@ -19973,14 +18802,14 @@
                 <a:r>
                   <a:rPr lang="en-US" sz="2400" b="1" kern="1200" err="1">
                     <a:solidFill>
-                      <a:schemeClr val="bg1"/>
+                      <a:schemeClr val="tx1"/>
                     </a:solidFill>
                   </a:rPr>
                   <a:t>código</a:t>
                 </a:r>
                 <a:endParaRPr lang="en-US" sz="2400" b="1" kern="1200">
                   <a:solidFill>
-                    <a:schemeClr val="bg1"/>
+                    <a:schemeClr val="tx1"/>
                   </a:solidFill>
                 </a:endParaRPr>
               </a:p>
@@ -20442,16 +19271,6 @@
 <file path=ppt/slides/slide28.xml><?xml version="1.0" encoding="utf-8"?>
 <p:sld xmlns:a="http://schemas.openxmlformats.org/drawingml/2006/main" xmlns:r="http://schemas.openxmlformats.org/officeDocument/2006/relationships" xmlns:p="http://schemas.openxmlformats.org/presentationml/2006/main" showMasterSp="0">
   <p:cSld>
-    <p:bg>
-      <p:bgPr>
-        <a:solidFill>
-          <a:schemeClr val="tx1">
-            <a:lumMod val="95000"/>
-          </a:schemeClr>
-        </a:solidFill>
-        <a:effectLst/>
-      </p:bgPr>
-    </p:bg>
     <p:spTree>
       <p:nvGrpSpPr>
         <p:cNvPr id="1" name=""/>
@@ -20664,7 +19483,7 @@
                 <a:r>
                   <a:rPr lang="en-US" sz="2400" b="1" kern="1200" dirty="0">
                     <a:solidFill>
-                      <a:schemeClr val="bg1"/>
+                      <a:schemeClr val="tx1"/>
                     </a:solidFill>
                   </a:rPr>
                   <a:t>1. Red: </a:t>
@@ -20672,7 +19491,7 @@
                 <a:r>
                   <a:rPr lang="en-US" sz="2400" b="1" kern="1200" dirty="0" err="1">
                     <a:solidFill>
-                      <a:schemeClr val="bg1"/>
+                      <a:schemeClr val="tx1"/>
                     </a:solidFill>
                   </a:rPr>
                   <a:t>Escrever</a:t>
@@ -20680,7 +19499,7 @@
                 <a:r>
                   <a:rPr lang="en-US" sz="2400" b="1" kern="1200" dirty="0">
                     <a:solidFill>
-                      <a:schemeClr val="bg1"/>
+                      <a:schemeClr val="tx1"/>
                     </a:solidFill>
                   </a:rPr>
                   <a:t> um novo teste e </a:t>
@@ -20688,7 +19507,7 @@
                 <a:r>
                   <a:rPr lang="en-US" sz="2400" b="1" kern="1200" dirty="0" err="1">
                     <a:solidFill>
-                      <a:schemeClr val="bg1"/>
+                      <a:schemeClr val="tx1"/>
                     </a:solidFill>
                   </a:rPr>
                   <a:t>fazê</a:t>
@@ -20696,7 +19515,7 @@
                 <a:r>
                   <a:rPr lang="en-US" sz="2400" b="1" kern="1200" dirty="0">
                     <a:solidFill>
-                      <a:schemeClr val="bg1"/>
+                      <a:schemeClr val="tx1"/>
                     </a:solidFill>
                   </a:rPr>
                   <a:t>-lo </a:t>
@@ -20704,14 +19523,14 @@
                 <a:r>
                   <a:rPr lang="en-US" sz="2400" b="1" kern="1200" dirty="0" err="1">
                     <a:solidFill>
-                      <a:schemeClr val="bg1"/>
+                      <a:schemeClr val="tx1"/>
                     </a:solidFill>
                   </a:rPr>
                   <a:t>falhar</a:t>
                 </a:r>
                 <a:endParaRPr lang="en-US" sz="2400" b="1" kern="1200" dirty="0">
                   <a:solidFill>
-                    <a:schemeClr val="bg1"/>
+                    <a:schemeClr val="tx1"/>
                   </a:solidFill>
                 </a:endParaRPr>
               </a:p>
@@ -20850,7 +19669,7 @@
                 <a:r>
                   <a:rPr lang="en-US" sz="2400" b="1" dirty="0">
                     <a:solidFill>
-                      <a:schemeClr val="bg1"/>
+                      <a:schemeClr val="tx1"/>
                     </a:solidFill>
                   </a:rPr>
                   <a:t>3. O teste </a:t>
@@ -20858,7 +19677,7 @@
                 <a:r>
                   <a:rPr lang="en-US" sz="2400" b="1" dirty="0" err="1">
                     <a:solidFill>
-                      <a:schemeClr val="bg1"/>
+                      <a:schemeClr val="tx1"/>
                     </a:solidFill>
                   </a:rPr>
                   <a:t>passou</a:t>
@@ -20866,7 +19685,7 @@
                 <a:r>
                   <a:rPr lang="en-US" sz="2400" b="1" dirty="0">
                     <a:solidFill>
-                      <a:schemeClr val="bg1"/>
+                      <a:schemeClr val="tx1"/>
                     </a:solidFill>
                   </a:rPr>
                   <a:t>?</a:t>
@@ -21008,7 +19827,7 @@
                 <a:r>
                   <a:rPr lang="en-US" sz="2400" b="1" dirty="0">
                     <a:solidFill>
-                      <a:schemeClr val="bg1"/>
+                      <a:schemeClr val="tx1"/>
                     </a:solidFill>
                   </a:rPr>
                   <a:t>4</a:t>
@@ -21016,7 +19835,7 @@
                 <a:r>
                   <a:rPr lang="en-US" sz="2400" b="1" kern="1200" dirty="0">
                     <a:solidFill>
-                      <a:schemeClr val="bg1"/>
+                      <a:schemeClr val="tx1"/>
                     </a:solidFill>
                   </a:rPr>
                   <a:t>. </a:t>
@@ -21024,7 +19843,7 @@
                 <a:r>
                   <a:rPr lang="en-US" sz="2400" b="1" kern="1200" dirty="0" err="1">
                     <a:solidFill>
-                      <a:schemeClr val="bg1"/>
+                      <a:schemeClr val="tx1"/>
                     </a:solidFill>
                   </a:rPr>
                   <a:t>Refatorar</a:t>
@@ -21032,7 +19851,7 @@
                 <a:r>
                   <a:rPr lang="en-US" sz="2400" b="1" kern="1200" dirty="0">
                     <a:solidFill>
-                      <a:schemeClr val="bg1"/>
+                      <a:schemeClr val="tx1"/>
                     </a:solidFill>
                   </a:rPr>
                   <a:t>: </a:t>
@@ -21040,7 +19859,7 @@
                 <a:r>
                   <a:rPr lang="en-US" sz="2400" b="1" kern="1200" dirty="0" err="1">
                     <a:solidFill>
-                      <a:schemeClr val="bg1"/>
+                      <a:schemeClr val="tx1"/>
                     </a:solidFill>
                   </a:rPr>
                   <a:t>melhorar</a:t>
@@ -21048,7 +19867,7 @@
                 <a:r>
                   <a:rPr lang="en-US" sz="2400" b="1" kern="1200" dirty="0">
                     <a:solidFill>
-                      <a:schemeClr val="bg1"/>
+                      <a:schemeClr val="tx1"/>
                     </a:solidFill>
                   </a:rPr>
                   <a:t> o </a:t>
@@ -21056,14 +19875,14 @@
                 <a:r>
                   <a:rPr lang="en-US" sz="2400" b="1" kern="1200" dirty="0" err="1">
                     <a:solidFill>
-                      <a:schemeClr val="bg1"/>
+                      <a:schemeClr val="tx1"/>
                     </a:solidFill>
                   </a:rPr>
                   <a:t>código</a:t>
                 </a:r>
                 <a:endParaRPr lang="en-US" sz="2400" b="1" kern="1200" dirty="0">
                   <a:solidFill>
-                    <a:schemeClr val="bg1"/>
+                    <a:schemeClr val="tx1"/>
                   </a:solidFill>
                 </a:endParaRPr>
               </a:p>
@@ -21496,7 +20315,7 @@
                 <a:r>
                   <a:rPr lang="en-US" sz="2400" b="1" kern="1200" dirty="0">
                     <a:solidFill>
-                      <a:schemeClr val="bg1"/>
+                      <a:schemeClr val="tx1"/>
                     </a:solidFill>
                   </a:rPr>
                   <a:t>5. Red: </a:t>
@@ -21504,7 +20323,7 @@
                 <a:r>
                   <a:rPr lang="en-US" sz="2400" b="1" kern="1200" dirty="0" err="1">
                     <a:solidFill>
-                      <a:schemeClr val="bg1"/>
+                      <a:schemeClr val="tx1"/>
                     </a:solidFill>
                   </a:rPr>
                   <a:t>Corrigir</a:t>
@@ -21512,7 +20331,7 @@
                 <a:r>
                   <a:rPr lang="en-US" sz="2400" b="1" kern="1200" dirty="0">
                     <a:solidFill>
-                      <a:schemeClr val="bg1"/>
+                      <a:schemeClr val="tx1"/>
                     </a:solidFill>
                   </a:rPr>
                   <a:t> o </a:t>
@@ -21520,7 +20339,7 @@
                 <a:r>
                   <a:rPr lang="en-US" sz="2400" b="1" kern="1200" dirty="0" err="1">
                     <a:solidFill>
-                      <a:schemeClr val="bg1"/>
+                      <a:schemeClr val="tx1"/>
                     </a:solidFill>
                   </a:rPr>
                   <a:t>código</a:t>
@@ -21528,7 +20347,7 @@
                 <a:r>
                   <a:rPr lang="en-US" sz="2400" b="1" kern="1200" dirty="0">
                     <a:solidFill>
-                      <a:schemeClr val="bg1"/>
+                      <a:schemeClr val="tx1"/>
                     </a:solidFill>
                   </a:rPr>
                   <a:t> </a:t>
@@ -21536,7 +20355,7 @@
                 <a:r>
                   <a:rPr lang="en-US" sz="2400" b="1" kern="1200" dirty="0" err="1">
                     <a:solidFill>
-                      <a:schemeClr val="bg1"/>
+                      <a:schemeClr val="tx1"/>
                     </a:solidFill>
                   </a:rPr>
                   <a:t>depois</a:t>
@@ -21544,7 +20363,7 @@
                 <a:r>
                   <a:rPr lang="en-US" sz="2400" b="1" kern="1200" dirty="0">
                     <a:solidFill>
-                      <a:schemeClr val="bg1"/>
+                      <a:schemeClr val="tx1"/>
                     </a:solidFill>
                   </a:rPr>
                   <a:t> da </a:t>
@@ -21552,7 +20371,7 @@
                 <a:r>
                   <a:rPr lang="en-US" sz="2400" b="1" kern="1200" dirty="0" err="1">
                     <a:solidFill>
-                      <a:schemeClr val="bg1"/>
+                      <a:schemeClr val="tx1"/>
                     </a:solidFill>
                   </a:rPr>
                   <a:t>falha</a:t>
@@ -21560,7 +20379,7 @@
                 <a:r>
                   <a:rPr lang="en-US" sz="2400" b="1" kern="1200" dirty="0">
                     <a:solidFill>
-                      <a:schemeClr val="bg1"/>
+                      <a:schemeClr val="tx1"/>
                     </a:solidFill>
                   </a:rPr>
                   <a:t> do teste</a:t>
@@ -21949,7 +20768,7 @@
                 <a:r>
                   <a:rPr lang="en-US" sz="2400" b="1" dirty="0">
                     <a:solidFill>
-                      <a:schemeClr val="bg1"/>
+                      <a:schemeClr val="tx1"/>
                     </a:solidFill>
                   </a:rPr>
                   <a:t>2. </a:t>
@@ -21957,7 +20776,7 @@
                 <a:r>
                   <a:rPr lang="en-US" sz="2400" b="1" dirty="0" err="1">
                     <a:solidFill>
-                      <a:schemeClr val="bg1"/>
+                      <a:schemeClr val="tx1"/>
                     </a:solidFill>
                   </a:rPr>
                   <a:t>Escrever</a:t>
@@ -21965,7 +20784,7 @@
                 <a:r>
                   <a:rPr lang="en-US" sz="2400" b="1" dirty="0">
                     <a:solidFill>
-                      <a:schemeClr val="bg1"/>
+                      <a:schemeClr val="tx1"/>
                     </a:solidFill>
                   </a:rPr>
                   <a:t> o </a:t>
@@ -21973,7 +20792,7 @@
                 <a:r>
                   <a:rPr lang="en-US" sz="2400" b="1" dirty="0" err="1">
                     <a:solidFill>
-                      <a:schemeClr val="bg1"/>
+                      <a:schemeClr val="tx1"/>
                     </a:solidFill>
                   </a:rPr>
                   <a:t>mínimo</a:t>
@@ -21981,7 +20800,7 @@
                 <a:r>
                   <a:rPr lang="en-US" sz="2400" b="1" dirty="0">
                     <a:solidFill>
-                      <a:schemeClr val="bg1"/>
+                      <a:schemeClr val="tx1"/>
                     </a:solidFill>
                   </a:rPr>
                   <a:t> de </a:t>
@@ -21989,7 +20808,7 @@
                 <a:r>
                   <a:rPr lang="en-US" sz="2400" b="1" dirty="0" err="1">
                     <a:solidFill>
-                      <a:schemeClr val="bg1"/>
+                      <a:schemeClr val="tx1"/>
                     </a:solidFill>
                   </a:rPr>
                   <a:t>código</a:t>
@@ -21997,7 +20816,7 @@
                 <a:r>
                   <a:rPr lang="en-US" sz="2400" b="1" dirty="0">
                     <a:solidFill>
-                      <a:schemeClr val="bg1"/>
+                      <a:schemeClr val="tx1"/>
                     </a:solidFill>
                   </a:rPr>
                   <a:t> pro teste </a:t>
@@ -22005,14 +20824,14 @@
                 <a:r>
                   <a:rPr lang="en-US" sz="2400" b="1" dirty="0" err="1">
                     <a:solidFill>
-                      <a:schemeClr val="bg1"/>
+                      <a:schemeClr val="tx1"/>
                     </a:solidFill>
                   </a:rPr>
                   <a:t>passar</a:t>
                 </a:r>
                 <a:endParaRPr lang="en-US" sz="2400" b="1" dirty="0">
                   <a:solidFill>
-                    <a:schemeClr val="bg1"/>
+                    <a:schemeClr val="tx1"/>
                   </a:solidFill>
                 </a:endParaRPr>
               </a:p>
@@ -22204,16 +21023,6 @@
 <file path=ppt/slides/slide29.xml><?xml version="1.0" encoding="utf-8"?>
 <p:sld xmlns:a="http://schemas.openxmlformats.org/drawingml/2006/main" xmlns:r="http://schemas.openxmlformats.org/officeDocument/2006/relationships" xmlns:p="http://schemas.openxmlformats.org/presentationml/2006/main">
   <p:cSld>
-    <p:bg>
-      <p:bgPr>
-        <a:solidFill>
-          <a:schemeClr val="tx1">
-            <a:lumMod val="95000"/>
-          </a:schemeClr>
-        </a:solidFill>
-        <a:effectLst/>
-      </p:bgPr>
-    </p:bg>
     <p:spTree>
       <p:nvGrpSpPr>
         <p:cNvPr id="1" name=""/>
@@ -22228,43 +21037,6 @@
           <a:chExt cx="0" cy="0"/>
         </a:xfrm>
       </p:grpSpPr>
-      <p:sp>
-        <p:nvSpPr>
-          <p:cNvPr id="4" name="Slide Number Placeholder 3">
-            <a:extLst>
-              <a:ext uri="{FF2B5EF4-FFF2-40B4-BE49-F238E27FC236}">
-                <a16:creationId xmlns:a16="http://schemas.microsoft.com/office/drawing/2014/main" id="{2EA509C2-078C-DE4C-BE59-C32AF18E82D6}"/>
-              </a:ext>
-            </a:extLst>
-          </p:cNvPr>
-          <p:cNvSpPr>
-            <a:spLocks noGrp="1"/>
-          </p:cNvSpPr>
-          <p:nvPr>
-            <p:ph type="sldNum" sz="quarter" idx="12"/>
-          </p:nvPr>
-        </p:nvSpPr>
-        <p:spPr/>
-        <p:txBody>
-          <a:bodyPr/>
-          <a:lstStyle/>
-          <a:p>
-            <a:fld id="{2183B7EE-0FBE-B749-875F-ED24F5ECD71F}" type="slidenum">
-              <a:rPr lang="en-US" smtClean="0">
-                <a:solidFill>
-                  <a:schemeClr val="bg1"/>
-                </a:solidFill>
-              </a:rPr>
-              <a:t>29</a:t>
-            </a:fld>
-            <a:endParaRPr lang="en-US">
-              <a:solidFill>
-                <a:schemeClr val="bg1"/>
-              </a:solidFill>
-            </a:endParaRPr>
-          </a:p>
-        </p:txBody>
-      </p:sp>
       <p:sp>
         <p:nvSpPr>
           <p:cNvPr id="12" name="Title 1">
@@ -22295,17 +21067,10 @@
           <a:p>
             <a:pPr algn="ctr"/>
             <a:r>
-              <a:rPr lang="pt-BR" b="1">
-                <a:solidFill>
-                  <a:schemeClr val="bg1"/>
-                </a:solidFill>
-              </a:rPr>
+              <a:rPr lang="pt-BR" b="1"/>
               <a:t>mas escrevendo testes vou gastar o dobro de tempo pra desenvolver o sistema... 😒</a:t>
             </a:r>
             <a:endParaRPr lang="pt-BR" i="1" cap="none">
-              <a:solidFill>
-                <a:srgbClr val="FFFF00"/>
-              </a:solidFill>
               <a:effectLst>
                 <a:outerShdw blurRad="50800" dist="50800" dir="5400000" algn="ctr" rotWithShape="0">
                   <a:schemeClr val="tx1">
@@ -22313,6 +21078,43 @@
                   </a:schemeClr>
                 </a:outerShdw>
               </a:effectLst>
+            </a:endParaRPr>
+          </a:p>
+        </p:txBody>
+      </p:sp>
+      <p:sp>
+        <p:nvSpPr>
+          <p:cNvPr id="4" name="Slide Number Placeholder 3">
+            <a:extLst>
+              <a:ext uri="{FF2B5EF4-FFF2-40B4-BE49-F238E27FC236}">
+                <a16:creationId xmlns:a16="http://schemas.microsoft.com/office/drawing/2014/main" id="{2EA509C2-078C-DE4C-BE59-C32AF18E82D6}"/>
+              </a:ext>
+            </a:extLst>
+          </p:cNvPr>
+          <p:cNvSpPr>
+            <a:spLocks noGrp="1"/>
+          </p:cNvSpPr>
+          <p:nvPr>
+            <p:ph type="sldNum" sz="quarter" idx="12"/>
+          </p:nvPr>
+        </p:nvSpPr>
+        <p:spPr/>
+        <p:txBody>
+          <a:bodyPr/>
+          <a:lstStyle/>
+          <a:p>
+            <a:fld id="{2183B7EE-0FBE-B749-875F-ED24F5ECD71F}" type="slidenum">
+              <a:rPr lang="en-US" smtClean="0">
+                <a:solidFill>
+                  <a:schemeClr val="tx1"/>
+                </a:solidFill>
+              </a:rPr>
+              <a:t>29</a:t>
+            </a:fld>
+            <a:endParaRPr lang="en-US">
+              <a:solidFill>
+                <a:schemeClr val="tx1"/>
+              </a:solidFill>
             </a:endParaRPr>
           </a:p>
         </p:txBody>
@@ -22454,8 +21256,8 @@
         </p:nvSpPr>
         <p:spPr>
           <a:xfrm>
-            <a:off x="18293" y="9516"/>
-            <a:ext cx="12153724" cy="878666"/>
+            <a:off x="3912433" y="239655"/>
+            <a:ext cx="7456271" cy="878666"/>
           </a:xfrm>
         </p:spPr>
         <p:txBody>
@@ -22464,10 +21266,9 @@
           </a:bodyPr>
           <a:lstStyle/>
           <a:p>
-            <a:pPr algn="ctr"/>
             <a:r>
               <a:rPr lang="pt-BR" b="1" i="1" dirty="0"/>
-              <a:t>O que esse código faz exatamente?</a:t>
+              <a:t>O que esse código faz?</a:t>
             </a:r>
             <a:endParaRPr lang="pt-BR" dirty="0"/>
           </a:p>
@@ -22491,7 +21292,7 @@
         </p:nvSpPr>
         <p:spPr>
           <a:xfrm>
-            <a:off x="18293" y="1253169"/>
+            <a:off x="123223" y="1433049"/>
             <a:ext cx="6576951" cy="4716649"/>
           </a:xfrm>
           <a:solidFill>
@@ -22725,7 +21526,7 @@
         </p:nvSpPr>
         <p:spPr>
           <a:xfrm>
-            <a:off x="6295870" y="1253169"/>
+            <a:off x="6295870" y="1433049"/>
             <a:ext cx="5876148" cy="4716649"/>
           </a:xfrm>
           <a:prstGeom prst="rect">
@@ -23106,8 +21907,8 @@
         </p:nvSpPr>
         <p:spPr>
           <a:xfrm>
-            <a:off x="907376" y="6018488"/>
-            <a:ext cx="10506298" cy="830997"/>
+            <a:off x="1447025" y="6185433"/>
+            <a:ext cx="10506298" cy="646331"/>
           </a:xfrm>
           <a:prstGeom prst="rect">
             <a:avLst/>
@@ -23120,20 +21921,13 @@
           </a:bodyPr>
           <a:lstStyle/>
           <a:p>
-            <a:pPr algn="ctr"/>
-            <a:r>
-              <a:rPr lang="pt-BR" sz="2400">
-                <a:solidFill>
-                  <a:srgbClr val="FFFF00"/>
-                </a:solidFill>
-              </a:rPr>
+            <a:pPr algn="r"/>
+            <a:r>
+              <a:rPr lang="pt-BR" i="1" dirty="0"/>
               <a:t>Código obtido de </a:t>
             </a:r>
             <a:r>
-              <a:rPr lang="pt-BR" sz="2400">
-                <a:solidFill>
-                  <a:srgbClr val="FFFF00"/>
-                </a:solidFill>
+              <a:rPr lang="pt-BR" i="1" dirty="0">
                 <a:hlinkClick r:id="rId2">
                   <a:extLst>
                     <a:ext uri="{A12FA001-AC4F-418D-AE19-62706E023703}">
@@ -23145,26 +21939,14 @@
               <a:t>http://www.guj.com.br/t/validar-cpf/56329</a:t>
             </a:r>
             <a:r>
-              <a:rPr lang="pt-BR" sz="2400">
-                <a:solidFill>
-                  <a:srgbClr val="FFFF00"/>
-                </a:solidFill>
-              </a:rPr>
+              <a:rPr lang="pt-BR" i="1" dirty="0"/>
               <a:t>, </a:t>
             </a:r>
             <a:br>
-              <a:rPr lang="pt-BR" sz="2400">
-                <a:solidFill>
-                  <a:srgbClr val="FFFF00"/>
-                </a:solidFill>
-              </a:rPr>
+              <a:rPr lang="pt-BR" i="1" dirty="0"/>
             </a:br>
             <a:r>
-              <a:rPr lang="pt-BR" sz="2400">
-                <a:solidFill>
-                  <a:srgbClr val="FFFF00"/>
-                </a:solidFill>
-              </a:rPr>
+              <a:rPr lang="pt-BR" i="1" dirty="0"/>
               <a:t>que originalmente é muito mais horrível que isso 🥺</a:t>
             </a:r>
           </a:p>
@@ -23342,13 +22124,591 @@
 </file>
 
 <file path=ppt/slides/slide30.xml><?xml version="1.0" encoding="utf-8"?>
-<p:sld xmlns:a="http://schemas.openxmlformats.org/drawingml/2006/main" xmlns:r="http://schemas.openxmlformats.org/officeDocument/2006/relationships" xmlns:p="http://schemas.openxmlformats.org/presentationml/2006/main">
+<p:sld xmlns:a="http://schemas.openxmlformats.org/drawingml/2006/main" xmlns:r="http://schemas.openxmlformats.org/officeDocument/2006/relationships" xmlns:p="http://schemas.openxmlformats.org/presentationml/2006/main" showMasterSp="0">
   <p:cSld>
     <p:bg>
       <p:bgPr>
         <a:blipFill dpi="0" rotWithShape="1">
           <a:blip r:embed="rId2">
-            <a:alphaModFix amt="68000"/>
+            <a:alphaModFix amt="56000"/>
+            <a:lum/>
+          </a:blip>
+          <a:srcRect/>
+          <a:stretch>
+            <a:fillRect t="-7000" b="-7000"/>
+          </a:stretch>
+        </a:blipFill>
+        <a:effectLst/>
+      </p:bgPr>
+    </p:bg>
+    <p:spTree>
+      <p:nvGrpSpPr>
+        <p:cNvPr id="1" name=""/>
+        <p:cNvGrpSpPr/>
+        <p:nvPr/>
+      </p:nvGrpSpPr>
+      <p:grpSpPr>
+        <a:xfrm>
+          <a:off x="0" y="0"/>
+          <a:ext cx="0" cy="0"/>
+          <a:chOff x="0" y="0"/>
+          <a:chExt cx="0" cy="0"/>
+        </a:xfrm>
+      </p:grpSpPr>
+      <p:sp>
+        <p:nvSpPr>
+          <p:cNvPr id="12" name="Title 1">
+            <a:extLst>
+              <a:ext uri="{FF2B5EF4-FFF2-40B4-BE49-F238E27FC236}">
+                <a16:creationId xmlns:a16="http://schemas.microsoft.com/office/drawing/2014/main" id="{A9B593D1-1F70-2347-80A6-520C61091435}"/>
+              </a:ext>
+            </a:extLst>
+          </p:cNvPr>
+          <p:cNvSpPr>
+            <a:spLocks noGrp="1"/>
+          </p:cNvSpPr>
+          <p:nvPr>
+            <p:ph type="title"/>
+          </p:nvPr>
+        </p:nvSpPr>
+        <p:spPr>
+          <a:xfrm>
+            <a:off x="0" y="11607"/>
+            <a:ext cx="3429001" cy="1117188"/>
+          </a:xfrm>
+        </p:spPr>
+        <p:txBody>
+          <a:bodyPr>
+            <a:normAutofit/>
+          </a:bodyPr>
+          <a:lstStyle/>
+          <a:p>
+            <a:pPr algn="ctr"/>
+            <a:r>
+              <a:rPr lang="pt-BR" b="1" dirty="0">
+                <a:effectLst>
+                  <a:outerShdw blurRad="254000" dist="38100" dir="2700000" algn="tl" rotWithShape="0">
+                    <a:prstClr val="black">
+                      <a:alpha val="40000"/>
+                    </a:prstClr>
+                  </a:outerShdw>
+                </a:effectLst>
+              </a:rPr>
+              <a:t>SEM mas!!!</a:t>
+            </a:r>
+            <a:endParaRPr lang="pt-BR" i="1" cap="none" dirty="0">
+              <a:effectLst>
+                <a:outerShdw blurRad="254000" dist="38100" dir="2700000" algn="tl" rotWithShape="0">
+                  <a:prstClr val="black">
+                    <a:alpha val="40000"/>
+                  </a:prstClr>
+                </a:outerShdw>
+              </a:effectLst>
+            </a:endParaRPr>
+          </a:p>
+        </p:txBody>
+      </p:sp>
+      <p:sp>
+        <p:nvSpPr>
+          <p:cNvPr id="3" name="Content Placeholder 2">
+            <a:extLst>
+              <a:ext uri="{FF2B5EF4-FFF2-40B4-BE49-F238E27FC236}">
+                <a16:creationId xmlns:a16="http://schemas.microsoft.com/office/drawing/2014/main" id="{C9044F89-E3C1-E349-B0DE-0B932821234C}"/>
+              </a:ext>
+            </a:extLst>
+          </p:cNvPr>
+          <p:cNvSpPr>
+            <a:spLocks noGrp="1"/>
+          </p:cNvSpPr>
+          <p:nvPr>
+            <p:ph idx="1"/>
+          </p:nvPr>
+        </p:nvSpPr>
+        <p:spPr>
+          <a:xfrm>
+            <a:off x="849886" y="1543987"/>
+            <a:ext cx="10656314" cy="4906531"/>
+          </a:xfrm>
+        </p:spPr>
+        <p:txBody>
+          <a:bodyPr>
+            <a:noAutofit/>
+          </a:bodyPr>
+          <a:lstStyle/>
+          <a:p>
+            <a:r>
+              <a:rPr lang="pt-PT" sz="3200" b="1" dirty="0">
+                <a:solidFill>
+                  <a:schemeClr val="bg1"/>
+                </a:solidFill>
+                <a:effectLst>
+                  <a:outerShdw blurRad="50800" dist="38100" dir="2700000" algn="tl" rotWithShape="0">
+                    <a:schemeClr val="bg1">
+                      <a:lumMod val="50000"/>
+                    </a:schemeClr>
+                  </a:outerShdw>
+                </a:effectLst>
+              </a:rPr>
+              <a:t>Normalmente gasta-se mais tempo resolvendo problemas do que escrevendo testes para tentar </a:t>
+            </a:r>
+            <a:r>
+              <a:rPr lang="pt-PT" sz="3200" b="1" dirty="0" err="1">
+                <a:solidFill>
+                  <a:schemeClr val="bg1"/>
+                </a:solidFill>
+                <a:effectLst>
+                  <a:outerShdw blurRad="50800" dist="38100" dir="2700000" algn="tl" rotWithShape="0">
+                    <a:schemeClr val="bg1">
+                      <a:lumMod val="50000"/>
+                    </a:schemeClr>
+                  </a:outerShdw>
+                </a:effectLst>
+              </a:rPr>
+              <a:t>detectar</a:t>
+            </a:r>
+            <a:r>
+              <a:rPr lang="pt-PT" sz="3200" b="1" dirty="0">
+                <a:solidFill>
+                  <a:schemeClr val="bg1"/>
+                </a:solidFill>
+                <a:effectLst>
+                  <a:outerShdw blurRad="50800" dist="38100" dir="2700000" algn="tl" rotWithShape="0">
+                    <a:schemeClr val="bg1">
+                      <a:lumMod val="50000"/>
+                    </a:schemeClr>
+                  </a:outerShdw>
+                </a:effectLst>
+              </a:rPr>
+              <a:t> tais problemas o quanto antes</a:t>
+            </a:r>
+          </a:p>
+          <a:p>
+            <a:r>
+              <a:rPr lang="pt-PT" sz="3200" b="1" dirty="0">
+                <a:solidFill>
+                  <a:schemeClr val="bg1"/>
+                </a:solidFill>
+                <a:effectLst>
+                  <a:outerShdw blurRad="50800" dist="38100" dir="2700000" algn="tl" rotWithShape="0">
+                    <a:schemeClr val="bg1">
+                      <a:lumMod val="50000"/>
+                    </a:schemeClr>
+                  </a:outerShdw>
+                </a:effectLst>
+              </a:rPr>
+              <a:t>Escrever os testes antes de escrever o código é mais fácil pois você ainda está com a solução fresca na mente</a:t>
+            </a:r>
+          </a:p>
+          <a:p>
+            <a:r>
+              <a:rPr lang="pt-PT" sz="3200" b="1" dirty="0">
+                <a:solidFill>
+                  <a:schemeClr val="bg1"/>
+                </a:solidFill>
+                <a:effectLst>
+                  <a:outerShdw blurRad="50800" dist="38100" dir="2700000" algn="tl" rotWithShape="0">
+                    <a:schemeClr val="bg1">
+                      <a:lumMod val="50000"/>
+                    </a:schemeClr>
+                  </a:outerShdw>
+                </a:effectLst>
+              </a:rPr>
+              <a:t>Tentar resolver um problema semanas ou meses depois é </a:t>
+            </a:r>
+            <a:r>
+              <a:rPr lang="pt-PT" sz="3200" b="1" dirty="0" err="1">
+                <a:solidFill>
+                  <a:schemeClr val="bg1"/>
+                </a:solidFill>
+                <a:effectLst>
+                  <a:outerShdw blurRad="50800" dist="38100" dir="2700000" algn="tl" rotWithShape="0">
+                    <a:schemeClr val="bg1">
+                      <a:lumMod val="50000"/>
+                    </a:schemeClr>
+                  </a:outerShdw>
+                </a:effectLst>
+              </a:rPr>
+              <a:t>muuuuuuuuuuuuuuuito</a:t>
+            </a:r>
+            <a:r>
+              <a:rPr lang="pt-PT" sz="3200" b="1" dirty="0">
+                <a:solidFill>
+                  <a:schemeClr val="bg1"/>
+                </a:solidFill>
+                <a:effectLst>
+                  <a:outerShdw blurRad="50800" dist="38100" dir="2700000" algn="tl" rotWithShape="0">
+                    <a:schemeClr val="bg1">
+                      <a:lumMod val="50000"/>
+                    </a:schemeClr>
+                  </a:outerShdw>
+                </a:effectLst>
+              </a:rPr>
+              <a:t> mais difícil e toma muito mais tempo!</a:t>
+            </a:r>
+          </a:p>
+        </p:txBody>
+      </p:sp>
+      <p:sp>
+        <p:nvSpPr>
+          <p:cNvPr id="4" name="Slide Number Placeholder 3">
+            <a:extLst>
+              <a:ext uri="{FF2B5EF4-FFF2-40B4-BE49-F238E27FC236}">
+                <a16:creationId xmlns:a16="http://schemas.microsoft.com/office/drawing/2014/main" id="{2EA509C2-078C-DE4C-BE59-C32AF18E82D6}"/>
+              </a:ext>
+            </a:extLst>
+          </p:cNvPr>
+          <p:cNvSpPr>
+            <a:spLocks noGrp="1"/>
+          </p:cNvSpPr>
+          <p:nvPr>
+            <p:ph type="sldNum" sz="quarter" idx="12"/>
+          </p:nvPr>
+        </p:nvSpPr>
+        <p:spPr/>
+        <p:txBody>
+          <a:bodyPr/>
+          <a:lstStyle/>
+          <a:p>
+            <a:fld id="{2183B7EE-0FBE-B749-875F-ED24F5ECD71F}" type="slidenum">
+              <a:rPr lang="en-US" smtClean="0">
+                <a:solidFill>
+                  <a:schemeClr val="bg1"/>
+                </a:solidFill>
+              </a:rPr>
+              <a:t>30</a:t>
+            </a:fld>
+            <a:endParaRPr lang="en-US">
+              <a:solidFill>
+                <a:schemeClr val="bg1"/>
+              </a:solidFill>
+            </a:endParaRPr>
+          </a:p>
+        </p:txBody>
+      </p:sp>
+    </p:spTree>
+    <p:extLst>
+      <p:ext uri="{BB962C8B-B14F-4D97-AF65-F5344CB8AC3E}">
+        <p14:creationId xmlns:p14="http://schemas.microsoft.com/office/powerpoint/2010/main" val="7189054"/>
+      </p:ext>
+    </p:extLst>
+  </p:cSld>
+  <p:clrMapOvr>
+    <a:masterClrMapping/>
+  </p:clrMapOvr>
+  <p:timing>
+    <p:tnLst>
+      <p:par>
+        <p:cTn id="1" dur="indefinite" restart="never" nodeType="tmRoot">
+          <p:childTnLst>
+            <p:seq concurrent="1" nextAc="seek">
+              <p:cTn id="2" dur="indefinite" nodeType="mainSeq">
+                <p:childTnLst>
+                  <p:par>
+                    <p:cTn id="3" fill="hold">
+                      <p:stCondLst>
+                        <p:cond delay="indefinite"/>
+                      </p:stCondLst>
+                      <p:childTnLst>
+                        <p:par>
+                          <p:cTn id="4" fill="hold">
+                            <p:stCondLst>
+                              <p:cond delay="0"/>
+                            </p:stCondLst>
+                            <p:childTnLst>
+                              <p:par>
+                                <p:cTn id="5" presetID="9" presetClass="entr" presetSubtype="0" fill="hold" grpId="0" nodeType="clickEffect">
+                                  <p:stCondLst>
+                                    <p:cond delay="0"/>
+                                  </p:stCondLst>
+                                  <p:childTnLst>
+                                    <p:set>
+                                      <p:cBhvr>
+                                        <p:cTn id="6" dur="1" fill="hold">
+                                          <p:stCondLst>
+                                            <p:cond delay="0"/>
+                                          </p:stCondLst>
+                                        </p:cTn>
+                                        <p:tgtEl>
+                                          <p:spTgt spid="3">
+                                            <p:txEl>
+                                              <p:pRg st="0" end="0"/>
+                                            </p:txEl>
+                                          </p:spTgt>
+                                        </p:tgtEl>
+                                        <p:attrNameLst>
+                                          <p:attrName>style.visibility</p:attrName>
+                                        </p:attrNameLst>
+                                      </p:cBhvr>
+                                      <p:to>
+                                        <p:strVal val="visible"/>
+                                      </p:to>
+                                    </p:set>
+                                    <p:animEffect transition="in" filter="dissolve">
+                                      <p:cBhvr>
+                                        <p:cTn id="7" dur="500"/>
+                                        <p:tgtEl>
+                                          <p:spTgt spid="3">
+                                            <p:txEl>
+                                              <p:pRg st="0" end="0"/>
+                                            </p:txEl>
+                                          </p:spTgt>
+                                        </p:tgtEl>
+                                      </p:cBhvr>
+                                    </p:animEffect>
+                                  </p:childTnLst>
+                                </p:cTn>
+                              </p:par>
+                            </p:childTnLst>
+                          </p:cTn>
+                        </p:par>
+                      </p:childTnLst>
+                    </p:cTn>
+                  </p:par>
+                  <p:par>
+                    <p:cTn id="8" fill="hold">
+                      <p:stCondLst>
+                        <p:cond delay="indefinite"/>
+                      </p:stCondLst>
+                      <p:childTnLst>
+                        <p:par>
+                          <p:cTn id="9" fill="hold">
+                            <p:stCondLst>
+                              <p:cond delay="0"/>
+                            </p:stCondLst>
+                            <p:childTnLst>
+                              <p:par>
+                                <p:cTn id="10" presetID="9" presetClass="exit" presetSubtype="0" fill="hold" grpId="1" nodeType="clickEffect">
+                                  <p:stCondLst>
+                                    <p:cond delay="0"/>
+                                  </p:stCondLst>
+                                  <p:childTnLst>
+                                    <p:animEffect transition="out" filter="dissolve">
+                                      <p:cBhvr>
+                                        <p:cTn id="11" dur="500"/>
+                                        <p:tgtEl>
+                                          <p:spTgt spid="3">
+                                            <p:txEl>
+                                              <p:pRg st="0" end="0"/>
+                                            </p:txEl>
+                                          </p:spTgt>
+                                        </p:tgtEl>
+                                      </p:cBhvr>
+                                    </p:animEffect>
+                                    <p:set>
+                                      <p:cBhvr>
+                                        <p:cTn id="12" dur="1" fill="hold">
+                                          <p:stCondLst>
+                                            <p:cond delay="499"/>
+                                          </p:stCondLst>
+                                        </p:cTn>
+                                        <p:tgtEl>
+                                          <p:spTgt spid="3">
+                                            <p:txEl>
+                                              <p:pRg st="0" end="0"/>
+                                            </p:txEl>
+                                          </p:spTgt>
+                                        </p:tgtEl>
+                                        <p:attrNameLst>
+                                          <p:attrName>style.visibility</p:attrName>
+                                        </p:attrNameLst>
+                                      </p:cBhvr>
+                                      <p:to>
+                                        <p:strVal val="hidden"/>
+                                      </p:to>
+                                    </p:set>
+                                  </p:childTnLst>
+                                </p:cTn>
+                              </p:par>
+                              <p:par>
+                                <p:cTn id="13" presetID="9" presetClass="entr" presetSubtype="0" fill="hold" grpId="0" nodeType="withEffect">
+                                  <p:stCondLst>
+                                    <p:cond delay="0"/>
+                                  </p:stCondLst>
+                                  <p:childTnLst>
+                                    <p:set>
+                                      <p:cBhvr>
+                                        <p:cTn id="14" dur="1" fill="hold">
+                                          <p:stCondLst>
+                                            <p:cond delay="0"/>
+                                          </p:stCondLst>
+                                        </p:cTn>
+                                        <p:tgtEl>
+                                          <p:spTgt spid="3">
+                                            <p:txEl>
+                                              <p:pRg st="1" end="1"/>
+                                            </p:txEl>
+                                          </p:spTgt>
+                                        </p:tgtEl>
+                                        <p:attrNameLst>
+                                          <p:attrName>style.visibility</p:attrName>
+                                        </p:attrNameLst>
+                                      </p:cBhvr>
+                                      <p:to>
+                                        <p:strVal val="visible"/>
+                                      </p:to>
+                                    </p:set>
+                                    <p:animEffect transition="in" filter="dissolve">
+                                      <p:cBhvr>
+                                        <p:cTn id="15" dur="500"/>
+                                        <p:tgtEl>
+                                          <p:spTgt spid="3">
+                                            <p:txEl>
+                                              <p:pRg st="1" end="1"/>
+                                            </p:txEl>
+                                          </p:spTgt>
+                                        </p:tgtEl>
+                                      </p:cBhvr>
+                                    </p:animEffect>
+                                  </p:childTnLst>
+                                </p:cTn>
+                              </p:par>
+                            </p:childTnLst>
+                          </p:cTn>
+                        </p:par>
+                      </p:childTnLst>
+                    </p:cTn>
+                  </p:par>
+                  <p:par>
+                    <p:cTn id="16" fill="hold">
+                      <p:stCondLst>
+                        <p:cond delay="indefinite"/>
+                      </p:stCondLst>
+                      <p:childTnLst>
+                        <p:par>
+                          <p:cTn id="17" fill="hold">
+                            <p:stCondLst>
+                              <p:cond delay="0"/>
+                            </p:stCondLst>
+                            <p:childTnLst>
+                              <p:par>
+                                <p:cTn id="18" presetID="9" presetClass="exit" presetSubtype="0" fill="hold" grpId="1" nodeType="clickEffect">
+                                  <p:stCondLst>
+                                    <p:cond delay="0"/>
+                                  </p:stCondLst>
+                                  <p:childTnLst>
+                                    <p:animEffect transition="out" filter="dissolve">
+                                      <p:cBhvr>
+                                        <p:cTn id="19" dur="500"/>
+                                        <p:tgtEl>
+                                          <p:spTgt spid="3">
+                                            <p:txEl>
+                                              <p:pRg st="1" end="1"/>
+                                            </p:txEl>
+                                          </p:spTgt>
+                                        </p:tgtEl>
+                                      </p:cBhvr>
+                                    </p:animEffect>
+                                    <p:set>
+                                      <p:cBhvr>
+                                        <p:cTn id="20" dur="1" fill="hold">
+                                          <p:stCondLst>
+                                            <p:cond delay="499"/>
+                                          </p:stCondLst>
+                                        </p:cTn>
+                                        <p:tgtEl>
+                                          <p:spTgt spid="3">
+                                            <p:txEl>
+                                              <p:pRg st="1" end="1"/>
+                                            </p:txEl>
+                                          </p:spTgt>
+                                        </p:tgtEl>
+                                        <p:attrNameLst>
+                                          <p:attrName>style.visibility</p:attrName>
+                                        </p:attrNameLst>
+                                      </p:cBhvr>
+                                      <p:to>
+                                        <p:strVal val="hidden"/>
+                                      </p:to>
+                                    </p:set>
+                                  </p:childTnLst>
+                                </p:cTn>
+                              </p:par>
+                              <p:par>
+                                <p:cTn id="21" presetID="9" presetClass="entr" presetSubtype="0" fill="hold" grpId="0" nodeType="withEffect">
+                                  <p:stCondLst>
+                                    <p:cond delay="0"/>
+                                  </p:stCondLst>
+                                  <p:childTnLst>
+                                    <p:set>
+                                      <p:cBhvr>
+                                        <p:cTn id="22" dur="1" fill="hold">
+                                          <p:stCondLst>
+                                            <p:cond delay="0"/>
+                                          </p:stCondLst>
+                                        </p:cTn>
+                                        <p:tgtEl>
+                                          <p:spTgt spid="3">
+                                            <p:txEl>
+                                              <p:pRg st="2" end="2"/>
+                                            </p:txEl>
+                                          </p:spTgt>
+                                        </p:tgtEl>
+                                        <p:attrNameLst>
+                                          <p:attrName>style.visibility</p:attrName>
+                                        </p:attrNameLst>
+                                      </p:cBhvr>
+                                      <p:to>
+                                        <p:strVal val="visible"/>
+                                      </p:to>
+                                    </p:set>
+                                    <p:animEffect transition="in" filter="dissolve">
+                                      <p:cBhvr>
+                                        <p:cTn id="23" dur="500"/>
+                                        <p:tgtEl>
+                                          <p:spTgt spid="3">
+                                            <p:txEl>
+                                              <p:pRg st="2" end="2"/>
+                                            </p:txEl>
+                                          </p:spTgt>
+                                        </p:tgtEl>
+                                      </p:cBhvr>
+                                    </p:animEffect>
+                                  </p:childTnLst>
+                                </p:cTn>
+                              </p:par>
+                            </p:childTnLst>
+                          </p:cTn>
+                        </p:par>
+                      </p:childTnLst>
+                    </p:cTn>
+                  </p:par>
+                </p:childTnLst>
+              </p:cTn>
+              <p:prevCondLst>
+                <p:cond evt="onPrev" delay="0">
+                  <p:tgtEl>
+                    <p:sldTgt/>
+                  </p:tgtEl>
+                </p:cond>
+              </p:prevCondLst>
+              <p:nextCondLst>
+                <p:cond evt="onNext" delay="0">
+                  <p:tgtEl>
+                    <p:sldTgt/>
+                  </p:tgtEl>
+                </p:cond>
+              </p:nextCondLst>
+            </p:seq>
+          </p:childTnLst>
+        </p:cTn>
+      </p:par>
+    </p:tnLst>
+    <p:bldLst>
+      <p:bldP spid="3" grpId="0" uiExpand="1" build="p"/>
+      <p:bldP spid="3" grpId="1" uiExpand="1" build="p"/>
+    </p:bldLst>
+  </p:timing>
+</p:sld>
+</file>
+
+<file path=ppt/slides/slide31.xml><?xml version="1.0" encoding="utf-8"?>
+<p:sld xmlns:a="http://schemas.openxmlformats.org/drawingml/2006/main" xmlns:r="http://schemas.openxmlformats.org/officeDocument/2006/relationships" xmlns:p="http://schemas.openxmlformats.org/presentationml/2006/main" showMasterSp="0">
+  <p:cSld>
+    <p:bg>
+      <p:bgPr>
+        <a:blipFill dpi="0" rotWithShape="1">
+          <a:blip r:embed="rId2">
+            <a:alphaModFix amt="56000"/>
             <a:lum/>
           </a:blip>
           <a:srcRect/>
@@ -23402,83 +22762,19 @@
           <a:lstStyle/>
           <a:p>
             <a:r>
-              <a:rPr lang="pt-PT" sz="3200" dirty="0">
+              <a:rPr lang="pt-PT" sz="3200" b="1" dirty="0">
                 <a:solidFill>
                   <a:schemeClr val="bg1"/>
                 </a:solidFill>
                 <a:effectLst>
-                  <a:outerShdw dist="38100" dir="2700000" algn="tl" rotWithShape="0">
-                    <a:schemeClr val="tx1">
-                      <a:alpha val="40000"/>
+                  <a:outerShdw blurRad="50800" dist="38100" dir="2700000" algn="tl" rotWithShape="0">
+                    <a:schemeClr val="bg1">
+                      <a:lumMod val="50000"/>
                     </a:schemeClr>
                   </a:outerShdw>
                 </a:effectLst>
               </a:rPr>
-              <a:t>Normalmente gasta-se mais tempo resolvendo problemas do que escrevendo testes para tentar </a:t>
-            </a:r>
-            <a:r>
-              <a:rPr lang="pt-PT" sz="3200" dirty="0" err="1">
-                <a:solidFill>
-                  <a:schemeClr val="bg1"/>
-                </a:solidFill>
-                <a:effectLst>
-                  <a:outerShdw dist="38100" dir="2700000" algn="tl" rotWithShape="0">
-                    <a:schemeClr val="tx1">
-                      <a:alpha val="40000"/>
-                    </a:schemeClr>
-                  </a:outerShdw>
-                </a:effectLst>
-              </a:rPr>
-              <a:t>detectar</a:t>
-            </a:r>
-            <a:r>
-              <a:rPr lang="pt-PT" sz="3200" dirty="0">
-                <a:solidFill>
-                  <a:schemeClr val="bg1"/>
-                </a:solidFill>
-                <a:effectLst>
-                  <a:outerShdw dist="38100" dir="2700000" algn="tl" rotWithShape="0">
-                    <a:schemeClr val="tx1">
-                      <a:alpha val="40000"/>
-                    </a:schemeClr>
-                  </a:outerShdw>
-                </a:effectLst>
-              </a:rPr>
-              <a:t> tais problemas o quanto antes</a:t>
-            </a:r>
-          </a:p>
-          <a:p>
-            <a:r>
-              <a:rPr lang="pt-PT" sz="3200" dirty="0">
-                <a:solidFill>
-                  <a:schemeClr val="bg1"/>
-                </a:solidFill>
-                <a:effectLst>
-                  <a:outerShdw dist="38100" dir="2700000" algn="tl" rotWithShape="0">
-                    <a:schemeClr val="tx1">
-                      <a:alpha val="40000"/>
-                    </a:schemeClr>
-                  </a:outerShdw>
-                </a:effectLst>
-              </a:rPr>
-              <a:t>Escrever os testes antes de escrever o código é mais fácil pois você ainda está com a solução fresca na mente</a:t>
-            </a:r>
-          </a:p>
-          <a:p>
-            <a:r>
-              <a:rPr lang="pt-PT" sz="3200" dirty="0">
-                <a:solidFill>
-                  <a:schemeClr val="bg1"/>
-                </a:solidFill>
-                <a:effectLst>
-                  <a:outerShdw dist="38100" dir="2700000" algn="tl" rotWithShape="0">
-                    <a:schemeClr val="tx1">
-                      <a:alpha val="40000"/>
-                    </a:schemeClr>
-                  </a:outerShdw>
-                </a:effectLst>
-              </a:rPr>
-              <a:t>Tentar resolver um problema semanas ou meses depois é </a:t>
+              <a:t>Por fim, sabendo que há um conjunto de testes, você se sente mais à vontade para </a:t>
             </a:r>
             <a:r>
               <a:rPr lang="pt-PT" sz="3200" b="1" dirty="0" err="1">
@@ -23486,29 +22782,46 @@
                   <a:schemeClr val="bg1"/>
                 </a:solidFill>
                 <a:effectLst>
-                  <a:outerShdw dist="38100" dir="2700000" algn="tl" rotWithShape="0">
-                    <a:schemeClr val="tx1">
-                      <a:alpha val="40000"/>
+                  <a:outerShdw blurRad="50800" dist="38100" dir="2700000" algn="tl" rotWithShape="0">
+                    <a:schemeClr val="bg1">
+                      <a:lumMod val="50000"/>
                     </a:schemeClr>
                   </a:outerShdw>
                 </a:effectLst>
               </a:rPr>
-              <a:t>muuuuuuuuuuuuuuuito</a:t>
-            </a:r>
-            <a:r>
-              <a:rPr lang="pt-PT" sz="3200" dirty="0">
+              <a:t>refatorar</a:t>
+            </a:r>
+            <a:r>
+              <a:rPr lang="pt-PT" sz="3200" b="1" dirty="0">
                 <a:solidFill>
                   <a:schemeClr val="bg1"/>
                 </a:solidFill>
                 <a:effectLst>
-                  <a:outerShdw dist="38100" dir="2700000" algn="tl" rotWithShape="0">
-                    <a:schemeClr val="tx1">
-                      <a:alpha val="40000"/>
+                  <a:outerShdw blurRad="50800" dist="38100" dir="2700000" algn="tl" rotWithShape="0">
+                    <a:schemeClr val="bg1">
+                      <a:lumMod val="50000"/>
                     </a:schemeClr>
                   </a:outerShdw>
                 </a:effectLst>
               </a:rPr>
-              <a:t> mais difícil e toma muito mais tempo!</a:t>
+              <a:t> (melhorar, reorganizar) o código.</a:t>
+            </a:r>
+          </a:p>
+          <a:p>
+            <a:r>
+              <a:rPr lang="pt-PT" sz="3200" b="1" dirty="0">
+                <a:solidFill>
+                  <a:schemeClr val="bg1"/>
+                </a:solidFill>
+                <a:effectLst>
+                  <a:outerShdw blurRad="50800" dist="38100" dir="2700000" algn="tl" rotWithShape="0">
+                    <a:schemeClr val="bg1">
+                      <a:lumMod val="50000"/>
+                    </a:schemeClr>
+                  </a:outerShdw>
+                </a:effectLst>
+              </a:rPr>
+              <a:t>Isto principalmente se o código não é seu.</a:t>
             </a:r>
           </a:p>
         </p:txBody>
@@ -23540,7 +22853,7 @@
                   <a:schemeClr val="bg1"/>
                 </a:solidFill>
               </a:rPr>
-              <a:t>30</a:t>
+              <a:t>31</a:t>
             </a:fld>
             <a:endParaRPr lang="en-US">
               <a:solidFill>
@@ -23552,10 +22865,10 @@
       </p:sp>
       <p:sp>
         <p:nvSpPr>
-          <p:cNvPr id="12" name="Title 1">
+          <p:cNvPr id="7" name="Title 1">
             <a:extLst>
               <a:ext uri="{FF2B5EF4-FFF2-40B4-BE49-F238E27FC236}">
-                <a16:creationId xmlns:a16="http://schemas.microsoft.com/office/drawing/2014/main" id="{A9B593D1-1F70-2347-80A6-520C61091435}"/>
+                <a16:creationId xmlns:a16="http://schemas.microsoft.com/office/drawing/2014/main" id="{4165AFE8-A30A-D141-9F89-6A1B3E37A097}"/>
               </a:ext>
             </a:extLst>
           </p:cNvPr>
@@ -23568,8 +22881,8 @@
         </p:nvSpPr>
         <p:spPr>
           <a:xfrm>
-            <a:off x="-74950" y="-371063"/>
-            <a:ext cx="4363386" cy="1509490"/>
+            <a:off x="0" y="11607"/>
+            <a:ext cx="3429001" cy="1117188"/>
           </a:xfrm>
         </p:spPr>
         <p:txBody>
@@ -23589,540 +22902,9 @@
                   </a:outerShdw>
                 </a:effectLst>
               </a:rPr>
-              <a:t>Não tem mas!!!!</a:t>
+              <a:t>SEM mas!!!</a:t>
             </a:r>
             <a:endParaRPr lang="pt-BR" i="1" cap="none" dirty="0">
-              <a:effectLst>
-                <a:outerShdw blurRad="254000" dist="38100" dir="2700000" algn="tl" rotWithShape="0">
-                  <a:prstClr val="black">
-                    <a:alpha val="40000"/>
-                  </a:prstClr>
-                </a:outerShdw>
-              </a:effectLst>
-            </a:endParaRPr>
-          </a:p>
-        </p:txBody>
-      </p:sp>
-    </p:spTree>
-    <p:extLst>
-      <p:ext uri="{BB962C8B-B14F-4D97-AF65-F5344CB8AC3E}">
-        <p14:creationId xmlns:p14="http://schemas.microsoft.com/office/powerpoint/2010/main" val="7189054"/>
-      </p:ext>
-    </p:extLst>
-  </p:cSld>
-  <p:clrMapOvr>
-    <a:masterClrMapping/>
-  </p:clrMapOvr>
-  <p:timing>
-    <p:tnLst>
-      <p:par>
-        <p:cTn id="1" dur="indefinite" restart="never" nodeType="tmRoot">
-          <p:childTnLst>
-            <p:seq concurrent="1" nextAc="seek">
-              <p:cTn id="2" dur="indefinite" nodeType="mainSeq">
-                <p:childTnLst>
-                  <p:par>
-                    <p:cTn id="3" fill="hold">
-                      <p:stCondLst>
-                        <p:cond delay="indefinite"/>
-                      </p:stCondLst>
-                      <p:childTnLst>
-                        <p:par>
-                          <p:cTn id="4" fill="hold">
-                            <p:stCondLst>
-                              <p:cond delay="0"/>
-                            </p:stCondLst>
-                            <p:childTnLst>
-                              <p:par>
-                                <p:cTn id="5" presetID="9" presetClass="entr" presetSubtype="0" fill="hold" grpId="0" nodeType="clickEffect">
-                                  <p:stCondLst>
-                                    <p:cond delay="0"/>
-                                  </p:stCondLst>
-                                  <p:childTnLst>
-                                    <p:set>
-                                      <p:cBhvr>
-                                        <p:cTn id="6" dur="1" fill="hold">
-                                          <p:stCondLst>
-                                            <p:cond delay="0"/>
-                                          </p:stCondLst>
-                                        </p:cTn>
-                                        <p:tgtEl>
-                                          <p:spTgt spid="3">
-                                            <p:txEl>
-                                              <p:pRg st="0" end="0"/>
-                                            </p:txEl>
-                                          </p:spTgt>
-                                        </p:tgtEl>
-                                        <p:attrNameLst>
-                                          <p:attrName>style.visibility</p:attrName>
-                                        </p:attrNameLst>
-                                      </p:cBhvr>
-                                      <p:to>
-                                        <p:strVal val="visible"/>
-                                      </p:to>
-                                    </p:set>
-                                    <p:animEffect transition="in" filter="dissolve">
-                                      <p:cBhvr>
-                                        <p:cTn id="7" dur="500"/>
-                                        <p:tgtEl>
-                                          <p:spTgt spid="3">
-                                            <p:txEl>
-                                              <p:pRg st="0" end="0"/>
-                                            </p:txEl>
-                                          </p:spTgt>
-                                        </p:tgtEl>
-                                      </p:cBhvr>
-                                    </p:animEffect>
-                                  </p:childTnLst>
-                                </p:cTn>
-                              </p:par>
-                            </p:childTnLst>
-                          </p:cTn>
-                        </p:par>
-                      </p:childTnLst>
-                    </p:cTn>
-                  </p:par>
-                  <p:par>
-                    <p:cTn id="8" fill="hold">
-                      <p:stCondLst>
-                        <p:cond delay="indefinite"/>
-                      </p:stCondLst>
-                      <p:childTnLst>
-                        <p:par>
-                          <p:cTn id="9" fill="hold">
-                            <p:stCondLst>
-                              <p:cond delay="0"/>
-                            </p:stCondLst>
-                            <p:childTnLst>
-                              <p:par>
-                                <p:cTn id="10" presetID="9" presetClass="exit" presetSubtype="0" fill="hold" grpId="1" nodeType="clickEffect">
-                                  <p:stCondLst>
-                                    <p:cond delay="0"/>
-                                  </p:stCondLst>
-                                  <p:childTnLst>
-                                    <p:animEffect transition="out" filter="dissolve">
-                                      <p:cBhvr>
-                                        <p:cTn id="11" dur="500"/>
-                                        <p:tgtEl>
-                                          <p:spTgt spid="3">
-                                            <p:txEl>
-                                              <p:pRg st="0" end="0"/>
-                                            </p:txEl>
-                                          </p:spTgt>
-                                        </p:tgtEl>
-                                      </p:cBhvr>
-                                    </p:animEffect>
-                                    <p:set>
-                                      <p:cBhvr>
-                                        <p:cTn id="12" dur="1" fill="hold">
-                                          <p:stCondLst>
-                                            <p:cond delay="499"/>
-                                          </p:stCondLst>
-                                        </p:cTn>
-                                        <p:tgtEl>
-                                          <p:spTgt spid="3">
-                                            <p:txEl>
-                                              <p:pRg st="0" end="0"/>
-                                            </p:txEl>
-                                          </p:spTgt>
-                                        </p:tgtEl>
-                                        <p:attrNameLst>
-                                          <p:attrName>style.visibility</p:attrName>
-                                        </p:attrNameLst>
-                                      </p:cBhvr>
-                                      <p:to>
-                                        <p:strVal val="hidden"/>
-                                      </p:to>
-                                    </p:set>
-                                  </p:childTnLst>
-                                </p:cTn>
-                              </p:par>
-                              <p:par>
-                                <p:cTn id="13" presetID="9" presetClass="entr" presetSubtype="0" fill="hold" grpId="0" nodeType="withEffect">
-                                  <p:stCondLst>
-                                    <p:cond delay="0"/>
-                                  </p:stCondLst>
-                                  <p:childTnLst>
-                                    <p:set>
-                                      <p:cBhvr>
-                                        <p:cTn id="14" dur="1" fill="hold">
-                                          <p:stCondLst>
-                                            <p:cond delay="0"/>
-                                          </p:stCondLst>
-                                        </p:cTn>
-                                        <p:tgtEl>
-                                          <p:spTgt spid="3">
-                                            <p:txEl>
-                                              <p:pRg st="1" end="1"/>
-                                            </p:txEl>
-                                          </p:spTgt>
-                                        </p:tgtEl>
-                                        <p:attrNameLst>
-                                          <p:attrName>style.visibility</p:attrName>
-                                        </p:attrNameLst>
-                                      </p:cBhvr>
-                                      <p:to>
-                                        <p:strVal val="visible"/>
-                                      </p:to>
-                                    </p:set>
-                                    <p:animEffect transition="in" filter="dissolve">
-                                      <p:cBhvr>
-                                        <p:cTn id="15" dur="500"/>
-                                        <p:tgtEl>
-                                          <p:spTgt spid="3">
-                                            <p:txEl>
-                                              <p:pRg st="1" end="1"/>
-                                            </p:txEl>
-                                          </p:spTgt>
-                                        </p:tgtEl>
-                                      </p:cBhvr>
-                                    </p:animEffect>
-                                  </p:childTnLst>
-                                </p:cTn>
-                              </p:par>
-                            </p:childTnLst>
-                          </p:cTn>
-                        </p:par>
-                      </p:childTnLst>
-                    </p:cTn>
-                  </p:par>
-                  <p:par>
-                    <p:cTn id="16" fill="hold">
-                      <p:stCondLst>
-                        <p:cond delay="indefinite"/>
-                      </p:stCondLst>
-                      <p:childTnLst>
-                        <p:par>
-                          <p:cTn id="17" fill="hold">
-                            <p:stCondLst>
-                              <p:cond delay="0"/>
-                            </p:stCondLst>
-                            <p:childTnLst>
-                              <p:par>
-                                <p:cTn id="18" presetID="9" presetClass="exit" presetSubtype="0" fill="hold" grpId="1" nodeType="clickEffect">
-                                  <p:stCondLst>
-                                    <p:cond delay="0"/>
-                                  </p:stCondLst>
-                                  <p:childTnLst>
-                                    <p:animEffect transition="out" filter="dissolve">
-                                      <p:cBhvr>
-                                        <p:cTn id="19" dur="500"/>
-                                        <p:tgtEl>
-                                          <p:spTgt spid="3">
-                                            <p:txEl>
-                                              <p:pRg st="1" end="1"/>
-                                            </p:txEl>
-                                          </p:spTgt>
-                                        </p:tgtEl>
-                                      </p:cBhvr>
-                                    </p:animEffect>
-                                    <p:set>
-                                      <p:cBhvr>
-                                        <p:cTn id="20" dur="1" fill="hold">
-                                          <p:stCondLst>
-                                            <p:cond delay="499"/>
-                                          </p:stCondLst>
-                                        </p:cTn>
-                                        <p:tgtEl>
-                                          <p:spTgt spid="3">
-                                            <p:txEl>
-                                              <p:pRg st="1" end="1"/>
-                                            </p:txEl>
-                                          </p:spTgt>
-                                        </p:tgtEl>
-                                        <p:attrNameLst>
-                                          <p:attrName>style.visibility</p:attrName>
-                                        </p:attrNameLst>
-                                      </p:cBhvr>
-                                      <p:to>
-                                        <p:strVal val="hidden"/>
-                                      </p:to>
-                                    </p:set>
-                                  </p:childTnLst>
-                                </p:cTn>
-                              </p:par>
-                              <p:par>
-                                <p:cTn id="21" presetID="9" presetClass="entr" presetSubtype="0" fill="hold" grpId="0" nodeType="withEffect">
-                                  <p:stCondLst>
-                                    <p:cond delay="0"/>
-                                  </p:stCondLst>
-                                  <p:childTnLst>
-                                    <p:set>
-                                      <p:cBhvr>
-                                        <p:cTn id="22" dur="1" fill="hold">
-                                          <p:stCondLst>
-                                            <p:cond delay="0"/>
-                                          </p:stCondLst>
-                                        </p:cTn>
-                                        <p:tgtEl>
-                                          <p:spTgt spid="3">
-                                            <p:txEl>
-                                              <p:pRg st="2" end="2"/>
-                                            </p:txEl>
-                                          </p:spTgt>
-                                        </p:tgtEl>
-                                        <p:attrNameLst>
-                                          <p:attrName>style.visibility</p:attrName>
-                                        </p:attrNameLst>
-                                      </p:cBhvr>
-                                      <p:to>
-                                        <p:strVal val="visible"/>
-                                      </p:to>
-                                    </p:set>
-                                    <p:animEffect transition="in" filter="dissolve">
-                                      <p:cBhvr>
-                                        <p:cTn id="23" dur="500"/>
-                                        <p:tgtEl>
-                                          <p:spTgt spid="3">
-                                            <p:txEl>
-                                              <p:pRg st="2" end="2"/>
-                                            </p:txEl>
-                                          </p:spTgt>
-                                        </p:tgtEl>
-                                      </p:cBhvr>
-                                    </p:animEffect>
-                                  </p:childTnLst>
-                                </p:cTn>
-                              </p:par>
-                            </p:childTnLst>
-                          </p:cTn>
-                        </p:par>
-                      </p:childTnLst>
-                    </p:cTn>
-                  </p:par>
-                </p:childTnLst>
-              </p:cTn>
-              <p:prevCondLst>
-                <p:cond evt="onPrev" delay="0">
-                  <p:tgtEl>
-                    <p:sldTgt/>
-                  </p:tgtEl>
-                </p:cond>
-              </p:prevCondLst>
-              <p:nextCondLst>
-                <p:cond evt="onNext" delay="0">
-                  <p:tgtEl>
-                    <p:sldTgt/>
-                  </p:tgtEl>
-                </p:cond>
-              </p:nextCondLst>
-            </p:seq>
-          </p:childTnLst>
-        </p:cTn>
-      </p:par>
-    </p:tnLst>
-    <p:bldLst>
-      <p:bldP spid="3" grpId="0" uiExpand="1" build="p"/>
-      <p:bldP spid="3" grpId="1" uiExpand="1" build="p"/>
-    </p:bldLst>
-  </p:timing>
-</p:sld>
-</file>
-
-<file path=ppt/slides/slide31.xml><?xml version="1.0" encoding="utf-8"?>
-<p:sld xmlns:a="http://schemas.openxmlformats.org/drawingml/2006/main" xmlns:r="http://schemas.openxmlformats.org/officeDocument/2006/relationships" xmlns:p="http://schemas.openxmlformats.org/presentationml/2006/main">
-  <p:cSld>
-    <p:bg>
-      <p:bgPr>
-        <a:blipFill dpi="0" rotWithShape="1">
-          <a:blip r:embed="rId2">
-            <a:alphaModFix amt="68000"/>
-            <a:lum/>
-          </a:blip>
-          <a:srcRect/>
-          <a:stretch>
-            <a:fillRect t="-7000" b="-7000"/>
-          </a:stretch>
-        </a:blipFill>
-        <a:effectLst/>
-      </p:bgPr>
-    </p:bg>
-    <p:spTree>
-      <p:nvGrpSpPr>
-        <p:cNvPr id="1" name=""/>
-        <p:cNvGrpSpPr/>
-        <p:nvPr/>
-      </p:nvGrpSpPr>
-      <p:grpSpPr>
-        <a:xfrm>
-          <a:off x="0" y="0"/>
-          <a:ext cx="0" cy="0"/>
-          <a:chOff x="0" y="0"/>
-          <a:chExt cx="0" cy="0"/>
-        </a:xfrm>
-      </p:grpSpPr>
-      <p:sp>
-        <p:nvSpPr>
-          <p:cNvPr id="3" name="Content Placeholder 2">
-            <a:extLst>
-              <a:ext uri="{FF2B5EF4-FFF2-40B4-BE49-F238E27FC236}">
-                <a16:creationId xmlns:a16="http://schemas.microsoft.com/office/drawing/2014/main" id="{C9044F89-E3C1-E349-B0DE-0B932821234C}"/>
-              </a:ext>
-            </a:extLst>
-          </p:cNvPr>
-          <p:cNvSpPr>
-            <a:spLocks noGrp="1"/>
-          </p:cNvSpPr>
-          <p:nvPr>
-            <p:ph idx="1"/>
-          </p:nvPr>
-        </p:nvSpPr>
-        <p:spPr>
-          <a:xfrm>
-            <a:off x="849886" y="1543987"/>
-            <a:ext cx="10656314" cy="4906531"/>
-          </a:xfrm>
-        </p:spPr>
-        <p:txBody>
-          <a:bodyPr>
-            <a:noAutofit/>
-          </a:bodyPr>
-          <a:lstStyle/>
-          <a:p>
-            <a:r>
-              <a:rPr lang="pt-PT" sz="3200" dirty="0">
-                <a:solidFill>
-                  <a:schemeClr val="bg1"/>
-                </a:solidFill>
-                <a:effectLst>
-                  <a:outerShdw dist="38100" dir="2700000" algn="tl" rotWithShape="0">
-                    <a:schemeClr val="tx1">
-                      <a:alpha val="40000"/>
-                    </a:schemeClr>
-                  </a:outerShdw>
-                </a:effectLst>
-              </a:rPr>
-              <a:t>Por fim, sabendo que há um conjunto de testes, você se sente mais à vontade para </a:t>
-            </a:r>
-            <a:r>
-              <a:rPr lang="pt-PT" sz="3200" dirty="0" err="1">
-                <a:solidFill>
-                  <a:schemeClr val="bg1"/>
-                </a:solidFill>
-                <a:effectLst>
-                  <a:outerShdw dist="38100" dir="2700000" algn="tl" rotWithShape="0">
-                    <a:schemeClr val="tx1">
-                      <a:alpha val="40000"/>
-                    </a:schemeClr>
-                  </a:outerShdw>
-                </a:effectLst>
-              </a:rPr>
-              <a:t>refatorar</a:t>
-            </a:r>
-            <a:r>
-              <a:rPr lang="pt-PT" sz="3200" dirty="0">
-                <a:solidFill>
-                  <a:schemeClr val="bg1"/>
-                </a:solidFill>
-                <a:effectLst>
-                  <a:outerShdw dist="38100" dir="2700000" algn="tl" rotWithShape="0">
-                    <a:schemeClr val="tx1">
-                      <a:alpha val="40000"/>
-                    </a:schemeClr>
-                  </a:outerShdw>
-                </a:effectLst>
-              </a:rPr>
-              <a:t> (melhorar, reorganizar) o código.</a:t>
-            </a:r>
-          </a:p>
-          <a:p>
-            <a:r>
-              <a:rPr lang="pt-PT" sz="3200" dirty="0">
-                <a:solidFill>
-                  <a:schemeClr val="bg1"/>
-                </a:solidFill>
-                <a:effectLst>
-                  <a:outerShdw dist="38100" dir="2700000" algn="tl" rotWithShape="0">
-                    <a:schemeClr val="tx1">
-                      <a:alpha val="40000"/>
-                    </a:schemeClr>
-                  </a:outerShdw>
-                </a:effectLst>
-              </a:rPr>
-              <a:t>Isto principalmente se o código não é seu.</a:t>
-            </a:r>
-          </a:p>
-        </p:txBody>
-      </p:sp>
-      <p:sp>
-        <p:nvSpPr>
-          <p:cNvPr id="4" name="Slide Number Placeholder 3">
-            <a:extLst>
-              <a:ext uri="{FF2B5EF4-FFF2-40B4-BE49-F238E27FC236}">
-                <a16:creationId xmlns:a16="http://schemas.microsoft.com/office/drawing/2014/main" id="{2EA509C2-078C-DE4C-BE59-C32AF18E82D6}"/>
-              </a:ext>
-            </a:extLst>
-          </p:cNvPr>
-          <p:cNvSpPr>
-            <a:spLocks noGrp="1"/>
-          </p:cNvSpPr>
-          <p:nvPr>
-            <p:ph type="sldNum" sz="quarter" idx="12"/>
-          </p:nvPr>
-        </p:nvSpPr>
-        <p:spPr/>
-        <p:txBody>
-          <a:bodyPr/>
-          <a:lstStyle/>
-          <a:p>
-            <a:fld id="{2183B7EE-0FBE-B749-875F-ED24F5ECD71F}" type="slidenum">
-              <a:rPr lang="en-US" smtClean="0">
-                <a:solidFill>
-                  <a:schemeClr val="bg1"/>
-                </a:solidFill>
-              </a:rPr>
-              <a:t>31</a:t>
-            </a:fld>
-            <a:endParaRPr lang="en-US">
-              <a:solidFill>
-                <a:schemeClr val="bg1"/>
-              </a:solidFill>
-            </a:endParaRPr>
-          </a:p>
-        </p:txBody>
-      </p:sp>
-      <p:sp>
-        <p:nvSpPr>
-          <p:cNvPr id="12" name="Title 1">
-            <a:extLst>
-              <a:ext uri="{FF2B5EF4-FFF2-40B4-BE49-F238E27FC236}">
-                <a16:creationId xmlns:a16="http://schemas.microsoft.com/office/drawing/2014/main" id="{A9B593D1-1F70-2347-80A6-520C61091435}"/>
-              </a:ext>
-            </a:extLst>
-          </p:cNvPr>
-          <p:cNvSpPr>
-            <a:spLocks noGrp="1"/>
-          </p:cNvSpPr>
-          <p:nvPr>
-            <p:ph type="title"/>
-          </p:nvPr>
-        </p:nvSpPr>
-        <p:spPr>
-          <a:xfrm>
-            <a:off x="-74950" y="-371063"/>
-            <a:ext cx="4363386" cy="1509490"/>
-          </a:xfrm>
-        </p:spPr>
-        <p:txBody>
-          <a:bodyPr>
-            <a:normAutofit/>
-          </a:bodyPr>
-          <a:lstStyle/>
-          <a:p>
-            <a:pPr algn="ctr"/>
-            <a:r>
-              <a:rPr lang="pt-BR" b="1">
-                <a:effectLst>
-                  <a:outerShdw blurRad="254000" dist="38100" dir="2700000" algn="tl" rotWithShape="0">
-                    <a:prstClr val="black">
-                      <a:alpha val="40000"/>
-                    </a:prstClr>
-                  </a:outerShdw>
-                </a:effectLst>
-              </a:rPr>
-              <a:t>Não tem mas!!!!</a:t>
-            </a:r>
-            <a:endParaRPr lang="pt-BR" i="1" cap="none">
               <a:effectLst>
                 <a:outerShdw blurRad="254000" dist="38100" dir="2700000" algn="tl" rotWithShape="0">
                   <a:prstClr val="black">
@@ -24352,12 +23134,307 @@
 <file path=ppt/slides/slide32.xml><?xml version="1.0" encoding="utf-8"?>
 <p:sld xmlns:a="http://schemas.openxmlformats.org/drawingml/2006/main" xmlns:r="http://schemas.openxmlformats.org/officeDocument/2006/relationships" xmlns:p="http://schemas.openxmlformats.org/presentationml/2006/main">
   <p:cSld>
+    <p:spTree>
+      <p:nvGrpSpPr>
+        <p:cNvPr id="1" name=""/>
+        <p:cNvGrpSpPr/>
+        <p:nvPr/>
+      </p:nvGrpSpPr>
+      <p:grpSpPr>
+        <a:xfrm>
+          <a:off x="0" y="0"/>
+          <a:ext cx="0" cy="0"/>
+          <a:chOff x="0" y="0"/>
+          <a:chExt cx="0" cy="0"/>
+        </a:xfrm>
+      </p:grpSpPr>
+      <p:sp>
+        <p:nvSpPr>
+          <p:cNvPr id="2" name="Title 1">
+            <a:extLst>
+              <a:ext uri="{FF2B5EF4-FFF2-40B4-BE49-F238E27FC236}">
+                <a16:creationId xmlns:a16="http://schemas.microsoft.com/office/drawing/2014/main" id="{D0A517DD-B0A3-B841-9D3A-ECFA3773965E}"/>
+              </a:ext>
+            </a:extLst>
+          </p:cNvPr>
+          <p:cNvSpPr>
+            <a:spLocks noGrp="1"/>
+          </p:cNvSpPr>
+          <p:nvPr>
+            <p:ph type="title"/>
+          </p:nvPr>
+        </p:nvSpPr>
+        <p:spPr/>
+        <p:txBody>
+          <a:bodyPr/>
+          <a:lstStyle/>
+          <a:p>
+            <a:pPr algn="ctr"/>
+            <a:r>
+              <a:rPr lang="pt" b="1" i="1" dirty="0"/>
+              <a:t>Testes apenas são capazes de mostrar a presença de erros, não sua ausência.</a:t>
+            </a:r>
+            <a:endParaRPr lang="pt-BR" i="1" dirty="0"/>
+          </a:p>
+        </p:txBody>
+      </p:sp>
+      <p:sp>
+        <p:nvSpPr>
+          <p:cNvPr id="3" name="Text Placeholder 2">
+            <a:extLst>
+              <a:ext uri="{FF2B5EF4-FFF2-40B4-BE49-F238E27FC236}">
+                <a16:creationId xmlns:a16="http://schemas.microsoft.com/office/drawing/2014/main" id="{5FE88C27-1A35-4641-962F-E69A80C7E47B}"/>
+              </a:ext>
+            </a:extLst>
+          </p:cNvPr>
+          <p:cNvSpPr>
+            <a:spLocks noGrp="1"/>
+          </p:cNvSpPr>
+          <p:nvPr>
+            <p:ph type="body" sz="half" idx="13"/>
+          </p:nvPr>
+        </p:nvSpPr>
+        <p:spPr>
+          <a:xfrm>
+            <a:off x="1496291" y="3499973"/>
+            <a:ext cx="10524572" cy="1695482"/>
+          </a:xfrm>
+        </p:spPr>
+        <p:txBody>
+          <a:bodyPr>
+            <a:noAutofit/>
+          </a:bodyPr>
+          <a:lstStyle/>
+          <a:p>
+            <a:pPr algn="r"/>
+            <a:r>
+              <a:rPr lang="pt" sz="3600" dirty="0" err="1"/>
+              <a:t>Edsger</a:t>
+            </a:r>
+            <a:r>
+              <a:rPr lang="pt" sz="3600" dirty="0"/>
+              <a:t> </a:t>
+            </a:r>
+            <a:r>
+              <a:rPr lang="pt" sz="3600" dirty="0" err="1"/>
+              <a:t>Dijkstra</a:t>
+            </a:r>
+            <a:r>
+              <a:rPr lang="pt" sz="3600" dirty="0"/>
+              <a:t>, Cientista da Computação</a:t>
+            </a:r>
+            <a:br>
+              <a:rPr lang="pt" sz="3600" dirty="0"/>
+            </a:br>
+            <a:r>
+              <a:rPr lang="en-US" sz="3600" dirty="0">
+                <a:hlinkClick r:id="rId2"/>
+              </a:rPr>
+              <a:t>https://pt.wikiquote.org/wiki/Edsger_Dijkstra</a:t>
+            </a:r>
+            <a:r>
+              <a:rPr lang="en-US" sz="3600" dirty="0"/>
+              <a:t> </a:t>
+            </a:r>
+            <a:endParaRPr lang="pt-BR" sz="3600" dirty="0"/>
+          </a:p>
+        </p:txBody>
+      </p:sp>
+      <p:sp>
+        <p:nvSpPr>
+          <p:cNvPr id="4" name="Text Placeholder 3">
+            <a:extLst>
+              <a:ext uri="{FF2B5EF4-FFF2-40B4-BE49-F238E27FC236}">
+                <a16:creationId xmlns:a16="http://schemas.microsoft.com/office/drawing/2014/main" id="{D3D4C110-32EB-CE45-9900-5EFFC085D62F}"/>
+              </a:ext>
+            </a:extLst>
+          </p:cNvPr>
+          <p:cNvSpPr>
+            <a:spLocks noGrp="1"/>
+          </p:cNvSpPr>
+          <p:nvPr>
+            <p:ph type="body" sz="half" idx="2"/>
+          </p:nvPr>
+        </p:nvSpPr>
+        <p:spPr>
+          <a:xfrm>
+            <a:off x="2583443" y="241178"/>
+            <a:ext cx="7759769" cy="679871"/>
+          </a:xfrm>
+        </p:spPr>
+        <p:txBody>
+          <a:bodyPr>
+            <a:normAutofit/>
+          </a:bodyPr>
+          <a:lstStyle/>
+          <a:p>
+            <a:pPr algn="ctr"/>
+            <a:r>
+              <a:rPr lang="pt-BR" sz="3600" b="1" dirty="0"/>
+              <a:t>Mas tenha em mente que...</a:t>
+            </a:r>
+          </a:p>
+        </p:txBody>
+      </p:sp>
+    </p:spTree>
+    <p:extLst>
+      <p:ext uri="{BB962C8B-B14F-4D97-AF65-F5344CB8AC3E}">
+        <p14:creationId xmlns:p14="http://schemas.microsoft.com/office/powerpoint/2010/main" val="776110991"/>
+      </p:ext>
+    </p:extLst>
+  </p:cSld>
+  <p:clrMapOvr>
+    <a:masterClrMapping/>
+  </p:clrMapOvr>
+  <p:timing>
+    <p:tnLst>
+      <p:par>
+        <p:cTn id="1" dur="indefinite" restart="never" nodeType="tmRoot">
+          <p:childTnLst>
+            <p:seq concurrent="1" nextAc="seek">
+              <p:cTn id="2" dur="indefinite" nodeType="mainSeq">
+                <p:childTnLst>
+                  <p:par>
+                    <p:cTn id="3" fill="hold">
+                      <p:stCondLst>
+                        <p:cond delay="indefinite"/>
+                      </p:stCondLst>
+                      <p:childTnLst>
+                        <p:par>
+                          <p:cTn id="4" fill="hold">
+                            <p:stCondLst>
+                              <p:cond delay="0"/>
+                            </p:stCondLst>
+                            <p:childTnLst>
+                              <p:par>
+                                <p:cTn id="5" presetID="9" presetClass="entr" presetSubtype="0" fill="hold" grpId="0" nodeType="clickEffect">
+                                  <p:stCondLst>
+                                    <p:cond delay="0"/>
+                                  </p:stCondLst>
+                                  <p:childTnLst>
+                                    <p:set>
+                                      <p:cBhvr>
+                                        <p:cTn id="6" dur="1" fill="hold">
+                                          <p:stCondLst>
+                                            <p:cond delay="0"/>
+                                          </p:stCondLst>
+                                        </p:cTn>
+                                        <p:tgtEl>
+                                          <p:spTgt spid="2"/>
+                                        </p:tgtEl>
+                                        <p:attrNameLst>
+                                          <p:attrName>style.visibility</p:attrName>
+                                        </p:attrNameLst>
+                                      </p:cBhvr>
+                                      <p:to>
+                                        <p:strVal val="visible"/>
+                                      </p:to>
+                                    </p:set>
+                                    <p:animEffect transition="in" filter="dissolve">
+                                      <p:cBhvr>
+                                        <p:cTn id="7" dur="500"/>
+                                        <p:tgtEl>
+                                          <p:spTgt spid="2"/>
+                                        </p:tgtEl>
+                                      </p:cBhvr>
+                                    </p:animEffect>
+                                  </p:childTnLst>
+                                </p:cTn>
+                              </p:par>
+                            </p:childTnLst>
+                          </p:cTn>
+                        </p:par>
+                        <p:par>
+                          <p:cTn id="8" fill="hold">
+                            <p:stCondLst>
+                              <p:cond delay="500"/>
+                            </p:stCondLst>
+                            <p:childTnLst>
+                              <p:par>
+                                <p:cTn id="9" presetID="9" presetClass="entr" presetSubtype="0" fill="hold" grpId="0" nodeType="afterEffect">
+                                  <p:stCondLst>
+                                    <p:cond delay="1000"/>
+                                  </p:stCondLst>
+                                  <p:childTnLst>
+                                    <p:set>
+                                      <p:cBhvr>
+                                        <p:cTn id="10" dur="1" fill="hold">
+                                          <p:stCondLst>
+                                            <p:cond delay="0"/>
+                                          </p:stCondLst>
+                                        </p:cTn>
+                                        <p:tgtEl>
+                                          <p:spTgt spid="3">
+                                            <p:txEl>
+                                              <p:pRg st="0" end="0"/>
+                                            </p:txEl>
+                                          </p:spTgt>
+                                        </p:tgtEl>
+                                        <p:attrNameLst>
+                                          <p:attrName>style.visibility</p:attrName>
+                                        </p:attrNameLst>
+                                      </p:cBhvr>
+                                      <p:to>
+                                        <p:strVal val="visible"/>
+                                      </p:to>
+                                    </p:set>
+                                    <p:animEffect transition="in" filter="dissolve">
+                                      <p:cBhvr>
+                                        <p:cTn id="11" dur="500"/>
+                                        <p:tgtEl>
+                                          <p:spTgt spid="3">
+                                            <p:txEl>
+                                              <p:pRg st="0" end="0"/>
+                                            </p:txEl>
+                                          </p:spTgt>
+                                        </p:tgtEl>
+                                      </p:cBhvr>
+                                    </p:animEffect>
+                                  </p:childTnLst>
+                                </p:cTn>
+                              </p:par>
+                            </p:childTnLst>
+                          </p:cTn>
+                        </p:par>
+                      </p:childTnLst>
+                    </p:cTn>
+                  </p:par>
+                </p:childTnLst>
+              </p:cTn>
+              <p:prevCondLst>
+                <p:cond evt="onPrev" delay="0">
+                  <p:tgtEl>
+                    <p:sldTgt/>
+                  </p:tgtEl>
+                </p:cond>
+              </p:prevCondLst>
+              <p:nextCondLst>
+                <p:cond evt="onNext" delay="0">
+                  <p:tgtEl>
+                    <p:sldTgt/>
+                  </p:tgtEl>
+                </p:cond>
+              </p:nextCondLst>
+            </p:seq>
+          </p:childTnLst>
+        </p:cTn>
+      </p:par>
+    </p:tnLst>
+    <p:bldLst>
+      <p:bldP spid="2" grpId="0"/>
+      <p:bldP spid="3" grpId="0" build="p"/>
+    </p:bldLst>
+  </p:timing>
+</p:sld>
+</file>
+
+<file path=ppt/slides/slide33.xml><?xml version="1.0" encoding="utf-8"?>
+<p:sld xmlns:a="http://schemas.openxmlformats.org/drawingml/2006/main" xmlns:r="http://schemas.openxmlformats.org/officeDocument/2006/relationships" xmlns:p="http://schemas.openxmlformats.org/presentationml/2006/main">
+  <p:cSld>
     <p:bg>
       <p:bgPr>
         <a:solidFill>
-          <a:schemeClr val="tx1">
-            <a:lumMod val="95000"/>
-          </a:schemeClr>
+          <a:schemeClr val="bg1"/>
         </a:solidFill>
         <a:effectLst/>
       </p:bgPr>
@@ -24406,11 +23483,7 @@
           <a:p>
             <a:pPr algn="ctr"/>
             <a:r>
-              <a:rPr lang="pt-BR" b="1">
-                <a:solidFill>
-                  <a:schemeClr val="bg1"/>
-                </a:solidFill>
-              </a:rPr>
+              <a:rPr lang="pt-BR" b="1" dirty="0"/>
               <a:t>Referências</a:t>
             </a:r>
           </a:p>
@@ -24445,124 +23518,65 @@
           <a:lstStyle/>
           <a:p>
             <a:r>
-              <a:rPr lang="en-US" sz="2800" err="1">
-                <a:solidFill>
-                  <a:schemeClr val="bg1"/>
-                </a:solidFill>
-              </a:rPr>
+              <a:rPr lang="en-US" sz="2800" dirty="0" err="1"/>
               <a:t>Livro</a:t>
             </a:r>
             <a:r>
-              <a:rPr lang="en-US" sz="2800">
-                <a:solidFill>
-                  <a:schemeClr val="bg1"/>
-                </a:solidFill>
-              </a:rPr>
+              <a:rPr lang="en-US" sz="2800" dirty="0"/>
               <a:t> “</a:t>
             </a:r>
             <a:r>
-              <a:rPr lang="en-US" sz="2800" err="1">
-                <a:solidFill>
-                  <a:schemeClr val="bg1"/>
-                </a:solidFill>
-              </a:rPr>
+              <a:rPr lang="en-US" sz="2800" dirty="0" err="1"/>
               <a:t>Desenvolvimento</a:t>
             </a:r>
             <a:r>
-              <a:rPr lang="en-US" sz="2800">
-                <a:solidFill>
-                  <a:schemeClr val="bg1"/>
-                </a:solidFill>
-              </a:rPr>
+              <a:rPr lang="en-US" sz="2800" dirty="0"/>
               <a:t> de software </a:t>
             </a:r>
             <a:r>
-              <a:rPr lang="en-US" sz="2800" err="1">
-                <a:solidFill>
-                  <a:schemeClr val="bg1"/>
-                </a:solidFill>
-              </a:rPr>
+              <a:rPr lang="en-US" sz="2800" dirty="0" err="1"/>
               <a:t>orientados</a:t>
             </a:r>
             <a:r>
-              <a:rPr lang="en-US" sz="2800">
-                <a:solidFill>
-                  <a:schemeClr val="bg1"/>
-                </a:solidFill>
-              </a:rPr>
+              <a:rPr lang="en-US" sz="2800" dirty="0"/>
               <a:t> a </a:t>
             </a:r>
             <a:r>
-              <a:rPr lang="en-US" sz="2800" err="1">
-                <a:solidFill>
-                  <a:schemeClr val="bg1"/>
-                </a:solidFill>
-              </a:rPr>
+              <a:rPr lang="en-US" sz="2800" dirty="0" err="1"/>
               <a:t>objetos</a:t>
             </a:r>
             <a:r>
-              <a:rPr lang="en-US" sz="2800">
-                <a:solidFill>
-                  <a:schemeClr val="bg1"/>
-                </a:solidFill>
-              </a:rPr>
+              <a:rPr lang="en-US" sz="2800" dirty="0"/>
               <a:t>, </a:t>
             </a:r>
             <a:r>
-              <a:rPr lang="en-US" sz="2800" err="1">
-                <a:solidFill>
-                  <a:schemeClr val="bg1"/>
-                </a:solidFill>
-              </a:rPr>
+              <a:rPr lang="en-US" sz="2800" dirty="0" err="1"/>
               <a:t>guiado</a:t>
             </a:r>
             <a:r>
-              <a:rPr lang="en-US" sz="2800">
-                <a:solidFill>
-                  <a:schemeClr val="bg1"/>
-                </a:solidFill>
-              </a:rPr>
+              <a:rPr lang="en-US" sz="2800" dirty="0"/>
               <a:t> </a:t>
             </a:r>
             <a:r>
-              <a:rPr lang="en-US" sz="2800" err="1">
-                <a:solidFill>
-                  <a:schemeClr val="bg1"/>
-                </a:solidFill>
-              </a:rPr>
+              <a:rPr lang="en-US" sz="2800" dirty="0" err="1"/>
               <a:t>por</a:t>
             </a:r>
             <a:r>
-              <a:rPr lang="en-US" sz="2800">
-                <a:solidFill>
-                  <a:schemeClr val="bg1"/>
-                </a:solidFill>
-              </a:rPr>
+              <a:rPr lang="en-US" sz="2800" dirty="0"/>
               <a:t> testes”. Steve Freeman.</a:t>
             </a:r>
           </a:p>
           <a:p>
             <a:r>
-              <a:rPr lang="en-US" sz="2800" err="1">
-                <a:solidFill>
-                  <a:schemeClr val="bg1"/>
-                </a:solidFill>
-              </a:rPr>
+              <a:rPr lang="en-US" sz="2800" dirty="0" err="1"/>
               <a:t>Livro</a:t>
             </a:r>
             <a:r>
-              <a:rPr lang="en-US" sz="2800">
-                <a:solidFill>
-                  <a:schemeClr val="bg1"/>
-                </a:solidFill>
-              </a:rPr>
+              <a:rPr lang="en-US" sz="2800" dirty="0"/>
               <a:t> “</a:t>
             </a:r>
             <a:r>
-              <a:rPr lang="en-US" sz="2800">
-                <a:solidFill>
-                  <a:schemeClr val="bg1"/>
-                </a:solidFill>
+              <a:rPr lang="en-US" sz="2800" dirty="0">
                 <a:hlinkClick r:id="rId2">
                   <a:extLst>
                     <a:ext uri="{A12FA001-AC4F-418D-AE19-62706E023703}">
@@ -24574,36 +23588,21 @@
               <a:t>Código Limpo</a:t>
             </a:r>
             <a:r>
-              <a:rPr lang="en-US" sz="2800">
-                <a:solidFill>
-                  <a:schemeClr val="bg1"/>
-                </a:solidFill>
-              </a:rPr>
+              <a:rPr lang="en-US" sz="2800" dirty="0"/>
               <a:t>”, Robert Martin.</a:t>
             </a:r>
           </a:p>
           <a:p>
             <a:r>
-              <a:rPr lang="en-US" sz="2800" err="1">
-                <a:solidFill>
-                  <a:schemeClr val="bg1"/>
-                </a:solidFill>
-              </a:rPr>
+              <a:rPr lang="en-US" sz="2800" dirty="0" err="1"/>
               <a:t>Livro</a:t>
             </a:r>
             <a:r>
-              <a:rPr lang="en-US" sz="2800">
-                <a:solidFill>
-                  <a:schemeClr val="bg1"/>
-                </a:solidFill>
-              </a:rPr>
+              <a:rPr lang="en-US" sz="2800" dirty="0"/>
               <a:t> “</a:t>
             </a:r>
             <a:r>
-              <a:rPr lang="en-US" sz="2800">
-                <a:solidFill>
-                  <a:schemeClr val="bg1"/>
-                </a:solidFill>
+              <a:rPr lang="en-US" sz="2800" dirty="0">
                 <a:hlinkClick r:id="rId3">
                   <a:extLst>
                     <a:ext uri="{A12FA001-AC4F-418D-AE19-62706E023703}">
@@ -24615,109 +23614,57 @@
               <a:t>Refatoração: Aperfeiçoando o Projeto</a:t>
             </a:r>
             <a:r>
-              <a:rPr lang="en-US" sz="2800">
-                <a:solidFill>
-                  <a:schemeClr val="bg1"/>
-                </a:solidFill>
-              </a:rPr>
+              <a:rPr lang="en-US" sz="2800" dirty="0"/>
               <a:t> de Código </a:t>
             </a:r>
             <a:r>
-              <a:rPr lang="en-US" sz="2800" err="1">
-                <a:solidFill>
-                  <a:schemeClr val="bg1"/>
-                </a:solidFill>
-              </a:rPr>
+              <a:rPr lang="en-US" sz="2800" dirty="0" err="1"/>
               <a:t>Existente</a:t>
             </a:r>
             <a:r>
-              <a:rPr lang="en-US" sz="2800">
-                <a:solidFill>
-                  <a:schemeClr val="bg1"/>
-                </a:solidFill>
-              </a:rPr>
+              <a:rPr lang="en-US" sz="2800" dirty="0"/>
               <a:t>”, Martin Fowler.</a:t>
             </a:r>
           </a:p>
           <a:p>
             <a:r>
-              <a:rPr lang="en-US" sz="2800" err="1">
-                <a:solidFill>
-                  <a:schemeClr val="bg1"/>
-                </a:solidFill>
-              </a:rPr>
+              <a:rPr lang="en-US" sz="2800" dirty="0" err="1"/>
               <a:t>Livro</a:t>
             </a:r>
             <a:r>
-              <a:rPr lang="en-US" sz="2800">
-                <a:solidFill>
-                  <a:schemeClr val="bg1"/>
-                </a:solidFill>
-              </a:rPr>
+              <a:rPr lang="en-US" sz="2800" dirty="0"/>
               <a:t> “</a:t>
             </a:r>
             <a:r>
-              <a:rPr lang="en-US" sz="2800" u="sng">
-                <a:solidFill>
-                  <a:schemeClr val="bg1"/>
-                </a:solidFill>
-              </a:rPr>
+              <a:rPr lang="en-US" sz="2800" u="sng" dirty="0"/>
               <a:t>TDD: </a:t>
             </a:r>
             <a:r>
-              <a:rPr lang="en-US" sz="2800" u="sng" err="1">
-                <a:solidFill>
-                  <a:schemeClr val="bg1"/>
-                </a:solidFill>
-              </a:rPr>
+              <a:rPr lang="en-US" sz="2800" u="sng" dirty="0" err="1"/>
               <a:t>Desenvolvimento</a:t>
             </a:r>
             <a:r>
-              <a:rPr lang="en-US" sz="2800" u="sng">
-                <a:solidFill>
-                  <a:schemeClr val="bg1"/>
-                </a:solidFill>
-              </a:rPr>
+              <a:rPr lang="en-US" sz="2800" u="sng" dirty="0"/>
               <a:t> </a:t>
             </a:r>
             <a:r>
-              <a:rPr lang="en-US" sz="2800" u="sng" err="1">
-                <a:solidFill>
-                  <a:schemeClr val="bg1"/>
-                </a:solidFill>
-              </a:rPr>
+              <a:rPr lang="en-US" sz="2800" u="sng" dirty="0" err="1"/>
               <a:t>Guiado</a:t>
             </a:r>
             <a:r>
-              <a:rPr lang="en-US" sz="2800" u="sng">
-                <a:solidFill>
-                  <a:schemeClr val="bg1"/>
-                </a:solidFill>
-              </a:rPr>
+              <a:rPr lang="en-US" sz="2800" u="sng" dirty="0"/>
               <a:t> </a:t>
             </a:r>
             <a:r>
-              <a:rPr lang="en-US" sz="2800" u="sng" err="1">
-                <a:solidFill>
-                  <a:schemeClr val="bg1"/>
-                </a:solidFill>
-              </a:rPr>
+              <a:rPr lang="en-US" sz="2800" u="sng" dirty="0" err="1"/>
               <a:t>por</a:t>
             </a:r>
             <a:r>
-              <a:rPr lang="en-US" sz="2800" u="sng">
-                <a:solidFill>
-                  <a:schemeClr val="bg1"/>
-                </a:solidFill>
-              </a:rPr>
+              <a:rPr lang="en-US" sz="2800" u="sng" dirty="0"/>
               <a:t> Testes</a:t>
             </a:r>
             <a:r>
-              <a:rPr lang="en-US" sz="2800">
-                <a:solidFill>
-                  <a:schemeClr val="bg1"/>
-                </a:solidFill>
-              </a:rPr>
+              <a:rPr lang="en-US" sz="2800" dirty="0"/>
               <a:t>”, Kent Beck.</a:t>
             </a:r>
           </a:p>
@@ -24747,14 +23694,14 @@
             <a:fld id="{2183B7EE-0FBE-B749-875F-ED24F5ECD71F}" type="slidenum">
               <a:rPr lang="en-US" smtClean="0">
                 <a:solidFill>
-                  <a:schemeClr val="bg1"/>
+                  <a:schemeClr val="tx1"/>
                 </a:solidFill>
               </a:rPr>
-              <a:t>32</a:t>
+              <a:t>33</a:t>
             </a:fld>
             <a:endParaRPr lang="en-US">
               <a:solidFill>
-                <a:schemeClr val="bg1"/>
+                <a:schemeClr val="tx1"/>
               </a:solidFill>
             </a:endParaRPr>
           </a:p>
@@ -26169,15 +25116,7 @@
           <a:p>
             <a:r>
               <a:rPr lang="pt-BR" sz="3200" dirty="0"/>
-              <a:t>Um método longo normalmente é </a:t>
-            </a:r>
-            <a:r>
-              <a:rPr lang="pt-BR" sz="3200" dirty="0" err="1"/>
-              <a:t>difícel</a:t>
-            </a:r>
-            <a:r>
-              <a:rPr lang="pt-BR" sz="3200" dirty="0"/>
-              <a:t> de ler</a:t>
+              <a:t>Um método longo normalmente é difícil de ler</a:t>
             </a:r>
           </a:p>
           <a:p>
@@ -26187,19 +25126,11 @@
             </a:r>
             <a:r>
               <a:rPr lang="en-US" sz="3200" dirty="0" err="1"/>
-              <a:t>criou</a:t>
+              <a:t>cunhou</a:t>
             </a:r>
             <a:r>
               <a:rPr lang="en-US" sz="3200" dirty="0"/>
-              <a:t> </a:t>
-            </a:r>
-            <a:r>
-              <a:rPr lang="en-US" sz="3200" dirty="0" err="1"/>
-              <a:t>uma</a:t>
-            </a:r>
-            <a:r>
-              <a:rPr lang="en-US" sz="3200" dirty="0"/>
-              <a:t> </a:t>
+              <a:t> a </a:t>
             </a:r>
             <a:r>
               <a:rPr lang="en-US" sz="3200" dirty="0" err="1"/>
@@ -26207,24 +25138,11 @@
             </a:r>
             <a:r>
               <a:rPr lang="en-US" sz="3200" dirty="0"/>
-              <a:t> </a:t>
-            </a:r>
-            <a:r>
-              <a:rPr lang="en-US" sz="3200" dirty="0" err="1"/>
-              <a:t>pra</a:t>
-            </a:r>
-            <a:r>
+              <a:t>: </a:t>
+            </a:r>
+            <a:br>
               <a:rPr lang="en-US" sz="3200" dirty="0"/>
-              <a:t> </a:t>
-            </a:r>
-            <a:r>
-              <a:rPr lang="en-US" sz="3200" dirty="0" err="1"/>
-              <a:t>isso</a:t>
-            </a:r>
-            <a:r>
-              <a:rPr lang="en-US" sz="3200" dirty="0"/>
-              <a:t>: </a:t>
-            </a:r>
+            </a:br>
             <a:r>
               <a:rPr lang="en-US" sz="3200" dirty="0">
                 <a:hlinkClick r:id="rId2"/>
@@ -26623,6 +25541,14 @@
 <file path=ppt/slides/slide7.xml><?xml version="1.0" encoding="utf-8"?>
 <p:sld xmlns:a="http://schemas.openxmlformats.org/drawingml/2006/main" xmlns:r="http://schemas.openxmlformats.org/officeDocument/2006/relationships" xmlns:p="http://schemas.openxmlformats.org/presentationml/2006/main">
   <p:cSld>
+    <p:bg>
+      <p:bgPr>
+        <a:solidFill>
+          <a:schemeClr val="tx1"/>
+        </a:solidFill>
+        <a:effectLst/>
+      </p:bgPr>
+    </p:bg>
     <p:spTree>
       <p:nvGrpSpPr>
         <p:cNvPr id="1" name=""/>
@@ -26652,7 +25578,7 @@
           <p:nvPr/>
         </p:nvPicPr>
         <p:blipFill>
-          <a:blip r:embed="rId3"/>
+          <a:blip r:embed="rId2"/>
           <a:stretch>
             <a:fillRect/>
           </a:stretch>
@@ -26697,10 +25623,18 @@
           <a:p>
             <a:pPr algn="ctr"/>
             <a:r>
-              <a:rPr lang="pt-BR" b="1" i="1"/>
+              <a:rPr lang="pt-BR" b="1" i="1">
+                <a:solidFill>
+                  <a:schemeClr val="bg1"/>
+                </a:solidFill>
+              </a:rPr>
               <a:t>Código Duplicado</a:t>
             </a:r>
-            <a:endParaRPr lang="pt-BR"/>
+            <a:endParaRPr lang="pt-BR">
+              <a:solidFill>
+                <a:schemeClr val="bg1"/>
+              </a:solidFill>
+            </a:endParaRPr>
           </a:p>
         </p:txBody>
       </p:sp>
@@ -26723,7 +25657,7 @@
         <p:spPr>
           <a:xfrm>
             <a:off x="355635" y="1618938"/>
-            <a:ext cx="9530038" cy="4517570"/>
+            <a:ext cx="11306278" cy="4517570"/>
           </a:xfrm>
         </p:spPr>
         <p:txBody>
@@ -26733,31 +25667,54 @@
           <a:lstStyle/>
           <a:p>
             <a:r>
-              <a:rPr lang="pt-BR" sz="3200" dirty="0"/>
+              <a:rPr lang="pt-BR" sz="3200" dirty="0">
+                <a:solidFill>
+                  <a:schemeClr val="bg1"/>
+                </a:solidFill>
+              </a:rPr>
               <a:t>Frequentemente, métodos longos escondem muito código duplicado</a:t>
             </a:r>
           </a:p>
           <a:p>
             <a:r>
-              <a:rPr lang="pt-BR" sz="3200" dirty="0"/>
+              <a:rPr lang="pt-BR" sz="3200" dirty="0">
+                <a:solidFill>
+                  <a:schemeClr val="bg1"/>
+                </a:solidFill>
+              </a:rPr>
               <a:t>Causa retrabalho e demora no desenvolvimento de software</a:t>
             </a:r>
           </a:p>
           <a:p>
             <a:r>
-              <a:rPr lang="pt-BR" sz="3200" dirty="0"/>
+              <a:rPr lang="pt-BR" sz="3200" dirty="0">
+                <a:solidFill>
+                  <a:schemeClr val="bg1"/>
+                </a:solidFill>
+              </a:rPr>
               <a:t>Dificulta o teste do software: seria preciso testar cada cópia</a:t>
             </a:r>
           </a:p>
           <a:p>
             <a:r>
-              <a:rPr lang="pt-BR" sz="3200" dirty="0"/>
+              <a:rPr lang="pt-BR" sz="3200" dirty="0">
+                <a:solidFill>
+                  <a:schemeClr val="bg1"/>
+                </a:solidFill>
+              </a:rPr>
               <a:t>Se um cópia estiver errada, é preciso corrigir todas: retrabalho</a:t>
             </a:r>
           </a:p>
           <a:p>
-            <a:r>
-              <a:rPr lang="pt-BR" sz="3200" dirty="0"/>
+            <a:pPr marL="0" indent="0" algn="ctr">
+              <a:buNone/>
+            </a:pPr>
+            <a:r>
+              <a:rPr lang="pt-BR" sz="3200" dirty="0">
+                <a:solidFill>
+                  <a:schemeClr val="bg1"/>
+                </a:solidFill>
+              </a:rPr>
               <a:t>É maligno: ele vai tramar contra você! 😱😭</a:t>
             </a:r>
           </a:p>
@@ -26785,10 +25742,18 @@
           <a:lstStyle/>
           <a:p>
             <a:fld id="{2183B7EE-0FBE-B749-875F-ED24F5ECD71F}" type="slidenum">
-              <a:rPr lang="en-US" smtClean="0"/>
+              <a:rPr lang="en-US" smtClean="0">
+                <a:solidFill>
+                  <a:schemeClr val="bg1"/>
+                </a:solidFill>
+              </a:rPr>
               <a:t>7</a:t>
             </a:fld>
-            <a:endParaRPr lang="en-US"/>
+            <a:endParaRPr lang="en-US">
+              <a:solidFill>
+                <a:schemeClr val="bg1"/>
+              </a:solidFill>
+            </a:endParaRPr>
           </a:p>
         </p:txBody>
       </p:sp>
@@ -26822,38 +25787,74 @@
           <a:p>
             <a:pPr algn="ctr"/>
             <a:r>
-              <a:rPr lang="pt-BR" sz="1000"/>
+              <a:rPr lang="pt-BR" sz="1000">
+                <a:solidFill>
+                  <a:schemeClr val="bg1"/>
+                </a:solidFill>
+              </a:rPr>
               <a:t>Imagem: </a:t>
             </a:r>
             <a:r>
-              <a:rPr lang="pt-BR" sz="1000" err="1"/>
+              <a:rPr lang="pt-BR" sz="1000" err="1">
+                <a:solidFill>
+                  <a:schemeClr val="bg1"/>
+                </a:solidFill>
+              </a:rPr>
               <a:t>http</a:t>
             </a:r>
             <a:r>
-              <a:rPr lang="pt-BR" sz="1000"/>
+              <a:rPr lang="pt-BR" sz="1000">
+                <a:solidFill>
+                  <a:schemeClr val="bg1"/>
+                </a:solidFill>
+              </a:rPr>
               <a:t>://</a:t>
             </a:r>
             <a:r>
-              <a:rPr lang="pt-BR" sz="1000" err="1"/>
+              <a:rPr lang="pt-BR" sz="1000" err="1">
+                <a:solidFill>
+                  <a:schemeClr val="bg1"/>
+                </a:solidFill>
+              </a:rPr>
               <a:t>arenaxlsm.wikia.com</a:t>
             </a:r>
             <a:r>
-              <a:rPr lang="pt-BR" sz="1000"/>
+              <a:rPr lang="pt-BR" sz="1000">
+                <a:solidFill>
+                  <a:schemeClr val="bg1"/>
+                </a:solidFill>
+              </a:rPr>
               <a:t>/</a:t>
             </a:r>
             <a:r>
-              <a:rPr lang="pt-BR" sz="1000" err="1"/>
+              <a:rPr lang="pt-BR" sz="1000" err="1">
+                <a:solidFill>
+                  <a:schemeClr val="bg1"/>
+                </a:solidFill>
+              </a:rPr>
               <a:t>wiki</a:t>
             </a:r>
             <a:r>
-              <a:rPr lang="pt-BR" sz="1000"/>
+              <a:rPr lang="pt-BR" sz="1000">
+                <a:solidFill>
+                  <a:schemeClr val="bg1"/>
+                </a:solidFill>
+              </a:rPr>
               <a:t>/</a:t>
             </a:r>
             <a:r>
-              <a:rPr lang="pt-BR" sz="1000" err="1"/>
+              <a:rPr lang="pt-BR" sz="1000" err="1">
+                <a:solidFill>
+                  <a:schemeClr val="bg1"/>
+                </a:solidFill>
+              </a:rPr>
               <a:t>The_Ultimate_Evil</a:t>
             </a:r>
-            <a:endParaRPr lang="pt-BR" sz="1000"/>
+            <a:endParaRPr lang="pt-BR" sz="1000">
+              <a:solidFill>
+                <a:schemeClr val="bg1"/>
+              </a:solidFill>
+            </a:endParaRPr>
           </a:p>
         </p:txBody>
       </p:sp>
@@ -27379,29 +26380,6 @@
                                       </p:cBhvr>
                                     </p:animEffect>
                                   </p:childTnLst>
-                                  <p:subTnLst>
-                                    <p:audio>
-                                      <p:cMediaNode>
-                                        <p:cTn display="0" masterRel="sameClick">
-                                          <p:stCondLst>
-                                            <p:cond evt="begin" delay="0">
-                                              <p:tn val="40"/>
-                                            </p:cond>
-                                          </p:stCondLst>
-                                          <p:endCondLst>
-                                            <p:cond evt="onStopAudio" delay="0">
-                                              <p:tgtEl>
-                                                <p:sldTgt/>
-                                              </p:tgtEl>
-                                            </p:cond>
-                                          </p:endCondLst>
-                                        </p:cTn>
-                                        <p:tgtEl>
-                                          <p:sndTgt r:embed="rId2" name="voltage.wav"/>
-                                        </p:tgtEl>
-                                      </p:cMediaNode>
-                                    </p:audio>
-                                  </p:subTnLst>
                                 </p:cTn>
                               </p:par>
                               <p:par>
@@ -27459,7 +26437,7 @@
       </p:par>
     </p:tnLst>
     <p:bldLst>
-      <p:bldP spid="3" grpId="0" uiExpand="1" build="p"/>
+      <p:bldP spid="3" grpId="0" build="p"/>
       <p:bldP spid="3" grpId="1" uiExpand="1" build="p"/>
       <p:bldP spid="7" grpId="0"/>
     </p:bldLst>
@@ -27470,16 +26448,6 @@
 <file path=ppt/slides/slide8.xml><?xml version="1.0" encoding="utf-8"?>
 <p:sld xmlns:a="http://schemas.openxmlformats.org/drawingml/2006/main" xmlns:r="http://schemas.openxmlformats.org/officeDocument/2006/relationships" xmlns:p="http://schemas.openxmlformats.org/presentationml/2006/main">
   <p:cSld>
-    <p:bg>
-      <p:bgPr>
-        <a:solidFill>
-          <a:schemeClr val="tx1">
-            <a:lumMod val="95000"/>
-          </a:schemeClr>
-        </a:solidFill>
-        <a:effectLst/>
-      </p:bgPr>
-    </p:bg>
     <p:spTree>
       <p:nvGrpSpPr>
         <p:cNvPr id="1" name=""/>
@@ -27561,7 +26529,7 @@
           <p:spPr>
             <a:xfrm>
               <a:off x="8290123" y="3418523"/>
-              <a:ext cx="3300236" cy="1015663"/>
+              <a:ext cx="3300236" cy="1071079"/>
             </a:xfrm>
             <a:prstGeom prst="rect">
               <a:avLst/>
@@ -27576,26 +26544,14 @@
             <a:p>
               <a:pPr algn="ctr"/>
               <a:r>
-                <a:rPr lang="pt-BR" sz="2000" b="1" dirty="0">
-                  <a:solidFill>
-                    <a:schemeClr val="bg1"/>
-                  </a:solidFill>
-                </a:rPr>
+                <a:rPr lang="pt-BR" sz="2000" b="1" dirty="0"/>
                 <a:t>Tá inventando moda. </a:t>
               </a:r>
               <a:br>
-                <a:rPr lang="pt-BR" sz="2000" b="1" dirty="0">
-                  <a:solidFill>
-                    <a:schemeClr val="bg1"/>
-                  </a:solidFill>
-                </a:rPr>
+                <a:rPr lang="pt-BR" sz="2000" b="1" dirty="0"/>
               </a:br>
               <a:r>
-                <a:rPr lang="pt-BR" sz="2000" b="1" dirty="0">
-                  <a:solidFill>
-                    <a:schemeClr val="bg1"/>
-                  </a:solidFill>
-                </a:rPr>
+                <a:rPr lang="pt-BR" sz="2000" b="1" dirty="0"/>
                 <a:t>Software não é tomate pra apodrecer!</a:t>
               </a:r>
             </a:p>
@@ -27616,7 +26572,7 @@
           <p:spPr>
             <a:xfrm>
               <a:off x="2413809" y="6557603"/>
-              <a:ext cx="2063385" cy="246221"/>
+              <a:ext cx="2158829" cy="259655"/>
             </a:xfrm>
             <a:prstGeom prst="rect">
               <a:avLst/>
@@ -27630,42 +26586,22 @@
             <a:lstStyle/>
             <a:p>
               <a:r>
-                <a:rPr lang="pt-BR" sz="1000">
-                  <a:solidFill>
-                    <a:schemeClr val="bg1"/>
-                  </a:solidFill>
-                </a:rPr>
+                <a:rPr lang="pt-BR" sz="1000"/>
                 <a:t>Imagem: </a:t>
               </a:r>
               <a:r>
-                <a:rPr lang="pt-BR" sz="1000" err="1">
-                  <a:solidFill>
-                    <a:schemeClr val="bg1"/>
-                  </a:solidFill>
-                </a:rPr>
+                <a:rPr lang="pt-BR" sz="1000" err="1"/>
                 <a:t>https</a:t>
               </a:r>
               <a:r>
-                <a:rPr lang="pt-BR" sz="1000">
-                  <a:solidFill>
-                    <a:schemeClr val="bg1"/>
-                  </a:solidFill>
-                </a:rPr>
+                <a:rPr lang="pt-BR" sz="1000"/>
                 <a:t>://</a:t>
               </a:r>
               <a:r>
-                <a:rPr lang="pt-BR" sz="1000" err="1">
-                  <a:solidFill>
-                    <a:schemeClr val="bg1"/>
-                  </a:solidFill>
-                </a:rPr>
+                <a:rPr lang="pt-BR" sz="1000" err="1"/>
                 <a:t>pixabay.com</a:t>
               </a:r>
-              <a:endParaRPr lang="pt-BR" sz="1000">
-                <a:solidFill>
-                  <a:schemeClr val="bg1"/>
-                </a:solidFill>
-              </a:endParaRPr>
+              <a:endParaRPr lang="pt-BR" sz="1000"/>
             </a:p>
           </p:txBody>
         </p:sp>
@@ -27700,18 +26636,10 @@
           <a:p>
             <a:pPr algn="ctr"/>
             <a:r>
-              <a:rPr lang="pt-BR" b="1" i="1">
-                <a:solidFill>
-                  <a:schemeClr val="bg1"/>
-                </a:solidFill>
-              </a:rPr>
+              <a:rPr lang="pt-BR" b="1" i="1"/>
               <a:t>Código Duplicado</a:t>
             </a:r>
-            <a:endParaRPr lang="pt-BR">
-              <a:solidFill>
-                <a:schemeClr val="bg1"/>
-              </a:solidFill>
-            </a:endParaRPr>
+            <a:endParaRPr lang="pt-BR"/>
           </a:p>
         </p:txBody>
       </p:sp>
@@ -27733,7 +26661,7 @@
         </p:nvSpPr>
         <p:spPr>
           <a:xfrm>
-            <a:off x="1127154" y="1304843"/>
+            <a:off x="1259491" y="1200195"/>
             <a:ext cx="9530038" cy="4517570"/>
           </a:xfrm>
         </p:spPr>
@@ -27744,58 +26672,41 @@
           <a:lstStyle/>
           <a:p>
             <a:r>
-              <a:rPr lang="pt-BR" sz="3200" dirty="0">
-                <a:solidFill>
-                  <a:schemeClr val="bg1"/>
-                </a:solidFill>
-              </a:rPr>
+              <a:rPr lang="pt-BR" sz="3200" dirty="0"/>
               <a:t>Leva ao apodrecimento do software!</a:t>
             </a:r>
           </a:p>
           <a:p>
             <a:r>
-              <a:rPr lang="pt-BR" sz="3200" dirty="0">
-                <a:solidFill>
-                  <a:schemeClr val="bg1"/>
-                </a:solidFill>
-              </a:rPr>
+              <a:rPr lang="pt-BR" sz="3200" dirty="0"/>
               <a:t>O código pode degradar a um ponto que manutenção tende a gerar mais bugs.</a:t>
             </a:r>
           </a:p>
           <a:p>
             <a:r>
-              <a:rPr lang="pt-BR" sz="3200" dirty="0">
-                <a:solidFill>
-                  <a:schemeClr val="bg1"/>
-                </a:solidFill>
-              </a:rPr>
+              <a:rPr lang="pt-BR" sz="3200" dirty="0"/>
               <a:t>É isso mesmo. Existe até o termo </a:t>
             </a:r>
             <a:r>
               <a:rPr lang="pt-BR" sz="3200" i="1" dirty="0">
-                <a:solidFill>
-                  <a:schemeClr val="bg1"/>
-                </a:solidFill>
-                <a:hlinkClick r:id="rId3"/>
+                <a:hlinkClick r:id="rId3">
+                  <a:extLst>
+                    <a:ext uri="{A12FA001-AC4F-418D-AE19-62706E023703}">
+                      <ahyp:hlinkClr xmlns:ahyp="http://schemas.microsoft.com/office/drawing/2018/hyperlinkcolor" val="tx"/>
+                    </a:ext>
+                  </a:extLst>
+                </a:hlinkClick>
               </a:rPr>
               <a:t>Software Rot</a:t>
             </a:r>
             <a:r>
-              <a:rPr lang="pt-BR" sz="3200" i="1" dirty="0">
-                <a:solidFill>
-                  <a:schemeClr val="bg1"/>
-                </a:solidFill>
-              </a:rPr>
+              <a:rPr lang="pt-BR" sz="3200" i="1" dirty="0"/>
               <a:t>.</a:t>
             </a:r>
           </a:p>
           <a:p>
             <a:r>
-              <a:rPr lang="pt-BR" sz="3200" i="1" dirty="0">
-                <a:solidFill>
-                  <a:schemeClr val="bg1"/>
-                </a:solidFill>
-              </a:rPr>
+              <a:rPr lang="pt-BR" sz="3200" i="1" dirty="0"/>
               <a:t>Em alguns casos, pode ser mais fácil criar um novo software.</a:t>
             </a:r>
           </a:p>
@@ -27823,10 +26734,18 @@
           <a:lstStyle/>
           <a:p>
             <a:fld id="{2183B7EE-0FBE-B749-875F-ED24F5ECD71F}" type="slidenum">
-              <a:rPr lang="en-US" smtClean="0"/>
+              <a:rPr lang="en-US" smtClean="0">
+                <a:solidFill>
+                  <a:schemeClr val="tx1"/>
+                </a:solidFill>
+              </a:rPr>
               <a:t>8</a:t>
             </a:fld>
-            <a:endParaRPr lang="en-US"/>
+            <a:endParaRPr lang="en-US">
+              <a:solidFill>
+                <a:schemeClr val="tx1"/>
+              </a:solidFill>
+            </a:endParaRPr>
           </a:p>
         </p:txBody>
       </p:sp>
@@ -28323,16 +27242,6 @@
 <file path=ppt/slides/slide9.xml><?xml version="1.0" encoding="utf-8"?>
 <p:sld xmlns:a="http://schemas.openxmlformats.org/drawingml/2006/main" xmlns:r="http://schemas.openxmlformats.org/officeDocument/2006/relationships" xmlns:p="http://schemas.openxmlformats.org/presentationml/2006/main">
   <p:cSld>
-    <p:bg>
-      <p:bgPr>
-        <a:solidFill>
-          <a:schemeClr val="tx1">
-            <a:lumMod val="95000"/>
-          </a:schemeClr>
-        </a:solidFill>
-        <a:effectLst/>
-      </p:bgPr>
-    </p:bg>
     <p:spTree>
       <p:nvGrpSpPr>
         <p:cNvPr id="1" name=""/>
@@ -28377,18 +27286,10 @@
           <a:p>
             <a:pPr algn="ctr"/>
             <a:r>
-              <a:rPr lang="pt-BR" b="1" i="1">
-                <a:solidFill>
-                  <a:schemeClr val="bg1"/>
-                </a:solidFill>
-              </a:rPr>
+              <a:rPr lang="pt-BR" b="1" i="1"/>
               <a:t>Código Duplicado</a:t>
             </a:r>
-            <a:endParaRPr lang="pt-BR">
-              <a:solidFill>
-                <a:schemeClr val="bg1"/>
-              </a:solidFill>
-            </a:endParaRPr>
+            <a:endParaRPr lang="pt-BR"/>
           </a:p>
         </p:txBody>
       </p:sp>
@@ -28410,8 +27311,8 @@
         </p:nvSpPr>
         <p:spPr>
           <a:xfrm>
-            <a:off x="1127154" y="1304843"/>
-            <a:ext cx="9530038" cy="4517570"/>
+            <a:off x="469692" y="1572645"/>
+            <a:ext cx="11327567" cy="5065977"/>
           </a:xfrm>
         </p:spPr>
         <p:txBody>
@@ -28421,54 +27322,30 @@
           <a:lstStyle/>
           <a:p>
             <a:r>
-              <a:rPr lang="pt-BR" sz="3200" i="1" dirty="0">
-                <a:solidFill>
-                  <a:schemeClr val="bg1"/>
-                </a:solidFill>
-              </a:rPr>
+              <a:rPr lang="pt-BR" sz="3200" i="1" dirty="0"/>
               <a:t>O </a:t>
             </a:r>
             <a:r>
-              <a:rPr lang="pt-BR" sz="3200" i="1" dirty="0" err="1">
-                <a:solidFill>
-                  <a:schemeClr val="bg1"/>
-                </a:solidFill>
-              </a:rPr>
+              <a:rPr lang="pt-BR" sz="3200" i="1" dirty="0" err="1"/>
               <a:t>JUnit</a:t>
             </a:r>
             <a:r>
-              <a:rPr lang="pt-BR" sz="3200" i="1" dirty="0">
-                <a:solidFill>
-                  <a:schemeClr val="bg1"/>
-                </a:solidFill>
-              </a:rPr>
+              <a:rPr lang="pt-BR" sz="3200" i="1" dirty="0"/>
               <a:t>, um dos mais renomados e utilizados projetos Java, teve seu código jogado fora e começaram a versão 5 do zero!</a:t>
             </a:r>
           </a:p>
           <a:p>
             <a:r>
-              <a:rPr lang="pt-BR" sz="3200" i="1" dirty="0">
-                <a:solidFill>
-                  <a:schemeClr val="bg1"/>
-                </a:solidFill>
-              </a:rPr>
+              <a:rPr lang="pt-BR" sz="3200" i="1" dirty="0"/>
               <a:t>Os motivos para isso foi que, neste caso, o software teve um sucesso não imaginado e não foi projetado adequadamente.</a:t>
             </a:r>
           </a:p>
           <a:p>
             <a:r>
-              <a:rPr lang="pt-BR" sz="3200" i="1" dirty="0">
-                <a:solidFill>
-                  <a:schemeClr val="bg1"/>
-                </a:solidFill>
-              </a:rPr>
+              <a:rPr lang="pt-BR" sz="3200" i="1" dirty="0"/>
               <a:t>Criar um novo software para atender as necessidades atuais, principalmente de ferramentas que se integram com ele, foi mais viável.</a:t>
             </a:r>
-            <a:endParaRPr lang="pt-BR" sz="3200" dirty="0">
-              <a:solidFill>
-                <a:schemeClr val="bg1"/>
-              </a:solidFill>
-            </a:endParaRPr>
+            <a:endParaRPr lang="pt-BR" sz="3200" dirty="0"/>
           </a:p>
         </p:txBody>
       </p:sp>
@@ -28494,10 +27371,18 @@
           <a:lstStyle/>
           <a:p>
             <a:fld id="{2183B7EE-0FBE-B749-875F-ED24F5ECD71F}" type="slidenum">
-              <a:rPr lang="en-US" smtClean="0"/>
+              <a:rPr lang="en-US" smtClean="0">
+                <a:solidFill>
+                  <a:schemeClr val="tx1"/>
+                </a:solidFill>
+              </a:rPr>
               <a:t>9</a:t>
             </a:fld>
-            <a:endParaRPr lang="en-US"/>
+            <a:endParaRPr lang="en-US">
+              <a:solidFill>
+                <a:schemeClr val="tx1"/>
+              </a:solidFill>
+            </a:endParaRPr>
           </a:p>
         </p:txBody>
       </p:sp>
@@ -28823,7 +27708,7 @@
 <file path=ppt/theme/theme1.xml><?xml version="1.0" encoding="utf-8"?>
 <a:theme xmlns:a="http://schemas.openxmlformats.org/drawingml/2006/main" name="Vapor Trail">
   <a:themeElements>
-    <a:clrScheme name="Custom 6 2">
+    <a:clrScheme name="Custom 5 7">
       <a:dk1>
         <a:srgbClr val="000000"/>
       </a:dk1>
@@ -28837,22 +27722,22 @@
         <a:srgbClr val="DADADA"/>
       </a:lt2>
       <a:accent1>
-        <a:srgbClr val="DF2E28"/>
+        <a:srgbClr val="C4220D"/>
       </a:accent1>
       <a:accent2>
-        <a:srgbClr val="FE801A"/>
+        <a:srgbClr val="EB7712"/>
       </a:accent2>
       <a:accent3>
-        <a:srgbClr val="E9BF35"/>
+        <a:srgbClr val="ECBD31"/>
       </a:accent3>
       <a:accent4>
-        <a:srgbClr val="81BB42"/>
+        <a:srgbClr val="92CE4A"/>
       </a:accent4>
       <a:accent5>
-        <a:srgbClr val="32C7A9"/>
+        <a:srgbClr val="50CFB4"/>
       </a:accent5>
       <a:accent6>
-        <a:srgbClr val="4A9BDC"/>
+        <a:srgbClr val="0D8EC5"/>
       </a:accent6>
       <a:hlink>
         <a:srgbClr val="0432FF"/>
@@ -29084,7 +27969,7 @@
   <a:extraClrSchemeLst/>
   <a:extLst>
     <a:ext uri="{05A4C25C-085E-4340-85A3-A5531E510DB2}">
-      <thm15:themeFamily xmlns:thm15="http://schemas.microsoft.com/office/thememl/2012/main" name="Vapor Trail" id="{4FDF2955-7D9C-493C-B9F9-C205151B46CD}" vid="{8F31A783-2159-4870-BC29-2BA7D038EA44}"/>
+      <thm15:themeFamily xmlns:thm15="http://schemas.microsoft.com/office/thememl/2012/main" name="Vapor Trail" id="{4FDF2955-7D9C-493C-B9F9-C205151B46CD}" vid="{FE1EB5C7-81A8-4CBA-AE6E-B3BF73DC3895}"/>
     </a:ext>
   </a:extLst>
 </a:theme>
